--- a/experiments/05_forced_choice/images/phone_pictures.pptx
+++ b/experiments/05_forced_choice/images/phone_pictures.pptx
@@ -5,7 +5,7 @@
     <p:sldMasterId id="2147483648" r:id="rId1"/>
   </p:sldMasterIdLst>
   <p:notesMasterIdLst>
-    <p:notesMasterId r:id="rId16"/>
+    <p:notesMasterId r:id="rId21"/>
   </p:notesMasterIdLst>
   <p:sldIdLst>
     <p:sldId id="256" r:id="rId2"/>
@@ -18,10 +18,15 @@
     <p:sldId id="260" r:id="rId9"/>
     <p:sldId id="265" r:id="rId10"/>
     <p:sldId id="269" r:id="rId11"/>
-    <p:sldId id="261" r:id="rId12"/>
-    <p:sldId id="266" r:id="rId13"/>
-    <p:sldId id="267" r:id="rId14"/>
-    <p:sldId id="268" r:id="rId15"/>
+    <p:sldId id="270" r:id="rId12"/>
+    <p:sldId id="275" r:id="rId13"/>
+    <p:sldId id="261" r:id="rId14"/>
+    <p:sldId id="266" r:id="rId15"/>
+    <p:sldId id="267" r:id="rId16"/>
+    <p:sldId id="274" r:id="rId17"/>
+    <p:sldId id="268" r:id="rId18"/>
+    <p:sldId id="271" r:id="rId19"/>
+    <p:sldId id="272" r:id="rId20"/>
   </p:sldIdLst>
   <p:sldSz cx="12192000" cy="6858000"/>
   <p:notesSz cx="6858000" cy="9144000"/>
@@ -210,7 +215,7 @@
           <a:p>
             <a:fld id="{F77159DA-EFE6-8043-BA1B-A6676A2E45AB}" type="datetimeFigureOut">
               <a:rPr lang="en-US" smtClean="0"/>
-              <a:t>1/21/22</a:t>
+              <a:t>1/23/22</a:t>
             </a:fld>
             <a:endParaRPr lang="en-US"/>
           </a:p>
@@ -636,7 +641,427 @@
     </p:spTree>
     <p:extLst>
       <p:ext uri="{BB962C8B-B14F-4D97-AF65-F5344CB8AC3E}">
+        <p14:creationId xmlns:p14="http://schemas.microsoft.com/office/powerpoint/2010/main" val="3204769895"/>
+      </p:ext>
+    </p:extLst>
+  </p:cSld>
+  <p:clrMapOvr>
+    <a:masterClrMapping/>
+  </p:clrMapOvr>
+</p:notes>
+</file>
+
+<file path=ppt/notesSlides/notesSlide11.xml><?xml version="1.0" encoding="utf-8"?>
+<p:notes xmlns:a="http://schemas.openxmlformats.org/drawingml/2006/main" xmlns:r="http://schemas.openxmlformats.org/officeDocument/2006/relationships" xmlns:p="http://schemas.openxmlformats.org/presentationml/2006/main">
+  <p:cSld>
+    <p:spTree>
+      <p:nvGrpSpPr>
+        <p:cNvPr id="1" name=""/>
+        <p:cNvGrpSpPr/>
+        <p:nvPr/>
+      </p:nvGrpSpPr>
+      <p:grpSpPr>
+        <a:xfrm>
+          <a:off x="0" y="0"/>
+          <a:ext cx="0" cy="0"/>
+          <a:chOff x="0" y="0"/>
+          <a:chExt cx="0" cy="0"/>
+        </a:xfrm>
+      </p:grpSpPr>
+      <p:sp>
+        <p:nvSpPr>
+          <p:cNvPr id="2" name="Slide Image Placeholder 1"/>
+          <p:cNvSpPr>
+            <a:spLocks noGrp="1" noRot="1" noChangeAspect="1"/>
+          </p:cNvSpPr>
+          <p:nvPr>
+            <p:ph type="sldImg"/>
+          </p:nvPr>
+        </p:nvSpPr>
+        <p:spPr/>
+      </p:sp>
+      <p:sp>
+        <p:nvSpPr>
+          <p:cNvPr id="3" name="Notes Placeholder 2"/>
+          <p:cNvSpPr>
+            <a:spLocks noGrp="1"/>
+          </p:cNvSpPr>
+          <p:nvPr>
+            <p:ph type="body" idx="1"/>
+          </p:nvPr>
+        </p:nvSpPr>
+        <p:spPr/>
+        <p:txBody>
+          <a:bodyPr/>
+          <a:lstStyle/>
+          <a:p>
+            <a:endParaRPr lang="en-US" dirty="0"/>
+          </a:p>
+        </p:txBody>
+      </p:sp>
+      <p:sp>
+        <p:nvSpPr>
+          <p:cNvPr id="4" name="Slide Number Placeholder 3"/>
+          <p:cNvSpPr>
+            <a:spLocks noGrp="1"/>
+          </p:cNvSpPr>
+          <p:nvPr>
+            <p:ph type="sldNum" sz="quarter" idx="5"/>
+          </p:nvPr>
+        </p:nvSpPr>
+        <p:spPr/>
+        <p:txBody>
+          <a:bodyPr/>
+          <a:lstStyle/>
+          <a:p>
+            <a:fld id="{FBDE252E-4F25-1241-A09F-547FE48FBA3A}" type="slidenum">
+              <a:rPr lang="en-US" smtClean="0"/>
+              <a:t>15</a:t>
+            </a:fld>
+            <a:endParaRPr lang="en-US"/>
+          </a:p>
+        </p:txBody>
+      </p:sp>
+    </p:spTree>
+    <p:extLst>
+      <p:ext uri="{BB962C8B-B14F-4D97-AF65-F5344CB8AC3E}">
+        <p14:creationId xmlns:p14="http://schemas.microsoft.com/office/powerpoint/2010/main" val="1823655460"/>
+      </p:ext>
+    </p:extLst>
+  </p:cSld>
+  <p:clrMapOvr>
+    <a:masterClrMapping/>
+  </p:clrMapOvr>
+</p:notes>
+</file>
+
+<file path=ppt/notesSlides/notesSlide12.xml><?xml version="1.0" encoding="utf-8"?>
+<p:notes xmlns:a="http://schemas.openxmlformats.org/drawingml/2006/main" xmlns:r="http://schemas.openxmlformats.org/officeDocument/2006/relationships" xmlns:p="http://schemas.openxmlformats.org/presentationml/2006/main">
+  <p:cSld>
+    <p:spTree>
+      <p:nvGrpSpPr>
+        <p:cNvPr id="1" name=""/>
+        <p:cNvGrpSpPr/>
+        <p:nvPr/>
+      </p:nvGrpSpPr>
+      <p:grpSpPr>
+        <a:xfrm>
+          <a:off x="0" y="0"/>
+          <a:ext cx="0" cy="0"/>
+          <a:chOff x="0" y="0"/>
+          <a:chExt cx="0" cy="0"/>
+        </a:xfrm>
+      </p:grpSpPr>
+      <p:sp>
+        <p:nvSpPr>
+          <p:cNvPr id="2" name="Slide Image Placeholder 1"/>
+          <p:cNvSpPr>
+            <a:spLocks noGrp="1" noRot="1" noChangeAspect="1"/>
+          </p:cNvSpPr>
+          <p:nvPr>
+            <p:ph type="sldImg"/>
+          </p:nvPr>
+        </p:nvSpPr>
+        <p:spPr/>
+      </p:sp>
+      <p:sp>
+        <p:nvSpPr>
+          <p:cNvPr id="3" name="Notes Placeholder 2"/>
+          <p:cNvSpPr>
+            <a:spLocks noGrp="1"/>
+          </p:cNvSpPr>
+          <p:nvPr>
+            <p:ph type="body" idx="1"/>
+          </p:nvPr>
+        </p:nvSpPr>
+        <p:spPr/>
+        <p:txBody>
+          <a:bodyPr/>
+          <a:lstStyle/>
+          <a:p>
+            <a:endParaRPr lang="en-US" dirty="0"/>
+          </a:p>
+        </p:txBody>
+      </p:sp>
+      <p:sp>
+        <p:nvSpPr>
+          <p:cNvPr id="4" name="Slide Number Placeholder 3"/>
+          <p:cNvSpPr>
+            <a:spLocks noGrp="1"/>
+          </p:cNvSpPr>
+          <p:nvPr>
+            <p:ph type="sldNum" sz="quarter" idx="5"/>
+          </p:nvPr>
+        </p:nvSpPr>
+        <p:spPr/>
+        <p:txBody>
+          <a:bodyPr/>
+          <a:lstStyle/>
+          <a:p>
+            <a:fld id="{FBDE252E-4F25-1241-A09F-547FE48FBA3A}" type="slidenum">
+              <a:rPr lang="en-US" smtClean="0"/>
+              <a:t>16</a:t>
+            </a:fld>
+            <a:endParaRPr lang="en-US"/>
+          </a:p>
+        </p:txBody>
+      </p:sp>
+    </p:spTree>
+    <p:extLst>
+      <p:ext uri="{BB962C8B-B14F-4D97-AF65-F5344CB8AC3E}">
+        <p14:creationId xmlns:p14="http://schemas.microsoft.com/office/powerpoint/2010/main" val="427272253"/>
+      </p:ext>
+    </p:extLst>
+  </p:cSld>
+  <p:clrMapOvr>
+    <a:masterClrMapping/>
+  </p:clrMapOvr>
+</p:notes>
+</file>
+
+<file path=ppt/notesSlides/notesSlide13.xml><?xml version="1.0" encoding="utf-8"?>
+<p:notes xmlns:a="http://schemas.openxmlformats.org/drawingml/2006/main" xmlns:r="http://schemas.openxmlformats.org/officeDocument/2006/relationships" xmlns:p="http://schemas.openxmlformats.org/presentationml/2006/main">
+  <p:cSld>
+    <p:spTree>
+      <p:nvGrpSpPr>
+        <p:cNvPr id="1" name=""/>
+        <p:cNvGrpSpPr/>
+        <p:nvPr/>
+      </p:nvGrpSpPr>
+      <p:grpSpPr>
+        <a:xfrm>
+          <a:off x="0" y="0"/>
+          <a:ext cx="0" cy="0"/>
+          <a:chOff x="0" y="0"/>
+          <a:chExt cx="0" cy="0"/>
+        </a:xfrm>
+      </p:grpSpPr>
+      <p:sp>
+        <p:nvSpPr>
+          <p:cNvPr id="2" name="Slide Image Placeholder 1"/>
+          <p:cNvSpPr>
+            <a:spLocks noGrp="1" noRot="1" noChangeAspect="1"/>
+          </p:cNvSpPr>
+          <p:nvPr>
+            <p:ph type="sldImg"/>
+          </p:nvPr>
+        </p:nvSpPr>
+        <p:spPr/>
+      </p:sp>
+      <p:sp>
+        <p:nvSpPr>
+          <p:cNvPr id="3" name="Notes Placeholder 2"/>
+          <p:cNvSpPr>
+            <a:spLocks noGrp="1"/>
+          </p:cNvSpPr>
+          <p:nvPr>
+            <p:ph type="body" idx="1"/>
+          </p:nvPr>
+        </p:nvSpPr>
+        <p:spPr/>
+        <p:txBody>
+          <a:bodyPr/>
+          <a:lstStyle/>
+          <a:p>
+            <a:endParaRPr lang="en-US" dirty="0"/>
+          </a:p>
+        </p:txBody>
+      </p:sp>
+      <p:sp>
+        <p:nvSpPr>
+          <p:cNvPr id="4" name="Slide Number Placeholder 3"/>
+          <p:cNvSpPr>
+            <a:spLocks noGrp="1"/>
+          </p:cNvSpPr>
+          <p:nvPr>
+            <p:ph type="sldNum" sz="quarter" idx="5"/>
+          </p:nvPr>
+        </p:nvSpPr>
+        <p:spPr/>
+        <p:txBody>
+          <a:bodyPr/>
+          <a:lstStyle/>
+          <a:p>
+            <a:fld id="{FBDE252E-4F25-1241-A09F-547FE48FBA3A}" type="slidenum">
+              <a:rPr lang="en-US" smtClean="0"/>
+              <a:t>17</a:t>
+            </a:fld>
+            <a:endParaRPr lang="en-US"/>
+          </a:p>
+        </p:txBody>
+      </p:sp>
+    </p:spTree>
+    <p:extLst>
+      <p:ext uri="{BB962C8B-B14F-4D97-AF65-F5344CB8AC3E}">
         <p14:creationId xmlns:p14="http://schemas.microsoft.com/office/powerpoint/2010/main" val="3068578104"/>
+      </p:ext>
+    </p:extLst>
+  </p:cSld>
+  <p:clrMapOvr>
+    <a:masterClrMapping/>
+  </p:clrMapOvr>
+</p:notes>
+</file>
+
+<file path=ppt/notesSlides/notesSlide14.xml><?xml version="1.0" encoding="utf-8"?>
+<p:notes xmlns:a="http://schemas.openxmlformats.org/drawingml/2006/main" xmlns:r="http://schemas.openxmlformats.org/officeDocument/2006/relationships" xmlns:p="http://schemas.openxmlformats.org/presentationml/2006/main">
+  <p:cSld>
+    <p:spTree>
+      <p:nvGrpSpPr>
+        <p:cNvPr id="1" name=""/>
+        <p:cNvGrpSpPr/>
+        <p:nvPr/>
+      </p:nvGrpSpPr>
+      <p:grpSpPr>
+        <a:xfrm>
+          <a:off x="0" y="0"/>
+          <a:ext cx="0" cy="0"/>
+          <a:chOff x="0" y="0"/>
+          <a:chExt cx="0" cy="0"/>
+        </a:xfrm>
+      </p:grpSpPr>
+      <p:sp>
+        <p:nvSpPr>
+          <p:cNvPr id="2" name="Slide Image Placeholder 1"/>
+          <p:cNvSpPr>
+            <a:spLocks noGrp="1" noRot="1" noChangeAspect="1"/>
+          </p:cNvSpPr>
+          <p:nvPr>
+            <p:ph type="sldImg"/>
+          </p:nvPr>
+        </p:nvSpPr>
+        <p:spPr/>
+      </p:sp>
+      <p:sp>
+        <p:nvSpPr>
+          <p:cNvPr id="3" name="Notes Placeholder 2"/>
+          <p:cNvSpPr>
+            <a:spLocks noGrp="1"/>
+          </p:cNvSpPr>
+          <p:nvPr>
+            <p:ph type="body" idx="1"/>
+          </p:nvPr>
+        </p:nvSpPr>
+        <p:spPr/>
+        <p:txBody>
+          <a:bodyPr/>
+          <a:lstStyle/>
+          <a:p>
+            <a:endParaRPr lang="en-US" dirty="0"/>
+          </a:p>
+        </p:txBody>
+      </p:sp>
+      <p:sp>
+        <p:nvSpPr>
+          <p:cNvPr id="4" name="Slide Number Placeholder 3"/>
+          <p:cNvSpPr>
+            <a:spLocks noGrp="1"/>
+          </p:cNvSpPr>
+          <p:nvPr>
+            <p:ph type="sldNum" sz="quarter" idx="5"/>
+          </p:nvPr>
+        </p:nvSpPr>
+        <p:spPr/>
+        <p:txBody>
+          <a:bodyPr/>
+          <a:lstStyle/>
+          <a:p>
+            <a:fld id="{FBDE252E-4F25-1241-A09F-547FE48FBA3A}" type="slidenum">
+              <a:rPr lang="en-US" smtClean="0"/>
+              <a:t>18</a:t>
+            </a:fld>
+            <a:endParaRPr lang="en-US"/>
+          </a:p>
+        </p:txBody>
+      </p:sp>
+    </p:spTree>
+    <p:extLst>
+      <p:ext uri="{BB962C8B-B14F-4D97-AF65-F5344CB8AC3E}">
+        <p14:creationId xmlns:p14="http://schemas.microsoft.com/office/powerpoint/2010/main" val="3290422664"/>
+      </p:ext>
+    </p:extLst>
+  </p:cSld>
+  <p:clrMapOvr>
+    <a:masterClrMapping/>
+  </p:clrMapOvr>
+</p:notes>
+</file>
+
+<file path=ppt/notesSlides/notesSlide15.xml><?xml version="1.0" encoding="utf-8"?>
+<p:notes xmlns:a="http://schemas.openxmlformats.org/drawingml/2006/main" xmlns:r="http://schemas.openxmlformats.org/officeDocument/2006/relationships" xmlns:p="http://schemas.openxmlformats.org/presentationml/2006/main">
+  <p:cSld>
+    <p:spTree>
+      <p:nvGrpSpPr>
+        <p:cNvPr id="1" name=""/>
+        <p:cNvGrpSpPr/>
+        <p:nvPr/>
+      </p:nvGrpSpPr>
+      <p:grpSpPr>
+        <a:xfrm>
+          <a:off x="0" y="0"/>
+          <a:ext cx="0" cy="0"/>
+          <a:chOff x="0" y="0"/>
+          <a:chExt cx="0" cy="0"/>
+        </a:xfrm>
+      </p:grpSpPr>
+      <p:sp>
+        <p:nvSpPr>
+          <p:cNvPr id="2" name="Slide Image Placeholder 1"/>
+          <p:cNvSpPr>
+            <a:spLocks noGrp="1" noRot="1" noChangeAspect="1"/>
+          </p:cNvSpPr>
+          <p:nvPr>
+            <p:ph type="sldImg"/>
+          </p:nvPr>
+        </p:nvSpPr>
+        <p:spPr/>
+      </p:sp>
+      <p:sp>
+        <p:nvSpPr>
+          <p:cNvPr id="3" name="Notes Placeholder 2"/>
+          <p:cNvSpPr>
+            <a:spLocks noGrp="1"/>
+          </p:cNvSpPr>
+          <p:nvPr>
+            <p:ph type="body" idx="1"/>
+          </p:nvPr>
+        </p:nvSpPr>
+        <p:spPr/>
+        <p:txBody>
+          <a:bodyPr/>
+          <a:lstStyle/>
+          <a:p>
+            <a:endParaRPr lang="en-US" dirty="0"/>
+          </a:p>
+        </p:txBody>
+      </p:sp>
+      <p:sp>
+        <p:nvSpPr>
+          <p:cNvPr id="4" name="Slide Number Placeholder 3"/>
+          <p:cNvSpPr>
+            <a:spLocks noGrp="1"/>
+          </p:cNvSpPr>
+          <p:nvPr>
+            <p:ph type="sldNum" sz="quarter" idx="5"/>
+          </p:nvPr>
+        </p:nvSpPr>
+        <p:spPr/>
+        <p:txBody>
+          <a:bodyPr/>
+          <a:lstStyle/>
+          <a:p>
+            <a:fld id="{FBDE252E-4F25-1241-A09F-547FE48FBA3A}" type="slidenum">
+              <a:rPr lang="en-US" smtClean="0"/>
+              <a:t>19</a:t>
+            </a:fld>
+            <a:endParaRPr lang="en-US"/>
+          </a:p>
+        </p:txBody>
+      </p:sp>
+    </p:spTree>
+    <p:extLst>
+      <p:ext uri="{BB962C8B-B14F-4D97-AF65-F5344CB8AC3E}">
+        <p14:creationId xmlns:p14="http://schemas.microsoft.com/office/powerpoint/2010/main" val="531809487"/>
       </p:ext>
     </p:extLst>
   </p:cSld>
@@ -1140,7 +1565,7 @@
     </p:spTree>
     <p:extLst>
       <p:ext uri="{BB962C8B-B14F-4D97-AF65-F5344CB8AC3E}">
-        <p14:creationId xmlns:p14="http://schemas.microsoft.com/office/powerpoint/2010/main" val="848318904"/>
+        <p14:creationId xmlns:p14="http://schemas.microsoft.com/office/powerpoint/2010/main" val="3040152609"/>
       </p:ext>
     </p:extLst>
   </p:cSld>
@@ -1224,7 +1649,7 @@
     </p:spTree>
     <p:extLst>
       <p:ext uri="{BB962C8B-B14F-4D97-AF65-F5344CB8AC3E}">
-        <p14:creationId xmlns:p14="http://schemas.microsoft.com/office/powerpoint/2010/main" val="3204769895"/>
+        <p14:creationId xmlns:p14="http://schemas.microsoft.com/office/powerpoint/2010/main" val="889247016"/>
       </p:ext>
     </p:extLst>
   </p:cSld>
@@ -1308,7 +1733,7 @@
     </p:spTree>
     <p:extLst>
       <p:ext uri="{BB962C8B-B14F-4D97-AF65-F5344CB8AC3E}">
-        <p14:creationId xmlns:p14="http://schemas.microsoft.com/office/powerpoint/2010/main" val="1823655460"/>
+        <p14:creationId xmlns:p14="http://schemas.microsoft.com/office/powerpoint/2010/main" val="848318904"/>
       </p:ext>
     </p:extLst>
   </p:cSld>
@@ -1467,7 +1892,7 @@
           <a:p>
             <a:fld id="{420431F4-FF18-4746-A37B-01D87F68E65D}" type="datetimeFigureOut">
               <a:rPr lang="en-US" smtClean="0"/>
-              <a:t>1/21/22</a:t>
+              <a:t>1/23/22</a:t>
             </a:fld>
             <a:endParaRPr lang="en-US"/>
           </a:p>
@@ -1667,7 +2092,7 @@
           <a:p>
             <a:fld id="{420431F4-FF18-4746-A37B-01D87F68E65D}" type="datetimeFigureOut">
               <a:rPr lang="en-US" smtClean="0"/>
-              <a:t>1/21/22</a:t>
+              <a:t>1/23/22</a:t>
             </a:fld>
             <a:endParaRPr lang="en-US"/>
           </a:p>
@@ -1877,7 +2302,7 @@
           <a:p>
             <a:fld id="{420431F4-FF18-4746-A37B-01D87F68E65D}" type="datetimeFigureOut">
               <a:rPr lang="en-US" smtClean="0"/>
-              <a:t>1/21/22</a:t>
+              <a:t>1/23/22</a:t>
             </a:fld>
             <a:endParaRPr lang="en-US"/>
           </a:p>
@@ -2077,7 +2502,7 @@
           <a:p>
             <a:fld id="{420431F4-FF18-4746-A37B-01D87F68E65D}" type="datetimeFigureOut">
               <a:rPr lang="en-US" smtClean="0"/>
-              <a:t>1/21/22</a:t>
+              <a:t>1/23/22</a:t>
             </a:fld>
             <a:endParaRPr lang="en-US"/>
           </a:p>
@@ -2353,7 +2778,7 @@
           <a:p>
             <a:fld id="{420431F4-FF18-4746-A37B-01D87F68E65D}" type="datetimeFigureOut">
               <a:rPr lang="en-US" smtClean="0"/>
-              <a:t>1/21/22</a:t>
+              <a:t>1/23/22</a:t>
             </a:fld>
             <a:endParaRPr lang="en-US"/>
           </a:p>
@@ -2621,7 +3046,7 @@
           <a:p>
             <a:fld id="{420431F4-FF18-4746-A37B-01D87F68E65D}" type="datetimeFigureOut">
               <a:rPr lang="en-US" smtClean="0"/>
-              <a:t>1/21/22</a:t>
+              <a:t>1/23/22</a:t>
             </a:fld>
             <a:endParaRPr lang="en-US"/>
           </a:p>
@@ -3036,7 +3461,7 @@
           <a:p>
             <a:fld id="{420431F4-FF18-4746-A37B-01D87F68E65D}" type="datetimeFigureOut">
               <a:rPr lang="en-US" smtClean="0"/>
-              <a:t>1/21/22</a:t>
+              <a:t>1/23/22</a:t>
             </a:fld>
             <a:endParaRPr lang="en-US"/>
           </a:p>
@@ -3178,7 +3603,7 @@
           <a:p>
             <a:fld id="{420431F4-FF18-4746-A37B-01D87F68E65D}" type="datetimeFigureOut">
               <a:rPr lang="en-US" smtClean="0"/>
-              <a:t>1/21/22</a:t>
+              <a:t>1/23/22</a:t>
             </a:fld>
             <a:endParaRPr lang="en-US"/>
           </a:p>
@@ -3291,7 +3716,7 @@
           <a:p>
             <a:fld id="{420431F4-FF18-4746-A37B-01D87F68E65D}" type="datetimeFigureOut">
               <a:rPr lang="en-US" smtClean="0"/>
-              <a:t>1/21/22</a:t>
+              <a:t>1/23/22</a:t>
             </a:fld>
             <a:endParaRPr lang="en-US"/>
           </a:p>
@@ -3604,7 +4029,7 @@
           <a:p>
             <a:fld id="{420431F4-FF18-4746-A37B-01D87F68E65D}" type="datetimeFigureOut">
               <a:rPr lang="en-US" smtClean="0"/>
-              <a:t>1/21/22</a:t>
+              <a:t>1/23/22</a:t>
             </a:fld>
             <a:endParaRPr lang="en-US"/>
           </a:p>
@@ -3893,7 +4318,7 @@
           <a:p>
             <a:fld id="{420431F4-FF18-4746-A37B-01D87F68E65D}" type="datetimeFigureOut">
               <a:rPr lang="en-US" smtClean="0"/>
-              <a:t>1/21/22</a:t>
+              <a:t>1/23/22</a:t>
             </a:fld>
             <a:endParaRPr lang="en-US"/>
           </a:p>
@@ -4136,7 +4561,7 @@
           <a:p>
             <a:fld id="{420431F4-FF18-4746-A37B-01D87F68E65D}" type="datetimeFigureOut">
               <a:rPr lang="en-US" smtClean="0"/>
-              <a:t>1/21/22</a:t>
+              <a:t>1/23/22</a:t>
             </a:fld>
             <a:endParaRPr lang="en-US"/>
           </a:p>
@@ -6730,6 +7155,43 @@
           </p:txBody>
         </p:sp>
       </p:grpSp>
+      <p:sp>
+        <p:nvSpPr>
+          <p:cNvPr id="42" name="TextBox 41">
+            <a:extLst>
+              <a:ext uri="{FF2B5EF4-FFF2-40B4-BE49-F238E27FC236}">
+                <a16:creationId xmlns:a16="http://schemas.microsoft.com/office/drawing/2014/main" id="{4F093C03-009D-454B-8E78-DA4D990372D7}"/>
+              </a:ext>
+            </a:extLst>
+          </p:cNvPr>
+          <p:cNvSpPr txBox="1"/>
+          <p:nvPr/>
+        </p:nvSpPr>
+        <p:spPr>
+          <a:xfrm>
+            <a:off x="4781614" y="6203932"/>
+            <a:ext cx="2463800" cy="523220"/>
+          </a:xfrm>
+          <a:prstGeom prst="rect">
+            <a:avLst/>
+          </a:prstGeom>
+          <a:noFill/>
+        </p:spPr>
+        <p:txBody>
+          <a:bodyPr wrap="square" rtlCol="0">
+            <a:spAutoFit/>
+          </a:bodyPr>
+          <a:lstStyle/>
+          <a:p>
+            <a:r>
+              <a:rPr lang="en-US" sz="2800" dirty="0">
+                <a:latin typeface="Times" pitchFamily="2" charset="0"/>
+              </a:rPr>
+              <a:t>filler phones</a:t>
+            </a:r>
+          </a:p>
+        </p:txBody>
+      </p:sp>
     </p:spTree>
     <p:extLst>
       <p:ext uri="{BB962C8B-B14F-4D97-AF65-F5344CB8AC3E}">
@@ -6744,6 +7206,3943 @@
 </file>
 
 <file path=ppt/slides/slide11.xml><?xml version="1.0" encoding="utf-8"?>
+<p:sld xmlns:a="http://schemas.openxmlformats.org/drawingml/2006/main" xmlns:r="http://schemas.openxmlformats.org/officeDocument/2006/relationships" xmlns:p="http://schemas.openxmlformats.org/presentationml/2006/main">
+  <p:cSld>
+    <p:spTree>
+      <p:nvGrpSpPr>
+        <p:cNvPr id="1" name=""/>
+        <p:cNvGrpSpPr/>
+        <p:nvPr/>
+      </p:nvGrpSpPr>
+      <p:grpSpPr>
+        <a:xfrm>
+          <a:off x="0" y="0"/>
+          <a:ext cx="0" cy="0"/>
+          <a:chOff x="0" y="0"/>
+          <a:chExt cx="0" cy="0"/>
+        </a:xfrm>
+      </p:grpSpPr>
+      <p:grpSp>
+        <p:nvGrpSpPr>
+          <p:cNvPr id="3" name="Group 2">
+            <a:extLst>
+              <a:ext uri="{FF2B5EF4-FFF2-40B4-BE49-F238E27FC236}">
+                <a16:creationId xmlns:a16="http://schemas.microsoft.com/office/drawing/2014/main" id="{6E9E2ADC-DD82-F840-BD3E-86920FE77F24}"/>
+              </a:ext>
+            </a:extLst>
+          </p:cNvPr>
+          <p:cNvGrpSpPr/>
+          <p:nvPr/>
+        </p:nvGrpSpPr>
+        <p:grpSpPr>
+          <a:xfrm>
+            <a:off x="61787" y="404755"/>
+            <a:ext cx="2944042" cy="5693107"/>
+            <a:chOff x="61787" y="404755"/>
+            <a:chExt cx="2944042" cy="5693107"/>
+          </a:xfrm>
+        </p:grpSpPr>
+        <p:sp>
+          <p:nvSpPr>
+            <p:cNvPr id="2" name="Rounded Rectangle 1">
+              <a:extLst>
+                <a:ext uri="{FF2B5EF4-FFF2-40B4-BE49-F238E27FC236}">
+                  <a16:creationId xmlns:a16="http://schemas.microsoft.com/office/drawing/2014/main" id="{696F5309-85E8-BA4E-9A86-5397AE2FBBEB}"/>
+                </a:ext>
+              </a:extLst>
+            </p:cNvPr>
+            <p:cNvSpPr/>
+            <p:nvPr/>
+          </p:nvSpPr>
+          <p:spPr>
+            <a:xfrm>
+              <a:off x="96608" y="404755"/>
+              <a:ext cx="2875265" cy="5693107"/>
+            </a:xfrm>
+            <a:prstGeom prst="roundRect">
+              <a:avLst/>
+            </a:prstGeom>
+            <a:solidFill>
+              <a:schemeClr val="tx1"/>
+            </a:solidFill>
+            <a:ln>
+              <a:solidFill>
+                <a:schemeClr val="tx1"/>
+              </a:solidFill>
+            </a:ln>
+          </p:spPr>
+          <p:style>
+            <a:lnRef idx="2">
+              <a:schemeClr val="accent1">
+                <a:shade val="50000"/>
+              </a:schemeClr>
+            </a:lnRef>
+            <a:fillRef idx="1">
+              <a:schemeClr val="accent1"/>
+            </a:fillRef>
+            <a:effectRef idx="0">
+              <a:schemeClr val="accent1"/>
+            </a:effectRef>
+            <a:fontRef idx="minor">
+              <a:schemeClr val="lt1"/>
+            </a:fontRef>
+          </p:style>
+          <p:txBody>
+            <a:bodyPr rtlCol="0" anchor="ctr"/>
+            <a:lstStyle/>
+            <a:p>
+              <a:pPr algn="ctr"/>
+              <a:endParaRPr lang="en-US"/>
+            </a:p>
+          </p:txBody>
+        </p:sp>
+        <p:sp>
+          <p:nvSpPr>
+            <p:cNvPr id="21" name="Rounded Rectangle 20">
+              <a:extLst>
+                <a:ext uri="{FF2B5EF4-FFF2-40B4-BE49-F238E27FC236}">
+                  <a16:creationId xmlns:a16="http://schemas.microsoft.com/office/drawing/2014/main" id="{8258F6CB-1A27-D541-8E54-A17C3BE0A059}"/>
+                </a:ext>
+              </a:extLst>
+            </p:cNvPr>
+            <p:cNvSpPr/>
+            <p:nvPr/>
+          </p:nvSpPr>
+          <p:spPr>
+            <a:xfrm>
+              <a:off x="192561" y="498764"/>
+              <a:ext cx="2682494" cy="5510463"/>
+            </a:xfrm>
+            <a:prstGeom prst="roundRect">
+              <a:avLst/>
+            </a:prstGeom>
+            <a:solidFill>
+              <a:schemeClr val="bg1"/>
+            </a:solidFill>
+            <a:ln>
+              <a:solidFill>
+                <a:schemeClr val="tx1"/>
+              </a:solidFill>
+            </a:ln>
+          </p:spPr>
+          <p:style>
+            <a:lnRef idx="2">
+              <a:schemeClr val="accent1">
+                <a:shade val="50000"/>
+              </a:schemeClr>
+            </a:lnRef>
+            <a:fillRef idx="1">
+              <a:schemeClr val="accent1"/>
+            </a:fillRef>
+            <a:effectRef idx="0">
+              <a:schemeClr val="accent1"/>
+            </a:effectRef>
+            <a:fontRef idx="minor">
+              <a:schemeClr val="lt1"/>
+            </a:fontRef>
+          </p:style>
+          <p:txBody>
+            <a:bodyPr rtlCol="0" anchor="ctr"/>
+            <a:lstStyle/>
+            <a:p>
+              <a:pPr algn="ctr"/>
+              <a:endParaRPr lang="en-US"/>
+            </a:p>
+          </p:txBody>
+        </p:sp>
+        <p:sp>
+          <p:nvSpPr>
+            <p:cNvPr id="22" name="Rounded Rectangle 21">
+              <a:extLst>
+                <a:ext uri="{FF2B5EF4-FFF2-40B4-BE49-F238E27FC236}">
+                  <a16:creationId xmlns:a16="http://schemas.microsoft.com/office/drawing/2014/main" id="{9467C216-3EBF-894F-B966-35E0C5D96155}"/>
+                </a:ext>
+              </a:extLst>
+            </p:cNvPr>
+            <p:cNvSpPr/>
+            <p:nvPr/>
+          </p:nvSpPr>
+          <p:spPr>
+            <a:xfrm>
+              <a:off x="967495" y="441175"/>
+              <a:ext cx="1132625" cy="326101"/>
+            </a:xfrm>
+            <a:prstGeom prst="roundRect">
+              <a:avLst>
+                <a:gd name="adj" fmla="val 41146"/>
+              </a:avLst>
+            </a:prstGeom>
+            <a:solidFill>
+              <a:schemeClr val="tx1"/>
+            </a:solidFill>
+            <a:ln>
+              <a:solidFill>
+                <a:schemeClr val="tx1"/>
+              </a:solidFill>
+            </a:ln>
+          </p:spPr>
+          <p:style>
+            <a:lnRef idx="2">
+              <a:schemeClr val="accent1">
+                <a:shade val="50000"/>
+              </a:schemeClr>
+            </a:lnRef>
+            <a:fillRef idx="1">
+              <a:schemeClr val="accent1"/>
+            </a:fillRef>
+            <a:effectRef idx="0">
+              <a:schemeClr val="accent1"/>
+            </a:effectRef>
+            <a:fontRef idx="minor">
+              <a:schemeClr val="lt1"/>
+            </a:fontRef>
+          </p:style>
+          <p:txBody>
+            <a:bodyPr rtlCol="0" anchor="ctr"/>
+            <a:lstStyle/>
+            <a:p>
+              <a:pPr algn="ctr"/>
+              <a:endParaRPr lang="en-US"/>
+            </a:p>
+          </p:txBody>
+        </p:sp>
+        <p:sp>
+          <p:nvSpPr>
+            <p:cNvPr id="23" name="Rounded Rectangle 22">
+              <a:extLst>
+                <a:ext uri="{FF2B5EF4-FFF2-40B4-BE49-F238E27FC236}">
+                  <a16:creationId xmlns:a16="http://schemas.microsoft.com/office/drawing/2014/main" id="{F357D633-0BD9-B348-8A49-3E8B9FCF3F1C}"/>
+                </a:ext>
+              </a:extLst>
+            </p:cNvPr>
+            <p:cNvSpPr/>
+            <p:nvPr/>
+          </p:nvSpPr>
+          <p:spPr>
+            <a:xfrm>
+              <a:off x="967495" y="431974"/>
+              <a:ext cx="1132625" cy="172251"/>
+            </a:xfrm>
+            <a:prstGeom prst="roundRect">
+              <a:avLst>
+                <a:gd name="adj" fmla="val 0"/>
+              </a:avLst>
+            </a:prstGeom>
+            <a:solidFill>
+              <a:schemeClr val="tx1"/>
+            </a:solidFill>
+            <a:ln>
+              <a:solidFill>
+                <a:schemeClr val="tx1"/>
+              </a:solidFill>
+            </a:ln>
+          </p:spPr>
+          <p:style>
+            <a:lnRef idx="2">
+              <a:schemeClr val="accent1">
+                <a:shade val="50000"/>
+              </a:schemeClr>
+            </a:lnRef>
+            <a:fillRef idx="1">
+              <a:schemeClr val="accent1"/>
+            </a:fillRef>
+            <a:effectRef idx="0">
+              <a:schemeClr val="accent1"/>
+            </a:effectRef>
+            <a:fontRef idx="minor">
+              <a:schemeClr val="lt1"/>
+            </a:fontRef>
+          </p:style>
+          <p:txBody>
+            <a:bodyPr rtlCol="0" anchor="ctr"/>
+            <a:lstStyle/>
+            <a:p>
+              <a:pPr algn="ctr"/>
+              <a:endParaRPr lang="en-US"/>
+            </a:p>
+          </p:txBody>
+        </p:sp>
+        <p:sp>
+          <p:nvSpPr>
+            <p:cNvPr id="24" name="TextBox 23">
+              <a:extLst>
+                <a:ext uri="{FF2B5EF4-FFF2-40B4-BE49-F238E27FC236}">
+                  <a16:creationId xmlns:a16="http://schemas.microsoft.com/office/drawing/2014/main" id="{DFAA9FAE-A1F3-FA46-B8DB-D34D8EBB47F3}"/>
+                </a:ext>
+              </a:extLst>
+            </p:cNvPr>
+            <p:cNvSpPr txBox="1"/>
+            <p:nvPr/>
+          </p:nvSpPr>
+          <p:spPr>
+            <a:xfrm>
+              <a:off x="292122" y="1490782"/>
+              <a:ext cx="2463800" cy="1384995"/>
+            </a:xfrm>
+            <a:prstGeom prst="rect">
+              <a:avLst/>
+            </a:prstGeom>
+            <a:noFill/>
+          </p:spPr>
+          <p:txBody>
+            <a:bodyPr wrap="square" rtlCol="0">
+              <a:spAutoFit/>
+            </a:bodyPr>
+            <a:lstStyle/>
+            <a:p>
+              <a:r>
+                <a:rPr lang="en-US" sz="2800" dirty="0">
+                  <a:latin typeface="Times" pitchFamily="2" charset="0"/>
+                </a:rPr>
+                <a:t>rest. 1:         yes</a:t>
+              </a:r>
+            </a:p>
+            <a:p>
+              <a:r>
+                <a:rPr lang="en-US" sz="2800" dirty="0">
+                  <a:latin typeface="Times" pitchFamily="2" charset="0"/>
+                </a:rPr>
+                <a:t>rest. 2:          no</a:t>
+              </a:r>
+            </a:p>
+            <a:p>
+              <a:r>
+                <a:rPr lang="en-US" sz="2800" dirty="0">
+                  <a:latin typeface="Times" pitchFamily="2" charset="0"/>
+                </a:rPr>
+                <a:t>rest. 3:         yes</a:t>
+              </a:r>
+            </a:p>
+          </p:txBody>
+        </p:sp>
+        <p:sp>
+          <p:nvSpPr>
+            <p:cNvPr id="25" name="Rounded Rectangle 24">
+              <a:extLst>
+                <a:ext uri="{FF2B5EF4-FFF2-40B4-BE49-F238E27FC236}">
+                  <a16:creationId xmlns:a16="http://schemas.microsoft.com/office/drawing/2014/main" id="{22F76546-BDA9-B34F-B84A-68892E1A19C1}"/>
+                </a:ext>
+              </a:extLst>
+            </p:cNvPr>
+            <p:cNvSpPr/>
+            <p:nvPr/>
+          </p:nvSpPr>
+          <p:spPr>
+            <a:xfrm>
+              <a:off x="61787" y="1364087"/>
+              <a:ext cx="119627" cy="326101"/>
+            </a:xfrm>
+            <a:prstGeom prst="roundRect">
+              <a:avLst>
+                <a:gd name="adj" fmla="val 41146"/>
+              </a:avLst>
+            </a:prstGeom>
+            <a:solidFill>
+              <a:schemeClr val="tx1"/>
+            </a:solidFill>
+            <a:ln>
+              <a:solidFill>
+                <a:schemeClr val="tx1"/>
+              </a:solidFill>
+            </a:ln>
+          </p:spPr>
+          <p:style>
+            <a:lnRef idx="2">
+              <a:schemeClr val="accent1">
+                <a:shade val="50000"/>
+              </a:schemeClr>
+            </a:lnRef>
+            <a:fillRef idx="1">
+              <a:schemeClr val="accent1"/>
+            </a:fillRef>
+            <a:effectRef idx="0">
+              <a:schemeClr val="accent1"/>
+            </a:effectRef>
+            <a:fontRef idx="minor">
+              <a:schemeClr val="lt1"/>
+            </a:fontRef>
+          </p:style>
+          <p:txBody>
+            <a:bodyPr rtlCol="0" anchor="ctr"/>
+            <a:lstStyle/>
+            <a:p>
+              <a:pPr algn="ctr"/>
+              <a:endParaRPr lang="en-US"/>
+            </a:p>
+          </p:txBody>
+        </p:sp>
+        <p:sp>
+          <p:nvSpPr>
+            <p:cNvPr id="26" name="Rounded Rectangle 25">
+              <a:extLst>
+                <a:ext uri="{FF2B5EF4-FFF2-40B4-BE49-F238E27FC236}">
+                  <a16:creationId xmlns:a16="http://schemas.microsoft.com/office/drawing/2014/main" id="{8C8DE54A-770B-2C41-818E-2BF54BB163FD}"/>
+                </a:ext>
+              </a:extLst>
+            </p:cNvPr>
+            <p:cNvSpPr/>
+            <p:nvPr/>
+          </p:nvSpPr>
+          <p:spPr>
+            <a:xfrm>
+              <a:off x="2886202" y="1333751"/>
+              <a:ext cx="119627" cy="326101"/>
+            </a:xfrm>
+            <a:prstGeom prst="roundRect">
+              <a:avLst>
+                <a:gd name="adj" fmla="val 41146"/>
+              </a:avLst>
+            </a:prstGeom>
+            <a:solidFill>
+              <a:schemeClr val="tx1"/>
+            </a:solidFill>
+            <a:ln>
+              <a:solidFill>
+                <a:schemeClr val="tx1"/>
+              </a:solidFill>
+            </a:ln>
+          </p:spPr>
+          <p:style>
+            <a:lnRef idx="2">
+              <a:schemeClr val="accent1">
+                <a:shade val="50000"/>
+              </a:schemeClr>
+            </a:lnRef>
+            <a:fillRef idx="1">
+              <a:schemeClr val="accent1"/>
+            </a:fillRef>
+            <a:effectRef idx="0">
+              <a:schemeClr val="accent1"/>
+            </a:effectRef>
+            <a:fontRef idx="minor">
+              <a:schemeClr val="lt1"/>
+            </a:fontRef>
+          </p:style>
+          <p:txBody>
+            <a:bodyPr rtlCol="0" anchor="ctr"/>
+            <a:lstStyle/>
+            <a:p>
+              <a:pPr algn="ctr"/>
+              <a:endParaRPr lang="en-US"/>
+            </a:p>
+          </p:txBody>
+        </p:sp>
+        <p:sp>
+          <p:nvSpPr>
+            <p:cNvPr id="27" name="Rounded Rectangle 26">
+              <a:extLst>
+                <a:ext uri="{FF2B5EF4-FFF2-40B4-BE49-F238E27FC236}">
+                  <a16:creationId xmlns:a16="http://schemas.microsoft.com/office/drawing/2014/main" id="{23DCA7D6-3381-C44B-8AE3-514C9FAEB6B6}"/>
+                </a:ext>
+              </a:extLst>
+            </p:cNvPr>
+            <p:cNvSpPr/>
+            <p:nvPr/>
+          </p:nvSpPr>
+          <p:spPr>
+            <a:xfrm>
+              <a:off x="2886202" y="1742570"/>
+              <a:ext cx="119627" cy="326101"/>
+            </a:xfrm>
+            <a:prstGeom prst="roundRect">
+              <a:avLst>
+                <a:gd name="adj" fmla="val 41146"/>
+              </a:avLst>
+            </a:prstGeom>
+            <a:solidFill>
+              <a:schemeClr val="tx1"/>
+            </a:solidFill>
+            <a:ln>
+              <a:solidFill>
+                <a:schemeClr val="tx1"/>
+              </a:solidFill>
+            </a:ln>
+          </p:spPr>
+          <p:style>
+            <a:lnRef idx="2">
+              <a:schemeClr val="accent1">
+                <a:shade val="50000"/>
+              </a:schemeClr>
+            </a:lnRef>
+            <a:fillRef idx="1">
+              <a:schemeClr val="accent1"/>
+            </a:fillRef>
+            <a:effectRef idx="0">
+              <a:schemeClr val="accent1"/>
+            </a:effectRef>
+            <a:fontRef idx="minor">
+              <a:schemeClr val="lt1"/>
+            </a:fontRef>
+          </p:style>
+          <p:txBody>
+            <a:bodyPr rtlCol="0" anchor="ctr"/>
+            <a:lstStyle/>
+            <a:p>
+              <a:pPr algn="ctr"/>
+              <a:endParaRPr lang="en-US"/>
+            </a:p>
+          </p:txBody>
+        </p:sp>
+        <p:sp>
+          <p:nvSpPr>
+            <p:cNvPr id="4" name="Rounded Rectangle 3">
+              <a:extLst>
+                <a:ext uri="{FF2B5EF4-FFF2-40B4-BE49-F238E27FC236}">
+                  <a16:creationId xmlns:a16="http://schemas.microsoft.com/office/drawing/2014/main" id="{5CE8A431-AE34-844E-9E6C-69CB494D23BD}"/>
+                </a:ext>
+              </a:extLst>
+            </p:cNvPr>
+            <p:cNvSpPr/>
+            <p:nvPr/>
+          </p:nvSpPr>
+          <p:spPr>
+            <a:xfrm>
+              <a:off x="335417" y="971905"/>
+              <a:ext cx="2396779" cy="279975"/>
+            </a:xfrm>
+            <a:prstGeom prst="roundRect">
+              <a:avLst>
+                <a:gd name="adj" fmla="val 50000"/>
+              </a:avLst>
+            </a:prstGeom>
+            <a:solidFill>
+              <a:schemeClr val="tx2">
+                <a:lumMod val="20000"/>
+                <a:lumOff val="80000"/>
+              </a:schemeClr>
+            </a:solidFill>
+            <a:ln>
+              <a:solidFill>
+                <a:schemeClr val="tx1"/>
+              </a:solidFill>
+            </a:ln>
+          </p:spPr>
+          <p:style>
+            <a:lnRef idx="2">
+              <a:schemeClr val="accent1">
+                <a:shade val="50000"/>
+              </a:schemeClr>
+            </a:lnRef>
+            <a:fillRef idx="1">
+              <a:schemeClr val="accent1"/>
+            </a:fillRef>
+            <a:effectRef idx="0">
+              <a:schemeClr val="accent1"/>
+            </a:effectRef>
+            <a:fontRef idx="minor">
+              <a:schemeClr val="lt1"/>
+            </a:fontRef>
+          </p:style>
+          <p:txBody>
+            <a:bodyPr rtlCol="0" anchor="ctr"/>
+            <a:lstStyle/>
+            <a:p>
+              <a:pPr algn="ctr"/>
+              <a:endParaRPr lang="en-US"/>
+            </a:p>
+          </p:txBody>
+        </p:sp>
+      </p:grpSp>
+      <p:grpSp>
+        <p:nvGrpSpPr>
+          <p:cNvPr id="44" name="Group 43">
+            <a:extLst>
+              <a:ext uri="{FF2B5EF4-FFF2-40B4-BE49-F238E27FC236}">
+                <a16:creationId xmlns:a16="http://schemas.microsoft.com/office/drawing/2014/main" id="{C661D8B6-AD13-8F49-B4EF-97275ABF98CE}"/>
+              </a:ext>
+            </a:extLst>
+          </p:cNvPr>
+          <p:cNvGrpSpPr/>
+          <p:nvPr/>
+        </p:nvGrpSpPr>
+        <p:grpSpPr>
+          <a:xfrm>
+            <a:off x="3114729" y="404755"/>
+            <a:ext cx="2944042" cy="5693107"/>
+            <a:chOff x="61787" y="404755"/>
+            <a:chExt cx="2944042" cy="5693107"/>
+          </a:xfrm>
+        </p:grpSpPr>
+        <p:sp>
+          <p:nvSpPr>
+            <p:cNvPr id="45" name="Rounded Rectangle 44">
+              <a:extLst>
+                <a:ext uri="{FF2B5EF4-FFF2-40B4-BE49-F238E27FC236}">
+                  <a16:creationId xmlns:a16="http://schemas.microsoft.com/office/drawing/2014/main" id="{14EDB1EB-8A08-9642-A68A-3D29EB9F0761}"/>
+                </a:ext>
+              </a:extLst>
+            </p:cNvPr>
+            <p:cNvSpPr/>
+            <p:nvPr/>
+          </p:nvSpPr>
+          <p:spPr>
+            <a:xfrm>
+              <a:off x="96608" y="404755"/>
+              <a:ext cx="2875265" cy="5693107"/>
+            </a:xfrm>
+            <a:prstGeom prst="roundRect">
+              <a:avLst/>
+            </a:prstGeom>
+            <a:solidFill>
+              <a:schemeClr val="tx1"/>
+            </a:solidFill>
+            <a:ln>
+              <a:solidFill>
+                <a:schemeClr val="tx1"/>
+              </a:solidFill>
+            </a:ln>
+          </p:spPr>
+          <p:style>
+            <a:lnRef idx="2">
+              <a:schemeClr val="accent1">
+                <a:shade val="50000"/>
+              </a:schemeClr>
+            </a:lnRef>
+            <a:fillRef idx="1">
+              <a:schemeClr val="accent1"/>
+            </a:fillRef>
+            <a:effectRef idx="0">
+              <a:schemeClr val="accent1"/>
+            </a:effectRef>
+            <a:fontRef idx="minor">
+              <a:schemeClr val="lt1"/>
+            </a:fontRef>
+          </p:style>
+          <p:txBody>
+            <a:bodyPr rtlCol="0" anchor="ctr"/>
+            <a:lstStyle/>
+            <a:p>
+              <a:pPr algn="ctr"/>
+              <a:endParaRPr lang="en-US"/>
+            </a:p>
+          </p:txBody>
+        </p:sp>
+        <p:sp>
+          <p:nvSpPr>
+            <p:cNvPr id="46" name="Rounded Rectangle 45">
+              <a:extLst>
+                <a:ext uri="{FF2B5EF4-FFF2-40B4-BE49-F238E27FC236}">
+                  <a16:creationId xmlns:a16="http://schemas.microsoft.com/office/drawing/2014/main" id="{5E52F745-13B3-8344-A1B0-43D84FFF72FE}"/>
+                </a:ext>
+              </a:extLst>
+            </p:cNvPr>
+            <p:cNvSpPr/>
+            <p:nvPr/>
+          </p:nvSpPr>
+          <p:spPr>
+            <a:xfrm>
+              <a:off x="192561" y="498764"/>
+              <a:ext cx="2682494" cy="5510463"/>
+            </a:xfrm>
+            <a:prstGeom prst="roundRect">
+              <a:avLst/>
+            </a:prstGeom>
+            <a:solidFill>
+              <a:schemeClr val="bg1"/>
+            </a:solidFill>
+            <a:ln>
+              <a:solidFill>
+                <a:schemeClr val="tx1"/>
+              </a:solidFill>
+            </a:ln>
+          </p:spPr>
+          <p:style>
+            <a:lnRef idx="2">
+              <a:schemeClr val="accent1">
+                <a:shade val="50000"/>
+              </a:schemeClr>
+            </a:lnRef>
+            <a:fillRef idx="1">
+              <a:schemeClr val="accent1"/>
+            </a:fillRef>
+            <a:effectRef idx="0">
+              <a:schemeClr val="accent1"/>
+            </a:effectRef>
+            <a:fontRef idx="minor">
+              <a:schemeClr val="lt1"/>
+            </a:fontRef>
+          </p:style>
+          <p:txBody>
+            <a:bodyPr rtlCol="0" anchor="ctr"/>
+            <a:lstStyle/>
+            <a:p>
+              <a:pPr algn="ctr"/>
+              <a:endParaRPr lang="en-US"/>
+            </a:p>
+          </p:txBody>
+        </p:sp>
+        <p:sp>
+          <p:nvSpPr>
+            <p:cNvPr id="47" name="Rounded Rectangle 46">
+              <a:extLst>
+                <a:ext uri="{FF2B5EF4-FFF2-40B4-BE49-F238E27FC236}">
+                  <a16:creationId xmlns:a16="http://schemas.microsoft.com/office/drawing/2014/main" id="{803A0F58-5F3A-9B4F-83E4-63021D220D14}"/>
+                </a:ext>
+              </a:extLst>
+            </p:cNvPr>
+            <p:cNvSpPr/>
+            <p:nvPr/>
+          </p:nvSpPr>
+          <p:spPr>
+            <a:xfrm>
+              <a:off x="967495" y="441175"/>
+              <a:ext cx="1132625" cy="326101"/>
+            </a:xfrm>
+            <a:prstGeom prst="roundRect">
+              <a:avLst>
+                <a:gd name="adj" fmla="val 41146"/>
+              </a:avLst>
+            </a:prstGeom>
+            <a:solidFill>
+              <a:schemeClr val="tx1"/>
+            </a:solidFill>
+            <a:ln>
+              <a:solidFill>
+                <a:schemeClr val="tx1"/>
+              </a:solidFill>
+            </a:ln>
+          </p:spPr>
+          <p:style>
+            <a:lnRef idx="2">
+              <a:schemeClr val="accent1">
+                <a:shade val="50000"/>
+              </a:schemeClr>
+            </a:lnRef>
+            <a:fillRef idx="1">
+              <a:schemeClr val="accent1"/>
+            </a:fillRef>
+            <a:effectRef idx="0">
+              <a:schemeClr val="accent1"/>
+            </a:effectRef>
+            <a:fontRef idx="minor">
+              <a:schemeClr val="lt1"/>
+            </a:fontRef>
+          </p:style>
+          <p:txBody>
+            <a:bodyPr rtlCol="0" anchor="ctr"/>
+            <a:lstStyle/>
+            <a:p>
+              <a:pPr algn="ctr"/>
+              <a:endParaRPr lang="en-US"/>
+            </a:p>
+          </p:txBody>
+        </p:sp>
+        <p:sp>
+          <p:nvSpPr>
+            <p:cNvPr id="48" name="Rounded Rectangle 47">
+              <a:extLst>
+                <a:ext uri="{FF2B5EF4-FFF2-40B4-BE49-F238E27FC236}">
+                  <a16:creationId xmlns:a16="http://schemas.microsoft.com/office/drawing/2014/main" id="{C10DBF82-EB8E-EF40-9368-87D09B7F514B}"/>
+                </a:ext>
+              </a:extLst>
+            </p:cNvPr>
+            <p:cNvSpPr/>
+            <p:nvPr/>
+          </p:nvSpPr>
+          <p:spPr>
+            <a:xfrm>
+              <a:off x="967495" y="431974"/>
+              <a:ext cx="1132625" cy="172251"/>
+            </a:xfrm>
+            <a:prstGeom prst="roundRect">
+              <a:avLst>
+                <a:gd name="adj" fmla="val 0"/>
+              </a:avLst>
+            </a:prstGeom>
+            <a:solidFill>
+              <a:schemeClr val="tx1"/>
+            </a:solidFill>
+            <a:ln>
+              <a:solidFill>
+                <a:schemeClr val="tx1"/>
+              </a:solidFill>
+            </a:ln>
+          </p:spPr>
+          <p:style>
+            <a:lnRef idx="2">
+              <a:schemeClr val="accent1">
+                <a:shade val="50000"/>
+              </a:schemeClr>
+            </a:lnRef>
+            <a:fillRef idx="1">
+              <a:schemeClr val="accent1"/>
+            </a:fillRef>
+            <a:effectRef idx="0">
+              <a:schemeClr val="accent1"/>
+            </a:effectRef>
+            <a:fontRef idx="minor">
+              <a:schemeClr val="lt1"/>
+            </a:fontRef>
+          </p:style>
+          <p:txBody>
+            <a:bodyPr rtlCol="0" anchor="ctr"/>
+            <a:lstStyle/>
+            <a:p>
+              <a:pPr algn="ctr"/>
+              <a:endParaRPr lang="en-US"/>
+            </a:p>
+          </p:txBody>
+        </p:sp>
+        <p:sp>
+          <p:nvSpPr>
+            <p:cNvPr id="49" name="TextBox 48">
+              <a:extLst>
+                <a:ext uri="{FF2B5EF4-FFF2-40B4-BE49-F238E27FC236}">
+                  <a16:creationId xmlns:a16="http://schemas.microsoft.com/office/drawing/2014/main" id="{E900CD87-815D-D54E-BBB9-56EE9B434648}"/>
+                </a:ext>
+              </a:extLst>
+            </p:cNvPr>
+            <p:cNvSpPr txBox="1"/>
+            <p:nvPr/>
+          </p:nvSpPr>
+          <p:spPr>
+            <a:xfrm>
+              <a:off x="292122" y="1490782"/>
+              <a:ext cx="2463800" cy="1384995"/>
+            </a:xfrm>
+            <a:prstGeom prst="rect">
+              <a:avLst/>
+            </a:prstGeom>
+            <a:noFill/>
+          </p:spPr>
+          <p:txBody>
+            <a:bodyPr wrap="square" rtlCol="0">
+              <a:spAutoFit/>
+            </a:bodyPr>
+            <a:lstStyle/>
+            <a:p>
+              <a:r>
+                <a:rPr lang="en-US" sz="2800" dirty="0">
+                  <a:latin typeface="Times" pitchFamily="2" charset="0"/>
+                </a:rPr>
+                <a:t>rest. 1:         yes</a:t>
+              </a:r>
+            </a:p>
+            <a:p>
+              <a:r>
+                <a:rPr lang="en-US" sz="2800" dirty="0">
+                  <a:latin typeface="Times" pitchFamily="2" charset="0"/>
+                </a:rPr>
+                <a:t>rest. 2:          no</a:t>
+              </a:r>
+            </a:p>
+            <a:p>
+              <a:r>
+                <a:rPr lang="en-US" sz="2800" dirty="0">
+                  <a:latin typeface="Times" pitchFamily="2" charset="0"/>
+                </a:rPr>
+                <a:t>rest. 3:         yes</a:t>
+              </a:r>
+            </a:p>
+          </p:txBody>
+        </p:sp>
+        <p:sp>
+          <p:nvSpPr>
+            <p:cNvPr id="50" name="Rounded Rectangle 49">
+              <a:extLst>
+                <a:ext uri="{FF2B5EF4-FFF2-40B4-BE49-F238E27FC236}">
+                  <a16:creationId xmlns:a16="http://schemas.microsoft.com/office/drawing/2014/main" id="{8BC469F0-D055-6D48-BBA6-9E2CA6E13398}"/>
+                </a:ext>
+              </a:extLst>
+            </p:cNvPr>
+            <p:cNvSpPr/>
+            <p:nvPr/>
+          </p:nvSpPr>
+          <p:spPr>
+            <a:xfrm>
+              <a:off x="61787" y="1364087"/>
+              <a:ext cx="119627" cy="326101"/>
+            </a:xfrm>
+            <a:prstGeom prst="roundRect">
+              <a:avLst>
+                <a:gd name="adj" fmla="val 41146"/>
+              </a:avLst>
+            </a:prstGeom>
+            <a:solidFill>
+              <a:schemeClr val="tx1"/>
+            </a:solidFill>
+            <a:ln>
+              <a:solidFill>
+                <a:schemeClr val="tx1"/>
+              </a:solidFill>
+            </a:ln>
+          </p:spPr>
+          <p:style>
+            <a:lnRef idx="2">
+              <a:schemeClr val="accent1">
+                <a:shade val="50000"/>
+              </a:schemeClr>
+            </a:lnRef>
+            <a:fillRef idx="1">
+              <a:schemeClr val="accent1"/>
+            </a:fillRef>
+            <a:effectRef idx="0">
+              <a:schemeClr val="accent1"/>
+            </a:effectRef>
+            <a:fontRef idx="minor">
+              <a:schemeClr val="lt1"/>
+            </a:fontRef>
+          </p:style>
+          <p:txBody>
+            <a:bodyPr rtlCol="0" anchor="ctr"/>
+            <a:lstStyle/>
+            <a:p>
+              <a:pPr algn="ctr"/>
+              <a:endParaRPr lang="en-US"/>
+            </a:p>
+          </p:txBody>
+        </p:sp>
+        <p:sp>
+          <p:nvSpPr>
+            <p:cNvPr id="51" name="Rounded Rectangle 50">
+              <a:extLst>
+                <a:ext uri="{FF2B5EF4-FFF2-40B4-BE49-F238E27FC236}">
+                  <a16:creationId xmlns:a16="http://schemas.microsoft.com/office/drawing/2014/main" id="{C317381A-8A74-B047-AD9D-19D7851AAF44}"/>
+                </a:ext>
+              </a:extLst>
+            </p:cNvPr>
+            <p:cNvSpPr/>
+            <p:nvPr/>
+          </p:nvSpPr>
+          <p:spPr>
+            <a:xfrm>
+              <a:off x="2886202" y="1333751"/>
+              <a:ext cx="119627" cy="326101"/>
+            </a:xfrm>
+            <a:prstGeom prst="roundRect">
+              <a:avLst>
+                <a:gd name="adj" fmla="val 41146"/>
+              </a:avLst>
+            </a:prstGeom>
+            <a:solidFill>
+              <a:schemeClr val="tx1"/>
+            </a:solidFill>
+            <a:ln>
+              <a:solidFill>
+                <a:schemeClr val="tx1"/>
+              </a:solidFill>
+            </a:ln>
+          </p:spPr>
+          <p:style>
+            <a:lnRef idx="2">
+              <a:schemeClr val="accent1">
+                <a:shade val="50000"/>
+              </a:schemeClr>
+            </a:lnRef>
+            <a:fillRef idx="1">
+              <a:schemeClr val="accent1"/>
+            </a:fillRef>
+            <a:effectRef idx="0">
+              <a:schemeClr val="accent1"/>
+            </a:effectRef>
+            <a:fontRef idx="minor">
+              <a:schemeClr val="lt1"/>
+            </a:fontRef>
+          </p:style>
+          <p:txBody>
+            <a:bodyPr rtlCol="0" anchor="ctr"/>
+            <a:lstStyle/>
+            <a:p>
+              <a:pPr algn="ctr"/>
+              <a:endParaRPr lang="en-US"/>
+            </a:p>
+          </p:txBody>
+        </p:sp>
+        <p:sp>
+          <p:nvSpPr>
+            <p:cNvPr id="52" name="Rounded Rectangle 51">
+              <a:extLst>
+                <a:ext uri="{FF2B5EF4-FFF2-40B4-BE49-F238E27FC236}">
+                  <a16:creationId xmlns:a16="http://schemas.microsoft.com/office/drawing/2014/main" id="{CAB2B5C6-0307-954C-8066-86F0EEDB73CF}"/>
+                </a:ext>
+              </a:extLst>
+            </p:cNvPr>
+            <p:cNvSpPr/>
+            <p:nvPr/>
+          </p:nvSpPr>
+          <p:spPr>
+            <a:xfrm>
+              <a:off x="2886202" y="1742570"/>
+              <a:ext cx="119627" cy="326101"/>
+            </a:xfrm>
+            <a:prstGeom prst="roundRect">
+              <a:avLst>
+                <a:gd name="adj" fmla="val 41146"/>
+              </a:avLst>
+            </a:prstGeom>
+            <a:solidFill>
+              <a:schemeClr val="tx1"/>
+            </a:solidFill>
+            <a:ln>
+              <a:solidFill>
+                <a:schemeClr val="tx1"/>
+              </a:solidFill>
+            </a:ln>
+          </p:spPr>
+          <p:style>
+            <a:lnRef idx="2">
+              <a:schemeClr val="accent1">
+                <a:shade val="50000"/>
+              </a:schemeClr>
+            </a:lnRef>
+            <a:fillRef idx="1">
+              <a:schemeClr val="accent1"/>
+            </a:fillRef>
+            <a:effectRef idx="0">
+              <a:schemeClr val="accent1"/>
+            </a:effectRef>
+            <a:fontRef idx="minor">
+              <a:schemeClr val="lt1"/>
+            </a:fontRef>
+          </p:style>
+          <p:txBody>
+            <a:bodyPr rtlCol="0" anchor="ctr"/>
+            <a:lstStyle/>
+            <a:p>
+              <a:pPr algn="ctr"/>
+              <a:endParaRPr lang="en-US"/>
+            </a:p>
+          </p:txBody>
+        </p:sp>
+        <p:sp>
+          <p:nvSpPr>
+            <p:cNvPr id="53" name="Rounded Rectangle 52">
+              <a:extLst>
+                <a:ext uri="{FF2B5EF4-FFF2-40B4-BE49-F238E27FC236}">
+                  <a16:creationId xmlns:a16="http://schemas.microsoft.com/office/drawing/2014/main" id="{23D81C57-BD90-B249-8B53-5EC9E0134B85}"/>
+                </a:ext>
+              </a:extLst>
+            </p:cNvPr>
+            <p:cNvSpPr/>
+            <p:nvPr/>
+          </p:nvSpPr>
+          <p:spPr>
+            <a:xfrm>
+              <a:off x="335417" y="971905"/>
+              <a:ext cx="2396779" cy="279975"/>
+            </a:xfrm>
+            <a:prstGeom prst="roundRect">
+              <a:avLst>
+                <a:gd name="adj" fmla="val 50000"/>
+              </a:avLst>
+            </a:prstGeom>
+            <a:solidFill>
+              <a:schemeClr val="tx2">
+                <a:lumMod val="20000"/>
+                <a:lumOff val="80000"/>
+              </a:schemeClr>
+            </a:solidFill>
+            <a:ln>
+              <a:solidFill>
+                <a:schemeClr val="tx1"/>
+              </a:solidFill>
+            </a:ln>
+          </p:spPr>
+          <p:style>
+            <a:lnRef idx="2">
+              <a:schemeClr val="accent1">
+                <a:shade val="50000"/>
+              </a:schemeClr>
+            </a:lnRef>
+            <a:fillRef idx="1">
+              <a:schemeClr val="accent1"/>
+            </a:fillRef>
+            <a:effectRef idx="0">
+              <a:schemeClr val="accent1"/>
+            </a:effectRef>
+            <a:fontRef idx="minor">
+              <a:schemeClr val="lt1"/>
+            </a:fontRef>
+          </p:style>
+          <p:txBody>
+            <a:bodyPr rtlCol="0" anchor="ctr"/>
+            <a:lstStyle/>
+            <a:p>
+              <a:pPr algn="ctr"/>
+              <a:endParaRPr lang="en-US"/>
+            </a:p>
+          </p:txBody>
+        </p:sp>
+      </p:grpSp>
+      <p:grpSp>
+        <p:nvGrpSpPr>
+          <p:cNvPr id="54" name="Group 53">
+            <a:extLst>
+              <a:ext uri="{FF2B5EF4-FFF2-40B4-BE49-F238E27FC236}">
+                <a16:creationId xmlns:a16="http://schemas.microsoft.com/office/drawing/2014/main" id="{72CD5272-4D03-D540-B3A1-1FEFEE0C474C}"/>
+              </a:ext>
+            </a:extLst>
+          </p:cNvPr>
+          <p:cNvGrpSpPr/>
+          <p:nvPr/>
+        </p:nvGrpSpPr>
+        <p:grpSpPr>
+          <a:xfrm>
+            <a:off x="6120768" y="441175"/>
+            <a:ext cx="2944042" cy="5693107"/>
+            <a:chOff x="61787" y="404755"/>
+            <a:chExt cx="2944042" cy="5693107"/>
+          </a:xfrm>
+        </p:grpSpPr>
+        <p:sp>
+          <p:nvSpPr>
+            <p:cNvPr id="55" name="Rounded Rectangle 54">
+              <a:extLst>
+                <a:ext uri="{FF2B5EF4-FFF2-40B4-BE49-F238E27FC236}">
+                  <a16:creationId xmlns:a16="http://schemas.microsoft.com/office/drawing/2014/main" id="{95648CCC-9EA7-354F-878A-7AA72D09D423}"/>
+                </a:ext>
+              </a:extLst>
+            </p:cNvPr>
+            <p:cNvSpPr/>
+            <p:nvPr/>
+          </p:nvSpPr>
+          <p:spPr>
+            <a:xfrm>
+              <a:off x="96608" y="404755"/>
+              <a:ext cx="2875265" cy="5693107"/>
+            </a:xfrm>
+            <a:prstGeom prst="roundRect">
+              <a:avLst/>
+            </a:prstGeom>
+            <a:solidFill>
+              <a:schemeClr val="tx1"/>
+            </a:solidFill>
+            <a:ln>
+              <a:solidFill>
+                <a:schemeClr val="tx1"/>
+              </a:solidFill>
+            </a:ln>
+          </p:spPr>
+          <p:style>
+            <a:lnRef idx="2">
+              <a:schemeClr val="accent1">
+                <a:shade val="50000"/>
+              </a:schemeClr>
+            </a:lnRef>
+            <a:fillRef idx="1">
+              <a:schemeClr val="accent1"/>
+            </a:fillRef>
+            <a:effectRef idx="0">
+              <a:schemeClr val="accent1"/>
+            </a:effectRef>
+            <a:fontRef idx="minor">
+              <a:schemeClr val="lt1"/>
+            </a:fontRef>
+          </p:style>
+          <p:txBody>
+            <a:bodyPr rtlCol="0" anchor="ctr"/>
+            <a:lstStyle/>
+            <a:p>
+              <a:pPr algn="ctr"/>
+              <a:endParaRPr lang="en-US"/>
+            </a:p>
+          </p:txBody>
+        </p:sp>
+        <p:sp>
+          <p:nvSpPr>
+            <p:cNvPr id="56" name="Rounded Rectangle 55">
+              <a:extLst>
+                <a:ext uri="{FF2B5EF4-FFF2-40B4-BE49-F238E27FC236}">
+                  <a16:creationId xmlns:a16="http://schemas.microsoft.com/office/drawing/2014/main" id="{2BC646C1-512E-A847-9711-BF0E3737B285}"/>
+                </a:ext>
+              </a:extLst>
+            </p:cNvPr>
+            <p:cNvSpPr/>
+            <p:nvPr/>
+          </p:nvSpPr>
+          <p:spPr>
+            <a:xfrm>
+              <a:off x="192561" y="498764"/>
+              <a:ext cx="2682494" cy="5510463"/>
+            </a:xfrm>
+            <a:prstGeom prst="roundRect">
+              <a:avLst/>
+            </a:prstGeom>
+            <a:solidFill>
+              <a:schemeClr val="bg1"/>
+            </a:solidFill>
+            <a:ln>
+              <a:solidFill>
+                <a:schemeClr val="tx1"/>
+              </a:solidFill>
+            </a:ln>
+          </p:spPr>
+          <p:style>
+            <a:lnRef idx="2">
+              <a:schemeClr val="accent1">
+                <a:shade val="50000"/>
+              </a:schemeClr>
+            </a:lnRef>
+            <a:fillRef idx="1">
+              <a:schemeClr val="accent1"/>
+            </a:fillRef>
+            <a:effectRef idx="0">
+              <a:schemeClr val="accent1"/>
+            </a:effectRef>
+            <a:fontRef idx="minor">
+              <a:schemeClr val="lt1"/>
+            </a:fontRef>
+          </p:style>
+          <p:txBody>
+            <a:bodyPr rtlCol="0" anchor="ctr"/>
+            <a:lstStyle/>
+            <a:p>
+              <a:pPr algn="ctr"/>
+              <a:endParaRPr lang="en-US"/>
+            </a:p>
+          </p:txBody>
+        </p:sp>
+        <p:sp>
+          <p:nvSpPr>
+            <p:cNvPr id="57" name="Rounded Rectangle 56">
+              <a:extLst>
+                <a:ext uri="{FF2B5EF4-FFF2-40B4-BE49-F238E27FC236}">
+                  <a16:creationId xmlns:a16="http://schemas.microsoft.com/office/drawing/2014/main" id="{72EA6E8A-0554-3340-8089-7AB31A8826BB}"/>
+                </a:ext>
+              </a:extLst>
+            </p:cNvPr>
+            <p:cNvSpPr/>
+            <p:nvPr/>
+          </p:nvSpPr>
+          <p:spPr>
+            <a:xfrm>
+              <a:off x="967495" y="441175"/>
+              <a:ext cx="1132625" cy="326101"/>
+            </a:xfrm>
+            <a:prstGeom prst="roundRect">
+              <a:avLst>
+                <a:gd name="adj" fmla="val 41146"/>
+              </a:avLst>
+            </a:prstGeom>
+            <a:solidFill>
+              <a:schemeClr val="tx1"/>
+            </a:solidFill>
+            <a:ln>
+              <a:solidFill>
+                <a:schemeClr val="tx1"/>
+              </a:solidFill>
+            </a:ln>
+          </p:spPr>
+          <p:style>
+            <a:lnRef idx="2">
+              <a:schemeClr val="accent1">
+                <a:shade val="50000"/>
+              </a:schemeClr>
+            </a:lnRef>
+            <a:fillRef idx="1">
+              <a:schemeClr val="accent1"/>
+            </a:fillRef>
+            <a:effectRef idx="0">
+              <a:schemeClr val="accent1"/>
+            </a:effectRef>
+            <a:fontRef idx="minor">
+              <a:schemeClr val="lt1"/>
+            </a:fontRef>
+          </p:style>
+          <p:txBody>
+            <a:bodyPr rtlCol="0" anchor="ctr"/>
+            <a:lstStyle/>
+            <a:p>
+              <a:pPr algn="ctr"/>
+              <a:endParaRPr lang="en-US"/>
+            </a:p>
+          </p:txBody>
+        </p:sp>
+        <p:sp>
+          <p:nvSpPr>
+            <p:cNvPr id="58" name="Rounded Rectangle 57">
+              <a:extLst>
+                <a:ext uri="{FF2B5EF4-FFF2-40B4-BE49-F238E27FC236}">
+                  <a16:creationId xmlns:a16="http://schemas.microsoft.com/office/drawing/2014/main" id="{669C7B2E-BD6B-A94D-A395-A834B8C85D8B}"/>
+                </a:ext>
+              </a:extLst>
+            </p:cNvPr>
+            <p:cNvSpPr/>
+            <p:nvPr/>
+          </p:nvSpPr>
+          <p:spPr>
+            <a:xfrm>
+              <a:off x="967495" y="431974"/>
+              <a:ext cx="1132625" cy="172251"/>
+            </a:xfrm>
+            <a:prstGeom prst="roundRect">
+              <a:avLst>
+                <a:gd name="adj" fmla="val 0"/>
+              </a:avLst>
+            </a:prstGeom>
+            <a:solidFill>
+              <a:schemeClr val="tx1"/>
+            </a:solidFill>
+            <a:ln>
+              <a:solidFill>
+                <a:schemeClr val="tx1"/>
+              </a:solidFill>
+            </a:ln>
+          </p:spPr>
+          <p:style>
+            <a:lnRef idx="2">
+              <a:schemeClr val="accent1">
+                <a:shade val="50000"/>
+              </a:schemeClr>
+            </a:lnRef>
+            <a:fillRef idx="1">
+              <a:schemeClr val="accent1"/>
+            </a:fillRef>
+            <a:effectRef idx="0">
+              <a:schemeClr val="accent1"/>
+            </a:effectRef>
+            <a:fontRef idx="minor">
+              <a:schemeClr val="lt1"/>
+            </a:fontRef>
+          </p:style>
+          <p:txBody>
+            <a:bodyPr rtlCol="0" anchor="ctr"/>
+            <a:lstStyle/>
+            <a:p>
+              <a:pPr algn="ctr"/>
+              <a:endParaRPr lang="en-US"/>
+            </a:p>
+          </p:txBody>
+        </p:sp>
+        <p:sp>
+          <p:nvSpPr>
+            <p:cNvPr id="59" name="TextBox 58">
+              <a:extLst>
+                <a:ext uri="{FF2B5EF4-FFF2-40B4-BE49-F238E27FC236}">
+                  <a16:creationId xmlns:a16="http://schemas.microsoft.com/office/drawing/2014/main" id="{C2032456-4996-4046-8685-B1B907D2BF46}"/>
+                </a:ext>
+              </a:extLst>
+            </p:cNvPr>
+            <p:cNvSpPr txBox="1"/>
+            <p:nvPr/>
+          </p:nvSpPr>
+          <p:spPr>
+            <a:xfrm>
+              <a:off x="292122" y="1490782"/>
+              <a:ext cx="2463800" cy="1384995"/>
+            </a:xfrm>
+            <a:prstGeom prst="rect">
+              <a:avLst/>
+            </a:prstGeom>
+            <a:noFill/>
+          </p:spPr>
+          <p:txBody>
+            <a:bodyPr wrap="square" rtlCol="0">
+              <a:spAutoFit/>
+            </a:bodyPr>
+            <a:lstStyle/>
+            <a:p>
+              <a:r>
+                <a:rPr lang="en-US" sz="2800" dirty="0">
+                  <a:latin typeface="Times" pitchFamily="2" charset="0"/>
+                </a:rPr>
+                <a:t>rest. 1:         yes</a:t>
+              </a:r>
+            </a:p>
+            <a:p>
+              <a:r>
+                <a:rPr lang="en-US" sz="2800" dirty="0">
+                  <a:latin typeface="Times" pitchFamily="2" charset="0"/>
+                </a:rPr>
+                <a:t>rest. 2:         yes</a:t>
+              </a:r>
+            </a:p>
+            <a:p>
+              <a:r>
+                <a:rPr lang="en-US" sz="2800" dirty="0">
+                  <a:latin typeface="Times" pitchFamily="2" charset="0"/>
+                </a:rPr>
+                <a:t>rest. 3:         yes</a:t>
+              </a:r>
+            </a:p>
+          </p:txBody>
+        </p:sp>
+        <p:sp>
+          <p:nvSpPr>
+            <p:cNvPr id="60" name="Rounded Rectangle 59">
+              <a:extLst>
+                <a:ext uri="{FF2B5EF4-FFF2-40B4-BE49-F238E27FC236}">
+                  <a16:creationId xmlns:a16="http://schemas.microsoft.com/office/drawing/2014/main" id="{F46B62BA-973C-D34F-A6B8-22E9A53FBCD7}"/>
+                </a:ext>
+              </a:extLst>
+            </p:cNvPr>
+            <p:cNvSpPr/>
+            <p:nvPr/>
+          </p:nvSpPr>
+          <p:spPr>
+            <a:xfrm>
+              <a:off x="61787" y="1364087"/>
+              <a:ext cx="119627" cy="326101"/>
+            </a:xfrm>
+            <a:prstGeom prst="roundRect">
+              <a:avLst>
+                <a:gd name="adj" fmla="val 41146"/>
+              </a:avLst>
+            </a:prstGeom>
+            <a:solidFill>
+              <a:schemeClr val="tx1"/>
+            </a:solidFill>
+            <a:ln>
+              <a:solidFill>
+                <a:schemeClr val="tx1"/>
+              </a:solidFill>
+            </a:ln>
+          </p:spPr>
+          <p:style>
+            <a:lnRef idx="2">
+              <a:schemeClr val="accent1">
+                <a:shade val="50000"/>
+              </a:schemeClr>
+            </a:lnRef>
+            <a:fillRef idx="1">
+              <a:schemeClr val="accent1"/>
+            </a:fillRef>
+            <a:effectRef idx="0">
+              <a:schemeClr val="accent1"/>
+            </a:effectRef>
+            <a:fontRef idx="minor">
+              <a:schemeClr val="lt1"/>
+            </a:fontRef>
+          </p:style>
+          <p:txBody>
+            <a:bodyPr rtlCol="0" anchor="ctr"/>
+            <a:lstStyle/>
+            <a:p>
+              <a:pPr algn="ctr"/>
+              <a:endParaRPr lang="en-US"/>
+            </a:p>
+          </p:txBody>
+        </p:sp>
+        <p:sp>
+          <p:nvSpPr>
+            <p:cNvPr id="61" name="Rounded Rectangle 60">
+              <a:extLst>
+                <a:ext uri="{FF2B5EF4-FFF2-40B4-BE49-F238E27FC236}">
+                  <a16:creationId xmlns:a16="http://schemas.microsoft.com/office/drawing/2014/main" id="{66506474-BC39-5745-8B17-740163209D33}"/>
+                </a:ext>
+              </a:extLst>
+            </p:cNvPr>
+            <p:cNvSpPr/>
+            <p:nvPr/>
+          </p:nvSpPr>
+          <p:spPr>
+            <a:xfrm>
+              <a:off x="2886202" y="1333751"/>
+              <a:ext cx="119627" cy="326101"/>
+            </a:xfrm>
+            <a:prstGeom prst="roundRect">
+              <a:avLst>
+                <a:gd name="adj" fmla="val 41146"/>
+              </a:avLst>
+            </a:prstGeom>
+            <a:solidFill>
+              <a:schemeClr val="tx1"/>
+            </a:solidFill>
+            <a:ln>
+              <a:solidFill>
+                <a:schemeClr val="tx1"/>
+              </a:solidFill>
+            </a:ln>
+          </p:spPr>
+          <p:style>
+            <a:lnRef idx="2">
+              <a:schemeClr val="accent1">
+                <a:shade val="50000"/>
+              </a:schemeClr>
+            </a:lnRef>
+            <a:fillRef idx="1">
+              <a:schemeClr val="accent1"/>
+            </a:fillRef>
+            <a:effectRef idx="0">
+              <a:schemeClr val="accent1"/>
+            </a:effectRef>
+            <a:fontRef idx="minor">
+              <a:schemeClr val="lt1"/>
+            </a:fontRef>
+          </p:style>
+          <p:txBody>
+            <a:bodyPr rtlCol="0" anchor="ctr"/>
+            <a:lstStyle/>
+            <a:p>
+              <a:pPr algn="ctr"/>
+              <a:endParaRPr lang="en-US"/>
+            </a:p>
+          </p:txBody>
+        </p:sp>
+        <p:sp>
+          <p:nvSpPr>
+            <p:cNvPr id="62" name="Rounded Rectangle 61">
+              <a:extLst>
+                <a:ext uri="{FF2B5EF4-FFF2-40B4-BE49-F238E27FC236}">
+                  <a16:creationId xmlns:a16="http://schemas.microsoft.com/office/drawing/2014/main" id="{06AFB65C-E761-244A-95B9-663DFA9C9945}"/>
+                </a:ext>
+              </a:extLst>
+            </p:cNvPr>
+            <p:cNvSpPr/>
+            <p:nvPr/>
+          </p:nvSpPr>
+          <p:spPr>
+            <a:xfrm>
+              <a:off x="2886202" y="1742570"/>
+              <a:ext cx="119627" cy="326101"/>
+            </a:xfrm>
+            <a:prstGeom prst="roundRect">
+              <a:avLst>
+                <a:gd name="adj" fmla="val 41146"/>
+              </a:avLst>
+            </a:prstGeom>
+            <a:solidFill>
+              <a:schemeClr val="tx1"/>
+            </a:solidFill>
+            <a:ln>
+              <a:solidFill>
+                <a:schemeClr val="tx1"/>
+              </a:solidFill>
+            </a:ln>
+          </p:spPr>
+          <p:style>
+            <a:lnRef idx="2">
+              <a:schemeClr val="accent1">
+                <a:shade val="50000"/>
+              </a:schemeClr>
+            </a:lnRef>
+            <a:fillRef idx="1">
+              <a:schemeClr val="accent1"/>
+            </a:fillRef>
+            <a:effectRef idx="0">
+              <a:schemeClr val="accent1"/>
+            </a:effectRef>
+            <a:fontRef idx="minor">
+              <a:schemeClr val="lt1"/>
+            </a:fontRef>
+          </p:style>
+          <p:txBody>
+            <a:bodyPr rtlCol="0" anchor="ctr"/>
+            <a:lstStyle/>
+            <a:p>
+              <a:pPr algn="ctr"/>
+              <a:endParaRPr lang="en-US"/>
+            </a:p>
+          </p:txBody>
+        </p:sp>
+        <p:sp>
+          <p:nvSpPr>
+            <p:cNvPr id="63" name="Rounded Rectangle 62">
+              <a:extLst>
+                <a:ext uri="{FF2B5EF4-FFF2-40B4-BE49-F238E27FC236}">
+                  <a16:creationId xmlns:a16="http://schemas.microsoft.com/office/drawing/2014/main" id="{F6049251-D510-4044-B16E-39FD927CB343}"/>
+                </a:ext>
+              </a:extLst>
+            </p:cNvPr>
+            <p:cNvSpPr/>
+            <p:nvPr/>
+          </p:nvSpPr>
+          <p:spPr>
+            <a:xfrm>
+              <a:off x="335417" y="971905"/>
+              <a:ext cx="2396779" cy="279975"/>
+            </a:xfrm>
+            <a:prstGeom prst="roundRect">
+              <a:avLst>
+                <a:gd name="adj" fmla="val 50000"/>
+              </a:avLst>
+            </a:prstGeom>
+            <a:solidFill>
+              <a:schemeClr val="tx2">
+                <a:lumMod val="20000"/>
+                <a:lumOff val="80000"/>
+              </a:schemeClr>
+            </a:solidFill>
+            <a:ln>
+              <a:solidFill>
+                <a:schemeClr val="tx1"/>
+              </a:solidFill>
+            </a:ln>
+          </p:spPr>
+          <p:style>
+            <a:lnRef idx="2">
+              <a:schemeClr val="accent1">
+                <a:shade val="50000"/>
+              </a:schemeClr>
+            </a:lnRef>
+            <a:fillRef idx="1">
+              <a:schemeClr val="accent1"/>
+            </a:fillRef>
+            <a:effectRef idx="0">
+              <a:schemeClr val="accent1"/>
+            </a:effectRef>
+            <a:fontRef idx="minor">
+              <a:schemeClr val="lt1"/>
+            </a:fontRef>
+          </p:style>
+          <p:txBody>
+            <a:bodyPr rtlCol="0" anchor="ctr"/>
+            <a:lstStyle/>
+            <a:p>
+              <a:pPr algn="ctr"/>
+              <a:endParaRPr lang="en-US"/>
+            </a:p>
+          </p:txBody>
+        </p:sp>
+      </p:grpSp>
+      <p:grpSp>
+        <p:nvGrpSpPr>
+          <p:cNvPr id="64" name="Group 63">
+            <a:extLst>
+              <a:ext uri="{FF2B5EF4-FFF2-40B4-BE49-F238E27FC236}">
+                <a16:creationId xmlns:a16="http://schemas.microsoft.com/office/drawing/2014/main" id="{BE707E40-0FA9-8449-A6FE-A0C484C3C8BA}"/>
+              </a:ext>
+            </a:extLst>
+          </p:cNvPr>
+          <p:cNvGrpSpPr/>
+          <p:nvPr/>
+        </p:nvGrpSpPr>
+        <p:grpSpPr>
+          <a:xfrm>
+            <a:off x="9144025" y="404755"/>
+            <a:ext cx="2944042" cy="5693107"/>
+            <a:chOff x="61787" y="404755"/>
+            <a:chExt cx="2944042" cy="5693107"/>
+          </a:xfrm>
+        </p:grpSpPr>
+        <p:sp>
+          <p:nvSpPr>
+            <p:cNvPr id="65" name="Rounded Rectangle 64">
+              <a:extLst>
+                <a:ext uri="{FF2B5EF4-FFF2-40B4-BE49-F238E27FC236}">
+                  <a16:creationId xmlns:a16="http://schemas.microsoft.com/office/drawing/2014/main" id="{3F541610-F259-0346-BF81-563BC17B8F7A}"/>
+                </a:ext>
+              </a:extLst>
+            </p:cNvPr>
+            <p:cNvSpPr/>
+            <p:nvPr/>
+          </p:nvSpPr>
+          <p:spPr>
+            <a:xfrm>
+              <a:off x="96608" y="404755"/>
+              <a:ext cx="2875265" cy="5693107"/>
+            </a:xfrm>
+            <a:prstGeom prst="roundRect">
+              <a:avLst/>
+            </a:prstGeom>
+            <a:solidFill>
+              <a:schemeClr val="tx1"/>
+            </a:solidFill>
+            <a:ln>
+              <a:solidFill>
+                <a:schemeClr val="tx1"/>
+              </a:solidFill>
+            </a:ln>
+          </p:spPr>
+          <p:style>
+            <a:lnRef idx="2">
+              <a:schemeClr val="accent1">
+                <a:shade val="50000"/>
+              </a:schemeClr>
+            </a:lnRef>
+            <a:fillRef idx="1">
+              <a:schemeClr val="accent1"/>
+            </a:fillRef>
+            <a:effectRef idx="0">
+              <a:schemeClr val="accent1"/>
+            </a:effectRef>
+            <a:fontRef idx="minor">
+              <a:schemeClr val="lt1"/>
+            </a:fontRef>
+          </p:style>
+          <p:txBody>
+            <a:bodyPr rtlCol="0" anchor="ctr"/>
+            <a:lstStyle/>
+            <a:p>
+              <a:pPr algn="ctr"/>
+              <a:endParaRPr lang="en-US"/>
+            </a:p>
+          </p:txBody>
+        </p:sp>
+        <p:sp>
+          <p:nvSpPr>
+            <p:cNvPr id="66" name="Rounded Rectangle 65">
+              <a:extLst>
+                <a:ext uri="{FF2B5EF4-FFF2-40B4-BE49-F238E27FC236}">
+                  <a16:creationId xmlns:a16="http://schemas.microsoft.com/office/drawing/2014/main" id="{9EF62082-CDF6-E041-8AB0-CF59EE3E0E4D}"/>
+                </a:ext>
+              </a:extLst>
+            </p:cNvPr>
+            <p:cNvSpPr/>
+            <p:nvPr/>
+          </p:nvSpPr>
+          <p:spPr>
+            <a:xfrm>
+              <a:off x="192561" y="498764"/>
+              <a:ext cx="2682494" cy="5510463"/>
+            </a:xfrm>
+            <a:prstGeom prst="roundRect">
+              <a:avLst/>
+            </a:prstGeom>
+            <a:solidFill>
+              <a:schemeClr val="bg1"/>
+            </a:solidFill>
+            <a:ln>
+              <a:solidFill>
+                <a:schemeClr val="tx1"/>
+              </a:solidFill>
+            </a:ln>
+          </p:spPr>
+          <p:style>
+            <a:lnRef idx="2">
+              <a:schemeClr val="accent1">
+                <a:shade val="50000"/>
+              </a:schemeClr>
+            </a:lnRef>
+            <a:fillRef idx="1">
+              <a:schemeClr val="accent1"/>
+            </a:fillRef>
+            <a:effectRef idx="0">
+              <a:schemeClr val="accent1"/>
+            </a:effectRef>
+            <a:fontRef idx="minor">
+              <a:schemeClr val="lt1"/>
+            </a:fontRef>
+          </p:style>
+          <p:txBody>
+            <a:bodyPr rtlCol="0" anchor="ctr"/>
+            <a:lstStyle/>
+            <a:p>
+              <a:pPr algn="ctr"/>
+              <a:endParaRPr lang="en-US"/>
+            </a:p>
+          </p:txBody>
+        </p:sp>
+        <p:sp>
+          <p:nvSpPr>
+            <p:cNvPr id="67" name="Rounded Rectangle 66">
+              <a:extLst>
+                <a:ext uri="{FF2B5EF4-FFF2-40B4-BE49-F238E27FC236}">
+                  <a16:creationId xmlns:a16="http://schemas.microsoft.com/office/drawing/2014/main" id="{D96A24D7-696A-E241-BC10-488952F50F8A}"/>
+                </a:ext>
+              </a:extLst>
+            </p:cNvPr>
+            <p:cNvSpPr/>
+            <p:nvPr/>
+          </p:nvSpPr>
+          <p:spPr>
+            <a:xfrm>
+              <a:off x="967495" y="441175"/>
+              <a:ext cx="1132625" cy="326101"/>
+            </a:xfrm>
+            <a:prstGeom prst="roundRect">
+              <a:avLst>
+                <a:gd name="adj" fmla="val 41146"/>
+              </a:avLst>
+            </a:prstGeom>
+            <a:solidFill>
+              <a:schemeClr val="tx1"/>
+            </a:solidFill>
+            <a:ln>
+              <a:solidFill>
+                <a:schemeClr val="tx1"/>
+              </a:solidFill>
+            </a:ln>
+          </p:spPr>
+          <p:style>
+            <a:lnRef idx="2">
+              <a:schemeClr val="accent1">
+                <a:shade val="50000"/>
+              </a:schemeClr>
+            </a:lnRef>
+            <a:fillRef idx="1">
+              <a:schemeClr val="accent1"/>
+            </a:fillRef>
+            <a:effectRef idx="0">
+              <a:schemeClr val="accent1"/>
+            </a:effectRef>
+            <a:fontRef idx="minor">
+              <a:schemeClr val="lt1"/>
+            </a:fontRef>
+          </p:style>
+          <p:txBody>
+            <a:bodyPr rtlCol="0" anchor="ctr"/>
+            <a:lstStyle/>
+            <a:p>
+              <a:pPr algn="ctr"/>
+              <a:endParaRPr lang="en-US"/>
+            </a:p>
+          </p:txBody>
+        </p:sp>
+        <p:sp>
+          <p:nvSpPr>
+            <p:cNvPr id="68" name="Rounded Rectangle 67">
+              <a:extLst>
+                <a:ext uri="{FF2B5EF4-FFF2-40B4-BE49-F238E27FC236}">
+                  <a16:creationId xmlns:a16="http://schemas.microsoft.com/office/drawing/2014/main" id="{FCA60496-1D8C-524E-B055-65E2AE08217B}"/>
+                </a:ext>
+              </a:extLst>
+            </p:cNvPr>
+            <p:cNvSpPr/>
+            <p:nvPr/>
+          </p:nvSpPr>
+          <p:spPr>
+            <a:xfrm>
+              <a:off x="967495" y="431974"/>
+              <a:ext cx="1132625" cy="172251"/>
+            </a:xfrm>
+            <a:prstGeom prst="roundRect">
+              <a:avLst>
+                <a:gd name="adj" fmla="val 0"/>
+              </a:avLst>
+            </a:prstGeom>
+            <a:solidFill>
+              <a:schemeClr val="tx1"/>
+            </a:solidFill>
+            <a:ln>
+              <a:solidFill>
+                <a:schemeClr val="tx1"/>
+              </a:solidFill>
+            </a:ln>
+          </p:spPr>
+          <p:style>
+            <a:lnRef idx="2">
+              <a:schemeClr val="accent1">
+                <a:shade val="50000"/>
+              </a:schemeClr>
+            </a:lnRef>
+            <a:fillRef idx="1">
+              <a:schemeClr val="accent1"/>
+            </a:fillRef>
+            <a:effectRef idx="0">
+              <a:schemeClr val="accent1"/>
+            </a:effectRef>
+            <a:fontRef idx="minor">
+              <a:schemeClr val="lt1"/>
+            </a:fontRef>
+          </p:style>
+          <p:txBody>
+            <a:bodyPr rtlCol="0" anchor="ctr"/>
+            <a:lstStyle/>
+            <a:p>
+              <a:pPr algn="ctr"/>
+              <a:endParaRPr lang="en-US"/>
+            </a:p>
+          </p:txBody>
+        </p:sp>
+        <p:sp>
+          <p:nvSpPr>
+            <p:cNvPr id="69" name="TextBox 68">
+              <a:extLst>
+                <a:ext uri="{FF2B5EF4-FFF2-40B4-BE49-F238E27FC236}">
+                  <a16:creationId xmlns:a16="http://schemas.microsoft.com/office/drawing/2014/main" id="{4DF77F5D-0203-A84F-A691-8F429F37B306}"/>
+                </a:ext>
+              </a:extLst>
+            </p:cNvPr>
+            <p:cNvSpPr txBox="1"/>
+            <p:nvPr/>
+          </p:nvSpPr>
+          <p:spPr>
+            <a:xfrm>
+              <a:off x="292122" y="1490782"/>
+              <a:ext cx="2463800" cy="1384995"/>
+            </a:xfrm>
+            <a:prstGeom prst="rect">
+              <a:avLst/>
+            </a:prstGeom>
+            <a:noFill/>
+          </p:spPr>
+          <p:txBody>
+            <a:bodyPr wrap="square" rtlCol="0">
+              <a:spAutoFit/>
+            </a:bodyPr>
+            <a:lstStyle/>
+            <a:p>
+              <a:r>
+                <a:rPr lang="en-US" sz="2800" dirty="0">
+                  <a:latin typeface="Times" pitchFamily="2" charset="0"/>
+                </a:rPr>
+                <a:t>rest. 1:          no</a:t>
+              </a:r>
+            </a:p>
+            <a:p>
+              <a:r>
+                <a:rPr lang="en-US" sz="2800" dirty="0">
+                  <a:latin typeface="Times" pitchFamily="2" charset="0"/>
+                </a:rPr>
+                <a:t>rest. 2:          no</a:t>
+              </a:r>
+            </a:p>
+            <a:p>
+              <a:r>
+                <a:rPr lang="en-US" sz="2800" dirty="0">
+                  <a:latin typeface="Times" pitchFamily="2" charset="0"/>
+                </a:rPr>
+                <a:t>rest. 3:          no</a:t>
+              </a:r>
+            </a:p>
+          </p:txBody>
+        </p:sp>
+        <p:sp>
+          <p:nvSpPr>
+            <p:cNvPr id="70" name="Rounded Rectangle 69">
+              <a:extLst>
+                <a:ext uri="{FF2B5EF4-FFF2-40B4-BE49-F238E27FC236}">
+                  <a16:creationId xmlns:a16="http://schemas.microsoft.com/office/drawing/2014/main" id="{4BF4940A-C9D6-F542-B699-2B0F056A72E2}"/>
+                </a:ext>
+              </a:extLst>
+            </p:cNvPr>
+            <p:cNvSpPr/>
+            <p:nvPr/>
+          </p:nvSpPr>
+          <p:spPr>
+            <a:xfrm>
+              <a:off x="61787" y="1364087"/>
+              <a:ext cx="119627" cy="326101"/>
+            </a:xfrm>
+            <a:prstGeom prst="roundRect">
+              <a:avLst>
+                <a:gd name="adj" fmla="val 41146"/>
+              </a:avLst>
+            </a:prstGeom>
+            <a:solidFill>
+              <a:schemeClr val="tx1"/>
+            </a:solidFill>
+            <a:ln>
+              <a:solidFill>
+                <a:schemeClr val="tx1"/>
+              </a:solidFill>
+            </a:ln>
+          </p:spPr>
+          <p:style>
+            <a:lnRef idx="2">
+              <a:schemeClr val="accent1">
+                <a:shade val="50000"/>
+              </a:schemeClr>
+            </a:lnRef>
+            <a:fillRef idx="1">
+              <a:schemeClr val="accent1"/>
+            </a:fillRef>
+            <a:effectRef idx="0">
+              <a:schemeClr val="accent1"/>
+            </a:effectRef>
+            <a:fontRef idx="minor">
+              <a:schemeClr val="lt1"/>
+            </a:fontRef>
+          </p:style>
+          <p:txBody>
+            <a:bodyPr rtlCol="0" anchor="ctr"/>
+            <a:lstStyle/>
+            <a:p>
+              <a:pPr algn="ctr"/>
+              <a:endParaRPr lang="en-US"/>
+            </a:p>
+          </p:txBody>
+        </p:sp>
+        <p:sp>
+          <p:nvSpPr>
+            <p:cNvPr id="71" name="Rounded Rectangle 70">
+              <a:extLst>
+                <a:ext uri="{FF2B5EF4-FFF2-40B4-BE49-F238E27FC236}">
+                  <a16:creationId xmlns:a16="http://schemas.microsoft.com/office/drawing/2014/main" id="{E71AD13A-FA73-FD4A-A58D-B31158949583}"/>
+                </a:ext>
+              </a:extLst>
+            </p:cNvPr>
+            <p:cNvSpPr/>
+            <p:nvPr/>
+          </p:nvSpPr>
+          <p:spPr>
+            <a:xfrm>
+              <a:off x="2886202" y="1333751"/>
+              <a:ext cx="119627" cy="326101"/>
+            </a:xfrm>
+            <a:prstGeom prst="roundRect">
+              <a:avLst>
+                <a:gd name="adj" fmla="val 41146"/>
+              </a:avLst>
+            </a:prstGeom>
+            <a:solidFill>
+              <a:schemeClr val="tx1"/>
+            </a:solidFill>
+            <a:ln>
+              <a:solidFill>
+                <a:schemeClr val="tx1"/>
+              </a:solidFill>
+            </a:ln>
+          </p:spPr>
+          <p:style>
+            <a:lnRef idx="2">
+              <a:schemeClr val="accent1">
+                <a:shade val="50000"/>
+              </a:schemeClr>
+            </a:lnRef>
+            <a:fillRef idx="1">
+              <a:schemeClr val="accent1"/>
+            </a:fillRef>
+            <a:effectRef idx="0">
+              <a:schemeClr val="accent1"/>
+            </a:effectRef>
+            <a:fontRef idx="minor">
+              <a:schemeClr val="lt1"/>
+            </a:fontRef>
+          </p:style>
+          <p:txBody>
+            <a:bodyPr rtlCol="0" anchor="ctr"/>
+            <a:lstStyle/>
+            <a:p>
+              <a:pPr algn="ctr"/>
+              <a:endParaRPr lang="en-US"/>
+            </a:p>
+          </p:txBody>
+        </p:sp>
+        <p:sp>
+          <p:nvSpPr>
+            <p:cNvPr id="72" name="Rounded Rectangle 71">
+              <a:extLst>
+                <a:ext uri="{FF2B5EF4-FFF2-40B4-BE49-F238E27FC236}">
+                  <a16:creationId xmlns:a16="http://schemas.microsoft.com/office/drawing/2014/main" id="{46DA8EDB-3D0B-154B-AD53-F411017E1A46}"/>
+                </a:ext>
+              </a:extLst>
+            </p:cNvPr>
+            <p:cNvSpPr/>
+            <p:nvPr/>
+          </p:nvSpPr>
+          <p:spPr>
+            <a:xfrm>
+              <a:off x="2886202" y="1742570"/>
+              <a:ext cx="119627" cy="326101"/>
+            </a:xfrm>
+            <a:prstGeom prst="roundRect">
+              <a:avLst>
+                <a:gd name="adj" fmla="val 41146"/>
+              </a:avLst>
+            </a:prstGeom>
+            <a:solidFill>
+              <a:schemeClr val="tx1"/>
+            </a:solidFill>
+            <a:ln>
+              <a:solidFill>
+                <a:schemeClr val="tx1"/>
+              </a:solidFill>
+            </a:ln>
+          </p:spPr>
+          <p:style>
+            <a:lnRef idx="2">
+              <a:schemeClr val="accent1">
+                <a:shade val="50000"/>
+              </a:schemeClr>
+            </a:lnRef>
+            <a:fillRef idx="1">
+              <a:schemeClr val="accent1"/>
+            </a:fillRef>
+            <a:effectRef idx="0">
+              <a:schemeClr val="accent1"/>
+            </a:effectRef>
+            <a:fontRef idx="minor">
+              <a:schemeClr val="lt1"/>
+            </a:fontRef>
+          </p:style>
+          <p:txBody>
+            <a:bodyPr rtlCol="0" anchor="ctr"/>
+            <a:lstStyle/>
+            <a:p>
+              <a:pPr algn="ctr"/>
+              <a:endParaRPr lang="en-US"/>
+            </a:p>
+          </p:txBody>
+        </p:sp>
+        <p:sp>
+          <p:nvSpPr>
+            <p:cNvPr id="73" name="Rounded Rectangle 72">
+              <a:extLst>
+                <a:ext uri="{FF2B5EF4-FFF2-40B4-BE49-F238E27FC236}">
+                  <a16:creationId xmlns:a16="http://schemas.microsoft.com/office/drawing/2014/main" id="{9943351D-A035-A347-A5EA-AE2579C7E8C0}"/>
+                </a:ext>
+              </a:extLst>
+            </p:cNvPr>
+            <p:cNvSpPr/>
+            <p:nvPr/>
+          </p:nvSpPr>
+          <p:spPr>
+            <a:xfrm>
+              <a:off x="335417" y="971905"/>
+              <a:ext cx="2396779" cy="279975"/>
+            </a:xfrm>
+            <a:prstGeom prst="roundRect">
+              <a:avLst>
+                <a:gd name="adj" fmla="val 50000"/>
+              </a:avLst>
+            </a:prstGeom>
+            <a:solidFill>
+              <a:schemeClr val="tx2">
+                <a:lumMod val="20000"/>
+                <a:lumOff val="80000"/>
+              </a:schemeClr>
+            </a:solidFill>
+            <a:ln>
+              <a:solidFill>
+                <a:schemeClr val="tx1"/>
+              </a:solidFill>
+            </a:ln>
+          </p:spPr>
+          <p:style>
+            <a:lnRef idx="2">
+              <a:schemeClr val="accent1">
+                <a:shade val="50000"/>
+              </a:schemeClr>
+            </a:lnRef>
+            <a:fillRef idx="1">
+              <a:schemeClr val="accent1"/>
+            </a:fillRef>
+            <a:effectRef idx="0">
+              <a:schemeClr val="accent1"/>
+            </a:effectRef>
+            <a:fontRef idx="minor">
+              <a:schemeClr val="lt1"/>
+            </a:fontRef>
+          </p:style>
+          <p:txBody>
+            <a:bodyPr rtlCol="0" anchor="ctr"/>
+            <a:lstStyle/>
+            <a:p>
+              <a:pPr algn="ctr"/>
+              <a:endParaRPr lang="en-US"/>
+            </a:p>
+          </p:txBody>
+        </p:sp>
+      </p:grpSp>
+      <p:sp>
+        <p:nvSpPr>
+          <p:cNvPr id="74" name="TextBox 73">
+            <a:extLst>
+              <a:ext uri="{FF2B5EF4-FFF2-40B4-BE49-F238E27FC236}">
+                <a16:creationId xmlns:a16="http://schemas.microsoft.com/office/drawing/2014/main" id="{4A0E6AB6-1EB5-D443-8B6F-51EEC1382143}"/>
+              </a:ext>
+            </a:extLst>
+          </p:cNvPr>
+          <p:cNvSpPr txBox="1"/>
+          <p:nvPr/>
+        </p:nvSpPr>
+        <p:spPr>
+          <a:xfrm>
+            <a:off x="542029" y="6155451"/>
+            <a:ext cx="2463800" cy="523220"/>
+          </a:xfrm>
+          <a:prstGeom prst="rect">
+            <a:avLst/>
+          </a:prstGeom>
+          <a:noFill/>
+        </p:spPr>
+        <p:txBody>
+          <a:bodyPr wrap="square" rtlCol="0">
+            <a:spAutoFit/>
+          </a:bodyPr>
+          <a:lstStyle/>
+          <a:p>
+            <a:r>
+              <a:rPr lang="en-US" sz="2800" dirty="0">
+                <a:latin typeface="Times" pitchFamily="2" charset="0"/>
+              </a:rPr>
+              <a:t>intro phone</a:t>
+            </a:r>
+          </a:p>
+        </p:txBody>
+      </p:sp>
+      <p:sp>
+        <p:nvSpPr>
+          <p:cNvPr id="75" name="TextBox 74">
+            <a:extLst>
+              <a:ext uri="{FF2B5EF4-FFF2-40B4-BE49-F238E27FC236}">
+                <a16:creationId xmlns:a16="http://schemas.microsoft.com/office/drawing/2014/main" id="{10A2BB59-EEED-324E-A977-4B73C42A6A54}"/>
+              </a:ext>
+            </a:extLst>
+          </p:cNvPr>
+          <p:cNvSpPr txBox="1"/>
+          <p:nvPr/>
+        </p:nvSpPr>
+        <p:spPr>
+          <a:xfrm>
+            <a:off x="6369416" y="6239236"/>
+            <a:ext cx="2463800" cy="523220"/>
+          </a:xfrm>
+          <a:prstGeom prst="rect">
+            <a:avLst/>
+          </a:prstGeom>
+          <a:noFill/>
+        </p:spPr>
+        <p:txBody>
+          <a:bodyPr wrap="square" rtlCol="0">
+            <a:spAutoFit/>
+          </a:bodyPr>
+          <a:lstStyle/>
+          <a:p>
+            <a:r>
+              <a:rPr lang="en-US" sz="2800" dirty="0">
+                <a:latin typeface="Times" pitchFamily="2" charset="0"/>
+              </a:rPr>
+              <a:t>training phones</a:t>
+            </a:r>
+          </a:p>
+        </p:txBody>
+      </p:sp>
+    </p:spTree>
+    <p:extLst>
+      <p:ext uri="{BB962C8B-B14F-4D97-AF65-F5344CB8AC3E}">
+        <p14:creationId xmlns:p14="http://schemas.microsoft.com/office/powerpoint/2010/main" val="3719504351"/>
+      </p:ext>
+    </p:extLst>
+  </p:cSld>
+  <p:clrMapOvr>
+    <a:masterClrMapping/>
+  </p:clrMapOvr>
+</p:sld>
+</file>
+
+<file path=ppt/slides/slide12.xml><?xml version="1.0" encoding="utf-8"?>
+<p:sld xmlns:a="http://schemas.openxmlformats.org/drawingml/2006/main" xmlns:r="http://schemas.openxmlformats.org/officeDocument/2006/relationships" xmlns:p="http://schemas.openxmlformats.org/presentationml/2006/main">
+  <p:cSld>
+    <p:spTree>
+      <p:nvGrpSpPr>
+        <p:cNvPr id="1" name=""/>
+        <p:cNvGrpSpPr/>
+        <p:nvPr/>
+      </p:nvGrpSpPr>
+      <p:grpSpPr>
+        <a:xfrm>
+          <a:off x="0" y="0"/>
+          <a:ext cx="0" cy="0"/>
+          <a:chOff x="0" y="0"/>
+          <a:chExt cx="0" cy="0"/>
+        </a:xfrm>
+      </p:grpSpPr>
+      <p:grpSp>
+        <p:nvGrpSpPr>
+          <p:cNvPr id="44" name="Group 43">
+            <a:extLst>
+              <a:ext uri="{FF2B5EF4-FFF2-40B4-BE49-F238E27FC236}">
+                <a16:creationId xmlns:a16="http://schemas.microsoft.com/office/drawing/2014/main" id="{C661D8B6-AD13-8F49-B4EF-97275ABF98CE}"/>
+              </a:ext>
+            </a:extLst>
+          </p:cNvPr>
+          <p:cNvGrpSpPr/>
+          <p:nvPr/>
+        </p:nvGrpSpPr>
+        <p:grpSpPr>
+          <a:xfrm>
+            <a:off x="896112" y="436557"/>
+            <a:ext cx="2944042" cy="5693107"/>
+            <a:chOff x="61787" y="404755"/>
+            <a:chExt cx="2944042" cy="5693107"/>
+          </a:xfrm>
+        </p:grpSpPr>
+        <p:sp>
+          <p:nvSpPr>
+            <p:cNvPr id="45" name="Rounded Rectangle 44">
+              <a:extLst>
+                <a:ext uri="{FF2B5EF4-FFF2-40B4-BE49-F238E27FC236}">
+                  <a16:creationId xmlns:a16="http://schemas.microsoft.com/office/drawing/2014/main" id="{14EDB1EB-8A08-9642-A68A-3D29EB9F0761}"/>
+                </a:ext>
+              </a:extLst>
+            </p:cNvPr>
+            <p:cNvSpPr/>
+            <p:nvPr/>
+          </p:nvSpPr>
+          <p:spPr>
+            <a:xfrm>
+              <a:off x="96608" y="404755"/>
+              <a:ext cx="2875265" cy="5693107"/>
+            </a:xfrm>
+            <a:prstGeom prst="roundRect">
+              <a:avLst/>
+            </a:prstGeom>
+            <a:solidFill>
+              <a:schemeClr val="tx1"/>
+            </a:solidFill>
+            <a:ln>
+              <a:solidFill>
+                <a:schemeClr val="tx1"/>
+              </a:solidFill>
+            </a:ln>
+          </p:spPr>
+          <p:style>
+            <a:lnRef idx="2">
+              <a:schemeClr val="accent1">
+                <a:shade val="50000"/>
+              </a:schemeClr>
+            </a:lnRef>
+            <a:fillRef idx="1">
+              <a:schemeClr val="accent1"/>
+            </a:fillRef>
+            <a:effectRef idx="0">
+              <a:schemeClr val="accent1"/>
+            </a:effectRef>
+            <a:fontRef idx="minor">
+              <a:schemeClr val="lt1"/>
+            </a:fontRef>
+          </p:style>
+          <p:txBody>
+            <a:bodyPr rtlCol="0" anchor="ctr"/>
+            <a:lstStyle/>
+            <a:p>
+              <a:pPr algn="ctr"/>
+              <a:endParaRPr lang="en-US"/>
+            </a:p>
+          </p:txBody>
+        </p:sp>
+        <p:sp>
+          <p:nvSpPr>
+            <p:cNvPr id="46" name="Rounded Rectangle 45">
+              <a:extLst>
+                <a:ext uri="{FF2B5EF4-FFF2-40B4-BE49-F238E27FC236}">
+                  <a16:creationId xmlns:a16="http://schemas.microsoft.com/office/drawing/2014/main" id="{5E52F745-13B3-8344-A1B0-43D84FFF72FE}"/>
+                </a:ext>
+              </a:extLst>
+            </p:cNvPr>
+            <p:cNvSpPr/>
+            <p:nvPr/>
+          </p:nvSpPr>
+          <p:spPr>
+            <a:xfrm>
+              <a:off x="192561" y="498764"/>
+              <a:ext cx="2682494" cy="5510463"/>
+            </a:xfrm>
+            <a:prstGeom prst="roundRect">
+              <a:avLst/>
+            </a:prstGeom>
+            <a:solidFill>
+              <a:schemeClr val="bg1"/>
+            </a:solidFill>
+            <a:ln>
+              <a:solidFill>
+                <a:schemeClr val="tx1"/>
+              </a:solidFill>
+            </a:ln>
+          </p:spPr>
+          <p:style>
+            <a:lnRef idx="2">
+              <a:schemeClr val="accent1">
+                <a:shade val="50000"/>
+              </a:schemeClr>
+            </a:lnRef>
+            <a:fillRef idx="1">
+              <a:schemeClr val="accent1"/>
+            </a:fillRef>
+            <a:effectRef idx="0">
+              <a:schemeClr val="accent1"/>
+            </a:effectRef>
+            <a:fontRef idx="minor">
+              <a:schemeClr val="lt1"/>
+            </a:fontRef>
+          </p:style>
+          <p:txBody>
+            <a:bodyPr rtlCol="0" anchor="ctr"/>
+            <a:lstStyle/>
+            <a:p>
+              <a:pPr algn="ctr"/>
+              <a:endParaRPr lang="en-US"/>
+            </a:p>
+          </p:txBody>
+        </p:sp>
+        <p:sp>
+          <p:nvSpPr>
+            <p:cNvPr id="47" name="Rounded Rectangle 46">
+              <a:extLst>
+                <a:ext uri="{FF2B5EF4-FFF2-40B4-BE49-F238E27FC236}">
+                  <a16:creationId xmlns:a16="http://schemas.microsoft.com/office/drawing/2014/main" id="{803A0F58-5F3A-9B4F-83E4-63021D220D14}"/>
+                </a:ext>
+              </a:extLst>
+            </p:cNvPr>
+            <p:cNvSpPr/>
+            <p:nvPr/>
+          </p:nvSpPr>
+          <p:spPr>
+            <a:xfrm>
+              <a:off x="967495" y="441175"/>
+              <a:ext cx="1132625" cy="326101"/>
+            </a:xfrm>
+            <a:prstGeom prst="roundRect">
+              <a:avLst>
+                <a:gd name="adj" fmla="val 41146"/>
+              </a:avLst>
+            </a:prstGeom>
+            <a:solidFill>
+              <a:schemeClr val="tx1"/>
+            </a:solidFill>
+            <a:ln>
+              <a:solidFill>
+                <a:schemeClr val="tx1"/>
+              </a:solidFill>
+            </a:ln>
+          </p:spPr>
+          <p:style>
+            <a:lnRef idx="2">
+              <a:schemeClr val="accent1">
+                <a:shade val="50000"/>
+              </a:schemeClr>
+            </a:lnRef>
+            <a:fillRef idx="1">
+              <a:schemeClr val="accent1"/>
+            </a:fillRef>
+            <a:effectRef idx="0">
+              <a:schemeClr val="accent1"/>
+            </a:effectRef>
+            <a:fontRef idx="minor">
+              <a:schemeClr val="lt1"/>
+            </a:fontRef>
+          </p:style>
+          <p:txBody>
+            <a:bodyPr rtlCol="0" anchor="ctr"/>
+            <a:lstStyle/>
+            <a:p>
+              <a:pPr algn="ctr"/>
+              <a:endParaRPr lang="en-US"/>
+            </a:p>
+          </p:txBody>
+        </p:sp>
+        <p:sp>
+          <p:nvSpPr>
+            <p:cNvPr id="48" name="Rounded Rectangle 47">
+              <a:extLst>
+                <a:ext uri="{FF2B5EF4-FFF2-40B4-BE49-F238E27FC236}">
+                  <a16:creationId xmlns:a16="http://schemas.microsoft.com/office/drawing/2014/main" id="{C10DBF82-EB8E-EF40-9368-87D09B7F514B}"/>
+                </a:ext>
+              </a:extLst>
+            </p:cNvPr>
+            <p:cNvSpPr/>
+            <p:nvPr/>
+          </p:nvSpPr>
+          <p:spPr>
+            <a:xfrm>
+              <a:off x="967495" y="431974"/>
+              <a:ext cx="1132625" cy="172251"/>
+            </a:xfrm>
+            <a:prstGeom prst="roundRect">
+              <a:avLst>
+                <a:gd name="adj" fmla="val 0"/>
+              </a:avLst>
+            </a:prstGeom>
+            <a:solidFill>
+              <a:schemeClr val="tx1"/>
+            </a:solidFill>
+            <a:ln>
+              <a:solidFill>
+                <a:schemeClr val="tx1"/>
+              </a:solidFill>
+            </a:ln>
+          </p:spPr>
+          <p:style>
+            <a:lnRef idx="2">
+              <a:schemeClr val="accent1">
+                <a:shade val="50000"/>
+              </a:schemeClr>
+            </a:lnRef>
+            <a:fillRef idx="1">
+              <a:schemeClr val="accent1"/>
+            </a:fillRef>
+            <a:effectRef idx="0">
+              <a:schemeClr val="accent1"/>
+            </a:effectRef>
+            <a:fontRef idx="minor">
+              <a:schemeClr val="lt1"/>
+            </a:fontRef>
+          </p:style>
+          <p:txBody>
+            <a:bodyPr rtlCol="0" anchor="ctr"/>
+            <a:lstStyle/>
+            <a:p>
+              <a:pPr algn="ctr"/>
+              <a:endParaRPr lang="en-US"/>
+            </a:p>
+          </p:txBody>
+        </p:sp>
+        <p:sp>
+          <p:nvSpPr>
+            <p:cNvPr id="49" name="TextBox 48">
+              <a:extLst>
+                <a:ext uri="{FF2B5EF4-FFF2-40B4-BE49-F238E27FC236}">
+                  <a16:creationId xmlns:a16="http://schemas.microsoft.com/office/drawing/2014/main" id="{E900CD87-815D-D54E-BBB9-56EE9B434648}"/>
+                </a:ext>
+              </a:extLst>
+            </p:cNvPr>
+            <p:cNvSpPr txBox="1"/>
+            <p:nvPr/>
+          </p:nvSpPr>
+          <p:spPr>
+            <a:xfrm>
+              <a:off x="292122" y="1490782"/>
+              <a:ext cx="2463800" cy="1384995"/>
+            </a:xfrm>
+            <a:prstGeom prst="rect">
+              <a:avLst/>
+            </a:prstGeom>
+            <a:noFill/>
+          </p:spPr>
+          <p:txBody>
+            <a:bodyPr wrap="square" rtlCol="0">
+              <a:spAutoFit/>
+            </a:bodyPr>
+            <a:lstStyle/>
+            <a:p>
+              <a:r>
+                <a:rPr lang="en-US" sz="2800" dirty="0">
+                  <a:latin typeface="Times" pitchFamily="2" charset="0"/>
+                </a:rPr>
+                <a:t>rest. 1:         yes</a:t>
+              </a:r>
+            </a:p>
+            <a:p>
+              <a:r>
+                <a:rPr lang="en-US" sz="2800" dirty="0">
+                  <a:latin typeface="Times" pitchFamily="2" charset="0"/>
+                </a:rPr>
+                <a:t>rest. 2:          no</a:t>
+              </a:r>
+            </a:p>
+            <a:p>
+              <a:r>
+                <a:rPr lang="en-US" sz="2800" dirty="0">
+                  <a:latin typeface="Times" pitchFamily="2" charset="0"/>
+                </a:rPr>
+                <a:t>rest. 3:         yes</a:t>
+              </a:r>
+            </a:p>
+          </p:txBody>
+        </p:sp>
+        <p:sp>
+          <p:nvSpPr>
+            <p:cNvPr id="50" name="Rounded Rectangle 49">
+              <a:extLst>
+                <a:ext uri="{FF2B5EF4-FFF2-40B4-BE49-F238E27FC236}">
+                  <a16:creationId xmlns:a16="http://schemas.microsoft.com/office/drawing/2014/main" id="{8BC469F0-D055-6D48-BBA6-9E2CA6E13398}"/>
+                </a:ext>
+              </a:extLst>
+            </p:cNvPr>
+            <p:cNvSpPr/>
+            <p:nvPr/>
+          </p:nvSpPr>
+          <p:spPr>
+            <a:xfrm>
+              <a:off x="61787" y="1364087"/>
+              <a:ext cx="119627" cy="326101"/>
+            </a:xfrm>
+            <a:prstGeom prst="roundRect">
+              <a:avLst>
+                <a:gd name="adj" fmla="val 41146"/>
+              </a:avLst>
+            </a:prstGeom>
+            <a:solidFill>
+              <a:schemeClr val="tx1"/>
+            </a:solidFill>
+            <a:ln>
+              <a:solidFill>
+                <a:schemeClr val="tx1"/>
+              </a:solidFill>
+            </a:ln>
+          </p:spPr>
+          <p:style>
+            <a:lnRef idx="2">
+              <a:schemeClr val="accent1">
+                <a:shade val="50000"/>
+              </a:schemeClr>
+            </a:lnRef>
+            <a:fillRef idx="1">
+              <a:schemeClr val="accent1"/>
+            </a:fillRef>
+            <a:effectRef idx="0">
+              <a:schemeClr val="accent1"/>
+            </a:effectRef>
+            <a:fontRef idx="minor">
+              <a:schemeClr val="lt1"/>
+            </a:fontRef>
+          </p:style>
+          <p:txBody>
+            <a:bodyPr rtlCol="0" anchor="ctr"/>
+            <a:lstStyle/>
+            <a:p>
+              <a:pPr algn="ctr"/>
+              <a:endParaRPr lang="en-US"/>
+            </a:p>
+          </p:txBody>
+        </p:sp>
+        <p:sp>
+          <p:nvSpPr>
+            <p:cNvPr id="51" name="Rounded Rectangle 50">
+              <a:extLst>
+                <a:ext uri="{FF2B5EF4-FFF2-40B4-BE49-F238E27FC236}">
+                  <a16:creationId xmlns:a16="http://schemas.microsoft.com/office/drawing/2014/main" id="{C317381A-8A74-B047-AD9D-19D7851AAF44}"/>
+                </a:ext>
+              </a:extLst>
+            </p:cNvPr>
+            <p:cNvSpPr/>
+            <p:nvPr/>
+          </p:nvSpPr>
+          <p:spPr>
+            <a:xfrm>
+              <a:off x="2886202" y="1333751"/>
+              <a:ext cx="119627" cy="326101"/>
+            </a:xfrm>
+            <a:prstGeom prst="roundRect">
+              <a:avLst>
+                <a:gd name="adj" fmla="val 41146"/>
+              </a:avLst>
+            </a:prstGeom>
+            <a:solidFill>
+              <a:schemeClr val="tx1"/>
+            </a:solidFill>
+            <a:ln>
+              <a:solidFill>
+                <a:schemeClr val="tx1"/>
+              </a:solidFill>
+            </a:ln>
+          </p:spPr>
+          <p:style>
+            <a:lnRef idx="2">
+              <a:schemeClr val="accent1">
+                <a:shade val="50000"/>
+              </a:schemeClr>
+            </a:lnRef>
+            <a:fillRef idx="1">
+              <a:schemeClr val="accent1"/>
+            </a:fillRef>
+            <a:effectRef idx="0">
+              <a:schemeClr val="accent1"/>
+            </a:effectRef>
+            <a:fontRef idx="minor">
+              <a:schemeClr val="lt1"/>
+            </a:fontRef>
+          </p:style>
+          <p:txBody>
+            <a:bodyPr rtlCol="0" anchor="ctr"/>
+            <a:lstStyle/>
+            <a:p>
+              <a:pPr algn="ctr"/>
+              <a:endParaRPr lang="en-US"/>
+            </a:p>
+          </p:txBody>
+        </p:sp>
+        <p:sp>
+          <p:nvSpPr>
+            <p:cNvPr id="52" name="Rounded Rectangle 51">
+              <a:extLst>
+                <a:ext uri="{FF2B5EF4-FFF2-40B4-BE49-F238E27FC236}">
+                  <a16:creationId xmlns:a16="http://schemas.microsoft.com/office/drawing/2014/main" id="{CAB2B5C6-0307-954C-8066-86F0EEDB73CF}"/>
+                </a:ext>
+              </a:extLst>
+            </p:cNvPr>
+            <p:cNvSpPr/>
+            <p:nvPr/>
+          </p:nvSpPr>
+          <p:spPr>
+            <a:xfrm>
+              <a:off x="2886202" y="1742570"/>
+              <a:ext cx="119627" cy="326101"/>
+            </a:xfrm>
+            <a:prstGeom prst="roundRect">
+              <a:avLst>
+                <a:gd name="adj" fmla="val 41146"/>
+              </a:avLst>
+            </a:prstGeom>
+            <a:solidFill>
+              <a:schemeClr val="tx1"/>
+            </a:solidFill>
+            <a:ln>
+              <a:solidFill>
+                <a:schemeClr val="tx1"/>
+              </a:solidFill>
+            </a:ln>
+          </p:spPr>
+          <p:style>
+            <a:lnRef idx="2">
+              <a:schemeClr val="accent1">
+                <a:shade val="50000"/>
+              </a:schemeClr>
+            </a:lnRef>
+            <a:fillRef idx="1">
+              <a:schemeClr val="accent1"/>
+            </a:fillRef>
+            <a:effectRef idx="0">
+              <a:schemeClr val="accent1"/>
+            </a:effectRef>
+            <a:fontRef idx="minor">
+              <a:schemeClr val="lt1"/>
+            </a:fontRef>
+          </p:style>
+          <p:txBody>
+            <a:bodyPr rtlCol="0" anchor="ctr"/>
+            <a:lstStyle/>
+            <a:p>
+              <a:pPr algn="ctr"/>
+              <a:endParaRPr lang="en-US"/>
+            </a:p>
+          </p:txBody>
+        </p:sp>
+        <p:sp>
+          <p:nvSpPr>
+            <p:cNvPr id="53" name="Rounded Rectangle 52">
+              <a:extLst>
+                <a:ext uri="{FF2B5EF4-FFF2-40B4-BE49-F238E27FC236}">
+                  <a16:creationId xmlns:a16="http://schemas.microsoft.com/office/drawing/2014/main" id="{23D81C57-BD90-B249-8B53-5EC9E0134B85}"/>
+                </a:ext>
+              </a:extLst>
+            </p:cNvPr>
+            <p:cNvSpPr/>
+            <p:nvPr/>
+          </p:nvSpPr>
+          <p:spPr>
+            <a:xfrm>
+              <a:off x="335417" y="971905"/>
+              <a:ext cx="2396779" cy="279975"/>
+            </a:xfrm>
+            <a:prstGeom prst="roundRect">
+              <a:avLst>
+                <a:gd name="adj" fmla="val 50000"/>
+              </a:avLst>
+            </a:prstGeom>
+            <a:solidFill>
+              <a:schemeClr val="tx2">
+                <a:lumMod val="20000"/>
+                <a:lumOff val="80000"/>
+              </a:schemeClr>
+            </a:solidFill>
+            <a:ln>
+              <a:solidFill>
+                <a:schemeClr val="tx1"/>
+              </a:solidFill>
+            </a:ln>
+          </p:spPr>
+          <p:style>
+            <a:lnRef idx="2">
+              <a:schemeClr val="accent1">
+                <a:shade val="50000"/>
+              </a:schemeClr>
+            </a:lnRef>
+            <a:fillRef idx="1">
+              <a:schemeClr val="accent1"/>
+            </a:fillRef>
+            <a:effectRef idx="0">
+              <a:schemeClr val="accent1"/>
+            </a:effectRef>
+            <a:fontRef idx="minor">
+              <a:schemeClr val="lt1"/>
+            </a:fontRef>
+          </p:style>
+          <p:txBody>
+            <a:bodyPr rtlCol="0" anchor="ctr"/>
+            <a:lstStyle/>
+            <a:p>
+              <a:pPr algn="ctr"/>
+              <a:endParaRPr lang="en-US"/>
+            </a:p>
+          </p:txBody>
+        </p:sp>
+      </p:grpSp>
+      <p:grpSp>
+        <p:nvGrpSpPr>
+          <p:cNvPr id="54" name="Group 53">
+            <a:extLst>
+              <a:ext uri="{FF2B5EF4-FFF2-40B4-BE49-F238E27FC236}">
+                <a16:creationId xmlns:a16="http://schemas.microsoft.com/office/drawing/2014/main" id="{72CD5272-4D03-D540-B3A1-1FEFEE0C474C}"/>
+              </a:ext>
+            </a:extLst>
+          </p:cNvPr>
+          <p:cNvGrpSpPr/>
+          <p:nvPr/>
+        </p:nvGrpSpPr>
+        <p:grpSpPr>
+          <a:xfrm>
+            <a:off x="4484314" y="463776"/>
+            <a:ext cx="2944042" cy="5693107"/>
+            <a:chOff x="61787" y="404755"/>
+            <a:chExt cx="2944042" cy="5693107"/>
+          </a:xfrm>
+        </p:grpSpPr>
+        <p:sp>
+          <p:nvSpPr>
+            <p:cNvPr id="55" name="Rounded Rectangle 54">
+              <a:extLst>
+                <a:ext uri="{FF2B5EF4-FFF2-40B4-BE49-F238E27FC236}">
+                  <a16:creationId xmlns:a16="http://schemas.microsoft.com/office/drawing/2014/main" id="{95648CCC-9EA7-354F-878A-7AA72D09D423}"/>
+                </a:ext>
+              </a:extLst>
+            </p:cNvPr>
+            <p:cNvSpPr/>
+            <p:nvPr/>
+          </p:nvSpPr>
+          <p:spPr>
+            <a:xfrm>
+              <a:off x="96608" y="404755"/>
+              <a:ext cx="2875265" cy="5693107"/>
+            </a:xfrm>
+            <a:prstGeom prst="roundRect">
+              <a:avLst/>
+            </a:prstGeom>
+            <a:solidFill>
+              <a:schemeClr val="tx1"/>
+            </a:solidFill>
+            <a:ln>
+              <a:solidFill>
+                <a:schemeClr val="tx1"/>
+              </a:solidFill>
+            </a:ln>
+          </p:spPr>
+          <p:style>
+            <a:lnRef idx="2">
+              <a:schemeClr val="accent1">
+                <a:shade val="50000"/>
+              </a:schemeClr>
+            </a:lnRef>
+            <a:fillRef idx="1">
+              <a:schemeClr val="accent1"/>
+            </a:fillRef>
+            <a:effectRef idx="0">
+              <a:schemeClr val="accent1"/>
+            </a:effectRef>
+            <a:fontRef idx="minor">
+              <a:schemeClr val="lt1"/>
+            </a:fontRef>
+          </p:style>
+          <p:txBody>
+            <a:bodyPr rtlCol="0" anchor="ctr"/>
+            <a:lstStyle/>
+            <a:p>
+              <a:pPr algn="ctr"/>
+              <a:endParaRPr lang="en-US"/>
+            </a:p>
+          </p:txBody>
+        </p:sp>
+        <p:sp>
+          <p:nvSpPr>
+            <p:cNvPr id="56" name="Rounded Rectangle 55">
+              <a:extLst>
+                <a:ext uri="{FF2B5EF4-FFF2-40B4-BE49-F238E27FC236}">
+                  <a16:creationId xmlns:a16="http://schemas.microsoft.com/office/drawing/2014/main" id="{2BC646C1-512E-A847-9711-BF0E3737B285}"/>
+                </a:ext>
+              </a:extLst>
+            </p:cNvPr>
+            <p:cNvSpPr/>
+            <p:nvPr/>
+          </p:nvSpPr>
+          <p:spPr>
+            <a:xfrm>
+              <a:off x="192561" y="498764"/>
+              <a:ext cx="2682494" cy="5510463"/>
+            </a:xfrm>
+            <a:prstGeom prst="roundRect">
+              <a:avLst/>
+            </a:prstGeom>
+            <a:solidFill>
+              <a:schemeClr val="bg1"/>
+            </a:solidFill>
+            <a:ln>
+              <a:solidFill>
+                <a:schemeClr val="tx1"/>
+              </a:solidFill>
+            </a:ln>
+          </p:spPr>
+          <p:style>
+            <a:lnRef idx="2">
+              <a:schemeClr val="accent1">
+                <a:shade val="50000"/>
+              </a:schemeClr>
+            </a:lnRef>
+            <a:fillRef idx="1">
+              <a:schemeClr val="accent1"/>
+            </a:fillRef>
+            <a:effectRef idx="0">
+              <a:schemeClr val="accent1"/>
+            </a:effectRef>
+            <a:fontRef idx="minor">
+              <a:schemeClr val="lt1"/>
+            </a:fontRef>
+          </p:style>
+          <p:txBody>
+            <a:bodyPr rtlCol="0" anchor="ctr"/>
+            <a:lstStyle/>
+            <a:p>
+              <a:pPr algn="ctr"/>
+              <a:endParaRPr lang="en-US"/>
+            </a:p>
+          </p:txBody>
+        </p:sp>
+        <p:sp>
+          <p:nvSpPr>
+            <p:cNvPr id="57" name="Rounded Rectangle 56">
+              <a:extLst>
+                <a:ext uri="{FF2B5EF4-FFF2-40B4-BE49-F238E27FC236}">
+                  <a16:creationId xmlns:a16="http://schemas.microsoft.com/office/drawing/2014/main" id="{72EA6E8A-0554-3340-8089-7AB31A8826BB}"/>
+                </a:ext>
+              </a:extLst>
+            </p:cNvPr>
+            <p:cNvSpPr/>
+            <p:nvPr/>
+          </p:nvSpPr>
+          <p:spPr>
+            <a:xfrm>
+              <a:off x="967495" y="441175"/>
+              <a:ext cx="1132625" cy="326101"/>
+            </a:xfrm>
+            <a:prstGeom prst="roundRect">
+              <a:avLst>
+                <a:gd name="adj" fmla="val 41146"/>
+              </a:avLst>
+            </a:prstGeom>
+            <a:solidFill>
+              <a:schemeClr val="tx1"/>
+            </a:solidFill>
+            <a:ln>
+              <a:solidFill>
+                <a:schemeClr val="tx1"/>
+              </a:solidFill>
+            </a:ln>
+          </p:spPr>
+          <p:style>
+            <a:lnRef idx="2">
+              <a:schemeClr val="accent1">
+                <a:shade val="50000"/>
+              </a:schemeClr>
+            </a:lnRef>
+            <a:fillRef idx="1">
+              <a:schemeClr val="accent1"/>
+            </a:fillRef>
+            <a:effectRef idx="0">
+              <a:schemeClr val="accent1"/>
+            </a:effectRef>
+            <a:fontRef idx="minor">
+              <a:schemeClr val="lt1"/>
+            </a:fontRef>
+          </p:style>
+          <p:txBody>
+            <a:bodyPr rtlCol="0" anchor="ctr"/>
+            <a:lstStyle/>
+            <a:p>
+              <a:pPr algn="ctr"/>
+              <a:endParaRPr lang="en-US"/>
+            </a:p>
+          </p:txBody>
+        </p:sp>
+        <p:sp>
+          <p:nvSpPr>
+            <p:cNvPr id="58" name="Rounded Rectangle 57">
+              <a:extLst>
+                <a:ext uri="{FF2B5EF4-FFF2-40B4-BE49-F238E27FC236}">
+                  <a16:creationId xmlns:a16="http://schemas.microsoft.com/office/drawing/2014/main" id="{669C7B2E-BD6B-A94D-A395-A834B8C85D8B}"/>
+                </a:ext>
+              </a:extLst>
+            </p:cNvPr>
+            <p:cNvSpPr/>
+            <p:nvPr/>
+          </p:nvSpPr>
+          <p:spPr>
+            <a:xfrm>
+              <a:off x="967495" y="431974"/>
+              <a:ext cx="1132625" cy="172251"/>
+            </a:xfrm>
+            <a:prstGeom prst="roundRect">
+              <a:avLst>
+                <a:gd name="adj" fmla="val 0"/>
+              </a:avLst>
+            </a:prstGeom>
+            <a:solidFill>
+              <a:schemeClr val="tx1"/>
+            </a:solidFill>
+            <a:ln>
+              <a:solidFill>
+                <a:schemeClr val="tx1"/>
+              </a:solidFill>
+            </a:ln>
+          </p:spPr>
+          <p:style>
+            <a:lnRef idx="2">
+              <a:schemeClr val="accent1">
+                <a:shade val="50000"/>
+              </a:schemeClr>
+            </a:lnRef>
+            <a:fillRef idx="1">
+              <a:schemeClr val="accent1"/>
+            </a:fillRef>
+            <a:effectRef idx="0">
+              <a:schemeClr val="accent1"/>
+            </a:effectRef>
+            <a:fontRef idx="minor">
+              <a:schemeClr val="lt1"/>
+            </a:fontRef>
+          </p:style>
+          <p:txBody>
+            <a:bodyPr rtlCol="0" anchor="ctr"/>
+            <a:lstStyle/>
+            <a:p>
+              <a:pPr algn="ctr"/>
+              <a:endParaRPr lang="en-US"/>
+            </a:p>
+          </p:txBody>
+        </p:sp>
+        <p:sp>
+          <p:nvSpPr>
+            <p:cNvPr id="59" name="TextBox 58">
+              <a:extLst>
+                <a:ext uri="{FF2B5EF4-FFF2-40B4-BE49-F238E27FC236}">
+                  <a16:creationId xmlns:a16="http://schemas.microsoft.com/office/drawing/2014/main" id="{C2032456-4996-4046-8685-B1B907D2BF46}"/>
+                </a:ext>
+              </a:extLst>
+            </p:cNvPr>
+            <p:cNvSpPr txBox="1"/>
+            <p:nvPr/>
+          </p:nvSpPr>
+          <p:spPr>
+            <a:xfrm>
+              <a:off x="292122" y="1490782"/>
+              <a:ext cx="2463800" cy="1384995"/>
+            </a:xfrm>
+            <a:prstGeom prst="rect">
+              <a:avLst/>
+            </a:prstGeom>
+            <a:noFill/>
+          </p:spPr>
+          <p:txBody>
+            <a:bodyPr wrap="square" rtlCol="0">
+              <a:spAutoFit/>
+            </a:bodyPr>
+            <a:lstStyle/>
+            <a:p>
+              <a:r>
+                <a:rPr lang="en-US" sz="2800" dirty="0">
+                  <a:latin typeface="Times" pitchFamily="2" charset="0"/>
+                </a:rPr>
+                <a:t>rest. 1:         yes</a:t>
+              </a:r>
+            </a:p>
+            <a:p>
+              <a:r>
+                <a:rPr lang="en-US" sz="2800" dirty="0">
+                  <a:latin typeface="Times" pitchFamily="2" charset="0"/>
+                </a:rPr>
+                <a:t>rest. 2:         yes</a:t>
+              </a:r>
+            </a:p>
+            <a:p>
+              <a:r>
+                <a:rPr lang="en-US" sz="2800" dirty="0">
+                  <a:latin typeface="Times" pitchFamily="2" charset="0"/>
+                </a:rPr>
+                <a:t>rest. 3:         yes</a:t>
+              </a:r>
+            </a:p>
+          </p:txBody>
+        </p:sp>
+        <p:sp>
+          <p:nvSpPr>
+            <p:cNvPr id="60" name="Rounded Rectangle 59">
+              <a:extLst>
+                <a:ext uri="{FF2B5EF4-FFF2-40B4-BE49-F238E27FC236}">
+                  <a16:creationId xmlns:a16="http://schemas.microsoft.com/office/drawing/2014/main" id="{F46B62BA-973C-D34F-A6B8-22E9A53FBCD7}"/>
+                </a:ext>
+              </a:extLst>
+            </p:cNvPr>
+            <p:cNvSpPr/>
+            <p:nvPr/>
+          </p:nvSpPr>
+          <p:spPr>
+            <a:xfrm>
+              <a:off x="61787" y="1364087"/>
+              <a:ext cx="119627" cy="326101"/>
+            </a:xfrm>
+            <a:prstGeom prst="roundRect">
+              <a:avLst>
+                <a:gd name="adj" fmla="val 41146"/>
+              </a:avLst>
+            </a:prstGeom>
+            <a:solidFill>
+              <a:schemeClr val="tx1"/>
+            </a:solidFill>
+            <a:ln>
+              <a:solidFill>
+                <a:schemeClr val="tx1"/>
+              </a:solidFill>
+            </a:ln>
+          </p:spPr>
+          <p:style>
+            <a:lnRef idx="2">
+              <a:schemeClr val="accent1">
+                <a:shade val="50000"/>
+              </a:schemeClr>
+            </a:lnRef>
+            <a:fillRef idx="1">
+              <a:schemeClr val="accent1"/>
+            </a:fillRef>
+            <a:effectRef idx="0">
+              <a:schemeClr val="accent1"/>
+            </a:effectRef>
+            <a:fontRef idx="minor">
+              <a:schemeClr val="lt1"/>
+            </a:fontRef>
+          </p:style>
+          <p:txBody>
+            <a:bodyPr rtlCol="0" anchor="ctr"/>
+            <a:lstStyle/>
+            <a:p>
+              <a:pPr algn="ctr"/>
+              <a:endParaRPr lang="en-US"/>
+            </a:p>
+          </p:txBody>
+        </p:sp>
+        <p:sp>
+          <p:nvSpPr>
+            <p:cNvPr id="61" name="Rounded Rectangle 60">
+              <a:extLst>
+                <a:ext uri="{FF2B5EF4-FFF2-40B4-BE49-F238E27FC236}">
+                  <a16:creationId xmlns:a16="http://schemas.microsoft.com/office/drawing/2014/main" id="{66506474-BC39-5745-8B17-740163209D33}"/>
+                </a:ext>
+              </a:extLst>
+            </p:cNvPr>
+            <p:cNvSpPr/>
+            <p:nvPr/>
+          </p:nvSpPr>
+          <p:spPr>
+            <a:xfrm>
+              <a:off x="2886202" y="1333751"/>
+              <a:ext cx="119627" cy="326101"/>
+            </a:xfrm>
+            <a:prstGeom prst="roundRect">
+              <a:avLst>
+                <a:gd name="adj" fmla="val 41146"/>
+              </a:avLst>
+            </a:prstGeom>
+            <a:solidFill>
+              <a:schemeClr val="tx1"/>
+            </a:solidFill>
+            <a:ln>
+              <a:solidFill>
+                <a:schemeClr val="tx1"/>
+              </a:solidFill>
+            </a:ln>
+          </p:spPr>
+          <p:style>
+            <a:lnRef idx="2">
+              <a:schemeClr val="accent1">
+                <a:shade val="50000"/>
+              </a:schemeClr>
+            </a:lnRef>
+            <a:fillRef idx="1">
+              <a:schemeClr val="accent1"/>
+            </a:fillRef>
+            <a:effectRef idx="0">
+              <a:schemeClr val="accent1"/>
+            </a:effectRef>
+            <a:fontRef idx="minor">
+              <a:schemeClr val="lt1"/>
+            </a:fontRef>
+          </p:style>
+          <p:txBody>
+            <a:bodyPr rtlCol="0" anchor="ctr"/>
+            <a:lstStyle/>
+            <a:p>
+              <a:pPr algn="ctr"/>
+              <a:endParaRPr lang="en-US"/>
+            </a:p>
+          </p:txBody>
+        </p:sp>
+        <p:sp>
+          <p:nvSpPr>
+            <p:cNvPr id="62" name="Rounded Rectangle 61">
+              <a:extLst>
+                <a:ext uri="{FF2B5EF4-FFF2-40B4-BE49-F238E27FC236}">
+                  <a16:creationId xmlns:a16="http://schemas.microsoft.com/office/drawing/2014/main" id="{06AFB65C-E761-244A-95B9-663DFA9C9945}"/>
+                </a:ext>
+              </a:extLst>
+            </p:cNvPr>
+            <p:cNvSpPr/>
+            <p:nvPr/>
+          </p:nvSpPr>
+          <p:spPr>
+            <a:xfrm>
+              <a:off x="2886202" y="1742570"/>
+              <a:ext cx="119627" cy="326101"/>
+            </a:xfrm>
+            <a:prstGeom prst="roundRect">
+              <a:avLst>
+                <a:gd name="adj" fmla="val 41146"/>
+              </a:avLst>
+            </a:prstGeom>
+            <a:solidFill>
+              <a:schemeClr val="tx1"/>
+            </a:solidFill>
+            <a:ln>
+              <a:solidFill>
+                <a:schemeClr val="tx1"/>
+              </a:solidFill>
+            </a:ln>
+          </p:spPr>
+          <p:style>
+            <a:lnRef idx="2">
+              <a:schemeClr val="accent1">
+                <a:shade val="50000"/>
+              </a:schemeClr>
+            </a:lnRef>
+            <a:fillRef idx="1">
+              <a:schemeClr val="accent1"/>
+            </a:fillRef>
+            <a:effectRef idx="0">
+              <a:schemeClr val="accent1"/>
+            </a:effectRef>
+            <a:fontRef idx="minor">
+              <a:schemeClr val="lt1"/>
+            </a:fontRef>
+          </p:style>
+          <p:txBody>
+            <a:bodyPr rtlCol="0" anchor="ctr"/>
+            <a:lstStyle/>
+            <a:p>
+              <a:pPr algn="ctr"/>
+              <a:endParaRPr lang="en-US"/>
+            </a:p>
+          </p:txBody>
+        </p:sp>
+        <p:sp>
+          <p:nvSpPr>
+            <p:cNvPr id="63" name="Rounded Rectangle 62">
+              <a:extLst>
+                <a:ext uri="{FF2B5EF4-FFF2-40B4-BE49-F238E27FC236}">
+                  <a16:creationId xmlns:a16="http://schemas.microsoft.com/office/drawing/2014/main" id="{F6049251-D510-4044-B16E-39FD927CB343}"/>
+                </a:ext>
+              </a:extLst>
+            </p:cNvPr>
+            <p:cNvSpPr/>
+            <p:nvPr/>
+          </p:nvSpPr>
+          <p:spPr>
+            <a:xfrm>
+              <a:off x="335417" y="971905"/>
+              <a:ext cx="2396779" cy="279975"/>
+            </a:xfrm>
+            <a:prstGeom prst="roundRect">
+              <a:avLst>
+                <a:gd name="adj" fmla="val 50000"/>
+              </a:avLst>
+            </a:prstGeom>
+            <a:solidFill>
+              <a:schemeClr val="tx2">
+                <a:lumMod val="20000"/>
+                <a:lumOff val="80000"/>
+              </a:schemeClr>
+            </a:solidFill>
+            <a:ln>
+              <a:solidFill>
+                <a:schemeClr val="tx1"/>
+              </a:solidFill>
+            </a:ln>
+          </p:spPr>
+          <p:style>
+            <a:lnRef idx="2">
+              <a:schemeClr val="accent1">
+                <a:shade val="50000"/>
+              </a:schemeClr>
+            </a:lnRef>
+            <a:fillRef idx="1">
+              <a:schemeClr val="accent1"/>
+            </a:fillRef>
+            <a:effectRef idx="0">
+              <a:schemeClr val="accent1"/>
+            </a:effectRef>
+            <a:fontRef idx="minor">
+              <a:schemeClr val="lt1"/>
+            </a:fontRef>
+          </p:style>
+          <p:txBody>
+            <a:bodyPr rtlCol="0" anchor="ctr"/>
+            <a:lstStyle/>
+            <a:p>
+              <a:pPr algn="ctr"/>
+              <a:endParaRPr lang="en-US"/>
+            </a:p>
+          </p:txBody>
+        </p:sp>
+      </p:grpSp>
+      <p:grpSp>
+        <p:nvGrpSpPr>
+          <p:cNvPr id="64" name="Group 63">
+            <a:extLst>
+              <a:ext uri="{FF2B5EF4-FFF2-40B4-BE49-F238E27FC236}">
+                <a16:creationId xmlns:a16="http://schemas.microsoft.com/office/drawing/2014/main" id="{BE707E40-0FA9-8449-A6FE-A0C484C3C8BA}"/>
+              </a:ext>
+            </a:extLst>
+          </p:cNvPr>
+          <p:cNvGrpSpPr/>
+          <p:nvPr/>
+        </p:nvGrpSpPr>
+        <p:grpSpPr>
+          <a:xfrm>
+            <a:off x="8265287" y="436557"/>
+            <a:ext cx="2944042" cy="5693107"/>
+            <a:chOff x="61787" y="404755"/>
+            <a:chExt cx="2944042" cy="5693107"/>
+          </a:xfrm>
+        </p:grpSpPr>
+        <p:sp>
+          <p:nvSpPr>
+            <p:cNvPr id="65" name="Rounded Rectangle 64">
+              <a:extLst>
+                <a:ext uri="{FF2B5EF4-FFF2-40B4-BE49-F238E27FC236}">
+                  <a16:creationId xmlns:a16="http://schemas.microsoft.com/office/drawing/2014/main" id="{3F541610-F259-0346-BF81-563BC17B8F7A}"/>
+                </a:ext>
+              </a:extLst>
+            </p:cNvPr>
+            <p:cNvSpPr/>
+            <p:nvPr/>
+          </p:nvSpPr>
+          <p:spPr>
+            <a:xfrm>
+              <a:off x="96608" y="404755"/>
+              <a:ext cx="2875265" cy="5693107"/>
+            </a:xfrm>
+            <a:prstGeom prst="roundRect">
+              <a:avLst/>
+            </a:prstGeom>
+            <a:solidFill>
+              <a:schemeClr val="tx1"/>
+            </a:solidFill>
+            <a:ln>
+              <a:solidFill>
+                <a:schemeClr val="tx1"/>
+              </a:solidFill>
+            </a:ln>
+          </p:spPr>
+          <p:style>
+            <a:lnRef idx="2">
+              <a:schemeClr val="accent1">
+                <a:shade val="50000"/>
+              </a:schemeClr>
+            </a:lnRef>
+            <a:fillRef idx="1">
+              <a:schemeClr val="accent1"/>
+            </a:fillRef>
+            <a:effectRef idx="0">
+              <a:schemeClr val="accent1"/>
+            </a:effectRef>
+            <a:fontRef idx="minor">
+              <a:schemeClr val="lt1"/>
+            </a:fontRef>
+          </p:style>
+          <p:txBody>
+            <a:bodyPr rtlCol="0" anchor="ctr"/>
+            <a:lstStyle/>
+            <a:p>
+              <a:pPr algn="ctr"/>
+              <a:endParaRPr lang="en-US"/>
+            </a:p>
+          </p:txBody>
+        </p:sp>
+        <p:sp>
+          <p:nvSpPr>
+            <p:cNvPr id="66" name="Rounded Rectangle 65">
+              <a:extLst>
+                <a:ext uri="{FF2B5EF4-FFF2-40B4-BE49-F238E27FC236}">
+                  <a16:creationId xmlns:a16="http://schemas.microsoft.com/office/drawing/2014/main" id="{9EF62082-CDF6-E041-8AB0-CF59EE3E0E4D}"/>
+                </a:ext>
+              </a:extLst>
+            </p:cNvPr>
+            <p:cNvSpPr/>
+            <p:nvPr/>
+          </p:nvSpPr>
+          <p:spPr>
+            <a:xfrm>
+              <a:off x="192561" y="498764"/>
+              <a:ext cx="2682494" cy="5510463"/>
+            </a:xfrm>
+            <a:prstGeom prst="roundRect">
+              <a:avLst/>
+            </a:prstGeom>
+            <a:solidFill>
+              <a:schemeClr val="bg1"/>
+            </a:solidFill>
+            <a:ln>
+              <a:solidFill>
+                <a:schemeClr val="tx1"/>
+              </a:solidFill>
+            </a:ln>
+          </p:spPr>
+          <p:style>
+            <a:lnRef idx="2">
+              <a:schemeClr val="accent1">
+                <a:shade val="50000"/>
+              </a:schemeClr>
+            </a:lnRef>
+            <a:fillRef idx="1">
+              <a:schemeClr val="accent1"/>
+            </a:fillRef>
+            <a:effectRef idx="0">
+              <a:schemeClr val="accent1"/>
+            </a:effectRef>
+            <a:fontRef idx="minor">
+              <a:schemeClr val="lt1"/>
+            </a:fontRef>
+          </p:style>
+          <p:txBody>
+            <a:bodyPr rtlCol="0" anchor="ctr"/>
+            <a:lstStyle/>
+            <a:p>
+              <a:pPr algn="ctr"/>
+              <a:endParaRPr lang="en-US"/>
+            </a:p>
+          </p:txBody>
+        </p:sp>
+        <p:sp>
+          <p:nvSpPr>
+            <p:cNvPr id="67" name="Rounded Rectangle 66">
+              <a:extLst>
+                <a:ext uri="{FF2B5EF4-FFF2-40B4-BE49-F238E27FC236}">
+                  <a16:creationId xmlns:a16="http://schemas.microsoft.com/office/drawing/2014/main" id="{D96A24D7-696A-E241-BC10-488952F50F8A}"/>
+                </a:ext>
+              </a:extLst>
+            </p:cNvPr>
+            <p:cNvSpPr/>
+            <p:nvPr/>
+          </p:nvSpPr>
+          <p:spPr>
+            <a:xfrm>
+              <a:off x="967495" y="441175"/>
+              <a:ext cx="1132625" cy="326101"/>
+            </a:xfrm>
+            <a:prstGeom prst="roundRect">
+              <a:avLst>
+                <a:gd name="adj" fmla="val 41146"/>
+              </a:avLst>
+            </a:prstGeom>
+            <a:solidFill>
+              <a:schemeClr val="tx1"/>
+            </a:solidFill>
+            <a:ln>
+              <a:solidFill>
+                <a:schemeClr val="tx1"/>
+              </a:solidFill>
+            </a:ln>
+          </p:spPr>
+          <p:style>
+            <a:lnRef idx="2">
+              <a:schemeClr val="accent1">
+                <a:shade val="50000"/>
+              </a:schemeClr>
+            </a:lnRef>
+            <a:fillRef idx="1">
+              <a:schemeClr val="accent1"/>
+            </a:fillRef>
+            <a:effectRef idx="0">
+              <a:schemeClr val="accent1"/>
+            </a:effectRef>
+            <a:fontRef idx="minor">
+              <a:schemeClr val="lt1"/>
+            </a:fontRef>
+          </p:style>
+          <p:txBody>
+            <a:bodyPr rtlCol="0" anchor="ctr"/>
+            <a:lstStyle/>
+            <a:p>
+              <a:pPr algn="ctr"/>
+              <a:endParaRPr lang="en-US"/>
+            </a:p>
+          </p:txBody>
+        </p:sp>
+        <p:sp>
+          <p:nvSpPr>
+            <p:cNvPr id="68" name="Rounded Rectangle 67">
+              <a:extLst>
+                <a:ext uri="{FF2B5EF4-FFF2-40B4-BE49-F238E27FC236}">
+                  <a16:creationId xmlns:a16="http://schemas.microsoft.com/office/drawing/2014/main" id="{FCA60496-1D8C-524E-B055-65E2AE08217B}"/>
+                </a:ext>
+              </a:extLst>
+            </p:cNvPr>
+            <p:cNvSpPr/>
+            <p:nvPr/>
+          </p:nvSpPr>
+          <p:spPr>
+            <a:xfrm>
+              <a:off x="967495" y="431974"/>
+              <a:ext cx="1132625" cy="172251"/>
+            </a:xfrm>
+            <a:prstGeom prst="roundRect">
+              <a:avLst>
+                <a:gd name="adj" fmla="val 0"/>
+              </a:avLst>
+            </a:prstGeom>
+            <a:solidFill>
+              <a:schemeClr val="tx1"/>
+            </a:solidFill>
+            <a:ln>
+              <a:solidFill>
+                <a:schemeClr val="tx1"/>
+              </a:solidFill>
+            </a:ln>
+          </p:spPr>
+          <p:style>
+            <a:lnRef idx="2">
+              <a:schemeClr val="accent1">
+                <a:shade val="50000"/>
+              </a:schemeClr>
+            </a:lnRef>
+            <a:fillRef idx="1">
+              <a:schemeClr val="accent1"/>
+            </a:fillRef>
+            <a:effectRef idx="0">
+              <a:schemeClr val="accent1"/>
+            </a:effectRef>
+            <a:fontRef idx="minor">
+              <a:schemeClr val="lt1"/>
+            </a:fontRef>
+          </p:style>
+          <p:txBody>
+            <a:bodyPr rtlCol="0" anchor="ctr"/>
+            <a:lstStyle/>
+            <a:p>
+              <a:pPr algn="ctr"/>
+              <a:endParaRPr lang="en-US"/>
+            </a:p>
+          </p:txBody>
+        </p:sp>
+        <p:sp>
+          <p:nvSpPr>
+            <p:cNvPr id="69" name="TextBox 68">
+              <a:extLst>
+                <a:ext uri="{FF2B5EF4-FFF2-40B4-BE49-F238E27FC236}">
+                  <a16:creationId xmlns:a16="http://schemas.microsoft.com/office/drawing/2014/main" id="{4DF77F5D-0203-A84F-A691-8F429F37B306}"/>
+                </a:ext>
+              </a:extLst>
+            </p:cNvPr>
+            <p:cNvSpPr txBox="1"/>
+            <p:nvPr/>
+          </p:nvSpPr>
+          <p:spPr>
+            <a:xfrm>
+              <a:off x="292122" y="1490782"/>
+              <a:ext cx="2463800" cy="1384995"/>
+            </a:xfrm>
+            <a:prstGeom prst="rect">
+              <a:avLst/>
+            </a:prstGeom>
+            <a:noFill/>
+          </p:spPr>
+          <p:txBody>
+            <a:bodyPr wrap="square" rtlCol="0">
+              <a:spAutoFit/>
+            </a:bodyPr>
+            <a:lstStyle/>
+            <a:p>
+              <a:r>
+                <a:rPr lang="en-US" sz="2800" dirty="0">
+                  <a:latin typeface="Times" pitchFamily="2" charset="0"/>
+                </a:rPr>
+                <a:t>rest. 1:          no</a:t>
+              </a:r>
+            </a:p>
+            <a:p>
+              <a:r>
+                <a:rPr lang="en-US" sz="2800" dirty="0">
+                  <a:latin typeface="Times" pitchFamily="2" charset="0"/>
+                </a:rPr>
+                <a:t>rest. 2:          no</a:t>
+              </a:r>
+            </a:p>
+            <a:p>
+              <a:r>
+                <a:rPr lang="en-US" sz="2800" dirty="0">
+                  <a:latin typeface="Times" pitchFamily="2" charset="0"/>
+                </a:rPr>
+                <a:t>rest. 3:          no</a:t>
+              </a:r>
+            </a:p>
+          </p:txBody>
+        </p:sp>
+        <p:sp>
+          <p:nvSpPr>
+            <p:cNvPr id="70" name="Rounded Rectangle 69">
+              <a:extLst>
+                <a:ext uri="{FF2B5EF4-FFF2-40B4-BE49-F238E27FC236}">
+                  <a16:creationId xmlns:a16="http://schemas.microsoft.com/office/drawing/2014/main" id="{4BF4940A-C9D6-F542-B699-2B0F056A72E2}"/>
+                </a:ext>
+              </a:extLst>
+            </p:cNvPr>
+            <p:cNvSpPr/>
+            <p:nvPr/>
+          </p:nvSpPr>
+          <p:spPr>
+            <a:xfrm>
+              <a:off x="61787" y="1364087"/>
+              <a:ext cx="119627" cy="326101"/>
+            </a:xfrm>
+            <a:prstGeom prst="roundRect">
+              <a:avLst>
+                <a:gd name="adj" fmla="val 41146"/>
+              </a:avLst>
+            </a:prstGeom>
+            <a:solidFill>
+              <a:schemeClr val="tx1"/>
+            </a:solidFill>
+            <a:ln>
+              <a:solidFill>
+                <a:schemeClr val="tx1"/>
+              </a:solidFill>
+            </a:ln>
+          </p:spPr>
+          <p:style>
+            <a:lnRef idx="2">
+              <a:schemeClr val="accent1">
+                <a:shade val="50000"/>
+              </a:schemeClr>
+            </a:lnRef>
+            <a:fillRef idx="1">
+              <a:schemeClr val="accent1"/>
+            </a:fillRef>
+            <a:effectRef idx="0">
+              <a:schemeClr val="accent1"/>
+            </a:effectRef>
+            <a:fontRef idx="minor">
+              <a:schemeClr val="lt1"/>
+            </a:fontRef>
+          </p:style>
+          <p:txBody>
+            <a:bodyPr rtlCol="0" anchor="ctr"/>
+            <a:lstStyle/>
+            <a:p>
+              <a:pPr algn="ctr"/>
+              <a:endParaRPr lang="en-US"/>
+            </a:p>
+          </p:txBody>
+        </p:sp>
+        <p:sp>
+          <p:nvSpPr>
+            <p:cNvPr id="71" name="Rounded Rectangle 70">
+              <a:extLst>
+                <a:ext uri="{FF2B5EF4-FFF2-40B4-BE49-F238E27FC236}">
+                  <a16:creationId xmlns:a16="http://schemas.microsoft.com/office/drawing/2014/main" id="{E71AD13A-FA73-FD4A-A58D-B31158949583}"/>
+                </a:ext>
+              </a:extLst>
+            </p:cNvPr>
+            <p:cNvSpPr/>
+            <p:nvPr/>
+          </p:nvSpPr>
+          <p:spPr>
+            <a:xfrm>
+              <a:off x="2886202" y="1333751"/>
+              <a:ext cx="119627" cy="326101"/>
+            </a:xfrm>
+            <a:prstGeom prst="roundRect">
+              <a:avLst>
+                <a:gd name="adj" fmla="val 41146"/>
+              </a:avLst>
+            </a:prstGeom>
+            <a:solidFill>
+              <a:schemeClr val="tx1"/>
+            </a:solidFill>
+            <a:ln>
+              <a:solidFill>
+                <a:schemeClr val="tx1"/>
+              </a:solidFill>
+            </a:ln>
+          </p:spPr>
+          <p:style>
+            <a:lnRef idx="2">
+              <a:schemeClr val="accent1">
+                <a:shade val="50000"/>
+              </a:schemeClr>
+            </a:lnRef>
+            <a:fillRef idx="1">
+              <a:schemeClr val="accent1"/>
+            </a:fillRef>
+            <a:effectRef idx="0">
+              <a:schemeClr val="accent1"/>
+            </a:effectRef>
+            <a:fontRef idx="minor">
+              <a:schemeClr val="lt1"/>
+            </a:fontRef>
+          </p:style>
+          <p:txBody>
+            <a:bodyPr rtlCol="0" anchor="ctr"/>
+            <a:lstStyle/>
+            <a:p>
+              <a:pPr algn="ctr"/>
+              <a:endParaRPr lang="en-US"/>
+            </a:p>
+          </p:txBody>
+        </p:sp>
+        <p:sp>
+          <p:nvSpPr>
+            <p:cNvPr id="72" name="Rounded Rectangle 71">
+              <a:extLst>
+                <a:ext uri="{FF2B5EF4-FFF2-40B4-BE49-F238E27FC236}">
+                  <a16:creationId xmlns:a16="http://schemas.microsoft.com/office/drawing/2014/main" id="{46DA8EDB-3D0B-154B-AD53-F411017E1A46}"/>
+                </a:ext>
+              </a:extLst>
+            </p:cNvPr>
+            <p:cNvSpPr/>
+            <p:nvPr/>
+          </p:nvSpPr>
+          <p:spPr>
+            <a:xfrm>
+              <a:off x="2886202" y="1742570"/>
+              <a:ext cx="119627" cy="326101"/>
+            </a:xfrm>
+            <a:prstGeom prst="roundRect">
+              <a:avLst>
+                <a:gd name="adj" fmla="val 41146"/>
+              </a:avLst>
+            </a:prstGeom>
+            <a:solidFill>
+              <a:schemeClr val="tx1"/>
+            </a:solidFill>
+            <a:ln>
+              <a:solidFill>
+                <a:schemeClr val="tx1"/>
+              </a:solidFill>
+            </a:ln>
+          </p:spPr>
+          <p:style>
+            <a:lnRef idx="2">
+              <a:schemeClr val="accent1">
+                <a:shade val="50000"/>
+              </a:schemeClr>
+            </a:lnRef>
+            <a:fillRef idx="1">
+              <a:schemeClr val="accent1"/>
+            </a:fillRef>
+            <a:effectRef idx="0">
+              <a:schemeClr val="accent1"/>
+            </a:effectRef>
+            <a:fontRef idx="minor">
+              <a:schemeClr val="lt1"/>
+            </a:fontRef>
+          </p:style>
+          <p:txBody>
+            <a:bodyPr rtlCol="0" anchor="ctr"/>
+            <a:lstStyle/>
+            <a:p>
+              <a:pPr algn="ctr"/>
+              <a:endParaRPr lang="en-US"/>
+            </a:p>
+          </p:txBody>
+        </p:sp>
+        <p:sp>
+          <p:nvSpPr>
+            <p:cNvPr id="73" name="Rounded Rectangle 72">
+              <a:extLst>
+                <a:ext uri="{FF2B5EF4-FFF2-40B4-BE49-F238E27FC236}">
+                  <a16:creationId xmlns:a16="http://schemas.microsoft.com/office/drawing/2014/main" id="{9943351D-A035-A347-A5EA-AE2579C7E8C0}"/>
+                </a:ext>
+              </a:extLst>
+            </p:cNvPr>
+            <p:cNvSpPr/>
+            <p:nvPr/>
+          </p:nvSpPr>
+          <p:spPr>
+            <a:xfrm>
+              <a:off x="335417" y="971905"/>
+              <a:ext cx="2396779" cy="279975"/>
+            </a:xfrm>
+            <a:prstGeom prst="roundRect">
+              <a:avLst>
+                <a:gd name="adj" fmla="val 50000"/>
+              </a:avLst>
+            </a:prstGeom>
+            <a:solidFill>
+              <a:schemeClr val="tx2">
+                <a:lumMod val="20000"/>
+                <a:lumOff val="80000"/>
+              </a:schemeClr>
+            </a:solidFill>
+            <a:ln>
+              <a:solidFill>
+                <a:schemeClr val="tx1"/>
+              </a:solidFill>
+            </a:ln>
+          </p:spPr>
+          <p:style>
+            <a:lnRef idx="2">
+              <a:schemeClr val="accent1">
+                <a:shade val="50000"/>
+              </a:schemeClr>
+            </a:lnRef>
+            <a:fillRef idx="1">
+              <a:schemeClr val="accent1"/>
+            </a:fillRef>
+            <a:effectRef idx="0">
+              <a:schemeClr val="accent1"/>
+            </a:effectRef>
+            <a:fontRef idx="minor">
+              <a:schemeClr val="lt1"/>
+            </a:fontRef>
+          </p:style>
+          <p:txBody>
+            <a:bodyPr rtlCol="0" anchor="ctr"/>
+            <a:lstStyle/>
+            <a:p>
+              <a:pPr algn="ctr"/>
+              <a:endParaRPr lang="en-US"/>
+            </a:p>
+          </p:txBody>
+        </p:sp>
+      </p:grpSp>
+      <p:sp>
+        <p:nvSpPr>
+          <p:cNvPr id="5" name="Rectangle 4">
+            <a:extLst>
+              <a:ext uri="{FF2B5EF4-FFF2-40B4-BE49-F238E27FC236}">
+                <a16:creationId xmlns:a16="http://schemas.microsoft.com/office/drawing/2014/main" id="{D8F5E2B0-7502-0B44-8469-DA20A4BA4E71}"/>
+              </a:ext>
+            </a:extLst>
+          </p:cNvPr>
+          <p:cNvSpPr/>
+          <p:nvPr/>
+        </p:nvSpPr>
+        <p:spPr>
+          <a:xfrm>
+            <a:off x="896112" y="436556"/>
+            <a:ext cx="2944042" cy="5693108"/>
+          </a:xfrm>
+          <a:prstGeom prst="rect">
+            <a:avLst/>
+          </a:prstGeom>
+          <a:noFill/>
+          <a:ln w="28575">
+            <a:solidFill>
+              <a:srgbClr val="C00000"/>
+            </a:solidFill>
+          </a:ln>
+        </p:spPr>
+        <p:style>
+          <a:lnRef idx="2">
+            <a:schemeClr val="accent1">
+              <a:shade val="50000"/>
+            </a:schemeClr>
+          </a:lnRef>
+          <a:fillRef idx="1">
+            <a:schemeClr val="accent1"/>
+          </a:fillRef>
+          <a:effectRef idx="0">
+            <a:schemeClr val="accent1"/>
+          </a:effectRef>
+          <a:fontRef idx="minor">
+            <a:schemeClr val="lt1"/>
+          </a:fontRef>
+        </p:style>
+        <p:txBody>
+          <a:bodyPr rtlCol="0" anchor="ctr"/>
+          <a:lstStyle/>
+          <a:p>
+            <a:pPr algn="ctr"/>
+            <a:endParaRPr lang="en-US"/>
+          </a:p>
+        </p:txBody>
+      </p:sp>
+      <p:sp>
+        <p:nvSpPr>
+          <p:cNvPr id="76" name="Rectangle 75">
+            <a:extLst>
+              <a:ext uri="{FF2B5EF4-FFF2-40B4-BE49-F238E27FC236}">
+                <a16:creationId xmlns:a16="http://schemas.microsoft.com/office/drawing/2014/main" id="{6218B3E0-14D4-BE40-AB92-FB2A78A4566E}"/>
+              </a:ext>
+            </a:extLst>
+          </p:cNvPr>
+          <p:cNvSpPr/>
+          <p:nvPr/>
+        </p:nvSpPr>
+        <p:spPr>
+          <a:xfrm>
+            <a:off x="4487863" y="463775"/>
+            <a:ext cx="2944042" cy="5693108"/>
+          </a:xfrm>
+          <a:prstGeom prst="rect">
+            <a:avLst/>
+          </a:prstGeom>
+          <a:noFill/>
+          <a:ln w="28575">
+            <a:solidFill>
+              <a:srgbClr val="C00000"/>
+            </a:solidFill>
+          </a:ln>
+        </p:spPr>
+        <p:style>
+          <a:lnRef idx="2">
+            <a:schemeClr val="accent1">
+              <a:shade val="50000"/>
+            </a:schemeClr>
+          </a:lnRef>
+          <a:fillRef idx="1">
+            <a:schemeClr val="accent1"/>
+          </a:fillRef>
+          <a:effectRef idx="0">
+            <a:schemeClr val="accent1"/>
+          </a:effectRef>
+          <a:fontRef idx="minor">
+            <a:schemeClr val="lt1"/>
+          </a:fontRef>
+        </p:style>
+        <p:txBody>
+          <a:bodyPr rtlCol="0" anchor="ctr"/>
+          <a:lstStyle/>
+          <a:p>
+            <a:pPr algn="ctr"/>
+            <a:endParaRPr lang="en-US"/>
+          </a:p>
+        </p:txBody>
+      </p:sp>
+      <p:sp>
+        <p:nvSpPr>
+          <p:cNvPr id="77" name="Rectangle 76">
+            <a:extLst>
+              <a:ext uri="{FF2B5EF4-FFF2-40B4-BE49-F238E27FC236}">
+                <a16:creationId xmlns:a16="http://schemas.microsoft.com/office/drawing/2014/main" id="{288F0292-4EFB-F74C-8EE3-99BAFF516CDD}"/>
+              </a:ext>
+            </a:extLst>
+          </p:cNvPr>
+          <p:cNvSpPr/>
+          <p:nvPr/>
+        </p:nvSpPr>
+        <p:spPr>
+          <a:xfrm>
+            <a:off x="8265285" y="436556"/>
+            <a:ext cx="2944042" cy="5693108"/>
+          </a:xfrm>
+          <a:prstGeom prst="rect">
+            <a:avLst/>
+          </a:prstGeom>
+          <a:noFill/>
+          <a:ln w="28575">
+            <a:solidFill>
+              <a:srgbClr val="C00000"/>
+            </a:solidFill>
+          </a:ln>
+        </p:spPr>
+        <p:style>
+          <a:lnRef idx="2">
+            <a:schemeClr val="accent1">
+              <a:shade val="50000"/>
+            </a:schemeClr>
+          </a:lnRef>
+          <a:fillRef idx="1">
+            <a:schemeClr val="accent1"/>
+          </a:fillRef>
+          <a:effectRef idx="0">
+            <a:schemeClr val="accent1"/>
+          </a:effectRef>
+          <a:fontRef idx="minor">
+            <a:schemeClr val="lt1"/>
+          </a:fontRef>
+        </p:style>
+        <p:txBody>
+          <a:bodyPr rtlCol="0" anchor="ctr"/>
+          <a:lstStyle/>
+          <a:p>
+            <a:pPr algn="ctr"/>
+            <a:endParaRPr lang="en-US"/>
+          </a:p>
+        </p:txBody>
+      </p:sp>
+    </p:spTree>
+    <p:extLst>
+      <p:ext uri="{BB962C8B-B14F-4D97-AF65-F5344CB8AC3E}">
+        <p14:creationId xmlns:p14="http://schemas.microsoft.com/office/powerpoint/2010/main" val="3180134102"/>
+      </p:ext>
+    </p:extLst>
+  </p:cSld>
+  <p:clrMapOvr>
+    <a:masterClrMapping/>
+  </p:clrMapOvr>
+</p:sld>
+</file>
+
+<file path=ppt/slides/slide13.xml><?xml version="1.0" encoding="utf-8"?>
 <p:sld xmlns:a="http://schemas.openxmlformats.org/drawingml/2006/main" xmlns:r="http://schemas.openxmlformats.org/officeDocument/2006/relationships" xmlns:p="http://schemas.openxmlformats.org/presentationml/2006/main">
   <p:cSld>
     <p:spTree>
@@ -7637,6 +12036,747 @@
           </p:txBody>
         </p:sp>
       </p:grpSp>
+      <p:grpSp>
+        <p:nvGrpSpPr>
+          <p:cNvPr id="19" name="Group 18">
+            <a:extLst>
+              <a:ext uri="{FF2B5EF4-FFF2-40B4-BE49-F238E27FC236}">
+                <a16:creationId xmlns:a16="http://schemas.microsoft.com/office/drawing/2014/main" id="{445539D6-8BFB-AF4F-B639-A1B1DEAD5660}"/>
+              </a:ext>
+            </a:extLst>
+          </p:cNvPr>
+          <p:cNvGrpSpPr/>
+          <p:nvPr/>
+        </p:nvGrpSpPr>
+        <p:grpSpPr>
+          <a:xfrm>
+            <a:off x="7606929" y="246965"/>
+            <a:ext cx="2944042" cy="5693107"/>
+            <a:chOff x="3345314" y="246966"/>
+            <a:chExt cx="2944042" cy="5693107"/>
+          </a:xfrm>
+        </p:grpSpPr>
+        <p:sp>
+          <p:nvSpPr>
+            <p:cNvPr id="20" name="Rounded Rectangle 19">
+              <a:extLst>
+                <a:ext uri="{FF2B5EF4-FFF2-40B4-BE49-F238E27FC236}">
+                  <a16:creationId xmlns:a16="http://schemas.microsoft.com/office/drawing/2014/main" id="{9DADD19B-875E-F74D-B6E7-DDEE62ED51BE}"/>
+                </a:ext>
+              </a:extLst>
+            </p:cNvPr>
+            <p:cNvSpPr/>
+            <p:nvPr/>
+          </p:nvSpPr>
+          <p:spPr>
+            <a:xfrm>
+              <a:off x="3380135" y="246966"/>
+              <a:ext cx="2875265" cy="5693107"/>
+            </a:xfrm>
+            <a:prstGeom prst="roundRect">
+              <a:avLst/>
+            </a:prstGeom>
+            <a:solidFill>
+              <a:schemeClr val="tx1"/>
+            </a:solidFill>
+            <a:ln>
+              <a:solidFill>
+                <a:schemeClr val="tx1"/>
+              </a:solidFill>
+            </a:ln>
+          </p:spPr>
+          <p:style>
+            <a:lnRef idx="2">
+              <a:schemeClr val="accent1">
+                <a:shade val="50000"/>
+              </a:schemeClr>
+            </a:lnRef>
+            <a:fillRef idx="1">
+              <a:schemeClr val="accent1"/>
+            </a:fillRef>
+            <a:effectRef idx="0">
+              <a:schemeClr val="accent1"/>
+            </a:effectRef>
+            <a:fontRef idx="minor">
+              <a:schemeClr val="lt1"/>
+            </a:fontRef>
+          </p:style>
+          <p:txBody>
+            <a:bodyPr rtlCol="0" anchor="ctr"/>
+            <a:lstStyle/>
+            <a:p>
+              <a:pPr algn="ctr"/>
+              <a:endParaRPr lang="en-US"/>
+            </a:p>
+          </p:txBody>
+        </p:sp>
+        <p:sp>
+          <p:nvSpPr>
+            <p:cNvPr id="21" name="Rounded Rectangle 20">
+              <a:extLst>
+                <a:ext uri="{FF2B5EF4-FFF2-40B4-BE49-F238E27FC236}">
+                  <a16:creationId xmlns:a16="http://schemas.microsoft.com/office/drawing/2014/main" id="{ABD22F0A-E2DD-4144-926F-E298BCB3BF0C}"/>
+                </a:ext>
+              </a:extLst>
+            </p:cNvPr>
+            <p:cNvSpPr/>
+            <p:nvPr/>
+          </p:nvSpPr>
+          <p:spPr>
+            <a:xfrm>
+              <a:off x="3345314" y="1206298"/>
+              <a:ext cx="119627" cy="326101"/>
+            </a:xfrm>
+            <a:prstGeom prst="roundRect">
+              <a:avLst>
+                <a:gd name="adj" fmla="val 41146"/>
+              </a:avLst>
+            </a:prstGeom>
+            <a:solidFill>
+              <a:schemeClr val="tx1"/>
+            </a:solidFill>
+            <a:ln>
+              <a:solidFill>
+                <a:schemeClr val="tx1"/>
+              </a:solidFill>
+            </a:ln>
+          </p:spPr>
+          <p:style>
+            <a:lnRef idx="2">
+              <a:schemeClr val="accent1">
+                <a:shade val="50000"/>
+              </a:schemeClr>
+            </a:lnRef>
+            <a:fillRef idx="1">
+              <a:schemeClr val="accent1"/>
+            </a:fillRef>
+            <a:effectRef idx="0">
+              <a:schemeClr val="accent1"/>
+            </a:effectRef>
+            <a:fontRef idx="minor">
+              <a:schemeClr val="lt1"/>
+            </a:fontRef>
+          </p:style>
+          <p:txBody>
+            <a:bodyPr rtlCol="0" anchor="ctr"/>
+            <a:lstStyle/>
+            <a:p>
+              <a:pPr algn="ctr"/>
+              <a:endParaRPr lang="en-US"/>
+            </a:p>
+          </p:txBody>
+        </p:sp>
+        <p:sp>
+          <p:nvSpPr>
+            <p:cNvPr id="22" name="Rounded Rectangle 21">
+              <a:extLst>
+                <a:ext uri="{FF2B5EF4-FFF2-40B4-BE49-F238E27FC236}">
+                  <a16:creationId xmlns:a16="http://schemas.microsoft.com/office/drawing/2014/main" id="{5CC780C4-4D60-224A-97AF-D62DF8526668}"/>
+                </a:ext>
+              </a:extLst>
+            </p:cNvPr>
+            <p:cNvSpPr/>
+            <p:nvPr/>
+          </p:nvSpPr>
+          <p:spPr>
+            <a:xfrm>
+              <a:off x="6169729" y="1175962"/>
+              <a:ext cx="119627" cy="326101"/>
+            </a:xfrm>
+            <a:prstGeom prst="roundRect">
+              <a:avLst>
+                <a:gd name="adj" fmla="val 41146"/>
+              </a:avLst>
+            </a:prstGeom>
+            <a:solidFill>
+              <a:schemeClr val="tx1"/>
+            </a:solidFill>
+            <a:ln>
+              <a:solidFill>
+                <a:schemeClr val="tx1"/>
+              </a:solidFill>
+            </a:ln>
+          </p:spPr>
+          <p:style>
+            <a:lnRef idx="2">
+              <a:schemeClr val="accent1">
+                <a:shade val="50000"/>
+              </a:schemeClr>
+            </a:lnRef>
+            <a:fillRef idx="1">
+              <a:schemeClr val="accent1"/>
+            </a:fillRef>
+            <a:effectRef idx="0">
+              <a:schemeClr val="accent1"/>
+            </a:effectRef>
+            <a:fontRef idx="minor">
+              <a:schemeClr val="lt1"/>
+            </a:fontRef>
+          </p:style>
+          <p:txBody>
+            <a:bodyPr rtlCol="0" anchor="ctr"/>
+            <a:lstStyle/>
+            <a:p>
+              <a:pPr algn="ctr"/>
+              <a:endParaRPr lang="en-US"/>
+            </a:p>
+          </p:txBody>
+        </p:sp>
+        <p:sp>
+          <p:nvSpPr>
+            <p:cNvPr id="23" name="Rounded Rectangle 22">
+              <a:extLst>
+                <a:ext uri="{FF2B5EF4-FFF2-40B4-BE49-F238E27FC236}">
+                  <a16:creationId xmlns:a16="http://schemas.microsoft.com/office/drawing/2014/main" id="{3D56FD46-835A-B949-BDDB-879C5F7BF8B2}"/>
+                </a:ext>
+              </a:extLst>
+            </p:cNvPr>
+            <p:cNvSpPr/>
+            <p:nvPr/>
+          </p:nvSpPr>
+          <p:spPr>
+            <a:xfrm>
+              <a:off x="3345314" y="1607511"/>
+              <a:ext cx="119627" cy="326101"/>
+            </a:xfrm>
+            <a:prstGeom prst="roundRect">
+              <a:avLst>
+                <a:gd name="adj" fmla="val 41146"/>
+              </a:avLst>
+            </a:prstGeom>
+            <a:solidFill>
+              <a:schemeClr val="tx1"/>
+            </a:solidFill>
+            <a:ln>
+              <a:solidFill>
+                <a:schemeClr val="tx1"/>
+              </a:solidFill>
+            </a:ln>
+          </p:spPr>
+          <p:style>
+            <a:lnRef idx="2">
+              <a:schemeClr val="accent1">
+                <a:shade val="50000"/>
+              </a:schemeClr>
+            </a:lnRef>
+            <a:fillRef idx="1">
+              <a:schemeClr val="accent1"/>
+            </a:fillRef>
+            <a:effectRef idx="0">
+              <a:schemeClr val="accent1"/>
+            </a:effectRef>
+            <a:fontRef idx="minor">
+              <a:schemeClr val="lt1"/>
+            </a:fontRef>
+          </p:style>
+          <p:txBody>
+            <a:bodyPr rtlCol="0" anchor="ctr"/>
+            <a:lstStyle/>
+            <a:p>
+              <a:pPr algn="ctr"/>
+              <a:endParaRPr lang="en-US"/>
+            </a:p>
+          </p:txBody>
+        </p:sp>
+        <p:sp>
+          <p:nvSpPr>
+            <p:cNvPr id="24" name="Oval 23">
+              <a:extLst>
+                <a:ext uri="{FF2B5EF4-FFF2-40B4-BE49-F238E27FC236}">
+                  <a16:creationId xmlns:a16="http://schemas.microsoft.com/office/drawing/2014/main" id="{56ECD87F-21EE-394C-8C65-C1F02BF81A52}"/>
+                </a:ext>
+              </a:extLst>
+            </p:cNvPr>
+            <p:cNvSpPr/>
+            <p:nvPr/>
+          </p:nvSpPr>
+          <p:spPr>
+            <a:xfrm>
+              <a:off x="3602640" y="476655"/>
+              <a:ext cx="356518" cy="356518"/>
+            </a:xfrm>
+            <a:prstGeom prst="ellipse">
+              <a:avLst/>
+            </a:prstGeom>
+            <a:solidFill>
+              <a:schemeClr val="bg2">
+                <a:lumMod val="90000"/>
+              </a:schemeClr>
+            </a:solidFill>
+            <a:ln>
+              <a:solidFill>
+                <a:schemeClr val="tx1"/>
+              </a:solidFill>
+            </a:ln>
+          </p:spPr>
+          <p:style>
+            <a:lnRef idx="2">
+              <a:schemeClr val="accent1">
+                <a:shade val="50000"/>
+              </a:schemeClr>
+            </a:lnRef>
+            <a:fillRef idx="1">
+              <a:schemeClr val="accent1"/>
+            </a:fillRef>
+            <a:effectRef idx="0">
+              <a:schemeClr val="accent1"/>
+            </a:effectRef>
+            <a:fontRef idx="minor">
+              <a:schemeClr val="lt1"/>
+            </a:fontRef>
+          </p:style>
+          <p:txBody>
+            <a:bodyPr rtlCol="0" anchor="ctr"/>
+            <a:lstStyle/>
+            <a:p>
+              <a:pPr algn="ctr"/>
+              <a:endParaRPr lang="en-US"/>
+            </a:p>
+          </p:txBody>
+        </p:sp>
+        <p:sp>
+          <p:nvSpPr>
+            <p:cNvPr id="25" name="Oval 24">
+              <a:extLst>
+                <a:ext uri="{FF2B5EF4-FFF2-40B4-BE49-F238E27FC236}">
+                  <a16:creationId xmlns:a16="http://schemas.microsoft.com/office/drawing/2014/main" id="{3118643E-6A03-014D-9D5D-A8CD661A1752}"/>
+                </a:ext>
+              </a:extLst>
+            </p:cNvPr>
+            <p:cNvSpPr/>
+            <p:nvPr/>
+          </p:nvSpPr>
+          <p:spPr>
+            <a:xfrm>
+              <a:off x="4031132" y="476655"/>
+              <a:ext cx="356518" cy="356518"/>
+            </a:xfrm>
+            <a:prstGeom prst="ellipse">
+              <a:avLst/>
+            </a:prstGeom>
+            <a:solidFill>
+              <a:schemeClr val="bg2">
+                <a:lumMod val="90000"/>
+              </a:schemeClr>
+            </a:solidFill>
+            <a:ln>
+              <a:solidFill>
+                <a:schemeClr val="tx1"/>
+              </a:solidFill>
+            </a:ln>
+          </p:spPr>
+          <p:style>
+            <a:lnRef idx="2">
+              <a:schemeClr val="accent1">
+                <a:shade val="50000"/>
+              </a:schemeClr>
+            </a:lnRef>
+            <a:fillRef idx="1">
+              <a:schemeClr val="accent1"/>
+            </a:fillRef>
+            <a:effectRef idx="0">
+              <a:schemeClr val="accent1"/>
+            </a:effectRef>
+            <a:fontRef idx="minor">
+              <a:schemeClr val="lt1"/>
+            </a:fontRef>
+          </p:style>
+          <p:txBody>
+            <a:bodyPr rtlCol="0" anchor="ctr"/>
+            <a:lstStyle/>
+            <a:p>
+              <a:pPr algn="ctr"/>
+              <a:endParaRPr lang="en-US"/>
+            </a:p>
+          </p:txBody>
+        </p:sp>
+        <p:sp>
+          <p:nvSpPr>
+            <p:cNvPr id="26" name="Oval 25">
+              <a:extLst>
+                <a:ext uri="{FF2B5EF4-FFF2-40B4-BE49-F238E27FC236}">
+                  <a16:creationId xmlns:a16="http://schemas.microsoft.com/office/drawing/2014/main" id="{01D2F59C-FC5E-6543-903E-AD4ADB92792B}"/>
+                </a:ext>
+              </a:extLst>
+            </p:cNvPr>
+            <p:cNvSpPr/>
+            <p:nvPr/>
+          </p:nvSpPr>
+          <p:spPr>
+            <a:xfrm>
+              <a:off x="3636463" y="510478"/>
+              <a:ext cx="288872" cy="288872"/>
+            </a:xfrm>
+            <a:prstGeom prst="ellipse">
+              <a:avLst/>
+            </a:prstGeom>
+            <a:solidFill>
+              <a:schemeClr val="bg2">
+                <a:lumMod val="50000"/>
+              </a:schemeClr>
+            </a:solidFill>
+            <a:ln>
+              <a:solidFill>
+                <a:schemeClr val="tx1"/>
+              </a:solidFill>
+            </a:ln>
+          </p:spPr>
+          <p:style>
+            <a:lnRef idx="2">
+              <a:schemeClr val="accent1">
+                <a:shade val="50000"/>
+              </a:schemeClr>
+            </a:lnRef>
+            <a:fillRef idx="1">
+              <a:schemeClr val="accent1"/>
+            </a:fillRef>
+            <a:effectRef idx="0">
+              <a:schemeClr val="accent1"/>
+            </a:effectRef>
+            <a:fontRef idx="minor">
+              <a:schemeClr val="lt1"/>
+            </a:fontRef>
+          </p:style>
+          <p:txBody>
+            <a:bodyPr rtlCol="0" anchor="ctr"/>
+            <a:lstStyle/>
+            <a:p>
+              <a:pPr algn="ctr"/>
+              <a:endParaRPr lang="en-US"/>
+            </a:p>
+          </p:txBody>
+        </p:sp>
+        <p:sp>
+          <p:nvSpPr>
+            <p:cNvPr id="27" name="Oval 26">
+              <a:extLst>
+                <a:ext uri="{FF2B5EF4-FFF2-40B4-BE49-F238E27FC236}">
+                  <a16:creationId xmlns:a16="http://schemas.microsoft.com/office/drawing/2014/main" id="{F9E71862-F304-4346-8222-5FEAD42B382E}"/>
+                </a:ext>
+              </a:extLst>
+            </p:cNvPr>
+            <p:cNvSpPr/>
+            <p:nvPr/>
+          </p:nvSpPr>
+          <p:spPr>
+            <a:xfrm>
+              <a:off x="4064955" y="510478"/>
+              <a:ext cx="288872" cy="288872"/>
+            </a:xfrm>
+            <a:prstGeom prst="ellipse">
+              <a:avLst/>
+            </a:prstGeom>
+            <a:solidFill>
+              <a:schemeClr val="bg2">
+                <a:lumMod val="50000"/>
+              </a:schemeClr>
+            </a:solidFill>
+            <a:ln>
+              <a:solidFill>
+                <a:schemeClr val="tx1"/>
+              </a:solidFill>
+            </a:ln>
+          </p:spPr>
+          <p:style>
+            <a:lnRef idx="2">
+              <a:schemeClr val="accent1">
+                <a:shade val="50000"/>
+              </a:schemeClr>
+            </a:lnRef>
+            <a:fillRef idx="1">
+              <a:schemeClr val="accent1"/>
+            </a:fillRef>
+            <a:effectRef idx="0">
+              <a:schemeClr val="accent1"/>
+            </a:effectRef>
+            <a:fontRef idx="minor">
+              <a:schemeClr val="lt1"/>
+            </a:fontRef>
+          </p:style>
+          <p:txBody>
+            <a:bodyPr rtlCol="0" anchor="ctr"/>
+            <a:lstStyle/>
+            <a:p>
+              <a:pPr algn="ctr"/>
+              <a:endParaRPr lang="en-US"/>
+            </a:p>
+          </p:txBody>
+        </p:sp>
+        <p:sp>
+          <p:nvSpPr>
+            <p:cNvPr id="28" name="Oval 27">
+              <a:extLst>
+                <a:ext uri="{FF2B5EF4-FFF2-40B4-BE49-F238E27FC236}">
+                  <a16:creationId xmlns:a16="http://schemas.microsoft.com/office/drawing/2014/main" id="{430E2BEC-533B-9742-9093-A0E355CFBA2B}"/>
+                </a:ext>
+              </a:extLst>
+            </p:cNvPr>
+            <p:cNvSpPr/>
+            <p:nvPr/>
+          </p:nvSpPr>
+          <p:spPr>
+            <a:xfrm>
+              <a:off x="3742446" y="616462"/>
+              <a:ext cx="75140" cy="75140"/>
+            </a:xfrm>
+            <a:prstGeom prst="ellipse">
+              <a:avLst/>
+            </a:prstGeom>
+            <a:solidFill>
+              <a:schemeClr val="bg2">
+                <a:lumMod val="90000"/>
+              </a:schemeClr>
+            </a:solidFill>
+            <a:ln>
+              <a:solidFill>
+                <a:schemeClr val="tx1"/>
+              </a:solidFill>
+            </a:ln>
+          </p:spPr>
+          <p:style>
+            <a:lnRef idx="2">
+              <a:schemeClr val="accent1">
+                <a:shade val="50000"/>
+              </a:schemeClr>
+            </a:lnRef>
+            <a:fillRef idx="1">
+              <a:schemeClr val="accent1"/>
+            </a:fillRef>
+            <a:effectRef idx="0">
+              <a:schemeClr val="accent1"/>
+            </a:effectRef>
+            <a:fontRef idx="minor">
+              <a:schemeClr val="lt1"/>
+            </a:fontRef>
+          </p:style>
+          <p:txBody>
+            <a:bodyPr rtlCol="0" anchor="ctr"/>
+            <a:lstStyle/>
+            <a:p>
+              <a:pPr algn="ctr"/>
+              <a:endParaRPr lang="en-US"/>
+            </a:p>
+          </p:txBody>
+        </p:sp>
+        <p:sp>
+          <p:nvSpPr>
+            <p:cNvPr id="29" name="Oval 28">
+              <a:extLst>
+                <a:ext uri="{FF2B5EF4-FFF2-40B4-BE49-F238E27FC236}">
+                  <a16:creationId xmlns:a16="http://schemas.microsoft.com/office/drawing/2014/main" id="{7D855430-FCA2-7245-93E0-8E28FACFACA2}"/>
+                </a:ext>
+              </a:extLst>
+            </p:cNvPr>
+            <p:cNvSpPr/>
+            <p:nvPr/>
+          </p:nvSpPr>
+          <p:spPr>
+            <a:xfrm>
+              <a:off x="4171821" y="616693"/>
+              <a:ext cx="75140" cy="75140"/>
+            </a:xfrm>
+            <a:prstGeom prst="ellipse">
+              <a:avLst/>
+            </a:prstGeom>
+            <a:solidFill>
+              <a:schemeClr val="bg2">
+                <a:lumMod val="90000"/>
+              </a:schemeClr>
+            </a:solidFill>
+            <a:ln>
+              <a:solidFill>
+                <a:schemeClr val="tx1"/>
+              </a:solidFill>
+            </a:ln>
+          </p:spPr>
+          <p:style>
+            <a:lnRef idx="2">
+              <a:schemeClr val="accent1">
+                <a:shade val="50000"/>
+              </a:schemeClr>
+            </a:lnRef>
+            <a:fillRef idx="1">
+              <a:schemeClr val="accent1"/>
+            </a:fillRef>
+            <a:effectRef idx="0">
+              <a:schemeClr val="accent1"/>
+            </a:effectRef>
+            <a:fontRef idx="minor">
+              <a:schemeClr val="lt1"/>
+            </a:fontRef>
+          </p:style>
+          <p:txBody>
+            <a:bodyPr rtlCol="0" anchor="ctr"/>
+            <a:lstStyle/>
+            <a:p>
+              <a:pPr algn="ctr"/>
+              <a:endParaRPr lang="en-US"/>
+            </a:p>
+          </p:txBody>
+        </p:sp>
+        <p:sp>
+          <p:nvSpPr>
+            <p:cNvPr id="30" name="Oval 29">
+              <a:extLst>
+                <a:ext uri="{FF2B5EF4-FFF2-40B4-BE49-F238E27FC236}">
+                  <a16:creationId xmlns:a16="http://schemas.microsoft.com/office/drawing/2014/main" id="{939A6C29-BCF7-0C46-93B9-BDB4BDAC4B1B}"/>
+                </a:ext>
+              </a:extLst>
+            </p:cNvPr>
+            <p:cNvSpPr/>
+            <p:nvPr/>
+          </p:nvSpPr>
+          <p:spPr>
+            <a:xfrm>
+              <a:off x="3757156" y="631172"/>
+              <a:ext cx="45719" cy="45719"/>
+            </a:xfrm>
+            <a:prstGeom prst="ellipse">
+              <a:avLst/>
+            </a:prstGeom>
+            <a:solidFill>
+              <a:schemeClr val="tx1">
+                <a:lumMod val="85000"/>
+                <a:lumOff val="15000"/>
+              </a:schemeClr>
+            </a:solidFill>
+            <a:ln>
+              <a:noFill/>
+            </a:ln>
+          </p:spPr>
+          <p:style>
+            <a:lnRef idx="2">
+              <a:schemeClr val="accent1">
+                <a:shade val="50000"/>
+              </a:schemeClr>
+            </a:lnRef>
+            <a:fillRef idx="1">
+              <a:schemeClr val="accent1"/>
+            </a:fillRef>
+            <a:effectRef idx="0">
+              <a:schemeClr val="accent1"/>
+            </a:effectRef>
+            <a:fontRef idx="minor">
+              <a:schemeClr val="lt1"/>
+            </a:fontRef>
+          </p:style>
+          <p:txBody>
+            <a:bodyPr rtlCol="0" anchor="ctr"/>
+            <a:lstStyle/>
+            <a:p>
+              <a:pPr algn="ctr"/>
+              <a:endParaRPr lang="en-US"/>
+            </a:p>
+          </p:txBody>
+        </p:sp>
+        <p:sp>
+          <p:nvSpPr>
+            <p:cNvPr id="31" name="Oval 30">
+              <a:extLst>
+                <a:ext uri="{FF2B5EF4-FFF2-40B4-BE49-F238E27FC236}">
+                  <a16:creationId xmlns:a16="http://schemas.microsoft.com/office/drawing/2014/main" id="{3E7CAC3B-0589-5E4E-B57B-ABA027BDA37A}"/>
+                </a:ext>
+              </a:extLst>
+            </p:cNvPr>
+            <p:cNvSpPr/>
+            <p:nvPr/>
+          </p:nvSpPr>
+          <p:spPr>
+            <a:xfrm>
+              <a:off x="4186531" y="631153"/>
+              <a:ext cx="45719" cy="45719"/>
+            </a:xfrm>
+            <a:prstGeom prst="ellipse">
+              <a:avLst/>
+            </a:prstGeom>
+            <a:solidFill>
+              <a:schemeClr val="tx1">
+                <a:lumMod val="85000"/>
+                <a:lumOff val="15000"/>
+              </a:schemeClr>
+            </a:solidFill>
+            <a:ln>
+              <a:noFill/>
+            </a:ln>
+          </p:spPr>
+          <p:style>
+            <a:lnRef idx="2">
+              <a:schemeClr val="accent1">
+                <a:shade val="50000"/>
+              </a:schemeClr>
+            </a:lnRef>
+            <a:fillRef idx="1">
+              <a:schemeClr val="accent1"/>
+            </a:fillRef>
+            <a:effectRef idx="0">
+              <a:schemeClr val="accent1"/>
+            </a:effectRef>
+            <a:fontRef idx="minor">
+              <a:schemeClr val="lt1"/>
+            </a:fontRef>
+          </p:style>
+          <p:txBody>
+            <a:bodyPr rtlCol="0" anchor="ctr"/>
+            <a:lstStyle/>
+            <a:p>
+              <a:pPr algn="ctr"/>
+              <a:endParaRPr lang="en-US"/>
+            </a:p>
+          </p:txBody>
+        </p:sp>
+      </p:grpSp>
+      <p:sp>
+        <p:nvSpPr>
+          <p:cNvPr id="32" name="Rectangle 31">
+            <a:extLst>
+              <a:ext uri="{FF2B5EF4-FFF2-40B4-BE49-F238E27FC236}">
+                <a16:creationId xmlns:a16="http://schemas.microsoft.com/office/drawing/2014/main" id="{45420398-BCF1-5245-988F-8527399B1BA4}"/>
+              </a:ext>
+            </a:extLst>
+          </p:cNvPr>
+          <p:cNvSpPr/>
+          <p:nvPr/>
+        </p:nvSpPr>
+        <p:spPr>
+          <a:xfrm>
+            <a:off x="7606929" y="246965"/>
+            <a:ext cx="2944042" cy="5693108"/>
+          </a:xfrm>
+          <a:prstGeom prst="rect">
+            <a:avLst/>
+          </a:prstGeom>
+          <a:noFill/>
+          <a:ln w="28575">
+            <a:solidFill>
+              <a:srgbClr val="C00000"/>
+            </a:solidFill>
+          </a:ln>
+        </p:spPr>
+        <p:style>
+          <a:lnRef idx="2">
+            <a:schemeClr val="accent1">
+              <a:shade val="50000"/>
+            </a:schemeClr>
+          </a:lnRef>
+          <a:fillRef idx="1">
+            <a:schemeClr val="accent1"/>
+          </a:fillRef>
+          <a:effectRef idx="0">
+            <a:schemeClr val="accent1"/>
+          </a:effectRef>
+          <a:fontRef idx="minor">
+            <a:schemeClr val="lt1"/>
+          </a:fontRef>
+        </p:style>
+        <p:txBody>
+          <a:bodyPr rtlCol="0" anchor="ctr"/>
+          <a:lstStyle/>
+          <a:p>
+            <a:pPr algn="ctr"/>
+            <a:endParaRPr lang="en-US"/>
+          </a:p>
+        </p:txBody>
+      </p:sp>
     </p:spTree>
     <p:extLst>
       <p:ext uri="{BB962C8B-B14F-4D97-AF65-F5344CB8AC3E}">
@@ -7650,7 +12790,7 @@
 </p:sld>
 </file>
 
-<file path=ppt/slides/slide12.xml><?xml version="1.0" encoding="utf-8"?>
+<file path=ppt/slides/slide14.xml><?xml version="1.0" encoding="utf-8"?>
 <p:sld xmlns:a="http://schemas.openxmlformats.org/drawingml/2006/main" xmlns:r="http://schemas.openxmlformats.org/officeDocument/2006/relationships" xmlns:p="http://schemas.openxmlformats.org/presentationml/2006/main">
   <p:cSld>
     <p:spTree>
@@ -7960,7 +13100,7 @@
 </p:sld>
 </file>
 
-<file path=ppt/slides/slide13.xml><?xml version="1.0" encoding="utf-8"?>
+<file path=ppt/slides/slide15.xml><?xml version="1.0" encoding="utf-8"?>
 <p:sld xmlns:a="http://schemas.openxmlformats.org/drawingml/2006/main" xmlns:r="http://schemas.openxmlformats.org/officeDocument/2006/relationships" xmlns:p="http://schemas.openxmlformats.org/presentationml/2006/main">
   <p:cSld>
     <p:spTree>
@@ -8117,42 +13257,12 @@
           </p:txBody>
         </p:sp>
       </p:grpSp>
-      <p:pic>
-        <p:nvPicPr>
-          <p:cNvPr id="36" name="Picture 35" descr="A picture containing text&#10;&#10;Description automatically generated">
+      <p:grpSp>
+        <p:nvGrpSpPr>
+          <p:cNvPr id="4" name="Group 3">
             <a:extLst>
               <a:ext uri="{FF2B5EF4-FFF2-40B4-BE49-F238E27FC236}">
-                <a16:creationId xmlns:a16="http://schemas.microsoft.com/office/drawing/2014/main" id="{0136976A-B472-1E48-AC6E-AB0FC8DE86F2}"/>
-              </a:ext>
-            </a:extLst>
-          </p:cNvPr>
-          <p:cNvPicPr>
-            <a:picLocks noChangeAspect="1"/>
-          </p:cNvPicPr>
-          <p:nvPr/>
-        </p:nvPicPr>
-        <p:blipFill>
-          <a:blip r:embed="rId3"/>
-          <a:stretch>
-            <a:fillRect/>
-          </a:stretch>
-        </p:blipFill>
-        <p:spPr>
-          <a:xfrm>
-            <a:off x="5760810" y="11156"/>
-            <a:ext cx="6273800" cy="3797300"/>
-          </a:xfrm>
-          <a:prstGeom prst="rect">
-            <a:avLst/>
-          </a:prstGeom>
-        </p:spPr>
-      </p:pic>
-      <p:grpSp>
-        <p:nvGrpSpPr>
-          <p:cNvPr id="3" name="Group 2">
-            <a:extLst>
-              <a:ext uri="{FF2B5EF4-FFF2-40B4-BE49-F238E27FC236}">
-                <a16:creationId xmlns:a16="http://schemas.microsoft.com/office/drawing/2014/main" id="{79AD33A2-DAE4-A441-97E4-5D31AE1F94EA}"/>
+                <a16:creationId xmlns:a16="http://schemas.microsoft.com/office/drawing/2014/main" id="{B933078D-8B57-2D4B-812A-155BB29939CD}"/>
               </a:ext>
             </a:extLst>
           </p:cNvPr>
@@ -8161,101 +13271,152 @@
         </p:nvGrpSpPr>
         <p:grpSpPr>
           <a:xfrm>
-            <a:off x="6331403" y="771342"/>
-            <a:ext cx="5132614" cy="1549959"/>
-            <a:chOff x="6331403" y="771342"/>
-            <a:chExt cx="5132614" cy="1549959"/>
+            <a:off x="5760810" y="11156"/>
+            <a:ext cx="6273800" cy="3797300"/>
+            <a:chOff x="5760810" y="11156"/>
+            <a:chExt cx="6273800" cy="3797300"/>
           </a:xfrm>
         </p:grpSpPr>
-        <p:sp>
-          <p:nvSpPr>
-            <p:cNvPr id="37" name="Rectangle 36">
-              <a:extLst>
-                <a:ext uri="{FF2B5EF4-FFF2-40B4-BE49-F238E27FC236}">
-                  <a16:creationId xmlns:a16="http://schemas.microsoft.com/office/drawing/2014/main" id="{2A9BE6E5-A90A-A941-B1F1-9177665B383B}"/>
-                </a:ext>
-              </a:extLst>
-            </p:cNvPr>
-            <p:cNvSpPr/>
-            <p:nvPr/>
-          </p:nvSpPr>
-          <p:spPr>
-            <a:xfrm>
-              <a:off x="7042149" y="771342"/>
-              <a:ext cx="4102100" cy="1447800"/>
+        <p:pic>
+          <p:nvPicPr>
+            <p:cNvPr id="36" name="Picture 35" descr="A picture containing text&#10;&#10;Description automatically generated">
+              <a:extLst>
+                <a:ext uri="{FF2B5EF4-FFF2-40B4-BE49-F238E27FC236}">
+                  <a16:creationId xmlns:a16="http://schemas.microsoft.com/office/drawing/2014/main" id="{0136976A-B472-1E48-AC6E-AB0FC8DE86F2}"/>
+                </a:ext>
+              </a:extLst>
+            </p:cNvPr>
+            <p:cNvPicPr>
+              <a:picLocks noChangeAspect="1"/>
+            </p:cNvPicPr>
+            <p:nvPr/>
+          </p:nvPicPr>
+          <p:blipFill>
+            <a:blip r:embed="rId3"/>
+            <a:stretch>
+              <a:fillRect/>
+            </a:stretch>
+          </p:blipFill>
+          <p:spPr>
+            <a:xfrm>
+              <a:off x="5760810" y="11156"/>
+              <a:ext cx="6273800" cy="3797300"/>
             </a:xfrm>
             <a:prstGeom prst="rect">
               <a:avLst/>
             </a:prstGeom>
-            <a:solidFill>
-              <a:schemeClr val="bg1"/>
-            </a:solidFill>
-            <a:ln>
+          </p:spPr>
+        </p:pic>
+        <p:grpSp>
+          <p:nvGrpSpPr>
+            <p:cNvPr id="3" name="Group 2">
+              <a:extLst>
+                <a:ext uri="{FF2B5EF4-FFF2-40B4-BE49-F238E27FC236}">
+                  <a16:creationId xmlns:a16="http://schemas.microsoft.com/office/drawing/2014/main" id="{79AD33A2-DAE4-A441-97E4-5D31AE1F94EA}"/>
+                </a:ext>
+              </a:extLst>
+            </p:cNvPr>
+            <p:cNvGrpSpPr/>
+            <p:nvPr/>
+          </p:nvGrpSpPr>
+          <p:grpSpPr>
+            <a:xfrm>
+              <a:off x="6331403" y="771342"/>
+              <a:ext cx="5132614" cy="1549959"/>
+              <a:chOff x="6331403" y="771342"/>
+              <a:chExt cx="5132614" cy="1549959"/>
+            </a:xfrm>
+          </p:grpSpPr>
+          <p:sp>
+            <p:nvSpPr>
+              <p:cNvPr id="37" name="Rectangle 36">
+                <a:extLst>
+                  <a:ext uri="{FF2B5EF4-FFF2-40B4-BE49-F238E27FC236}">
+                    <a16:creationId xmlns:a16="http://schemas.microsoft.com/office/drawing/2014/main" id="{2A9BE6E5-A90A-A941-B1F1-9177665B383B}"/>
+                  </a:ext>
+                </a:extLst>
+              </p:cNvPr>
+              <p:cNvSpPr/>
+              <p:nvPr/>
+            </p:nvSpPr>
+            <p:spPr>
+              <a:xfrm>
+                <a:off x="7042149" y="771342"/>
+                <a:ext cx="4102100" cy="1447800"/>
+              </a:xfrm>
+              <a:prstGeom prst="rect">
+                <a:avLst/>
+              </a:prstGeom>
+              <a:solidFill>
+                <a:schemeClr val="bg1"/>
+              </a:solidFill>
+              <a:ln>
+                <a:noFill/>
+              </a:ln>
+            </p:spPr>
+            <p:style>
+              <a:lnRef idx="2">
+                <a:schemeClr val="accent1">
+                  <a:shade val="50000"/>
+                </a:schemeClr>
+              </a:lnRef>
+              <a:fillRef idx="1">
+                <a:schemeClr val="accent1"/>
+              </a:fillRef>
+              <a:effectRef idx="0">
+                <a:schemeClr val="accent1"/>
+              </a:effectRef>
+              <a:fontRef idx="minor">
+                <a:schemeClr val="lt1"/>
+              </a:fontRef>
+            </p:style>
+            <p:txBody>
+              <a:bodyPr rtlCol="0" anchor="ctr"/>
+              <a:lstStyle/>
+              <a:p>
+                <a:pPr algn="ctr"/>
+                <a:endParaRPr lang="en-US"/>
+              </a:p>
+            </p:txBody>
+          </p:sp>
+          <p:sp>
+            <p:nvSpPr>
+              <p:cNvPr id="38" name="TextBox 37">
+                <a:extLst>
+                  <a:ext uri="{FF2B5EF4-FFF2-40B4-BE49-F238E27FC236}">
+                    <a16:creationId xmlns:a16="http://schemas.microsoft.com/office/drawing/2014/main" id="{2EE55812-1EEF-2D4F-A415-90510D37E508}"/>
+                  </a:ext>
+                </a:extLst>
+              </p:cNvPr>
+              <p:cNvSpPr txBox="1"/>
+              <p:nvPr/>
+            </p:nvSpPr>
+            <p:spPr>
+              <a:xfrm>
+                <a:off x="6331403" y="936306"/>
+                <a:ext cx="5132614" cy="1384995"/>
+              </a:xfrm>
+              <a:prstGeom prst="rect">
+                <a:avLst/>
+              </a:prstGeom>
               <a:noFill/>
-            </a:ln>
-          </p:spPr>
-          <p:style>
-            <a:lnRef idx="2">
-              <a:schemeClr val="accent1">
-                <a:shade val="50000"/>
-              </a:schemeClr>
-            </a:lnRef>
-            <a:fillRef idx="1">
-              <a:schemeClr val="accent1"/>
-            </a:fillRef>
-            <a:effectRef idx="0">
-              <a:schemeClr val="accent1"/>
-            </a:effectRef>
-            <a:fontRef idx="minor">
-              <a:schemeClr val="lt1"/>
-            </a:fontRef>
-          </p:style>
-          <p:txBody>
-            <a:bodyPr rtlCol="0" anchor="ctr"/>
-            <a:lstStyle/>
-            <a:p>
-              <a:pPr algn="ctr"/>
-              <a:endParaRPr lang="en-US"/>
-            </a:p>
-          </p:txBody>
-        </p:sp>
-        <p:sp>
-          <p:nvSpPr>
-            <p:cNvPr id="38" name="TextBox 37">
-              <a:extLst>
-                <a:ext uri="{FF2B5EF4-FFF2-40B4-BE49-F238E27FC236}">
-                  <a16:creationId xmlns:a16="http://schemas.microsoft.com/office/drawing/2014/main" id="{2EE55812-1EEF-2D4F-A415-90510D37E508}"/>
-                </a:ext>
-              </a:extLst>
-            </p:cNvPr>
-            <p:cNvSpPr txBox="1"/>
-            <p:nvPr/>
-          </p:nvSpPr>
-          <p:spPr>
-            <a:xfrm>
-              <a:off x="6331403" y="936306"/>
-              <a:ext cx="5132614" cy="1384995"/>
-            </a:xfrm>
-            <a:prstGeom prst="rect">
-              <a:avLst/>
-            </a:prstGeom>
-            <a:noFill/>
-          </p:spPr>
-          <p:txBody>
-            <a:bodyPr wrap="square" rtlCol="0">
-              <a:spAutoFit/>
-            </a:bodyPr>
-            <a:lstStyle/>
-            <a:p>
-              <a:r>
-                <a:rPr lang="en-US" sz="2800" dirty="0">
-                  <a:latin typeface="Athelas" panose="02000503000000020003" pitchFamily="2" charset="77"/>
-                </a:rPr>
-                <a:t>I’m thinking of taking a vacation sometime this year. Do any of those airlines fly to Hawaii?</a:t>
-              </a:r>
-            </a:p>
-          </p:txBody>
-        </p:sp>
+            </p:spPr>
+            <p:txBody>
+              <a:bodyPr wrap="square" rtlCol="0">
+                <a:spAutoFit/>
+              </a:bodyPr>
+              <a:lstStyle/>
+              <a:p>
+                <a:r>
+                  <a:rPr lang="en-US" sz="2800" dirty="0">
+                    <a:latin typeface="Athelas" panose="02000503000000020003" pitchFamily="2" charset="77"/>
+                  </a:rPr>
+                  <a:t>I’m thinking of taking a vacation sometime this year. Do any of those airlines fly to Hawaii?</a:t>
+                </a:r>
+              </a:p>
+            </p:txBody>
+          </p:sp>
+        </p:grpSp>
       </p:grpSp>
     </p:spTree>
     <p:extLst>
@@ -8270,7 +13431,177 @@
 </p:sld>
 </file>
 
-<file path=ppt/slides/slide14.xml><?xml version="1.0" encoding="utf-8"?>
+<file path=ppt/slides/slide16.xml><?xml version="1.0" encoding="utf-8"?>
+<p:sld xmlns:a="http://schemas.openxmlformats.org/drawingml/2006/main" xmlns:r="http://schemas.openxmlformats.org/officeDocument/2006/relationships" xmlns:p="http://schemas.openxmlformats.org/presentationml/2006/main">
+  <p:cSld>
+    <p:spTree>
+      <p:nvGrpSpPr>
+        <p:cNvPr id="1" name=""/>
+        <p:cNvGrpSpPr/>
+        <p:nvPr/>
+      </p:nvGrpSpPr>
+      <p:grpSpPr>
+        <a:xfrm>
+          <a:off x="0" y="0"/>
+          <a:ext cx="0" cy="0"/>
+          <a:chOff x="0" y="0"/>
+          <a:chExt cx="0" cy="0"/>
+        </a:xfrm>
+      </p:grpSpPr>
+      <p:grpSp>
+        <p:nvGrpSpPr>
+          <p:cNvPr id="18" name="Group 17">
+            <a:extLst>
+              <a:ext uri="{FF2B5EF4-FFF2-40B4-BE49-F238E27FC236}">
+                <a16:creationId xmlns:a16="http://schemas.microsoft.com/office/drawing/2014/main" id="{8F7DF306-8141-3749-8EB7-C1C536B07AFA}"/>
+              </a:ext>
+            </a:extLst>
+          </p:cNvPr>
+          <p:cNvGrpSpPr/>
+          <p:nvPr/>
+        </p:nvGrpSpPr>
+        <p:grpSpPr>
+          <a:xfrm>
+            <a:off x="237218" y="265099"/>
+            <a:ext cx="6273800" cy="3797300"/>
+            <a:chOff x="237218" y="265099"/>
+            <a:chExt cx="6273800" cy="3797300"/>
+          </a:xfrm>
+        </p:grpSpPr>
+        <p:pic>
+          <p:nvPicPr>
+            <p:cNvPr id="8" name="Picture 7" descr="A picture containing text&#10;&#10;Description automatically generated">
+              <a:extLst>
+                <a:ext uri="{FF2B5EF4-FFF2-40B4-BE49-F238E27FC236}">
+                  <a16:creationId xmlns:a16="http://schemas.microsoft.com/office/drawing/2014/main" id="{D08C1E86-21E5-1644-BF2A-FA740E9C58C4}"/>
+                </a:ext>
+              </a:extLst>
+            </p:cNvPr>
+            <p:cNvPicPr>
+              <a:picLocks noChangeAspect="1"/>
+            </p:cNvPicPr>
+            <p:nvPr/>
+          </p:nvPicPr>
+          <p:blipFill>
+            <a:blip r:embed="rId3"/>
+            <a:stretch>
+              <a:fillRect/>
+            </a:stretch>
+          </p:blipFill>
+          <p:spPr>
+            <a:xfrm>
+              <a:off x="237218" y="265099"/>
+              <a:ext cx="6273800" cy="3797300"/>
+            </a:xfrm>
+            <a:prstGeom prst="rect">
+              <a:avLst/>
+            </a:prstGeom>
+          </p:spPr>
+        </p:pic>
+        <p:sp>
+          <p:nvSpPr>
+            <p:cNvPr id="16" name="Rectangle 15">
+              <a:extLst>
+                <a:ext uri="{FF2B5EF4-FFF2-40B4-BE49-F238E27FC236}">
+                  <a16:creationId xmlns:a16="http://schemas.microsoft.com/office/drawing/2014/main" id="{59B4D3DA-1466-3A4D-81CD-8A4E2A7919B2}"/>
+                </a:ext>
+              </a:extLst>
+            </p:cNvPr>
+            <p:cNvSpPr/>
+            <p:nvPr/>
+          </p:nvSpPr>
+          <p:spPr>
+            <a:xfrm>
+              <a:off x="1518557" y="1025285"/>
+              <a:ext cx="4102100" cy="1447800"/>
+            </a:xfrm>
+            <a:prstGeom prst="rect">
+              <a:avLst/>
+            </a:prstGeom>
+            <a:solidFill>
+              <a:schemeClr val="bg1"/>
+            </a:solidFill>
+            <a:ln>
+              <a:noFill/>
+            </a:ln>
+          </p:spPr>
+          <p:style>
+            <a:lnRef idx="2">
+              <a:schemeClr val="accent1">
+                <a:shade val="50000"/>
+              </a:schemeClr>
+            </a:lnRef>
+            <a:fillRef idx="1">
+              <a:schemeClr val="accent1"/>
+            </a:fillRef>
+            <a:effectRef idx="0">
+              <a:schemeClr val="accent1"/>
+            </a:effectRef>
+            <a:fontRef idx="minor">
+              <a:schemeClr val="lt1"/>
+            </a:fontRef>
+          </p:style>
+          <p:txBody>
+            <a:bodyPr rtlCol="0" anchor="ctr"/>
+            <a:lstStyle/>
+            <a:p>
+              <a:pPr algn="ctr"/>
+              <a:endParaRPr lang="en-US"/>
+            </a:p>
+          </p:txBody>
+        </p:sp>
+        <p:sp>
+          <p:nvSpPr>
+            <p:cNvPr id="11" name="TextBox 10">
+              <a:extLst>
+                <a:ext uri="{FF2B5EF4-FFF2-40B4-BE49-F238E27FC236}">
+                  <a16:creationId xmlns:a16="http://schemas.microsoft.com/office/drawing/2014/main" id="{3D3B8DBA-74D4-9349-8131-8514F1A91F06}"/>
+                </a:ext>
+              </a:extLst>
+            </p:cNvPr>
+            <p:cNvSpPr txBox="1"/>
+            <p:nvPr/>
+          </p:nvSpPr>
+          <p:spPr>
+            <a:xfrm>
+              <a:off x="807811" y="1272131"/>
+              <a:ext cx="5132614" cy="954107"/>
+            </a:xfrm>
+            <a:prstGeom prst="rect">
+              <a:avLst/>
+            </a:prstGeom>
+            <a:noFill/>
+          </p:spPr>
+          <p:txBody>
+            <a:bodyPr wrap="square" rtlCol="0">
+              <a:spAutoFit/>
+            </a:bodyPr>
+            <a:lstStyle/>
+            <a:p>
+              <a:r>
+                <a:rPr lang="en-US" sz="2800" dirty="0">
+                  <a:latin typeface="Athelas" panose="02000503000000020003" pitchFamily="2" charset="77"/>
+                </a:rPr>
+                <a:t>Do any of those restaurants have tables available?</a:t>
+              </a:r>
+            </a:p>
+          </p:txBody>
+        </p:sp>
+      </p:grpSp>
+    </p:spTree>
+    <p:extLst>
+      <p:ext uri="{BB962C8B-B14F-4D97-AF65-F5344CB8AC3E}">
+        <p14:creationId xmlns:p14="http://schemas.microsoft.com/office/powerpoint/2010/main" val="1308224834"/>
+      </p:ext>
+    </p:extLst>
+  </p:cSld>
+  <p:clrMapOvr>
+    <a:masterClrMapping/>
+  </p:clrMapOvr>
+</p:sld>
+</file>
+
+<file path=ppt/slides/slide17.xml><?xml version="1.0" encoding="utf-8"?>
 <p:sld xmlns:a="http://schemas.openxmlformats.org/drawingml/2006/main" xmlns:r="http://schemas.openxmlformats.org/officeDocument/2006/relationships" xmlns:p="http://schemas.openxmlformats.org/presentationml/2006/main">
   <p:cSld>
     <p:spTree>
@@ -8571,6 +13902,626 @@
     <p:extLst>
       <p:ext uri="{BB962C8B-B14F-4D97-AF65-F5344CB8AC3E}">
         <p14:creationId xmlns:p14="http://schemas.microsoft.com/office/powerpoint/2010/main" val="3729812261"/>
+      </p:ext>
+    </p:extLst>
+  </p:cSld>
+  <p:clrMapOvr>
+    <a:masterClrMapping/>
+  </p:clrMapOvr>
+</p:sld>
+</file>
+
+<file path=ppt/slides/slide18.xml><?xml version="1.0" encoding="utf-8"?>
+<p:sld xmlns:a="http://schemas.openxmlformats.org/drawingml/2006/main" xmlns:r="http://schemas.openxmlformats.org/officeDocument/2006/relationships" xmlns:p="http://schemas.openxmlformats.org/presentationml/2006/main">
+  <p:cSld>
+    <p:spTree>
+      <p:nvGrpSpPr>
+        <p:cNvPr id="1" name=""/>
+        <p:cNvGrpSpPr/>
+        <p:nvPr/>
+      </p:nvGrpSpPr>
+      <p:grpSpPr>
+        <a:xfrm>
+          <a:off x="0" y="0"/>
+          <a:ext cx="0" cy="0"/>
+          <a:chOff x="0" y="0"/>
+          <a:chExt cx="0" cy="0"/>
+        </a:xfrm>
+      </p:grpSpPr>
+      <p:grpSp>
+        <p:nvGrpSpPr>
+          <p:cNvPr id="6" name="Group 5">
+            <a:extLst>
+              <a:ext uri="{FF2B5EF4-FFF2-40B4-BE49-F238E27FC236}">
+                <a16:creationId xmlns:a16="http://schemas.microsoft.com/office/drawing/2014/main" id="{C22C408B-61BD-3E4C-AB28-53DF74ABE3E2}"/>
+              </a:ext>
+            </a:extLst>
+          </p:cNvPr>
+          <p:cNvGrpSpPr/>
+          <p:nvPr/>
+        </p:nvGrpSpPr>
+        <p:grpSpPr>
+          <a:xfrm>
+            <a:off x="236198" y="342366"/>
+            <a:ext cx="5143500" cy="4165600"/>
+            <a:chOff x="410823" y="254000"/>
+            <a:chExt cx="5143500" cy="4165600"/>
+          </a:xfrm>
+        </p:grpSpPr>
+        <p:pic>
+          <p:nvPicPr>
+            <p:cNvPr id="5" name="Picture 4" descr="Icon&#10;&#10;Description automatically generated">
+              <a:extLst>
+                <a:ext uri="{FF2B5EF4-FFF2-40B4-BE49-F238E27FC236}">
+                  <a16:creationId xmlns:a16="http://schemas.microsoft.com/office/drawing/2014/main" id="{881E4506-FF2D-9F47-9811-11036CE21E82}"/>
+                </a:ext>
+              </a:extLst>
+            </p:cNvPr>
+            <p:cNvPicPr>
+              <a:picLocks noChangeAspect="1"/>
+            </p:cNvPicPr>
+            <p:nvPr/>
+          </p:nvPicPr>
+          <p:blipFill>
+            <a:blip r:embed="rId3"/>
+            <a:stretch>
+              <a:fillRect/>
+            </a:stretch>
+          </p:blipFill>
+          <p:spPr>
+            <a:xfrm>
+              <a:off x="410823" y="254000"/>
+              <a:ext cx="5143500" cy="4165600"/>
+            </a:xfrm>
+            <a:prstGeom prst="rect">
+              <a:avLst/>
+            </a:prstGeom>
+          </p:spPr>
+        </p:pic>
+        <p:sp>
+          <p:nvSpPr>
+            <p:cNvPr id="14" name="Rectangle 13">
+              <a:extLst>
+                <a:ext uri="{FF2B5EF4-FFF2-40B4-BE49-F238E27FC236}">
+                  <a16:creationId xmlns:a16="http://schemas.microsoft.com/office/drawing/2014/main" id="{F0B053C5-1C2A-1A40-8A33-363A1684D060}"/>
+                </a:ext>
+              </a:extLst>
+            </p:cNvPr>
+            <p:cNvSpPr/>
+            <p:nvPr/>
+          </p:nvSpPr>
+          <p:spPr>
+            <a:xfrm>
+              <a:off x="1843428" y="1409430"/>
+              <a:ext cx="2278290" cy="1054370"/>
+            </a:xfrm>
+            <a:prstGeom prst="rect">
+              <a:avLst/>
+            </a:prstGeom>
+            <a:solidFill>
+              <a:schemeClr val="bg1"/>
+            </a:solidFill>
+            <a:ln>
+              <a:noFill/>
+            </a:ln>
+          </p:spPr>
+          <p:style>
+            <a:lnRef idx="2">
+              <a:schemeClr val="accent1">
+                <a:shade val="50000"/>
+              </a:schemeClr>
+            </a:lnRef>
+            <a:fillRef idx="1">
+              <a:schemeClr val="accent1"/>
+            </a:fillRef>
+            <a:effectRef idx="0">
+              <a:schemeClr val="accent1"/>
+            </a:effectRef>
+            <a:fontRef idx="minor">
+              <a:schemeClr val="lt1"/>
+            </a:fontRef>
+          </p:style>
+          <p:txBody>
+            <a:bodyPr rtlCol="0" anchor="ctr"/>
+            <a:lstStyle/>
+            <a:p>
+              <a:pPr algn="ctr"/>
+              <a:endParaRPr lang="en-US"/>
+            </a:p>
+          </p:txBody>
+        </p:sp>
+        <p:sp>
+          <p:nvSpPr>
+            <p:cNvPr id="15" name="TextBox 14">
+              <a:extLst>
+                <a:ext uri="{FF2B5EF4-FFF2-40B4-BE49-F238E27FC236}">
+                  <a16:creationId xmlns:a16="http://schemas.microsoft.com/office/drawing/2014/main" id="{CFA25651-7DAE-6C44-A50A-73EAD7FD9F22}"/>
+                </a:ext>
+              </a:extLst>
+            </p:cNvPr>
+            <p:cNvSpPr txBox="1"/>
+            <p:nvPr/>
+          </p:nvSpPr>
+          <p:spPr>
+            <a:xfrm>
+              <a:off x="2163572" y="1575064"/>
+              <a:ext cx="2080469" cy="523220"/>
+            </a:xfrm>
+            <a:prstGeom prst="rect">
+              <a:avLst/>
+            </a:prstGeom>
+            <a:noFill/>
+          </p:spPr>
+          <p:txBody>
+            <a:bodyPr wrap="square" rtlCol="0">
+              <a:spAutoFit/>
+            </a:bodyPr>
+            <a:lstStyle/>
+            <a:p>
+              <a:r>
+                <a:rPr lang="en-US" sz="2800" dirty="0">
+                  <a:latin typeface="Athelas" panose="02000503000000020003" pitchFamily="2" charset="77"/>
+                </a:rPr>
+                <a:t>Some do.</a:t>
+              </a:r>
+            </a:p>
+          </p:txBody>
+        </p:sp>
+      </p:grpSp>
+      <p:grpSp>
+        <p:nvGrpSpPr>
+          <p:cNvPr id="7" name="Group 6">
+            <a:extLst>
+              <a:ext uri="{FF2B5EF4-FFF2-40B4-BE49-F238E27FC236}">
+                <a16:creationId xmlns:a16="http://schemas.microsoft.com/office/drawing/2014/main" id="{2DF3150F-2F87-8D40-8C40-5C7FA97B098D}"/>
+              </a:ext>
+            </a:extLst>
+          </p:cNvPr>
+          <p:cNvGrpSpPr/>
+          <p:nvPr/>
+        </p:nvGrpSpPr>
+        <p:grpSpPr>
+          <a:xfrm>
+            <a:off x="6096000" y="2298166"/>
+            <a:ext cx="5143500" cy="4165600"/>
+            <a:chOff x="6096000" y="2209800"/>
+            <a:chExt cx="5143500" cy="4165600"/>
+          </a:xfrm>
+        </p:grpSpPr>
+        <p:pic>
+          <p:nvPicPr>
+            <p:cNvPr id="16" name="Picture 15" descr="Icon&#10;&#10;Description automatically generated">
+              <a:extLst>
+                <a:ext uri="{FF2B5EF4-FFF2-40B4-BE49-F238E27FC236}">
+                  <a16:creationId xmlns:a16="http://schemas.microsoft.com/office/drawing/2014/main" id="{500A8CFA-E217-5448-823B-B25EAF134DD8}"/>
+                </a:ext>
+              </a:extLst>
+            </p:cNvPr>
+            <p:cNvPicPr>
+              <a:picLocks noChangeAspect="1"/>
+            </p:cNvPicPr>
+            <p:nvPr/>
+          </p:nvPicPr>
+          <p:blipFill>
+            <a:blip r:embed="rId3"/>
+            <a:stretch>
+              <a:fillRect/>
+            </a:stretch>
+          </p:blipFill>
+          <p:spPr>
+            <a:xfrm>
+              <a:off x="6096000" y="2209800"/>
+              <a:ext cx="5143500" cy="4165600"/>
+            </a:xfrm>
+            <a:prstGeom prst="rect">
+              <a:avLst/>
+            </a:prstGeom>
+          </p:spPr>
+        </p:pic>
+        <p:sp>
+          <p:nvSpPr>
+            <p:cNvPr id="17" name="Rectangle 16">
+              <a:extLst>
+                <a:ext uri="{FF2B5EF4-FFF2-40B4-BE49-F238E27FC236}">
+                  <a16:creationId xmlns:a16="http://schemas.microsoft.com/office/drawing/2014/main" id="{052A3F2B-6256-FA41-9FAF-0F5D42528253}"/>
+                </a:ext>
+              </a:extLst>
+            </p:cNvPr>
+            <p:cNvSpPr/>
+            <p:nvPr/>
+          </p:nvSpPr>
+          <p:spPr>
+            <a:xfrm>
+              <a:off x="7528605" y="3365230"/>
+              <a:ext cx="2278290" cy="1054370"/>
+            </a:xfrm>
+            <a:prstGeom prst="rect">
+              <a:avLst/>
+            </a:prstGeom>
+            <a:solidFill>
+              <a:schemeClr val="bg1"/>
+            </a:solidFill>
+            <a:ln>
+              <a:noFill/>
+            </a:ln>
+          </p:spPr>
+          <p:style>
+            <a:lnRef idx="2">
+              <a:schemeClr val="accent1">
+                <a:shade val="50000"/>
+              </a:schemeClr>
+            </a:lnRef>
+            <a:fillRef idx="1">
+              <a:schemeClr val="accent1"/>
+            </a:fillRef>
+            <a:effectRef idx="0">
+              <a:schemeClr val="accent1"/>
+            </a:effectRef>
+            <a:fontRef idx="minor">
+              <a:schemeClr val="lt1"/>
+            </a:fontRef>
+          </p:style>
+          <p:txBody>
+            <a:bodyPr rtlCol="0" anchor="ctr"/>
+            <a:lstStyle/>
+            <a:p>
+              <a:pPr algn="ctr"/>
+              <a:endParaRPr lang="en-US"/>
+            </a:p>
+          </p:txBody>
+        </p:sp>
+        <p:sp>
+          <p:nvSpPr>
+            <p:cNvPr id="18" name="TextBox 17">
+              <a:extLst>
+                <a:ext uri="{FF2B5EF4-FFF2-40B4-BE49-F238E27FC236}">
+                  <a16:creationId xmlns:a16="http://schemas.microsoft.com/office/drawing/2014/main" id="{C064CC16-D073-4B4A-90D9-35DA13B65EB3}"/>
+                </a:ext>
+              </a:extLst>
+            </p:cNvPr>
+            <p:cNvSpPr txBox="1"/>
+            <p:nvPr/>
+          </p:nvSpPr>
+          <p:spPr>
+            <a:xfrm>
+              <a:off x="7179355" y="3505174"/>
+              <a:ext cx="2976790" cy="523220"/>
+            </a:xfrm>
+            <a:prstGeom prst="rect">
+              <a:avLst/>
+            </a:prstGeom>
+            <a:noFill/>
+          </p:spPr>
+          <p:txBody>
+            <a:bodyPr wrap="square" rtlCol="0">
+              <a:spAutoFit/>
+            </a:bodyPr>
+            <a:lstStyle/>
+            <a:p>
+              <a:r>
+                <a:rPr lang="en-US" sz="2800" dirty="0">
+                  <a:latin typeface="Athelas" panose="02000503000000020003" pitchFamily="2" charset="77"/>
+                </a:rPr>
+                <a:t>Some of them do.</a:t>
+              </a:r>
+            </a:p>
+          </p:txBody>
+        </p:sp>
+      </p:grpSp>
+    </p:spTree>
+    <p:extLst>
+      <p:ext uri="{BB962C8B-B14F-4D97-AF65-F5344CB8AC3E}">
+        <p14:creationId xmlns:p14="http://schemas.microsoft.com/office/powerpoint/2010/main" val="3740798153"/>
+      </p:ext>
+    </p:extLst>
+  </p:cSld>
+  <p:clrMapOvr>
+    <a:masterClrMapping/>
+  </p:clrMapOvr>
+</p:sld>
+</file>
+
+<file path=ppt/slides/slide19.xml><?xml version="1.0" encoding="utf-8"?>
+<p:sld xmlns:a="http://schemas.openxmlformats.org/drawingml/2006/main" xmlns:r="http://schemas.openxmlformats.org/officeDocument/2006/relationships" xmlns:p="http://schemas.openxmlformats.org/presentationml/2006/main">
+  <p:cSld>
+    <p:spTree>
+      <p:nvGrpSpPr>
+        <p:cNvPr id="1" name=""/>
+        <p:cNvGrpSpPr/>
+        <p:nvPr/>
+      </p:nvGrpSpPr>
+      <p:grpSpPr>
+        <a:xfrm>
+          <a:off x="0" y="0"/>
+          <a:ext cx="0" cy="0"/>
+          <a:chOff x="0" y="0"/>
+          <a:chExt cx="0" cy="0"/>
+        </a:xfrm>
+      </p:grpSpPr>
+      <p:grpSp>
+        <p:nvGrpSpPr>
+          <p:cNvPr id="2" name="Group 1">
+            <a:extLst>
+              <a:ext uri="{FF2B5EF4-FFF2-40B4-BE49-F238E27FC236}">
+                <a16:creationId xmlns:a16="http://schemas.microsoft.com/office/drawing/2014/main" id="{081C359B-BE0A-C948-B52A-42B1019D2DA0}"/>
+              </a:ext>
+            </a:extLst>
+          </p:cNvPr>
+          <p:cNvGrpSpPr/>
+          <p:nvPr/>
+        </p:nvGrpSpPr>
+        <p:grpSpPr>
+          <a:xfrm>
+            <a:off x="6728356" y="254000"/>
+            <a:ext cx="5143500" cy="4165600"/>
+            <a:chOff x="6728356" y="254000"/>
+            <a:chExt cx="5143500" cy="4165600"/>
+          </a:xfrm>
+        </p:grpSpPr>
+        <p:pic>
+          <p:nvPicPr>
+            <p:cNvPr id="11" name="Picture 10" descr="Icon&#10;&#10;Description automatically generated">
+              <a:extLst>
+                <a:ext uri="{FF2B5EF4-FFF2-40B4-BE49-F238E27FC236}">
+                  <a16:creationId xmlns:a16="http://schemas.microsoft.com/office/drawing/2014/main" id="{162AF836-0719-A544-A345-1435B1D7D60E}"/>
+                </a:ext>
+              </a:extLst>
+            </p:cNvPr>
+            <p:cNvPicPr>
+              <a:picLocks noChangeAspect="1"/>
+            </p:cNvPicPr>
+            <p:nvPr/>
+          </p:nvPicPr>
+          <p:blipFill>
+            <a:blip r:embed="rId3"/>
+            <a:stretch>
+              <a:fillRect/>
+            </a:stretch>
+          </p:blipFill>
+          <p:spPr>
+            <a:xfrm>
+              <a:off x="6728356" y="254000"/>
+              <a:ext cx="5143500" cy="4165600"/>
+            </a:xfrm>
+            <a:prstGeom prst="rect">
+              <a:avLst/>
+            </a:prstGeom>
+          </p:spPr>
+        </p:pic>
+        <p:sp>
+          <p:nvSpPr>
+            <p:cNvPr id="12" name="Rectangle 11">
+              <a:extLst>
+                <a:ext uri="{FF2B5EF4-FFF2-40B4-BE49-F238E27FC236}">
+                  <a16:creationId xmlns:a16="http://schemas.microsoft.com/office/drawing/2014/main" id="{3BF093DB-CBA7-534F-A55B-B111C711CF35}"/>
+                </a:ext>
+              </a:extLst>
+            </p:cNvPr>
+            <p:cNvSpPr/>
+            <p:nvPr/>
+          </p:nvSpPr>
+          <p:spPr>
+            <a:xfrm>
+              <a:off x="8160961" y="1409430"/>
+              <a:ext cx="2278290" cy="1054370"/>
+            </a:xfrm>
+            <a:prstGeom prst="rect">
+              <a:avLst/>
+            </a:prstGeom>
+            <a:solidFill>
+              <a:schemeClr val="bg1"/>
+            </a:solidFill>
+            <a:ln>
+              <a:noFill/>
+            </a:ln>
+          </p:spPr>
+          <p:style>
+            <a:lnRef idx="2">
+              <a:schemeClr val="accent1">
+                <a:shade val="50000"/>
+              </a:schemeClr>
+            </a:lnRef>
+            <a:fillRef idx="1">
+              <a:schemeClr val="accent1"/>
+            </a:fillRef>
+            <a:effectRef idx="0">
+              <a:schemeClr val="accent1"/>
+            </a:effectRef>
+            <a:fontRef idx="minor">
+              <a:schemeClr val="lt1"/>
+            </a:fontRef>
+          </p:style>
+          <p:txBody>
+            <a:bodyPr rtlCol="0" anchor="ctr"/>
+            <a:lstStyle/>
+            <a:p>
+              <a:pPr algn="ctr"/>
+              <a:endParaRPr lang="en-US"/>
+            </a:p>
+          </p:txBody>
+        </p:sp>
+        <p:sp>
+          <p:nvSpPr>
+            <p:cNvPr id="13" name="TextBox 12">
+              <a:extLst>
+                <a:ext uri="{FF2B5EF4-FFF2-40B4-BE49-F238E27FC236}">
+                  <a16:creationId xmlns:a16="http://schemas.microsoft.com/office/drawing/2014/main" id="{46DD7442-A3A7-A94E-BBF7-05ACD8315C4E}"/>
+                </a:ext>
+              </a:extLst>
+            </p:cNvPr>
+            <p:cNvSpPr txBox="1"/>
+            <p:nvPr/>
+          </p:nvSpPr>
+          <p:spPr>
+            <a:xfrm>
+              <a:off x="7811711" y="1549374"/>
+              <a:ext cx="2976790" cy="523220"/>
+            </a:xfrm>
+            <a:prstGeom prst="rect">
+              <a:avLst/>
+            </a:prstGeom>
+            <a:noFill/>
+          </p:spPr>
+          <p:txBody>
+            <a:bodyPr wrap="square" rtlCol="0">
+              <a:spAutoFit/>
+            </a:bodyPr>
+            <a:lstStyle/>
+            <a:p>
+              <a:r>
+                <a:rPr lang="en-US" sz="2800" dirty="0">
+                  <a:latin typeface="Athelas" panose="02000503000000020003" pitchFamily="2" charset="77"/>
+                </a:rPr>
+                <a:t>None of them do.</a:t>
+              </a:r>
+            </a:p>
+          </p:txBody>
+        </p:sp>
+      </p:grpSp>
+      <p:grpSp>
+        <p:nvGrpSpPr>
+          <p:cNvPr id="19" name="Group 18">
+            <a:extLst>
+              <a:ext uri="{FF2B5EF4-FFF2-40B4-BE49-F238E27FC236}">
+                <a16:creationId xmlns:a16="http://schemas.microsoft.com/office/drawing/2014/main" id="{FD094D04-CE68-5847-B58F-2685B5FD6FEE}"/>
+              </a:ext>
+            </a:extLst>
+          </p:cNvPr>
+          <p:cNvGrpSpPr/>
+          <p:nvPr/>
+        </p:nvGrpSpPr>
+        <p:grpSpPr>
+          <a:xfrm>
+            <a:off x="320145" y="2273782"/>
+            <a:ext cx="5143500" cy="4165600"/>
+            <a:chOff x="410823" y="254000"/>
+            <a:chExt cx="5143500" cy="4165600"/>
+          </a:xfrm>
+        </p:grpSpPr>
+        <p:pic>
+          <p:nvPicPr>
+            <p:cNvPr id="20" name="Picture 19" descr="Icon&#10;&#10;Description automatically generated">
+              <a:extLst>
+                <a:ext uri="{FF2B5EF4-FFF2-40B4-BE49-F238E27FC236}">
+                  <a16:creationId xmlns:a16="http://schemas.microsoft.com/office/drawing/2014/main" id="{06AC679D-841D-934E-9740-01F718A17E26}"/>
+                </a:ext>
+              </a:extLst>
+            </p:cNvPr>
+            <p:cNvPicPr>
+              <a:picLocks noChangeAspect="1"/>
+            </p:cNvPicPr>
+            <p:nvPr/>
+          </p:nvPicPr>
+          <p:blipFill>
+            <a:blip r:embed="rId3"/>
+            <a:stretch>
+              <a:fillRect/>
+            </a:stretch>
+          </p:blipFill>
+          <p:spPr>
+            <a:xfrm>
+              <a:off x="410823" y="254000"/>
+              <a:ext cx="5143500" cy="4165600"/>
+            </a:xfrm>
+            <a:prstGeom prst="rect">
+              <a:avLst/>
+            </a:prstGeom>
+          </p:spPr>
+        </p:pic>
+        <p:sp>
+          <p:nvSpPr>
+            <p:cNvPr id="21" name="Rectangle 20">
+              <a:extLst>
+                <a:ext uri="{FF2B5EF4-FFF2-40B4-BE49-F238E27FC236}">
+                  <a16:creationId xmlns:a16="http://schemas.microsoft.com/office/drawing/2014/main" id="{79DDFE6D-323C-544E-83FB-F63B8E04AB4A}"/>
+                </a:ext>
+              </a:extLst>
+            </p:cNvPr>
+            <p:cNvSpPr/>
+            <p:nvPr/>
+          </p:nvSpPr>
+          <p:spPr>
+            <a:xfrm>
+              <a:off x="1843428" y="1409430"/>
+              <a:ext cx="2278290" cy="1054370"/>
+            </a:xfrm>
+            <a:prstGeom prst="rect">
+              <a:avLst/>
+            </a:prstGeom>
+            <a:solidFill>
+              <a:schemeClr val="bg1"/>
+            </a:solidFill>
+            <a:ln>
+              <a:noFill/>
+            </a:ln>
+          </p:spPr>
+          <p:style>
+            <a:lnRef idx="2">
+              <a:schemeClr val="accent1">
+                <a:shade val="50000"/>
+              </a:schemeClr>
+            </a:lnRef>
+            <a:fillRef idx="1">
+              <a:schemeClr val="accent1"/>
+            </a:fillRef>
+            <a:effectRef idx="0">
+              <a:schemeClr val="accent1"/>
+            </a:effectRef>
+            <a:fontRef idx="minor">
+              <a:schemeClr val="lt1"/>
+            </a:fontRef>
+          </p:style>
+          <p:txBody>
+            <a:bodyPr rtlCol="0" anchor="ctr"/>
+            <a:lstStyle/>
+            <a:p>
+              <a:pPr algn="ctr"/>
+              <a:endParaRPr lang="en-US"/>
+            </a:p>
+          </p:txBody>
+        </p:sp>
+        <p:sp>
+          <p:nvSpPr>
+            <p:cNvPr id="22" name="TextBox 21">
+              <a:extLst>
+                <a:ext uri="{FF2B5EF4-FFF2-40B4-BE49-F238E27FC236}">
+                  <a16:creationId xmlns:a16="http://schemas.microsoft.com/office/drawing/2014/main" id="{09BC1C99-74BA-C341-BC88-49A09069CA9A}"/>
+                </a:ext>
+              </a:extLst>
+            </p:cNvPr>
+            <p:cNvSpPr txBox="1"/>
+            <p:nvPr/>
+          </p:nvSpPr>
+          <p:spPr>
+            <a:xfrm>
+              <a:off x="1494178" y="1549374"/>
+              <a:ext cx="2976790" cy="523220"/>
+            </a:xfrm>
+            <a:prstGeom prst="rect">
+              <a:avLst/>
+            </a:prstGeom>
+            <a:noFill/>
+          </p:spPr>
+          <p:txBody>
+            <a:bodyPr wrap="square" rtlCol="0">
+              <a:spAutoFit/>
+            </a:bodyPr>
+            <a:lstStyle/>
+            <a:p>
+              <a:r>
+                <a:rPr lang="en-US" sz="2800" dirty="0">
+                  <a:latin typeface="Athelas" panose="02000503000000020003" pitchFamily="2" charset="77"/>
+                </a:rPr>
+                <a:t>All of them do.</a:t>
+              </a:r>
+            </a:p>
+          </p:txBody>
+        </p:sp>
+      </p:grpSp>
+    </p:spTree>
+    <p:extLst>
+      <p:ext uri="{BB962C8B-B14F-4D97-AF65-F5344CB8AC3E}">
+        <p14:creationId xmlns:p14="http://schemas.microsoft.com/office/powerpoint/2010/main" val="578936931"/>
       </p:ext>
     </p:extLst>
   </p:cSld>

--- a/experiments/05_forced_choice/images/phone_pictures.pptx
+++ b/experiments/05_forced_choice/images/phone_pictures.pptx
@@ -9412,10 +9412,10 @@
       </p:grpSpPr>
       <p:grpSp>
         <p:nvGrpSpPr>
-          <p:cNvPr id="44" name="Group 43">
+          <p:cNvPr id="6" name="Group 5">
             <a:extLst>
               <a:ext uri="{FF2B5EF4-FFF2-40B4-BE49-F238E27FC236}">
-                <a16:creationId xmlns:a16="http://schemas.microsoft.com/office/drawing/2014/main" id="{C661D8B6-AD13-8F49-B4EF-97275ABF98CE}"/>
+                <a16:creationId xmlns:a16="http://schemas.microsoft.com/office/drawing/2014/main" id="{1FA3D4A5-B3DC-754A-BFD2-1005A4305402}"/>
               </a:ext>
             </a:extLst>
           </p:cNvPr>
@@ -9424,484 +9424,557 @@
         </p:nvGrpSpPr>
         <p:grpSpPr>
           <a:xfrm>
-            <a:off x="896112" y="436557"/>
-            <a:ext cx="2944042" cy="5693107"/>
-            <a:chOff x="61787" y="404755"/>
-            <a:chExt cx="2944042" cy="5693107"/>
+            <a:off x="896112" y="436556"/>
+            <a:ext cx="2944042" cy="5693108"/>
+            <a:chOff x="896112" y="436556"/>
+            <a:chExt cx="2944042" cy="5693108"/>
           </a:xfrm>
         </p:grpSpPr>
-        <p:sp>
-          <p:nvSpPr>
-            <p:cNvPr id="45" name="Rounded Rectangle 44">
-              <a:extLst>
-                <a:ext uri="{FF2B5EF4-FFF2-40B4-BE49-F238E27FC236}">
-                  <a16:creationId xmlns:a16="http://schemas.microsoft.com/office/drawing/2014/main" id="{14EDB1EB-8A08-9642-A68A-3D29EB9F0761}"/>
-                </a:ext>
-              </a:extLst>
-            </p:cNvPr>
-            <p:cNvSpPr/>
-            <p:nvPr/>
-          </p:nvSpPr>
-          <p:spPr>
-            <a:xfrm>
-              <a:off x="96608" y="404755"/>
-              <a:ext cx="2875265" cy="5693107"/>
-            </a:xfrm>
-            <a:prstGeom prst="roundRect">
-              <a:avLst/>
-            </a:prstGeom>
-            <a:solidFill>
-              <a:schemeClr val="tx1"/>
-            </a:solidFill>
-            <a:ln>
+        <p:grpSp>
+          <p:nvGrpSpPr>
+            <p:cNvPr id="44" name="Group 43">
+              <a:extLst>
+                <a:ext uri="{FF2B5EF4-FFF2-40B4-BE49-F238E27FC236}">
+                  <a16:creationId xmlns:a16="http://schemas.microsoft.com/office/drawing/2014/main" id="{C661D8B6-AD13-8F49-B4EF-97275ABF98CE}"/>
+                </a:ext>
+              </a:extLst>
+            </p:cNvPr>
+            <p:cNvGrpSpPr/>
+            <p:nvPr/>
+          </p:nvGrpSpPr>
+          <p:grpSpPr>
+            <a:xfrm>
+              <a:off x="896112" y="436557"/>
+              <a:ext cx="2944042" cy="5693107"/>
+              <a:chOff x="61787" y="404755"/>
+              <a:chExt cx="2944042" cy="5693107"/>
+            </a:xfrm>
+          </p:grpSpPr>
+          <p:sp>
+            <p:nvSpPr>
+              <p:cNvPr id="45" name="Rounded Rectangle 44">
+                <a:extLst>
+                  <a:ext uri="{FF2B5EF4-FFF2-40B4-BE49-F238E27FC236}">
+                    <a16:creationId xmlns:a16="http://schemas.microsoft.com/office/drawing/2014/main" id="{14EDB1EB-8A08-9642-A68A-3D29EB9F0761}"/>
+                  </a:ext>
+                </a:extLst>
+              </p:cNvPr>
+              <p:cNvSpPr/>
+              <p:nvPr/>
+            </p:nvSpPr>
+            <p:spPr>
+              <a:xfrm>
+                <a:off x="96608" y="404755"/>
+                <a:ext cx="2875265" cy="5693107"/>
+              </a:xfrm>
+              <a:prstGeom prst="roundRect">
+                <a:avLst/>
+              </a:prstGeom>
               <a:solidFill>
                 <a:schemeClr val="tx1"/>
               </a:solidFill>
-            </a:ln>
-          </p:spPr>
-          <p:style>
-            <a:lnRef idx="2">
-              <a:schemeClr val="accent1">
-                <a:shade val="50000"/>
-              </a:schemeClr>
-            </a:lnRef>
-            <a:fillRef idx="1">
-              <a:schemeClr val="accent1"/>
-            </a:fillRef>
-            <a:effectRef idx="0">
-              <a:schemeClr val="accent1"/>
-            </a:effectRef>
-            <a:fontRef idx="minor">
-              <a:schemeClr val="lt1"/>
-            </a:fontRef>
-          </p:style>
-          <p:txBody>
-            <a:bodyPr rtlCol="0" anchor="ctr"/>
-            <a:lstStyle/>
-            <a:p>
-              <a:pPr algn="ctr"/>
-              <a:endParaRPr lang="en-US"/>
-            </a:p>
-          </p:txBody>
-        </p:sp>
-        <p:sp>
-          <p:nvSpPr>
-            <p:cNvPr id="46" name="Rounded Rectangle 45">
-              <a:extLst>
-                <a:ext uri="{FF2B5EF4-FFF2-40B4-BE49-F238E27FC236}">
-                  <a16:creationId xmlns:a16="http://schemas.microsoft.com/office/drawing/2014/main" id="{5E52F745-13B3-8344-A1B0-43D84FFF72FE}"/>
-                </a:ext>
-              </a:extLst>
-            </p:cNvPr>
-            <p:cNvSpPr/>
-            <p:nvPr/>
-          </p:nvSpPr>
-          <p:spPr>
-            <a:xfrm>
-              <a:off x="192561" y="498764"/>
-              <a:ext cx="2682494" cy="5510463"/>
-            </a:xfrm>
-            <a:prstGeom prst="roundRect">
-              <a:avLst/>
-            </a:prstGeom>
-            <a:solidFill>
-              <a:schemeClr val="bg1"/>
-            </a:solidFill>
-            <a:ln>
+              <a:ln>
+                <a:solidFill>
+                  <a:schemeClr val="tx1"/>
+                </a:solidFill>
+              </a:ln>
+            </p:spPr>
+            <p:style>
+              <a:lnRef idx="2">
+                <a:schemeClr val="accent1">
+                  <a:shade val="50000"/>
+                </a:schemeClr>
+              </a:lnRef>
+              <a:fillRef idx="1">
+                <a:schemeClr val="accent1"/>
+              </a:fillRef>
+              <a:effectRef idx="0">
+                <a:schemeClr val="accent1"/>
+              </a:effectRef>
+              <a:fontRef idx="minor">
+                <a:schemeClr val="lt1"/>
+              </a:fontRef>
+            </p:style>
+            <p:txBody>
+              <a:bodyPr rtlCol="0" anchor="ctr"/>
+              <a:lstStyle/>
+              <a:p>
+                <a:pPr algn="ctr"/>
+                <a:endParaRPr lang="en-US"/>
+              </a:p>
+            </p:txBody>
+          </p:sp>
+          <p:sp>
+            <p:nvSpPr>
+              <p:cNvPr id="46" name="Rounded Rectangle 45">
+                <a:extLst>
+                  <a:ext uri="{FF2B5EF4-FFF2-40B4-BE49-F238E27FC236}">
+                    <a16:creationId xmlns:a16="http://schemas.microsoft.com/office/drawing/2014/main" id="{5E52F745-13B3-8344-A1B0-43D84FFF72FE}"/>
+                  </a:ext>
+                </a:extLst>
+              </p:cNvPr>
+              <p:cNvSpPr/>
+              <p:nvPr/>
+            </p:nvSpPr>
+            <p:spPr>
+              <a:xfrm>
+                <a:off x="192561" y="498764"/>
+                <a:ext cx="2682494" cy="5510463"/>
+              </a:xfrm>
+              <a:prstGeom prst="roundRect">
+                <a:avLst/>
+              </a:prstGeom>
+              <a:solidFill>
+                <a:schemeClr val="bg1"/>
+              </a:solidFill>
+              <a:ln>
+                <a:solidFill>
+                  <a:schemeClr val="tx1"/>
+                </a:solidFill>
+              </a:ln>
+            </p:spPr>
+            <p:style>
+              <a:lnRef idx="2">
+                <a:schemeClr val="accent1">
+                  <a:shade val="50000"/>
+                </a:schemeClr>
+              </a:lnRef>
+              <a:fillRef idx="1">
+                <a:schemeClr val="accent1"/>
+              </a:fillRef>
+              <a:effectRef idx="0">
+                <a:schemeClr val="accent1"/>
+              </a:effectRef>
+              <a:fontRef idx="minor">
+                <a:schemeClr val="lt1"/>
+              </a:fontRef>
+            </p:style>
+            <p:txBody>
+              <a:bodyPr rtlCol="0" anchor="ctr"/>
+              <a:lstStyle/>
+              <a:p>
+                <a:pPr algn="ctr"/>
+                <a:endParaRPr lang="en-US"/>
+              </a:p>
+            </p:txBody>
+          </p:sp>
+          <p:sp>
+            <p:nvSpPr>
+              <p:cNvPr id="47" name="Rounded Rectangle 46">
+                <a:extLst>
+                  <a:ext uri="{FF2B5EF4-FFF2-40B4-BE49-F238E27FC236}">
+                    <a16:creationId xmlns:a16="http://schemas.microsoft.com/office/drawing/2014/main" id="{803A0F58-5F3A-9B4F-83E4-63021D220D14}"/>
+                  </a:ext>
+                </a:extLst>
+              </p:cNvPr>
+              <p:cNvSpPr/>
+              <p:nvPr/>
+            </p:nvSpPr>
+            <p:spPr>
+              <a:xfrm>
+                <a:off x="967495" y="441175"/>
+                <a:ext cx="1132625" cy="326101"/>
+              </a:xfrm>
+              <a:prstGeom prst="roundRect">
+                <a:avLst>
+                  <a:gd name="adj" fmla="val 41146"/>
+                </a:avLst>
+              </a:prstGeom>
               <a:solidFill>
                 <a:schemeClr val="tx1"/>
               </a:solidFill>
-            </a:ln>
-          </p:spPr>
-          <p:style>
-            <a:lnRef idx="2">
-              <a:schemeClr val="accent1">
-                <a:shade val="50000"/>
-              </a:schemeClr>
-            </a:lnRef>
-            <a:fillRef idx="1">
-              <a:schemeClr val="accent1"/>
-            </a:fillRef>
-            <a:effectRef idx="0">
-              <a:schemeClr val="accent1"/>
-            </a:effectRef>
-            <a:fontRef idx="minor">
-              <a:schemeClr val="lt1"/>
-            </a:fontRef>
-          </p:style>
-          <p:txBody>
-            <a:bodyPr rtlCol="0" anchor="ctr"/>
-            <a:lstStyle/>
-            <a:p>
-              <a:pPr algn="ctr"/>
-              <a:endParaRPr lang="en-US"/>
-            </a:p>
-          </p:txBody>
-        </p:sp>
-        <p:sp>
-          <p:nvSpPr>
-            <p:cNvPr id="47" name="Rounded Rectangle 46">
-              <a:extLst>
-                <a:ext uri="{FF2B5EF4-FFF2-40B4-BE49-F238E27FC236}">
-                  <a16:creationId xmlns:a16="http://schemas.microsoft.com/office/drawing/2014/main" id="{803A0F58-5F3A-9B4F-83E4-63021D220D14}"/>
-                </a:ext>
-              </a:extLst>
-            </p:cNvPr>
-            <p:cNvSpPr/>
-            <p:nvPr/>
-          </p:nvSpPr>
-          <p:spPr>
-            <a:xfrm>
-              <a:off x="967495" y="441175"/>
-              <a:ext cx="1132625" cy="326101"/>
-            </a:xfrm>
-            <a:prstGeom prst="roundRect">
-              <a:avLst>
-                <a:gd name="adj" fmla="val 41146"/>
-              </a:avLst>
-            </a:prstGeom>
-            <a:solidFill>
-              <a:schemeClr val="tx1"/>
-            </a:solidFill>
-            <a:ln>
+              <a:ln>
+                <a:solidFill>
+                  <a:schemeClr val="tx1"/>
+                </a:solidFill>
+              </a:ln>
+            </p:spPr>
+            <p:style>
+              <a:lnRef idx="2">
+                <a:schemeClr val="accent1">
+                  <a:shade val="50000"/>
+                </a:schemeClr>
+              </a:lnRef>
+              <a:fillRef idx="1">
+                <a:schemeClr val="accent1"/>
+              </a:fillRef>
+              <a:effectRef idx="0">
+                <a:schemeClr val="accent1"/>
+              </a:effectRef>
+              <a:fontRef idx="minor">
+                <a:schemeClr val="lt1"/>
+              </a:fontRef>
+            </p:style>
+            <p:txBody>
+              <a:bodyPr rtlCol="0" anchor="ctr"/>
+              <a:lstStyle/>
+              <a:p>
+                <a:pPr algn="ctr"/>
+                <a:endParaRPr lang="en-US"/>
+              </a:p>
+            </p:txBody>
+          </p:sp>
+          <p:sp>
+            <p:nvSpPr>
+              <p:cNvPr id="48" name="Rounded Rectangle 47">
+                <a:extLst>
+                  <a:ext uri="{FF2B5EF4-FFF2-40B4-BE49-F238E27FC236}">
+                    <a16:creationId xmlns:a16="http://schemas.microsoft.com/office/drawing/2014/main" id="{C10DBF82-EB8E-EF40-9368-87D09B7F514B}"/>
+                  </a:ext>
+                </a:extLst>
+              </p:cNvPr>
+              <p:cNvSpPr/>
+              <p:nvPr/>
+            </p:nvSpPr>
+            <p:spPr>
+              <a:xfrm>
+                <a:off x="967495" y="431974"/>
+                <a:ext cx="1132625" cy="172251"/>
+              </a:xfrm>
+              <a:prstGeom prst="roundRect">
+                <a:avLst>
+                  <a:gd name="adj" fmla="val 0"/>
+                </a:avLst>
+              </a:prstGeom>
               <a:solidFill>
                 <a:schemeClr val="tx1"/>
               </a:solidFill>
-            </a:ln>
-          </p:spPr>
-          <p:style>
-            <a:lnRef idx="2">
-              <a:schemeClr val="accent1">
-                <a:shade val="50000"/>
-              </a:schemeClr>
-            </a:lnRef>
-            <a:fillRef idx="1">
-              <a:schemeClr val="accent1"/>
-            </a:fillRef>
-            <a:effectRef idx="0">
-              <a:schemeClr val="accent1"/>
-            </a:effectRef>
-            <a:fontRef idx="minor">
-              <a:schemeClr val="lt1"/>
-            </a:fontRef>
-          </p:style>
-          <p:txBody>
-            <a:bodyPr rtlCol="0" anchor="ctr"/>
-            <a:lstStyle/>
-            <a:p>
-              <a:pPr algn="ctr"/>
-              <a:endParaRPr lang="en-US"/>
-            </a:p>
-          </p:txBody>
-        </p:sp>
-        <p:sp>
-          <p:nvSpPr>
-            <p:cNvPr id="48" name="Rounded Rectangle 47">
-              <a:extLst>
-                <a:ext uri="{FF2B5EF4-FFF2-40B4-BE49-F238E27FC236}">
-                  <a16:creationId xmlns:a16="http://schemas.microsoft.com/office/drawing/2014/main" id="{C10DBF82-EB8E-EF40-9368-87D09B7F514B}"/>
-                </a:ext>
-              </a:extLst>
-            </p:cNvPr>
-            <p:cNvSpPr/>
-            <p:nvPr/>
-          </p:nvSpPr>
-          <p:spPr>
-            <a:xfrm>
-              <a:off x="967495" y="431974"/>
-              <a:ext cx="1132625" cy="172251"/>
-            </a:xfrm>
-            <a:prstGeom prst="roundRect">
-              <a:avLst>
-                <a:gd name="adj" fmla="val 0"/>
-              </a:avLst>
-            </a:prstGeom>
-            <a:solidFill>
-              <a:schemeClr val="tx1"/>
-            </a:solidFill>
-            <a:ln>
+              <a:ln>
+                <a:solidFill>
+                  <a:schemeClr val="tx1"/>
+                </a:solidFill>
+              </a:ln>
+            </p:spPr>
+            <p:style>
+              <a:lnRef idx="2">
+                <a:schemeClr val="accent1">
+                  <a:shade val="50000"/>
+                </a:schemeClr>
+              </a:lnRef>
+              <a:fillRef idx="1">
+                <a:schemeClr val="accent1"/>
+              </a:fillRef>
+              <a:effectRef idx="0">
+                <a:schemeClr val="accent1"/>
+              </a:effectRef>
+              <a:fontRef idx="minor">
+                <a:schemeClr val="lt1"/>
+              </a:fontRef>
+            </p:style>
+            <p:txBody>
+              <a:bodyPr rtlCol="0" anchor="ctr"/>
+              <a:lstStyle/>
+              <a:p>
+                <a:pPr algn="ctr"/>
+                <a:endParaRPr lang="en-US"/>
+              </a:p>
+            </p:txBody>
+          </p:sp>
+          <p:sp>
+            <p:nvSpPr>
+              <p:cNvPr id="49" name="TextBox 48">
+                <a:extLst>
+                  <a:ext uri="{FF2B5EF4-FFF2-40B4-BE49-F238E27FC236}">
+                    <a16:creationId xmlns:a16="http://schemas.microsoft.com/office/drawing/2014/main" id="{E900CD87-815D-D54E-BBB9-56EE9B434648}"/>
+                  </a:ext>
+                </a:extLst>
+              </p:cNvPr>
+              <p:cNvSpPr txBox="1"/>
+              <p:nvPr/>
+            </p:nvSpPr>
+            <p:spPr>
+              <a:xfrm>
+                <a:off x="292122" y="1490782"/>
+                <a:ext cx="2463800" cy="1384995"/>
+              </a:xfrm>
+              <a:prstGeom prst="rect">
+                <a:avLst/>
+              </a:prstGeom>
+              <a:noFill/>
+            </p:spPr>
+            <p:txBody>
+              <a:bodyPr wrap="square" rtlCol="0">
+                <a:spAutoFit/>
+              </a:bodyPr>
+              <a:lstStyle/>
+              <a:p>
+                <a:r>
+                  <a:rPr lang="en-US" sz="2800" dirty="0">
+                    <a:latin typeface="Times" pitchFamily="2" charset="0"/>
+                  </a:rPr>
+                  <a:t>rest. 1:         yes</a:t>
+                </a:r>
+              </a:p>
+              <a:p>
+                <a:r>
+                  <a:rPr lang="en-US" sz="2800" dirty="0">
+                    <a:latin typeface="Times" pitchFamily="2" charset="0"/>
+                  </a:rPr>
+                  <a:t>rest. 2:          no</a:t>
+                </a:r>
+              </a:p>
+              <a:p>
+                <a:r>
+                  <a:rPr lang="en-US" sz="2800" dirty="0">
+                    <a:latin typeface="Times" pitchFamily="2" charset="0"/>
+                  </a:rPr>
+                  <a:t>rest. 3:         yes</a:t>
+                </a:r>
+              </a:p>
+            </p:txBody>
+          </p:sp>
+          <p:sp>
+            <p:nvSpPr>
+              <p:cNvPr id="50" name="Rounded Rectangle 49">
+                <a:extLst>
+                  <a:ext uri="{FF2B5EF4-FFF2-40B4-BE49-F238E27FC236}">
+                    <a16:creationId xmlns:a16="http://schemas.microsoft.com/office/drawing/2014/main" id="{8BC469F0-D055-6D48-BBA6-9E2CA6E13398}"/>
+                  </a:ext>
+                </a:extLst>
+              </p:cNvPr>
+              <p:cNvSpPr/>
+              <p:nvPr/>
+            </p:nvSpPr>
+            <p:spPr>
+              <a:xfrm>
+                <a:off x="61787" y="1364087"/>
+                <a:ext cx="119627" cy="326101"/>
+              </a:xfrm>
+              <a:prstGeom prst="roundRect">
+                <a:avLst>
+                  <a:gd name="adj" fmla="val 41146"/>
+                </a:avLst>
+              </a:prstGeom>
               <a:solidFill>
                 <a:schemeClr val="tx1"/>
               </a:solidFill>
-            </a:ln>
-          </p:spPr>
-          <p:style>
-            <a:lnRef idx="2">
-              <a:schemeClr val="accent1">
-                <a:shade val="50000"/>
-              </a:schemeClr>
-            </a:lnRef>
-            <a:fillRef idx="1">
-              <a:schemeClr val="accent1"/>
-            </a:fillRef>
-            <a:effectRef idx="0">
-              <a:schemeClr val="accent1"/>
-            </a:effectRef>
-            <a:fontRef idx="minor">
-              <a:schemeClr val="lt1"/>
-            </a:fontRef>
-          </p:style>
-          <p:txBody>
-            <a:bodyPr rtlCol="0" anchor="ctr"/>
-            <a:lstStyle/>
-            <a:p>
-              <a:pPr algn="ctr"/>
-              <a:endParaRPr lang="en-US"/>
-            </a:p>
-          </p:txBody>
-        </p:sp>
-        <p:sp>
-          <p:nvSpPr>
-            <p:cNvPr id="49" name="TextBox 48">
-              <a:extLst>
-                <a:ext uri="{FF2B5EF4-FFF2-40B4-BE49-F238E27FC236}">
-                  <a16:creationId xmlns:a16="http://schemas.microsoft.com/office/drawing/2014/main" id="{E900CD87-815D-D54E-BBB9-56EE9B434648}"/>
-                </a:ext>
-              </a:extLst>
-            </p:cNvPr>
-            <p:cNvSpPr txBox="1"/>
-            <p:nvPr/>
-          </p:nvSpPr>
-          <p:spPr>
-            <a:xfrm>
-              <a:off x="292122" y="1490782"/>
-              <a:ext cx="2463800" cy="1384995"/>
+              <a:ln>
+                <a:solidFill>
+                  <a:schemeClr val="tx1"/>
+                </a:solidFill>
+              </a:ln>
+            </p:spPr>
+            <p:style>
+              <a:lnRef idx="2">
+                <a:schemeClr val="accent1">
+                  <a:shade val="50000"/>
+                </a:schemeClr>
+              </a:lnRef>
+              <a:fillRef idx="1">
+                <a:schemeClr val="accent1"/>
+              </a:fillRef>
+              <a:effectRef idx="0">
+                <a:schemeClr val="accent1"/>
+              </a:effectRef>
+              <a:fontRef idx="minor">
+                <a:schemeClr val="lt1"/>
+              </a:fontRef>
+            </p:style>
+            <p:txBody>
+              <a:bodyPr rtlCol="0" anchor="ctr"/>
+              <a:lstStyle/>
+              <a:p>
+                <a:pPr algn="ctr"/>
+                <a:endParaRPr lang="en-US"/>
+              </a:p>
+            </p:txBody>
+          </p:sp>
+          <p:sp>
+            <p:nvSpPr>
+              <p:cNvPr id="51" name="Rounded Rectangle 50">
+                <a:extLst>
+                  <a:ext uri="{FF2B5EF4-FFF2-40B4-BE49-F238E27FC236}">
+                    <a16:creationId xmlns:a16="http://schemas.microsoft.com/office/drawing/2014/main" id="{C317381A-8A74-B047-AD9D-19D7851AAF44}"/>
+                  </a:ext>
+                </a:extLst>
+              </p:cNvPr>
+              <p:cNvSpPr/>
+              <p:nvPr/>
+            </p:nvSpPr>
+            <p:spPr>
+              <a:xfrm>
+                <a:off x="2886202" y="1333751"/>
+                <a:ext cx="119627" cy="326101"/>
+              </a:xfrm>
+              <a:prstGeom prst="roundRect">
+                <a:avLst>
+                  <a:gd name="adj" fmla="val 41146"/>
+                </a:avLst>
+              </a:prstGeom>
+              <a:solidFill>
+                <a:schemeClr val="tx1"/>
+              </a:solidFill>
+              <a:ln>
+                <a:solidFill>
+                  <a:schemeClr val="tx1"/>
+                </a:solidFill>
+              </a:ln>
+            </p:spPr>
+            <p:style>
+              <a:lnRef idx="2">
+                <a:schemeClr val="accent1">
+                  <a:shade val="50000"/>
+                </a:schemeClr>
+              </a:lnRef>
+              <a:fillRef idx="1">
+                <a:schemeClr val="accent1"/>
+              </a:fillRef>
+              <a:effectRef idx="0">
+                <a:schemeClr val="accent1"/>
+              </a:effectRef>
+              <a:fontRef idx="minor">
+                <a:schemeClr val="lt1"/>
+              </a:fontRef>
+            </p:style>
+            <p:txBody>
+              <a:bodyPr rtlCol="0" anchor="ctr"/>
+              <a:lstStyle/>
+              <a:p>
+                <a:pPr algn="ctr"/>
+                <a:endParaRPr lang="en-US"/>
+              </a:p>
+            </p:txBody>
+          </p:sp>
+          <p:sp>
+            <p:nvSpPr>
+              <p:cNvPr id="52" name="Rounded Rectangle 51">
+                <a:extLst>
+                  <a:ext uri="{FF2B5EF4-FFF2-40B4-BE49-F238E27FC236}">
+                    <a16:creationId xmlns:a16="http://schemas.microsoft.com/office/drawing/2014/main" id="{CAB2B5C6-0307-954C-8066-86F0EEDB73CF}"/>
+                  </a:ext>
+                </a:extLst>
+              </p:cNvPr>
+              <p:cNvSpPr/>
+              <p:nvPr/>
+            </p:nvSpPr>
+            <p:spPr>
+              <a:xfrm>
+                <a:off x="2886202" y="1742570"/>
+                <a:ext cx="119627" cy="326101"/>
+              </a:xfrm>
+              <a:prstGeom prst="roundRect">
+                <a:avLst>
+                  <a:gd name="adj" fmla="val 41146"/>
+                </a:avLst>
+              </a:prstGeom>
+              <a:solidFill>
+                <a:schemeClr val="tx1"/>
+              </a:solidFill>
+              <a:ln>
+                <a:solidFill>
+                  <a:schemeClr val="tx1"/>
+                </a:solidFill>
+              </a:ln>
+            </p:spPr>
+            <p:style>
+              <a:lnRef idx="2">
+                <a:schemeClr val="accent1">
+                  <a:shade val="50000"/>
+                </a:schemeClr>
+              </a:lnRef>
+              <a:fillRef idx="1">
+                <a:schemeClr val="accent1"/>
+              </a:fillRef>
+              <a:effectRef idx="0">
+                <a:schemeClr val="accent1"/>
+              </a:effectRef>
+              <a:fontRef idx="minor">
+                <a:schemeClr val="lt1"/>
+              </a:fontRef>
+            </p:style>
+            <p:txBody>
+              <a:bodyPr rtlCol="0" anchor="ctr"/>
+              <a:lstStyle/>
+              <a:p>
+                <a:pPr algn="ctr"/>
+                <a:endParaRPr lang="en-US"/>
+              </a:p>
+            </p:txBody>
+          </p:sp>
+          <p:sp>
+            <p:nvSpPr>
+              <p:cNvPr id="53" name="Rounded Rectangle 52">
+                <a:extLst>
+                  <a:ext uri="{FF2B5EF4-FFF2-40B4-BE49-F238E27FC236}">
+                    <a16:creationId xmlns:a16="http://schemas.microsoft.com/office/drawing/2014/main" id="{23D81C57-BD90-B249-8B53-5EC9E0134B85}"/>
+                  </a:ext>
+                </a:extLst>
+              </p:cNvPr>
+              <p:cNvSpPr/>
+              <p:nvPr/>
+            </p:nvSpPr>
+            <p:spPr>
+              <a:xfrm>
+                <a:off x="335417" y="971905"/>
+                <a:ext cx="2396779" cy="279975"/>
+              </a:xfrm>
+              <a:prstGeom prst="roundRect">
+                <a:avLst>
+                  <a:gd name="adj" fmla="val 50000"/>
+                </a:avLst>
+              </a:prstGeom>
+              <a:solidFill>
+                <a:schemeClr val="tx2">
+                  <a:lumMod val="20000"/>
+                  <a:lumOff val="80000"/>
+                </a:schemeClr>
+              </a:solidFill>
+              <a:ln>
+                <a:solidFill>
+                  <a:schemeClr val="tx1"/>
+                </a:solidFill>
+              </a:ln>
+            </p:spPr>
+            <p:style>
+              <a:lnRef idx="2">
+                <a:schemeClr val="accent1">
+                  <a:shade val="50000"/>
+                </a:schemeClr>
+              </a:lnRef>
+              <a:fillRef idx="1">
+                <a:schemeClr val="accent1"/>
+              </a:fillRef>
+              <a:effectRef idx="0">
+                <a:schemeClr val="accent1"/>
+              </a:effectRef>
+              <a:fontRef idx="minor">
+                <a:schemeClr val="lt1"/>
+              </a:fontRef>
+            </p:style>
+            <p:txBody>
+              <a:bodyPr rtlCol="0" anchor="ctr"/>
+              <a:lstStyle/>
+              <a:p>
+                <a:pPr algn="ctr"/>
+                <a:endParaRPr lang="en-US"/>
+              </a:p>
+            </p:txBody>
+          </p:sp>
+        </p:grpSp>
+        <p:sp>
+          <p:nvSpPr>
+            <p:cNvPr id="5" name="Rectangle 4">
+              <a:extLst>
+                <a:ext uri="{FF2B5EF4-FFF2-40B4-BE49-F238E27FC236}">
+                  <a16:creationId xmlns:a16="http://schemas.microsoft.com/office/drawing/2014/main" id="{D8F5E2B0-7502-0B44-8469-DA20A4BA4E71}"/>
+                </a:ext>
+              </a:extLst>
+            </p:cNvPr>
+            <p:cNvSpPr/>
+            <p:nvPr/>
+          </p:nvSpPr>
+          <p:spPr>
+            <a:xfrm>
+              <a:off x="896112" y="436556"/>
+              <a:ext cx="2944042" cy="5693108"/>
             </a:xfrm>
             <a:prstGeom prst="rect">
               <a:avLst/>
             </a:prstGeom>
             <a:noFill/>
-          </p:spPr>
-          <p:txBody>
-            <a:bodyPr wrap="square" rtlCol="0">
-              <a:spAutoFit/>
-            </a:bodyPr>
-            <a:lstStyle/>
-            <a:p>
-              <a:r>
-                <a:rPr lang="en-US" sz="2800" dirty="0">
-                  <a:latin typeface="Times" pitchFamily="2" charset="0"/>
-                </a:rPr>
-                <a:t>rest. 1:         yes</a:t>
-              </a:r>
-            </a:p>
-            <a:p>
-              <a:r>
-                <a:rPr lang="en-US" sz="2800" dirty="0">
-                  <a:latin typeface="Times" pitchFamily="2" charset="0"/>
-                </a:rPr>
-                <a:t>rest. 2:          no</a:t>
-              </a:r>
-            </a:p>
-            <a:p>
-              <a:r>
-                <a:rPr lang="en-US" sz="2800" dirty="0">
-                  <a:latin typeface="Times" pitchFamily="2" charset="0"/>
-                </a:rPr>
-                <a:t>rest. 3:         yes</a:t>
-              </a:r>
-            </a:p>
-          </p:txBody>
-        </p:sp>
-        <p:sp>
-          <p:nvSpPr>
-            <p:cNvPr id="50" name="Rounded Rectangle 49">
-              <a:extLst>
-                <a:ext uri="{FF2B5EF4-FFF2-40B4-BE49-F238E27FC236}">
-                  <a16:creationId xmlns:a16="http://schemas.microsoft.com/office/drawing/2014/main" id="{8BC469F0-D055-6D48-BBA6-9E2CA6E13398}"/>
-                </a:ext>
-              </a:extLst>
-            </p:cNvPr>
-            <p:cNvSpPr/>
-            <p:nvPr/>
-          </p:nvSpPr>
-          <p:spPr>
-            <a:xfrm>
-              <a:off x="61787" y="1364087"/>
-              <a:ext cx="119627" cy="326101"/>
-            </a:xfrm>
-            <a:prstGeom prst="roundRect">
-              <a:avLst>
-                <a:gd name="adj" fmla="val 41146"/>
-              </a:avLst>
-            </a:prstGeom>
-            <a:solidFill>
-              <a:schemeClr val="tx1"/>
-            </a:solidFill>
-            <a:ln>
-              <a:solidFill>
-                <a:schemeClr val="tx1"/>
-              </a:solidFill>
-            </a:ln>
-          </p:spPr>
-          <p:style>
-            <a:lnRef idx="2">
-              <a:schemeClr val="accent1">
-                <a:shade val="50000"/>
-              </a:schemeClr>
-            </a:lnRef>
-            <a:fillRef idx="1">
-              <a:schemeClr val="accent1"/>
-            </a:fillRef>
-            <a:effectRef idx="0">
-              <a:schemeClr val="accent1"/>
-            </a:effectRef>
-            <a:fontRef idx="minor">
-              <a:schemeClr val="lt1"/>
-            </a:fontRef>
-          </p:style>
-          <p:txBody>
-            <a:bodyPr rtlCol="0" anchor="ctr"/>
-            <a:lstStyle/>
-            <a:p>
-              <a:pPr algn="ctr"/>
-              <a:endParaRPr lang="en-US"/>
-            </a:p>
-          </p:txBody>
-        </p:sp>
-        <p:sp>
-          <p:nvSpPr>
-            <p:cNvPr id="51" name="Rounded Rectangle 50">
-              <a:extLst>
-                <a:ext uri="{FF2B5EF4-FFF2-40B4-BE49-F238E27FC236}">
-                  <a16:creationId xmlns:a16="http://schemas.microsoft.com/office/drawing/2014/main" id="{C317381A-8A74-B047-AD9D-19D7851AAF44}"/>
-                </a:ext>
-              </a:extLst>
-            </p:cNvPr>
-            <p:cNvSpPr/>
-            <p:nvPr/>
-          </p:nvSpPr>
-          <p:spPr>
-            <a:xfrm>
-              <a:off x="2886202" y="1333751"/>
-              <a:ext cx="119627" cy="326101"/>
-            </a:xfrm>
-            <a:prstGeom prst="roundRect">
-              <a:avLst>
-                <a:gd name="adj" fmla="val 41146"/>
-              </a:avLst>
-            </a:prstGeom>
-            <a:solidFill>
-              <a:schemeClr val="tx1"/>
-            </a:solidFill>
-            <a:ln>
-              <a:solidFill>
-                <a:schemeClr val="tx1"/>
-              </a:solidFill>
-            </a:ln>
-          </p:spPr>
-          <p:style>
-            <a:lnRef idx="2">
-              <a:schemeClr val="accent1">
-                <a:shade val="50000"/>
-              </a:schemeClr>
-            </a:lnRef>
-            <a:fillRef idx="1">
-              <a:schemeClr val="accent1"/>
-            </a:fillRef>
-            <a:effectRef idx="0">
-              <a:schemeClr val="accent1"/>
-            </a:effectRef>
-            <a:fontRef idx="minor">
-              <a:schemeClr val="lt1"/>
-            </a:fontRef>
-          </p:style>
-          <p:txBody>
-            <a:bodyPr rtlCol="0" anchor="ctr"/>
-            <a:lstStyle/>
-            <a:p>
-              <a:pPr algn="ctr"/>
-              <a:endParaRPr lang="en-US"/>
-            </a:p>
-          </p:txBody>
-        </p:sp>
-        <p:sp>
-          <p:nvSpPr>
-            <p:cNvPr id="52" name="Rounded Rectangle 51">
-              <a:extLst>
-                <a:ext uri="{FF2B5EF4-FFF2-40B4-BE49-F238E27FC236}">
-                  <a16:creationId xmlns:a16="http://schemas.microsoft.com/office/drawing/2014/main" id="{CAB2B5C6-0307-954C-8066-86F0EEDB73CF}"/>
-                </a:ext>
-              </a:extLst>
-            </p:cNvPr>
-            <p:cNvSpPr/>
-            <p:nvPr/>
-          </p:nvSpPr>
-          <p:spPr>
-            <a:xfrm>
-              <a:off x="2886202" y="1742570"/>
-              <a:ext cx="119627" cy="326101"/>
-            </a:xfrm>
-            <a:prstGeom prst="roundRect">
-              <a:avLst>
-                <a:gd name="adj" fmla="val 41146"/>
-              </a:avLst>
-            </a:prstGeom>
-            <a:solidFill>
-              <a:schemeClr val="tx1"/>
-            </a:solidFill>
-            <a:ln>
-              <a:solidFill>
-                <a:schemeClr val="tx1"/>
-              </a:solidFill>
-            </a:ln>
-          </p:spPr>
-          <p:style>
-            <a:lnRef idx="2">
-              <a:schemeClr val="accent1">
-                <a:shade val="50000"/>
-              </a:schemeClr>
-            </a:lnRef>
-            <a:fillRef idx="1">
-              <a:schemeClr val="accent1"/>
-            </a:fillRef>
-            <a:effectRef idx="0">
-              <a:schemeClr val="accent1"/>
-            </a:effectRef>
-            <a:fontRef idx="minor">
-              <a:schemeClr val="lt1"/>
-            </a:fontRef>
-          </p:style>
-          <p:txBody>
-            <a:bodyPr rtlCol="0" anchor="ctr"/>
-            <a:lstStyle/>
-            <a:p>
-              <a:pPr algn="ctr"/>
-              <a:endParaRPr lang="en-US"/>
-            </a:p>
-          </p:txBody>
-        </p:sp>
-        <p:sp>
-          <p:nvSpPr>
-            <p:cNvPr id="53" name="Rounded Rectangle 52">
-              <a:extLst>
-                <a:ext uri="{FF2B5EF4-FFF2-40B4-BE49-F238E27FC236}">
-                  <a16:creationId xmlns:a16="http://schemas.microsoft.com/office/drawing/2014/main" id="{23D81C57-BD90-B249-8B53-5EC9E0134B85}"/>
-                </a:ext>
-              </a:extLst>
-            </p:cNvPr>
-            <p:cNvSpPr/>
-            <p:nvPr/>
-          </p:nvSpPr>
-          <p:spPr>
-            <a:xfrm>
-              <a:off x="335417" y="971905"/>
-              <a:ext cx="2396779" cy="279975"/>
-            </a:xfrm>
-            <a:prstGeom prst="roundRect">
-              <a:avLst>
-                <a:gd name="adj" fmla="val 50000"/>
-              </a:avLst>
-            </a:prstGeom>
-            <a:solidFill>
-              <a:schemeClr val="tx2">
-                <a:lumMod val="20000"/>
-                <a:lumOff val="80000"/>
-              </a:schemeClr>
-            </a:solidFill>
-            <a:ln>
-              <a:solidFill>
-                <a:schemeClr val="tx1"/>
+            <a:ln w="28575">
+              <a:solidFill>
+                <a:srgbClr val="C00000"/>
               </a:solidFill>
             </a:ln>
           </p:spPr>
@@ -9933,10 +10006,10 @@
       </p:grpSp>
       <p:grpSp>
         <p:nvGrpSpPr>
-          <p:cNvPr id="54" name="Group 53">
+          <p:cNvPr id="7" name="Group 6">
             <a:extLst>
               <a:ext uri="{FF2B5EF4-FFF2-40B4-BE49-F238E27FC236}">
-                <a16:creationId xmlns:a16="http://schemas.microsoft.com/office/drawing/2014/main" id="{72CD5272-4D03-D540-B3A1-1FEFEE0C474C}"/>
+                <a16:creationId xmlns:a16="http://schemas.microsoft.com/office/drawing/2014/main" id="{23E94A7E-9642-714F-A42F-6C6304A6B03F}"/>
               </a:ext>
             </a:extLst>
           </p:cNvPr>
@@ -9945,484 +10018,557 @@
         </p:nvGrpSpPr>
         <p:grpSpPr>
           <a:xfrm>
-            <a:off x="4484314" y="463776"/>
-            <a:ext cx="2944042" cy="5693107"/>
-            <a:chOff x="61787" y="404755"/>
-            <a:chExt cx="2944042" cy="5693107"/>
+            <a:off x="4484314" y="463775"/>
+            <a:ext cx="2947591" cy="5693108"/>
+            <a:chOff x="4484314" y="463775"/>
+            <a:chExt cx="2947591" cy="5693108"/>
           </a:xfrm>
         </p:grpSpPr>
-        <p:sp>
-          <p:nvSpPr>
-            <p:cNvPr id="55" name="Rounded Rectangle 54">
-              <a:extLst>
-                <a:ext uri="{FF2B5EF4-FFF2-40B4-BE49-F238E27FC236}">
-                  <a16:creationId xmlns:a16="http://schemas.microsoft.com/office/drawing/2014/main" id="{95648CCC-9EA7-354F-878A-7AA72D09D423}"/>
-                </a:ext>
-              </a:extLst>
-            </p:cNvPr>
-            <p:cNvSpPr/>
-            <p:nvPr/>
-          </p:nvSpPr>
-          <p:spPr>
-            <a:xfrm>
-              <a:off x="96608" y="404755"/>
-              <a:ext cx="2875265" cy="5693107"/>
-            </a:xfrm>
-            <a:prstGeom prst="roundRect">
-              <a:avLst/>
-            </a:prstGeom>
-            <a:solidFill>
-              <a:schemeClr val="tx1"/>
-            </a:solidFill>
-            <a:ln>
+        <p:grpSp>
+          <p:nvGrpSpPr>
+            <p:cNvPr id="54" name="Group 53">
+              <a:extLst>
+                <a:ext uri="{FF2B5EF4-FFF2-40B4-BE49-F238E27FC236}">
+                  <a16:creationId xmlns:a16="http://schemas.microsoft.com/office/drawing/2014/main" id="{72CD5272-4D03-D540-B3A1-1FEFEE0C474C}"/>
+                </a:ext>
+              </a:extLst>
+            </p:cNvPr>
+            <p:cNvGrpSpPr/>
+            <p:nvPr/>
+          </p:nvGrpSpPr>
+          <p:grpSpPr>
+            <a:xfrm>
+              <a:off x="4484314" y="463776"/>
+              <a:ext cx="2944042" cy="5693107"/>
+              <a:chOff x="61787" y="404755"/>
+              <a:chExt cx="2944042" cy="5693107"/>
+            </a:xfrm>
+          </p:grpSpPr>
+          <p:sp>
+            <p:nvSpPr>
+              <p:cNvPr id="55" name="Rounded Rectangle 54">
+                <a:extLst>
+                  <a:ext uri="{FF2B5EF4-FFF2-40B4-BE49-F238E27FC236}">
+                    <a16:creationId xmlns:a16="http://schemas.microsoft.com/office/drawing/2014/main" id="{95648CCC-9EA7-354F-878A-7AA72D09D423}"/>
+                  </a:ext>
+                </a:extLst>
+              </p:cNvPr>
+              <p:cNvSpPr/>
+              <p:nvPr/>
+            </p:nvSpPr>
+            <p:spPr>
+              <a:xfrm>
+                <a:off x="96608" y="404755"/>
+                <a:ext cx="2875265" cy="5693107"/>
+              </a:xfrm>
+              <a:prstGeom prst="roundRect">
+                <a:avLst/>
+              </a:prstGeom>
               <a:solidFill>
                 <a:schemeClr val="tx1"/>
               </a:solidFill>
-            </a:ln>
-          </p:spPr>
-          <p:style>
-            <a:lnRef idx="2">
-              <a:schemeClr val="accent1">
-                <a:shade val="50000"/>
-              </a:schemeClr>
-            </a:lnRef>
-            <a:fillRef idx="1">
-              <a:schemeClr val="accent1"/>
-            </a:fillRef>
-            <a:effectRef idx="0">
-              <a:schemeClr val="accent1"/>
-            </a:effectRef>
-            <a:fontRef idx="minor">
-              <a:schemeClr val="lt1"/>
-            </a:fontRef>
-          </p:style>
-          <p:txBody>
-            <a:bodyPr rtlCol="0" anchor="ctr"/>
-            <a:lstStyle/>
-            <a:p>
-              <a:pPr algn="ctr"/>
-              <a:endParaRPr lang="en-US"/>
-            </a:p>
-          </p:txBody>
-        </p:sp>
-        <p:sp>
-          <p:nvSpPr>
-            <p:cNvPr id="56" name="Rounded Rectangle 55">
-              <a:extLst>
-                <a:ext uri="{FF2B5EF4-FFF2-40B4-BE49-F238E27FC236}">
-                  <a16:creationId xmlns:a16="http://schemas.microsoft.com/office/drawing/2014/main" id="{2BC646C1-512E-A847-9711-BF0E3737B285}"/>
-                </a:ext>
-              </a:extLst>
-            </p:cNvPr>
-            <p:cNvSpPr/>
-            <p:nvPr/>
-          </p:nvSpPr>
-          <p:spPr>
-            <a:xfrm>
-              <a:off x="192561" y="498764"/>
-              <a:ext cx="2682494" cy="5510463"/>
-            </a:xfrm>
-            <a:prstGeom prst="roundRect">
-              <a:avLst/>
-            </a:prstGeom>
-            <a:solidFill>
-              <a:schemeClr val="bg1"/>
-            </a:solidFill>
-            <a:ln>
+              <a:ln>
+                <a:solidFill>
+                  <a:schemeClr val="tx1"/>
+                </a:solidFill>
+              </a:ln>
+            </p:spPr>
+            <p:style>
+              <a:lnRef idx="2">
+                <a:schemeClr val="accent1">
+                  <a:shade val="50000"/>
+                </a:schemeClr>
+              </a:lnRef>
+              <a:fillRef idx="1">
+                <a:schemeClr val="accent1"/>
+              </a:fillRef>
+              <a:effectRef idx="0">
+                <a:schemeClr val="accent1"/>
+              </a:effectRef>
+              <a:fontRef idx="minor">
+                <a:schemeClr val="lt1"/>
+              </a:fontRef>
+            </p:style>
+            <p:txBody>
+              <a:bodyPr rtlCol="0" anchor="ctr"/>
+              <a:lstStyle/>
+              <a:p>
+                <a:pPr algn="ctr"/>
+                <a:endParaRPr lang="en-US"/>
+              </a:p>
+            </p:txBody>
+          </p:sp>
+          <p:sp>
+            <p:nvSpPr>
+              <p:cNvPr id="56" name="Rounded Rectangle 55">
+                <a:extLst>
+                  <a:ext uri="{FF2B5EF4-FFF2-40B4-BE49-F238E27FC236}">
+                    <a16:creationId xmlns:a16="http://schemas.microsoft.com/office/drawing/2014/main" id="{2BC646C1-512E-A847-9711-BF0E3737B285}"/>
+                  </a:ext>
+                </a:extLst>
+              </p:cNvPr>
+              <p:cNvSpPr/>
+              <p:nvPr/>
+            </p:nvSpPr>
+            <p:spPr>
+              <a:xfrm>
+                <a:off x="192561" y="498764"/>
+                <a:ext cx="2682494" cy="5510463"/>
+              </a:xfrm>
+              <a:prstGeom prst="roundRect">
+                <a:avLst/>
+              </a:prstGeom>
+              <a:solidFill>
+                <a:schemeClr val="bg1"/>
+              </a:solidFill>
+              <a:ln>
+                <a:solidFill>
+                  <a:schemeClr val="tx1"/>
+                </a:solidFill>
+              </a:ln>
+            </p:spPr>
+            <p:style>
+              <a:lnRef idx="2">
+                <a:schemeClr val="accent1">
+                  <a:shade val="50000"/>
+                </a:schemeClr>
+              </a:lnRef>
+              <a:fillRef idx="1">
+                <a:schemeClr val="accent1"/>
+              </a:fillRef>
+              <a:effectRef idx="0">
+                <a:schemeClr val="accent1"/>
+              </a:effectRef>
+              <a:fontRef idx="minor">
+                <a:schemeClr val="lt1"/>
+              </a:fontRef>
+            </p:style>
+            <p:txBody>
+              <a:bodyPr rtlCol="0" anchor="ctr"/>
+              <a:lstStyle/>
+              <a:p>
+                <a:pPr algn="ctr"/>
+                <a:endParaRPr lang="en-US"/>
+              </a:p>
+            </p:txBody>
+          </p:sp>
+          <p:sp>
+            <p:nvSpPr>
+              <p:cNvPr id="57" name="Rounded Rectangle 56">
+                <a:extLst>
+                  <a:ext uri="{FF2B5EF4-FFF2-40B4-BE49-F238E27FC236}">
+                    <a16:creationId xmlns:a16="http://schemas.microsoft.com/office/drawing/2014/main" id="{72EA6E8A-0554-3340-8089-7AB31A8826BB}"/>
+                  </a:ext>
+                </a:extLst>
+              </p:cNvPr>
+              <p:cNvSpPr/>
+              <p:nvPr/>
+            </p:nvSpPr>
+            <p:spPr>
+              <a:xfrm>
+                <a:off x="967495" y="441175"/>
+                <a:ext cx="1132625" cy="326101"/>
+              </a:xfrm>
+              <a:prstGeom prst="roundRect">
+                <a:avLst>
+                  <a:gd name="adj" fmla="val 41146"/>
+                </a:avLst>
+              </a:prstGeom>
               <a:solidFill>
                 <a:schemeClr val="tx1"/>
               </a:solidFill>
-            </a:ln>
-          </p:spPr>
-          <p:style>
-            <a:lnRef idx="2">
-              <a:schemeClr val="accent1">
-                <a:shade val="50000"/>
-              </a:schemeClr>
-            </a:lnRef>
-            <a:fillRef idx="1">
-              <a:schemeClr val="accent1"/>
-            </a:fillRef>
-            <a:effectRef idx="0">
-              <a:schemeClr val="accent1"/>
-            </a:effectRef>
-            <a:fontRef idx="minor">
-              <a:schemeClr val="lt1"/>
-            </a:fontRef>
-          </p:style>
-          <p:txBody>
-            <a:bodyPr rtlCol="0" anchor="ctr"/>
-            <a:lstStyle/>
-            <a:p>
-              <a:pPr algn="ctr"/>
-              <a:endParaRPr lang="en-US"/>
-            </a:p>
-          </p:txBody>
-        </p:sp>
-        <p:sp>
-          <p:nvSpPr>
-            <p:cNvPr id="57" name="Rounded Rectangle 56">
-              <a:extLst>
-                <a:ext uri="{FF2B5EF4-FFF2-40B4-BE49-F238E27FC236}">
-                  <a16:creationId xmlns:a16="http://schemas.microsoft.com/office/drawing/2014/main" id="{72EA6E8A-0554-3340-8089-7AB31A8826BB}"/>
-                </a:ext>
-              </a:extLst>
-            </p:cNvPr>
-            <p:cNvSpPr/>
-            <p:nvPr/>
-          </p:nvSpPr>
-          <p:spPr>
-            <a:xfrm>
-              <a:off x="967495" y="441175"/>
-              <a:ext cx="1132625" cy="326101"/>
-            </a:xfrm>
-            <a:prstGeom prst="roundRect">
-              <a:avLst>
-                <a:gd name="adj" fmla="val 41146"/>
-              </a:avLst>
-            </a:prstGeom>
-            <a:solidFill>
-              <a:schemeClr val="tx1"/>
-            </a:solidFill>
-            <a:ln>
+              <a:ln>
+                <a:solidFill>
+                  <a:schemeClr val="tx1"/>
+                </a:solidFill>
+              </a:ln>
+            </p:spPr>
+            <p:style>
+              <a:lnRef idx="2">
+                <a:schemeClr val="accent1">
+                  <a:shade val="50000"/>
+                </a:schemeClr>
+              </a:lnRef>
+              <a:fillRef idx="1">
+                <a:schemeClr val="accent1"/>
+              </a:fillRef>
+              <a:effectRef idx="0">
+                <a:schemeClr val="accent1"/>
+              </a:effectRef>
+              <a:fontRef idx="minor">
+                <a:schemeClr val="lt1"/>
+              </a:fontRef>
+            </p:style>
+            <p:txBody>
+              <a:bodyPr rtlCol="0" anchor="ctr"/>
+              <a:lstStyle/>
+              <a:p>
+                <a:pPr algn="ctr"/>
+                <a:endParaRPr lang="en-US"/>
+              </a:p>
+            </p:txBody>
+          </p:sp>
+          <p:sp>
+            <p:nvSpPr>
+              <p:cNvPr id="58" name="Rounded Rectangle 57">
+                <a:extLst>
+                  <a:ext uri="{FF2B5EF4-FFF2-40B4-BE49-F238E27FC236}">
+                    <a16:creationId xmlns:a16="http://schemas.microsoft.com/office/drawing/2014/main" id="{669C7B2E-BD6B-A94D-A395-A834B8C85D8B}"/>
+                  </a:ext>
+                </a:extLst>
+              </p:cNvPr>
+              <p:cNvSpPr/>
+              <p:nvPr/>
+            </p:nvSpPr>
+            <p:spPr>
+              <a:xfrm>
+                <a:off x="967495" y="431974"/>
+                <a:ext cx="1132625" cy="172251"/>
+              </a:xfrm>
+              <a:prstGeom prst="roundRect">
+                <a:avLst>
+                  <a:gd name="adj" fmla="val 0"/>
+                </a:avLst>
+              </a:prstGeom>
               <a:solidFill>
                 <a:schemeClr val="tx1"/>
               </a:solidFill>
-            </a:ln>
-          </p:spPr>
-          <p:style>
-            <a:lnRef idx="2">
-              <a:schemeClr val="accent1">
-                <a:shade val="50000"/>
-              </a:schemeClr>
-            </a:lnRef>
-            <a:fillRef idx="1">
-              <a:schemeClr val="accent1"/>
-            </a:fillRef>
-            <a:effectRef idx="0">
-              <a:schemeClr val="accent1"/>
-            </a:effectRef>
-            <a:fontRef idx="minor">
-              <a:schemeClr val="lt1"/>
-            </a:fontRef>
-          </p:style>
-          <p:txBody>
-            <a:bodyPr rtlCol="0" anchor="ctr"/>
-            <a:lstStyle/>
-            <a:p>
-              <a:pPr algn="ctr"/>
-              <a:endParaRPr lang="en-US"/>
-            </a:p>
-          </p:txBody>
-        </p:sp>
-        <p:sp>
-          <p:nvSpPr>
-            <p:cNvPr id="58" name="Rounded Rectangle 57">
-              <a:extLst>
-                <a:ext uri="{FF2B5EF4-FFF2-40B4-BE49-F238E27FC236}">
-                  <a16:creationId xmlns:a16="http://schemas.microsoft.com/office/drawing/2014/main" id="{669C7B2E-BD6B-A94D-A395-A834B8C85D8B}"/>
-                </a:ext>
-              </a:extLst>
-            </p:cNvPr>
-            <p:cNvSpPr/>
-            <p:nvPr/>
-          </p:nvSpPr>
-          <p:spPr>
-            <a:xfrm>
-              <a:off x="967495" y="431974"/>
-              <a:ext cx="1132625" cy="172251"/>
-            </a:xfrm>
-            <a:prstGeom prst="roundRect">
-              <a:avLst>
-                <a:gd name="adj" fmla="val 0"/>
-              </a:avLst>
-            </a:prstGeom>
-            <a:solidFill>
-              <a:schemeClr val="tx1"/>
-            </a:solidFill>
-            <a:ln>
+              <a:ln>
+                <a:solidFill>
+                  <a:schemeClr val="tx1"/>
+                </a:solidFill>
+              </a:ln>
+            </p:spPr>
+            <p:style>
+              <a:lnRef idx="2">
+                <a:schemeClr val="accent1">
+                  <a:shade val="50000"/>
+                </a:schemeClr>
+              </a:lnRef>
+              <a:fillRef idx="1">
+                <a:schemeClr val="accent1"/>
+              </a:fillRef>
+              <a:effectRef idx="0">
+                <a:schemeClr val="accent1"/>
+              </a:effectRef>
+              <a:fontRef idx="minor">
+                <a:schemeClr val="lt1"/>
+              </a:fontRef>
+            </p:style>
+            <p:txBody>
+              <a:bodyPr rtlCol="0" anchor="ctr"/>
+              <a:lstStyle/>
+              <a:p>
+                <a:pPr algn="ctr"/>
+                <a:endParaRPr lang="en-US"/>
+              </a:p>
+            </p:txBody>
+          </p:sp>
+          <p:sp>
+            <p:nvSpPr>
+              <p:cNvPr id="59" name="TextBox 58">
+                <a:extLst>
+                  <a:ext uri="{FF2B5EF4-FFF2-40B4-BE49-F238E27FC236}">
+                    <a16:creationId xmlns:a16="http://schemas.microsoft.com/office/drawing/2014/main" id="{C2032456-4996-4046-8685-B1B907D2BF46}"/>
+                  </a:ext>
+                </a:extLst>
+              </p:cNvPr>
+              <p:cNvSpPr txBox="1"/>
+              <p:nvPr/>
+            </p:nvSpPr>
+            <p:spPr>
+              <a:xfrm>
+                <a:off x="292122" y="1490782"/>
+                <a:ext cx="2463800" cy="1384995"/>
+              </a:xfrm>
+              <a:prstGeom prst="rect">
+                <a:avLst/>
+              </a:prstGeom>
+              <a:noFill/>
+            </p:spPr>
+            <p:txBody>
+              <a:bodyPr wrap="square" rtlCol="0">
+                <a:spAutoFit/>
+              </a:bodyPr>
+              <a:lstStyle/>
+              <a:p>
+                <a:r>
+                  <a:rPr lang="en-US" sz="2800" dirty="0">
+                    <a:latin typeface="Times" pitchFamily="2" charset="0"/>
+                  </a:rPr>
+                  <a:t>rest. 1:         yes</a:t>
+                </a:r>
+              </a:p>
+              <a:p>
+                <a:r>
+                  <a:rPr lang="en-US" sz="2800" dirty="0">
+                    <a:latin typeface="Times" pitchFamily="2" charset="0"/>
+                  </a:rPr>
+                  <a:t>rest. 2:         yes</a:t>
+                </a:r>
+              </a:p>
+              <a:p>
+                <a:r>
+                  <a:rPr lang="en-US" sz="2800" dirty="0">
+                    <a:latin typeface="Times" pitchFamily="2" charset="0"/>
+                  </a:rPr>
+                  <a:t>rest. 3:         yes</a:t>
+                </a:r>
+              </a:p>
+            </p:txBody>
+          </p:sp>
+          <p:sp>
+            <p:nvSpPr>
+              <p:cNvPr id="60" name="Rounded Rectangle 59">
+                <a:extLst>
+                  <a:ext uri="{FF2B5EF4-FFF2-40B4-BE49-F238E27FC236}">
+                    <a16:creationId xmlns:a16="http://schemas.microsoft.com/office/drawing/2014/main" id="{F46B62BA-973C-D34F-A6B8-22E9A53FBCD7}"/>
+                  </a:ext>
+                </a:extLst>
+              </p:cNvPr>
+              <p:cNvSpPr/>
+              <p:nvPr/>
+            </p:nvSpPr>
+            <p:spPr>
+              <a:xfrm>
+                <a:off x="61787" y="1364087"/>
+                <a:ext cx="119627" cy="326101"/>
+              </a:xfrm>
+              <a:prstGeom prst="roundRect">
+                <a:avLst>
+                  <a:gd name="adj" fmla="val 41146"/>
+                </a:avLst>
+              </a:prstGeom>
               <a:solidFill>
                 <a:schemeClr val="tx1"/>
               </a:solidFill>
-            </a:ln>
-          </p:spPr>
-          <p:style>
-            <a:lnRef idx="2">
-              <a:schemeClr val="accent1">
-                <a:shade val="50000"/>
-              </a:schemeClr>
-            </a:lnRef>
-            <a:fillRef idx="1">
-              <a:schemeClr val="accent1"/>
-            </a:fillRef>
-            <a:effectRef idx="0">
-              <a:schemeClr val="accent1"/>
-            </a:effectRef>
-            <a:fontRef idx="minor">
-              <a:schemeClr val="lt1"/>
-            </a:fontRef>
-          </p:style>
-          <p:txBody>
-            <a:bodyPr rtlCol="0" anchor="ctr"/>
-            <a:lstStyle/>
-            <a:p>
-              <a:pPr algn="ctr"/>
-              <a:endParaRPr lang="en-US"/>
-            </a:p>
-          </p:txBody>
-        </p:sp>
-        <p:sp>
-          <p:nvSpPr>
-            <p:cNvPr id="59" name="TextBox 58">
-              <a:extLst>
-                <a:ext uri="{FF2B5EF4-FFF2-40B4-BE49-F238E27FC236}">
-                  <a16:creationId xmlns:a16="http://schemas.microsoft.com/office/drawing/2014/main" id="{C2032456-4996-4046-8685-B1B907D2BF46}"/>
-                </a:ext>
-              </a:extLst>
-            </p:cNvPr>
-            <p:cNvSpPr txBox="1"/>
-            <p:nvPr/>
-          </p:nvSpPr>
-          <p:spPr>
-            <a:xfrm>
-              <a:off x="292122" y="1490782"/>
-              <a:ext cx="2463800" cy="1384995"/>
+              <a:ln>
+                <a:solidFill>
+                  <a:schemeClr val="tx1"/>
+                </a:solidFill>
+              </a:ln>
+            </p:spPr>
+            <p:style>
+              <a:lnRef idx="2">
+                <a:schemeClr val="accent1">
+                  <a:shade val="50000"/>
+                </a:schemeClr>
+              </a:lnRef>
+              <a:fillRef idx="1">
+                <a:schemeClr val="accent1"/>
+              </a:fillRef>
+              <a:effectRef idx="0">
+                <a:schemeClr val="accent1"/>
+              </a:effectRef>
+              <a:fontRef idx="minor">
+                <a:schemeClr val="lt1"/>
+              </a:fontRef>
+            </p:style>
+            <p:txBody>
+              <a:bodyPr rtlCol="0" anchor="ctr"/>
+              <a:lstStyle/>
+              <a:p>
+                <a:pPr algn="ctr"/>
+                <a:endParaRPr lang="en-US"/>
+              </a:p>
+            </p:txBody>
+          </p:sp>
+          <p:sp>
+            <p:nvSpPr>
+              <p:cNvPr id="61" name="Rounded Rectangle 60">
+                <a:extLst>
+                  <a:ext uri="{FF2B5EF4-FFF2-40B4-BE49-F238E27FC236}">
+                    <a16:creationId xmlns:a16="http://schemas.microsoft.com/office/drawing/2014/main" id="{66506474-BC39-5745-8B17-740163209D33}"/>
+                  </a:ext>
+                </a:extLst>
+              </p:cNvPr>
+              <p:cNvSpPr/>
+              <p:nvPr/>
+            </p:nvSpPr>
+            <p:spPr>
+              <a:xfrm>
+                <a:off x="2886202" y="1333751"/>
+                <a:ext cx="119627" cy="326101"/>
+              </a:xfrm>
+              <a:prstGeom prst="roundRect">
+                <a:avLst>
+                  <a:gd name="adj" fmla="val 41146"/>
+                </a:avLst>
+              </a:prstGeom>
+              <a:solidFill>
+                <a:schemeClr val="tx1"/>
+              </a:solidFill>
+              <a:ln>
+                <a:solidFill>
+                  <a:schemeClr val="tx1"/>
+                </a:solidFill>
+              </a:ln>
+            </p:spPr>
+            <p:style>
+              <a:lnRef idx="2">
+                <a:schemeClr val="accent1">
+                  <a:shade val="50000"/>
+                </a:schemeClr>
+              </a:lnRef>
+              <a:fillRef idx="1">
+                <a:schemeClr val="accent1"/>
+              </a:fillRef>
+              <a:effectRef idx="0">
+                <a:schemeClr val="accent1"/>
+              </a:effectRef>
+              <a:fontRef idx="minor">
+                <a:schemeClr val="lt1"/>
+              </a:fontRef>
+            </p:style>
+            <p:txBody>
+              <a:bodyPr rtlCol="0" anchor="ctr"/>
+              <a:lstStyle/>
+              <a:p>
+                <a:pPr algn="ctr"/>
+                <a:endParaRPr lang="en-US"/>
+              </a:p>
+            </p:txBody>
+          </p:sp>
+          <p:sp>
+            <p:nvSpPr>
+              <p:cNvPr id="62" name="Rounded Rectangle 61">
+                <a:extLst>
+                  <a:ext uri="{FF2B5EF4-FFF2-40B4-BE49-F238E27FC236}">
+                    <a16:creationId xmlns:a16="http://schemas.microsoft.com/office/drawing/2014/main" id="{06AFB65C-E761-244A-95B9-663DFA9C9945}"/>
+                  </a:ext>
+                </a:extLst>
+              </p:cNvPr>
+              <p:cNvSpPr/>
+              <p:nvPr/>
+            </p:nvSpPr>
+            <p:spPr>
+              <a:xfrm>
+                <a:off x="2886202" y="1742570"/>
+                <a:ext cx="119627" cy="326101"/>
+              </a:xfrm>
+              <a:prstGeom prst="roundRect">
+                <a:avLst>
+                  <a:gd name="adj" fmla="val 41146"/>
+                </a:avLst>
+              </a:prstGeom>
+              <a:solidFill>
+                <a:schemeClr val="tx1"/>
+              </a:solidFill>
+              <a:ln>
+                <a:solidFill>
+                  <a:schemeClr val="tx1"/>
+                </a:solidFill>
+              </a:ln>
+            </p:spPr>
+            <p:style>
+              <a:lnRef idx="2">
+                <a:schemeClr val="accent1">
+                  <a:shade val="50000"/>
+                </a:schemeClr>
+              </a:lnRef>
+              <a:fillRef idx="1">
+                <a:schemeClr val="accent1"/>
+              </a:fillRef>
+              <a:effectRef idx="0">
+                <a:schemeClr val="accent1"/>
+              </a:effectRef>
+              <a:fontRef idx="minor">
+                <a:schemeClr val="lt1"/>
+              </a:fontRef>
+            </p:style>
+            <p:txBody>
+              <a:bodyPr rtlCol="0" anchor="ctr"/>
+              <a:lstStyle/>
+              <a:p>
+                <a:pPr algn="ctr"/>
+                <a:endParaRPr lang="en-US"/>
+              </a:p>
+            </p:txBody>
+          </p:sp>
+          <p:sp>
+            <p:nvSpPr>
+              <p:cNvPr id="63" name="Rounded Rectangle 62">
+                <a:extLst>
+                  <a:ext uri="{FF2B5EF4-FFF2-40B4-BE49-F238E27FC236}">
+                    <a16:creationId xmlns:a16="http://schemas.microsoft.com/office/drawing/2014/main" id="{F6049251-D510-4044-B16E-39FD927CB343}"/>
+                  </a:ext>
+                </a:extLst>
+              </p:cNvPr>
+              <p:cNvSpPr/>
+              <p:nvPr/>
+            </p:nvSpPr>
+            <p:spPr>
+              <a:xfrm>
+                <a:off x="335417" y="971905"/>
+                <a:ext cx="2396779" cy="279975"/>
+              </a:xfrm>
+              <a:prstGeom prst="roundRect">
+                <a:avLst>
+                  <a:gd name="adj" fmla="val 50000"/>
+                </a:avLst>
+              </a:prstGeom>
+              <a:solidFill>
+                <a:schemeClr val="tx2">
+                  <a:lumMod val="20000"/>
+                  <a:lumOff val="80000"/>
+                </a:schemeClr>
+              </a:solidFill>
+              <a:ln>
+                <a:solidFill>
+                  <a:schemeClr val="tx1"/>
+                </a:solidFill>
+              </a:ln>
+            </p:spPr>
+            <p:style>
+              <a:lnRef idx="2">
+                <a:schemeClr val="accent1">
+                  <a:shade val="50000"/>
+                </a:schemeClr>
+              </a:lnRef>
+              <a:fillRef idx="1">
+                <a:schemeClr val="accent1"/>
+              </a:fillRef>
+              <a:effectRef idx="0">
+                <a:schemeClr val="accent1"/>
+              </a:effectRef>
+              <a:fontRef idx="minor">
+                <a:schemeClr val="lt1"/>
+              </a:fontRef>
+            </p:style>
+            <p:txBody>
+              <a:bodyPr rtlCol="0" anchor="ctr"/>
+              <a:lstStyle/>
+              <a:p>
+                <a:pPr algn="ctr"/>
+                <a:endParaRPr lang="en-US"/>
+              </a:p>
+            </p:txBody>
+          </p:sp>
+        </p:grpSp>
+        <p:sp>
+          <p:nvSpPr>
+            <p:cNvPr id="76" name="Rectangle 75">
+              <a:extLst>
+                <a:ext uri="{FF2B5EF4-FFF2-40B4-BE49-F238E27FC236}">
+                  <a16:creationId xmlns:a16="http://schemas.microsoft.com/office/drawing/2014/main" id="{6218B3E0-14D4-BE40-AB92-FB2A78A4566E}"/>
+                </a:ext>
+              </a:extLst>
+            </p:cNvPr>
+            <p:cNvSpPr/>
+            <p:nvPr/>
+          </p:nvSpPr>
+          <p:spPr>
+            <a:xfrm>
+              <a:off x="4487863" y="463775"/>
+              <a:ext cx="2944042" cy="5693108"/>
             </a:xfrm>
             <a:prstGeom prst="rect">
               <a:avLst/>
             </a:prstGeom>
             <a:noFill/>
-          </p:spPr>
-          <p:txBody>
-            <a:bodyPr wrap="square" rtlCol="0">
-              <a:spAutoFit/>
-            </a:bodyPr>
-            <a:lstStyle/>
-            <a:p>
-              <a:r>
-                <a:rPr lang="en-US" sz="2800" dirty="0">
-                  <a:latin typeface="Times" pitchFamily="2" charset="0"/>
-                </a:rPr>
-                <a:t>rest. 1:         yes</a:t>
-              </a:r>
-            </a:p>
-            <a:p>
-              <a:r>
-                <a:rPr lang="en-US" sz="2800" dirty="0">
-                  <a:latin typeface="Times" pitchFamily="2" charset="0"/>
-                </a:rPr>
-                <a:t>rest. 2:         yes</a:t>
-              </a:r>
-            </a:p>
-            <a:p>
-              <a:r>
-                <a:rPr lang="en-US" sz="2800" dirty="0">
-                  <a:latin typeface="Times" pitchFamily="2" charset="0"/>
-                </a:rPr>
-                <a:t>rest. 3:         yes</a:t>
-              </a:r>
-            </a:p>
-          </p:txBody>
-        </p:sp>
-        <p:sp>
-          <p:nvSpPr>
-            <p:cNvPr id="60" name="Rounded Rectangle 59">
-              <a:extLst>
-                <a:ext uri="{FF2B5EF4-FFF2-40B4-BE49-F238E27FC236}">
-                  <a16:creationId xmlns:a16="http://schemas.microsoft.com/office/drawing/2014/main" id="{F46B62BA-973C-D34F-A6B8-22E9A53FBCD7}"/>
-                </a:ext>
-              </a:extLst>
-            </p:cNvPr>
-            <p:cNvSpPr/>
-            <p:nvPr/>
-          </p:nvSpPr>
-          <p:spPr>
-            <a:xfrm>
-              <a:off x="61787" y="1364087"/>
-              <a:ext cx="119627" cy="326101"/>
-            </a:xfrm>
-            <a:prstGeom prst="roundRect">
-              <a:avLst>
-                <a:gd name="adj" fmla="val 41146"/>
-              </a:avLst>
-            </a:prstGeom>
-            <a:solidFill>
-              <a:schemeClr val="tx1"/>
-            </a:solidFill>
-            <a:ln>
-              <a:solidFill>
-                <a:schemeClr val="tx1"/>
-              </a:solidFill>
-            </a:ln>
-          </p:spPr>
-          <p:style>
-            <a:lnRef idx="2">
-              <a:schemeClr val="accent1">
-                <a:shade val="50000"/>
-              </a:schemeClr>
-            </a:lnRef>
-            <a:fillRef idx="1">
-              <a:schemeClr val="accent1"/>
-            </a:fillRef>
-            <a:effectRef idx="0">
-              <a:schemeClr val="accent1"/>
-            </a:effectRef>
-            <a:fontRef idx="minor">
-              <a:schemeClr val="lt1"/>
-            </a:fontRef>
-          </p:style>
-          <p:txBody>
-            <a:bodyPr rtlCol="0" anchor="ctr"/>
-            <a:lstStyle/>
-            <a:p>
-              <a:pPr algn="ctr"/>
-              <a:endParaRPr lang="en-US"/>
-            </a:p>
-          </p:txBody>
-        </p:sp>
-        <p:sp>
-          <p:nvSpPr>
-            <p:cNvPr id="61" name="Rounded Rectangle 60">
-              <a:extLst>
-                <a:ext uri="{FF2B5EF4-FFF2-40B4-BE49-F238E27FC236}">
-                  <a16:creationId xmlns:a16="http://schemas.microsoft.com/office/drawing/2014/main" id="{66506474-BC39-5745-8B17-740163209D33}"/>
-                </a:ext>
-              </a:extLst>
-            </p:cNvPr>
-            <p:cNvSpPr/>
-            <p:nvPr/>
-          </p:nvSpPr>
-          <p:spPr>
-            <a:xfrm>
-              <a:off x="2886202" y="1333751"/>
-              <a:ext cx="119627" cy="326101"/>
-            </a:xfrm>
-            <a:prstGeom prst="roundRect">
-              <a:avLst>
-                <a:gd name="adj" fmla="val 41146"/>
-              </a:avLst>
-            </a:prstGeom>
-            <a:solidFill>
-              <a:schemeClr val="tx1"/>
-            </a:solidFill>
-            <a:ln>
-              <a:solidFill>
-                <a:schemeClr val="tx1"/>
-              </a:solidFill>
-            </a:ln>
-          </p:spPr>
-          <p:style>
-            <a:lnRef idx="2">
-              <a:schemeClr val="accent1">
-                <a:shade val="50000"/>
-              </a:schemeClr>
-            </a:lnRef>
-            <a:fillRef idx="1">
-              <a:schemeClr val="accent1"/>
-            </a:fillRef>
-            <a:effectRef idx="0">
-              <a:schemeClr val="accent1"/>
-            </a:effectRef>
-            <a:fontRef idx="minor">
-              <a:schemeClr val="lt1"/>
-            </a:fontRef>
-          </p:style>
-          <p:txBody>
-            <a:bodyPr rtlCol="0" anchor="ctr"/>
-            <a:lstStyle/>
-            <a:p>
-              <a:pPr algn="ctr"/>
-              <a:endParaRPr lang="en-US"/>
-            </a:p>
-          </p:txBody>
-        </p:sp>
-        <p:sp>
-          <p:nvSpPr>
-            <p:cNvPr id="62" name="Rounded Rectangle 61">
-              <a:extLst>
-                <a:ext uri="{FF2B5EF4-FFF2-40B4-BE49-F238E27FC236}">
-                  <a16:creationId xmlns:a16="http://schemas.microsoft.com/office/drawing/2014/main" id="{06AFB65C-E761-244A-95B9-663DFA9C9945}"/>
-                </a:ext>
-              </a:extLst>
-            </p:cNvPr>
-            <p:cNvSpPr/>
-            <p:nvPr/>
-          </p:nvSpPr>
-          <p:spPr>
-            <a:xfrm>
-              <a:off x="2886202" y="1742570"/>
-              <a:ext cx="119627" cy="326101"/>
-            </a:xfrm>
-            <a:prstGeom prst="roundRect">
-              <a:avLst>
-                <a:gd name="adj" fmla="val 41146"/>
-              </a:avLst>
-            </a:prstGeom>
-            <a:solidFill>
-              <a:schemeClr val="tx1"/>
-            </a:solidFill>
-            <a:ln>
-              <a:solidFill>
-                <a:schemeClr val="tx1"/>
-              </a:solidFill>
-            </a:ln>
-          </p:spPr>
-          <p:style>
-            <a:lnRef idx="2">
-              <a:schemeClr val="accent1">
-                <a:shade val="50000"/>
-              </a:schemeClr>
-            </a:lnRef>
-            <a:fillRef idx="1">
-              <a:schemeClr val="accent1"/>
-            </a:fillRef>
-            <a:effectRef idx="0">
-              <a:schemeClr val="accent1"/>
-            </a:effectRef>
-            <a:fontRef idx="minor">
-              <a:schemeClr val="lt1"/>
-            </a:fontRef>
-          </p:style>
-          <p:txBody>
-            <a:bodyPr rtlCol="0" anchor="ctr"/>
-            <a:lstStyle/>
-            <a:p>
-              <a:pPr algn="ctr"/>
-              <a:endParaRPr lang="en-US"/>
-            </a:p>
-          </p:txBody>
-        </p:sp>
-        <p:sp>
-          <p:nvSpPr>
-            <p:cNvPr id="63" name="Rounded Rectangle 62">
-              <a:extLst>
-                <a:ext uri="{FF2B5EF4-FFF2-40B4-BE49-F238E27FC236}">
-                  <a16:creationId xmlns:a16="http://schemas.microsoft.com/office/drawing/2014/main" id="{F6049251-D510-4044-B16E-39FD927CB343}"/>
-                </a:ext>
-              </a:extLst>
-            </p:cNvPr>
-            <p:cNvSpPr/>
-            <p:nvPr/>
-          </p:nvSpPr>
-          <p:spPr>
-            <a:xfrm>
-              <a:off x="335417" y="971905"/>
-              <a:ext cx="2396779" cy="279975"/>
-            </a:xfrm>
-            <a:prstGeom prst="roundRect">
-              <a:avLst>
-                <a:gd name="adj" fmla="val 50000"/>
-              </a:avLst>
-            </a:prstGeom>
-            <a:solidFill>
-              <a:schemeClr val="tx2">
-                <a:lumMod val="20000"/>
-                <a:lumOff val="80000"/>
-              </a:schemeClr>
-            </a:solidFill>
-            <a:ln>
-              <a:solidFill>
-                <a:schemeClr val="tx1"/>
+            <a:ln w="28575">
+              <a:solidFill>
+                <a:srgbClr val="C00000"/>
               </a:solidFill>
             </a:ln>
           </p:spPr>
@@ -10454,10 +10600,10 @@
       </p:grpSp>
       <p:grpSp>
         <p:nvGrpSpPr>
-          <p:cNvPr id="64" name="Group 63">
+          <p:cNvPr id="8" name="Group 7">
             <a:extLst>
               <a:ext uri="{FF2B5EF4-FFF2-40B4-BE49-F238E27FC236}">
-                <a16:creationId xmlns:a16="http://schemas.microsoft.com/office/drawing/2014/main" id="{BE707E40-0FA9-8449-A6FE-A0C484C3C8BA}"/>
+                <a16:creationId xmlns:a16="http://schemas.microsoft.com/office/drawing/2014/main" id="{9745BA31-D03C-2549-B4A8-2EA79B7FE3E7}"/>
               </a:ext>
             </a:extLst>
           </p:cNvPr>
@@ -10466,39 +10612,558 @@
         </p:nvGrpSpPr>
         <p:grpSpPr>
           <a:xfrm>
-            <a:off x="8265287" y="436557"/>
-            <a:ext cx="2944042" cy="5693107"/>
-            <a:chOff x="61787" y="404755"/>
-            <a:chExt cx="2944042" cy="5693107"/>
+            <a:off x="8265285" y="436556"/>
+            <a:ext cx="2944044" cy="5693108"/>
+            <a:chOff x="8265285" y="436556"/>
+            <a:chExt cx="2944044" cy="5693108"/>
           </a:xfrm>
         </p:grpSpPr>
-        <p:sp>
-          <p:nvSpPr>
-            <p:cNvPr id="65" name="Rounded Rectangle 64">
-              <a:extLst>
-                <a:ext uri="{FF2B5EF4-FFF2-40B4-BE49-F238E27FC236}">
-                  <a16:creationId xmlns:a16="http://schemas.microsoft.com/office/drawing/2014/main" id="{3F541610-F259-0346-BF81-563BC17B8F7A}"/>
-                </a:ext>
-              </a:extLst>
-            </p:cNvPr>
-            <p:cNvSpPr/>
-            <p:nvPr/>
-          </p:nvSpPr>
-          <p:spPr>
-            <a:xfrm>
-              <a:off x="96608" y="404755"/>
-              <a:ext cx="2875265" cy="5693107"/>
-            </a:xfrm>
-            <a:prstGeom prst="roundRect">
-              <a:avLst/>
-            </a:prstGeom>
-            <a:solidFill>
-              <a:schemeClr val="tx1"/>
-            </a:solidFill>
-            <a:ln>
+        <p:grpSp>
+          <p:nvGrpSpPr>
+            <p:cNvPr id="64" name="Group 63">
+              <a:extLst>
+                <a:ext uri="{FF2B5EF4-FFF2-40B4-BE49-F238E27FC236}">
+                  <a16:creationId xmlns:a16="http://schemas.microsoft.com/office/drawing/2014/main" id="{BE707E40-0FA9-8449-A6FE-A0C484C3C8BA}"/>
+                </a:ext>
+              </a:extLst>
+            </p:cNvPr>
+            <p:cNvGrpSpPr/>
+            <p:nvPr/>
+          </p:nvGrpSpPr>
+          <p:grpSpPr>
+            <a:xfrm>
+              <a:off x="8265287" y="436557"/>
+              <a:ext cx="2944042" cy="5693107"/>
+              <a:chOff x="61787" y="404755"/>
+              <a:chExt cx="2944042" cy="5693107"/>
+            </a:xfrm>
+          </p:grpSpPr>
+          <p:sp>
+            <p:nvSpPr>
+              <p:cNvPr id="65" name="Rounded Rectangle 64">
+                <a:extLst>
+                  <a:ext uri="{FF2B5EF4-FFF2-40B4-BE49-F238E27FC236}">
+                    <a16:creationId xmlns:a16="http://schemas.microsoft.com/office/drawing/2014/main" id="{3F541610-F259-0346-BF81-563BC17B8F7A}"/>
+                  </a:ext>
+                </a:extLst>
+              </p:cNvPr>
+              <p:cNvSpPr/>
+              <p:nvPr/>
+            </p:nvSpPr>
+            <p:spPr>
+              <a:xfrm>
+                <a:off x="96608" y="404755"/>
+                <a:ext cx="2875265" cy="5693107"/>
+              </a:xfrm>
+              <a:prstGeom prst="roundRect">
+                <a:avLst/>
+              </a:prstGeom>
               <a:solidFill>
                 <a:schemeClr val="tx1"/>
               </a:solidFill>
+              <a:ln>
+                <a:solidFill>
+                  <a:schemeClr val="tx1"/>
+                </a:solidFill>
+              </a:ln>
+            </p:spPr>
+            <p:style>
+              <a:lnRef idx="2">
+                <a:schemeClr val="accent1">
+                  <a:shade val="50000"/>
+                </a:schemeClr>
+              </a:lnRef>
+              <a:fillRef idx="1">
+                <a:schemeClr val="accent1"/>
+              </a:fillRef>
+              <a:effectRef idx="0">
+                <a:schemeClr val="accent1"/>
+              </a:effectRef>
+              <a:fontRef idx="minor">
+                <a:schemeClr val="lt1"/>
+              </a:fontRef>
+            </p:style>
+            <p:txBody>
+              <a:bodyPr rtlCol="0" anchor="ctr"/>
+              <a:lstStyle/>
+              <a:p>
+                <a:pPr algn="ctr"/>
+                <a:endParaRPr lang="en-US"/>
+              </a:p>
+            </p:txBody>
+          </p:sp>
+          <p:sp>
+            <p:nvSpPr>
+              <p:cNvPr id="66" name="Rounded Rectangle 65">
+                <a:extLst>
+                  <a:ext uri="{FF2B5EF4-FFF2-40B4-BE49-F238E27FC236}">
+                    <a16:creationId xmlns:a16="http://schemas.microsoft.com/office/drawing/2014/main" id="{9EF62082-CDF6-E041-8AB0-CF59EE3E0E4D}"/>
+                  </a:ext>
+                </a:extLst>
+              </p:cNvPr>
+              <p:cNvSpPr/>
+              <p:nvPr/>
+            </p:nvSpPr>
+            <p:spPr>
+              <a:xfrm>
+                <a:off x="192561" y="498764"/>
+                <a:ext cx="2682494" cy="5510463"/>
+              </a:xfrm>
+              <a:prstGeom prst="roundRect">
+                <a:avLst/>
+              </a:prstGeom>
+              <a:solidFill>
+                <a:schemeClr val="bg1"/>
+              </a:solidFill>
+              <a:ln>
+                <a:solidFill>
+                  <a:schemeClr val="tx1"/>
+                </a:solidFill>
+              </a:ln>
+            </p:spPr>
+            <p:style>
+              <a:lnRef idx="2">
+                <a:schemeClr val="accent1">
+                  <a:shade val="50000"/>
+                </a:schemeClr>
+              </a:lnRef>
+              <a:fillRef idx="1">
+                <a:schemeClr val="accent1"/>
+              </a:fillRef>
+              <a:effectRef idx="0">
+                <a:schemeClr val="accent1"/>
+              </a:effectRef>
+              <a:fontRef idx="minor">
+                <a:schemeClr val="lt1"/>
+              </a:fontRef>
+            </p:style>
+            <p:txBody>
+              <a:bodyPr rtlCol="0" anchor="ctr"/>
+              <a:lstStyle/>
+              <a:p>
+                <a:pPr algn="ctr"/>
+                <a:endParaRPr lang="en-US"/>
+              </a:p>
+            </p:txBody>
+          </p:sp>
+          <p:sp>
+            <p:nvSpPr>
+              <p:cNvPr id="67" name="Rounded Rectangle 66">
+                <a:extLst>
+                  <a:ext uri="{FF2B5EF4-FFF2-40B4-BE49-F238E27FC236}">
+                    <a16:creationId xmlns:a16="http://schemas.microsoft.com/office/drawing/2014/main" id="{D96A24D7-696A-E241-BC10-488952F50F8A}"/>
+                  </a:ext>
+                </a:extLst>
+              </p:cNvPr>
+              <p:cNvSpPr/>
+              <p:nvPr/>
+            </p:nvSpPr>
+            <p:spPr>
+              <a:xfrm>
+                <a:off x="967495" y="441175"/>
+                <a:ext cx="1132625" cy="326101"/>
+              </a:xfrm>
+              <a:prstGeom prst="roundRect">
+                <a:avLst>
+                  <a:gd name="adj" fmla="val 41146"/>
+                </a:avLst>
+              </a:prstGeom>
+              <a:solidFill>
+                <a:schemeClr val="tx1"/>
+              </a:solidFill>
+              <a:ln>
+                <a:solidFill>
+                  <a:schemeClr val="tx1"/>
+                </a:solidFill>
+              </a:ln>
+            </p:spPr>
+            <p:style>
+              <a:lnRef idx="2">
+                <a:schemeClr val="accent1">
+                  <a:shade val="50000"/>
+                </a:schemeClr>
+              </a:lnRef>
+              <a:fillRef idx="1">
+                <a:schemeClr val="accent1"/>
+              </a:fillRef>
+              <a:effectRef idx="0">
+                <a:schemeClr val="accent1"/>
+              </a:effectRef>
+              <a:fontRef idx="minor">
+                <a:schemeClr val="lt1"/>
+              </a:fontRef>
+            </p:style>
+            <p:txBody>
+              <a:bodyPr rtlCol="0" anchor="ctr"/>
+              <a:lstStyle/>
+              <a:p>
+                <a:pPr algn="ctr"/>
+                <a:endParaRPr lang="en-US"/>
+              </a:p>
+            </p:txBody>
+          </p:sp>
+          <p:sp>
+            <p:nvSpPr>
+              <p:cNvPr id="68" name="Rounded Rectangle 67">
+                <a:extLst>
+                  <a:ext uri="{FF2B5EF4-FFF2-40B4-BE49-F238E27FC236}">
+                    <a16:creationId xmlns:a16="http://schemas.microsoft.com/office/drawing/2014/main" id="{FCA60496-1D8C-524E-B055-65E2AE08217B}"/>
+                  </a:ext>
+                </a:extLst>
+              </p:cNvPr>
+              <p:cNvSpPr/>
+              <p:nvPr/>
+            </p:nvSpPr>
+            <p:spPr>
+              <a:xfrm>
+                <a:off x="967495" y="431974"/>
+                <a:ext cx="1132625" cy="172251"/>
+              </a:xfrm>
+              <a:prstGeom prst="roundRect">
+                <a:avLst>
+                  <a:gd name="adj" fmla="val 0"/>
+                </a:avLst>
+              </a:prstGeom>
+              <a:solidFill>
+                <a:schemeClr val="tx1"/>
+              </a:solidFill>
+              <a:ln>
+                <a:solidFill>
+                  <a:schemeClr val="tx1"/>
+                </a:solidFill>
+              </a:ln>
+            </p:spPr>
+            <p:style>
+              <a:lnRef idx="2">
+                <a:schemeClr val="accent1">
+                  <a:shade val="50000"/>
+                </a:schemeClr>
+              </a:lnRef>
+              <a:fillRef idx="1">
+                <a:schemeClr val="accent1"/>
+              </a:fillRef>
+              <a:effectRef idx="0">
+                <a:schemeClr val="accent1"/>
+              </a:effectRef>
+              <a:fontRef idx="minor">
+                <a:schemeClr val="lt1"/>
+              </a:fontRef>
+            </p:style>
+            <p:txBody>
+              <a:bodyPr rtlCol="0" anchor="ctr"/>
+              <a:lstStyle/>
+              <a:p>
+                <a:pPr algn="ctr"/>
+                <a:endParaRPr lang="en-US"/>
+              </a:p>
+            </p:txBody>
+          </p:sp>
+          <p:sp>
+            <p:nvSpPr>
+              <p:cNvPr id="69" name="TextBox 68">
+                <a:extLst>
+                  <a:ext uri="{FF2B5EF4-FFF2-40B4-BE49-F238E27FC236}">
+                    <a16:creationId xmlns:a16="http://schemas.microsoft.com/office/drawing/2014/main" id="{4DF77F5D-0203-A84F-A691-8F429F37B306}"/>
+                  </a:ext>
+                </a:extLst>
+              </p:cNvPr>
+              <p:cNvSpPr txBox="1"/>
+              <p:nvPr/>
+            </p:nvSpPr>
+            <p:spPr>
+              <a:xfrm>
+                <a:off x="292122" y="1490782"/>
+                <a:ext cx="2463800" cy="1384995"/>
+              </a:xfrm>
+              <a:prstGeom prst="rect">
+                <a:avLst/>
+              </a:prstGeom>
+              <a:noFill/>
+            </p:spPr>
+            <p:txBody>
+              <a:bodyPr wrap="square" rtlCol="0">
+                <a:spAutoFit/>
+              </a:bodyPr>
+              <a:lstStyle/>
+              <a:p>
+                <a:r>
+                  <a:rPr lang="en-US" sz="2800" dirty="0">
+                    <a:latin typeface="Times" pitchFamily="2" charset="0"/>
+                  </a:rPr>
+                  <a:t>rest. 1:          no</a:t>
+                </a:r>
+              </a:p>
+              <a:p>
+                <a:r>
+                  <a:rPr lang="en-US" sz="2800" dirty="0">
+                    <a:latin typeface="Times" pitchFamily="2" charset="0"/>
+                  </a:rPr>
+                  <a:t>rest. 2:          no</a:t>
+                </a:r>
+              </a:p>
+              <a:p>
+                <a:r>
+                  <a:rPr lang="en-US" sz="2800" dirty="0">
+                    <a:latin typeface="Times" pitchFamily="2" charset="0"/>
+                  </a:rPr>
+                  <a:t>rest. 3:          no</a:t>
+                </a:r>
+              </a:p>
+            </p:txBody>
+          </p:sp>
+          <p:sp>
+            <p:nvSpPr>
+              <p:cNvPr id="70" name="Rounded Rectangle 69">
+                <a:extLst>
+                  <a:ext uri="{FF2B5EF4-FFF2-40B4-BE49-F238E27FC236}">
+                    <a16:creationId xmlns:a16="http://schemas.microsoft.com/office/drawing/2014/main" id="{4BF4940A-C9D6-F542-B699-2B0F056A72E2}"/>
+                  </a:ext>
+                </a:extLst>
+              </p:cNvPr>
+              <p:cNvSpPr/>
+              <p:nvPr/>
+            </p:nvSpPr>
+            <p:spPr>
+              <a:xfrm>
+                <a:off x="61787" y="1364087"/>
+                <a:ext cx="119627" cy="326101"/>
+              </a:xfrm>
+              <a:prstGeom prst="roundRect">
+                <a:avLst>
+                  <a:gd name="adj" fmla="val 41146"/>
+                </a:avLst>
+              </a:prstGeom>
+              <a:solidFill>
+                <a:schemeClr val="tx1"/>
+              </a:solidFill>
+              <a:ln>
+                <a:solidFill>
+                  <a:schemeClr val="tx1"/>
+                </a:solidFill>
+              </a:ln>
+            </p:spPr>
+            <p:style>
+              <a:lnRef idx="2">
+                <a:schemeClr val="accent1">
+                  <a:shade val="50000"/>
+                </a:schemeClr>
+              </a:lnRef>
+              <a:fillRef idx="1">
+                <a:schemeClr val="accent1"/>
+              </a:fillRef>
+              <a:effectRef idx="0">
+                <a:schemeClr val="accent1"/>
+              </a:effectRef>
+              <a:fontRef idx="minor">
+                <a:schemeClr val="lt1"/>
+              </a:fontRef>
+            </p:style>
+            <p:txBody>
+              <a:bodyPr rtlCol="0" anchor="ctr"/>
+              <a:lstStyle/>
+              <a:p>
+                <a:pPr algn="ctr"/>
+                <a:endParaRPr lang="en-US"/>
+              </a:p>
+            </p:txBody>
+          </p:sp>
+          <p:sp>
+            <p:nvSpPr>
+              <p:cNvPr id="71" name="Rounded Rectangle 70">
+                <a:extLst>
+                  <a:ext uri="{FF2B5EF4-FFF2-40B4-BE49-F238E27FC236}">
+                    <a16:creationId xmlns:a16="http://schemas.microsoft.com/office/drawing/2014/main" id="{E71AD13A-FA73-FD4A-A58D-B31158949583}"/>
+                  </a:ext>
+                </a:extLst>
+              </p:cNvPr>
+              <p:cNvSpPr/>
+              <p:nvPr/>
+            </p:nvSpPr>
+            <p:spPr>
+              <a:xfrm>
+                <a:off x="2886202" y="1333751"/>
+                <a:ext cx="119627" cy="326101"/>
+              </a:xfrm>
+              <a:prstGeom prst="roundRect">
+                <a:avLst>
+                  <a:gd name="adj" fmla="val 41146"/>
+                </a:avLst>
+              </a:prstGeom>
+              <a:solidFill>
+                <a:schemeClr val="tx1"/>
+              </a:solidFill>
+              <a:ln>
+                <a:solidFill>
+                  <a:schemeClr val="tx1"/>
+                </a:solidFill>
+              </a:ln>
+            </p:spPr>
+            <p:style>
+              <a:lnRef idx="2">
+                <a:schemeClr val="accent1">
+                  <a:shade val="50000"/>
+                </a:schemeClr>
+              </a:lnRef>
+              <a:fillRef idx="1">
+                <a:schemeClr val="accent1"/>
+              </a:fillRef>
+              <a:effectRef idx="0">
+                <a:schemeClr val="accent1"/>
+              </a:effectRef>
+              <a:fontRef idx="minor">
+                <a:schemeClr val="lt1"/>
+              </a:fontRef>
+            </p:style>
+            <p:txBody>
+              <a:bodyPr rtlCol="0" anchor="ctr"/>
+              <a:lstStyle/>
+              <a:p>
+                <a:pPr algn="ctr"/>
+                <a:endParaRPr lang="en-US"/>
+              </a:p>
+            </p:txBody>
+          </p:sp>
+          <p:sp>
+            <p:nvSpPr>
+              <p:cNvPr id="72" name="Rounded Rectangle 71">
+                <a:extLst>
+                  <a:ext uri="{FF2B5EF4-FFF2-40B4-BE49-F238E27FC236}">
+                    <a16:creationId xmlns:a16="http://schemas.microsoft.com/office/drawing/2014/main" id="{46DA8EDB-3D0B-154B-AD53-F411017E1A46}"/>
+                  </a:ext>
+                </a:extLst>
+              </p:cNvPr>
+              <p:cNvSpPr/>
+              <p:nvPr/>
+            </p:nvSpPr>
+            <p:spPr>
+              <a:xfrm>
+                <a:off x="2886202" y="1742570"/>
+                <a:ext cx="119627" cy="326101"/>
+              </a:xfrm>
+              <a:prstGeom prst="roundRect">
+                <a:avLst>
+                  <a:gd name="adj" fmla="val 41146"/>
+                </a:avLst>
+              </a:prstGeom>
+              <a:solidFill>
+                <a:schemeClr val="tx1"/>
+              </a:solidFill>
+              <a:ln>
+                <a:solidFill>
+                  <a:schemeClr val="tx1"/>
+                </a:solidFill>
+              </a:ln>
+            </p:spPr>
+            <p:style>
+              <a:lnRef idx="2">
+                <a:schemeClr val="accent1">
+                  <a:shade val="50000"/>
+                </a:schemeClr>
+              </a:lnRef>
+              <a:fillRef idx="1">
+                <a:schemeClr val="accent1"/>
+              </a:fillRef>
+              <a:effectRef idx="0">
+                <a:schemeClr val="accent1"/>
+              </a:effectRef>
+              <a:fontRef idx="minor">
+                <a:schemeClr val="lt1"/>
+              </a:fontRef>
+            </p:style>
+            <p:txBody>
+              <a:bodyPr rtlCol="0" anchor="ctr"/>
+              <a:lstStyle/>
+              <a:p>
+                <a:pPr algn="ctr"/>
+                <a:endParaRPr lang="en-US"/>
+              </a:p>
+            </p:txBody>
+          </p:sp>
+          <p:sp>
+            <p:nvSpPr>
+              <p:cNvPr id="73" name="Rounded Rectangle 72">
+                <a:extLst>
+                  <a:ext uri="{FF2B5EF4-FFF2-40B4-BE49-F238E27FC236}">
+                    <a16:creationId xmlns:a16="http://schemas.microsoft.com/office/drawing/2014/main" id="{9943351D-A035-A347-A5EA-AE2579C7E8C0}"/>
+                  </a:ext>
+                </a:extLst>
+              </p:cNvPr>
+              <p:cNvSpPr/>
+              <p:nvPr/>
+            </p:nvSpPr>
+            <p:spPr>
+              <a:xfrm>
+                <a:off x="335417" y="971905"/>
+                <a:ext cx="2396779" cy="279975"/>
+              </a:xfrm>
+              <a:prstGeom prst="roundRect">
+                <a:avLst>
+                  <a:gd name="adj" fmla="val 50000"/>
+                </a:avLst>
+              </a:prstGeom>
+              <a:solidFill>
+                <a:schemeClr val="tx2">
+                  <a:lumMod val="20000"/>
+                  <a:lumOff val="80000"/>
+                </a:schemeClr>
+              </a:solidFill>
+              <a:ln>
+                <a:solidFill>
+                  <a:schemeClr val="tx1"/>
+                </a:solidFill>
+              </a:ln>
+            </p:spPr>
+            <p:style>
+              <a:lnRef idx="2">
+                <a:schemeClr val="accent1">
+                  <a:shade val="50000"/>
+                </a:schemeClr>
+              </a:lnRef>
+              <a:fillRef idx="1">
+                <a:schemeClr val="accent1"/>
+              </a:fillRef>
+              <a:effectRef idx="0">
+                <a:schemeClr val="accent1"/>
+              </a:effectRef>
+              <a:fontRef idx="minor">
+                <a:schemeClr val="lt1"/>
+              </a:fontRef>
+            </p:style>
+            <p:txBody>
+              <a:bodyPr rtlCol="0" anchor="ctr"/>
+              <a:lstStyle/>
+              <a:p>
+                <a:pPr algn="ctr"/>
+                <a:endParaRPr lang="en-US"/>
+              </a:p>
+            </p:txBody>
+          </p:sp>
+        </p:grpSp>
+        <p:sp>
+          <p:nvSpPr>
+            <p:cNvPr id="77" name="Rectangle 76">
+              <a:extLst>
+                <a:ext uri="{FF2B5EF4-FFF2-40B4-BE49-F238E27FC236}">
+                  <a16:creationId xmlns:a16="http://schemas.microsoft.com/office/drawing/2014/main" id="{288F0292-4EFB-F74C-8EE3-99BAFF516CDD}"/>
+                </a:ext>
+              </a:extLst>
+            </p:cNvPr>
+            <p:cNvSpPr/>
+            <p:nvPr/>
+          </p:nvSpPr>
+          <p:spPr>
+            <a:xfrm>
+              <a:off x="8265285" y="436556"/>
+              <a:ext cx="2944042" cy="5693108"/>
+            </a:xfrm>
+            <a:prstGeom prst="rect">
+              <a:avLst/>
+            </a:prstGeom>
+            <a:noFill/>
+            <a:ln w="28575">
+              <a:solidFill>
+                <a:srgbClr val="C00000"/>
+              </a:solidFill>
             </a:ln>
           </p:spPr>
           <p:style>
@@ -10526,609 +11191,7 @@
             </a:p>
           </p:txBody>
         </p:sp>
-        <p:sp>
-          <p:nvSpPr>
-            <p:cNvPr id="66" name="Rounded Rectangle 65">
-              <a:extLst>
-                <a:ext uri="{FF2B5EF4-FFF2-40B4-BE49-F238E27FC236}">
-                  <a16:creationId xmlns:a16="http://schemas.microsoft.com/office/drawing/2014/main" id="{9EF62082-CDF6-E041-8AB0-CF59EE3E0E4D}"/>
-                </a:ext>
-              </a:extLst>
-            </p:cNvPr>
-            <p:cNvSpPr/>
-            <p:nvPr/>
-          </p:nvSpPr>
-          <p:spPr>
-            <a:xfrm>
-              <a:off x="192561" y="498764"/>
-              <a:ext cx="2682494" cy="5510463"/>
-            </a:xfrm>
-            <a:prstGeom prst="roundRect">
-              <a:avLst/>
-            </a:prstGeom>
-            <a:solidFill>
-              <a:schemeClr val="bg1"/>
-            </a:solidFill>
-            <a:ln>
-              <a:solidFill>
-                <a:schemeClr val="tx1"/>
-              </a:solidFill>
-            </a:ln>
-          </p:spPr>
-          <p:style>
-            <a:lnRef idx="2">
-              <a:schemeClr val="accent1">
-                <a:shade val="50000"/>
-              </a:schemeClr>
-            </a:lnRef>
-            <a:fillRef idx="1">
-              <a:schemeClr val="accent1"/>
-            </a:fillRef>
-            <a:effectRef idx="0">
-              <a:schemeClr val="accent1"/>
-            </a:effectRef>
-            <a:fontRef idx="minor">
-              <a:schemeClr val="lt1"/>
-            </a:fontRef>
-          </p:style>
-          <p:txBody>
-            <a:bodyPr rtlCol="0" anchor="ctr"/>
-            <a:lstStyle/>
-            <a:p>
-              <a:pPr algn="ctr"/>
-              <a:endParaRPr lang="en-US"/>
-            </a:p>
-          </p:txBody>
-        </p:sp>
-        <p:sp>
-          <p:nvSpPr>
-            <p:cNvPr id="67" name="Rounded Rectangle 66">
-              <a:extLst>
-                <a:ext uri="{FF2B5EF4-FFF2-40B4-BE49-F238E27FC236}">
-                  <a16:creationId xmlns:a16="http://schemas.microsoft.com/office/drawing/2014/main" id="{D96A24D7-696A-E241-BC10-488952F50F8A}"/>
-                </a:ext>
-              </a:extLst>
-            </p:cNvPr>
-            <p:cNvSpPr/>
-            <p:nvPr/>
-          </p:nvSpPr>
-          <p:spPr>
-            <a:xfrm>
-              <a:off x="967495" y="441175"/>
-              <a:ext cx="1132625" cy="326101"/>
-            </a:xfrm>
-            <a:prstGeom prst="roundRect">
-              <a:avLst>
-                <a:gd name="adj" fmla="val 41146"/>
-              </a:avLst>
-            </a:prstGeom>
-            <a:solidFill>
-              <a:schemeClr val="tx1"/>
-            </a:solidFill>
-            <a:ln>
-              <a:solidFill>
-                <a:schemeClr val="tx1"/>
-              </a:solidFill>
-            </a:ln>
-          </p:spPr>
-          <p:style>
-            <a:lnRef idx="2">
-              <a:schemeClr val="accent1">
-                <a:shade val="50000"/>
-              </a:schemeClr>
-            </a:lnRef>
-            <a:fillRef idx="1">
-              <a:schemeClr val="accent1"/>
-            </a:fillRef>
-            <a:effectRef idx="0">
-              <a:schemeClr val="accent1"/>
-            </a:effectRef>
-            <a:fontRef idx="minor">
-              <a:schemeClr val="lt1"/>
-            </a:fontRef>
-          </p:style>
-          <p:txBody>
-            <a:bodyPr rtlCol="0" anchor="ctr"/>
-            <a:lstStyle/>
-            <a:p>
-              <a:pPr algn="ctr"/>
-              <a:endParaRPr lang="en-US"/>
-            </a:p>
-          </p:txBody>
-        </p:sp>
-        <p:sp>
-          <p:nvSpPr>
-            <p:cNvPr id="68" name="Rounded Rectangle 67">
-              <a:extLst>
-                <a:ext uri="{FF2B5EF4-FFF2-40B4-BE49-F238E27FC236}">
-                  <a16:creationId xmlns:a16="http://schemas.microsoft.com/office/drawing/2014/main" id="{FCA60496-1D8C-524E-B055-65E2AE08217B}"/>
-                </a:ext>
-              </a:extLst>
-            </p:cNvPr>
-            <p:cNvSpPr/>
-            <p:nvPr/>
-          </p:nvSpPr>
-          <p:spPr>
-            <a:xfrm>
-              <a:off x="967495" y="431974"/>
-              <a:ext cx="1132625" cy="172251"/>
-            </a:xfrm>
-            <a:prstGeom prst="roundRect">
-              <a:avLst>
-                <a:gd name="adj" fmla="val 0"/>
-              </a:avLst>
-            </a:prstGeom>
-            <a:solidFill>
-              <a:schemeClr val="tx1"/>
-            </a:solidFill>
-            <a:ln>
-              <a:solidFill>
-                <a:schemeClr val="tx1"/>
-              </a:solidFill>
-            </a:ln>
-          </p:spPr>
-          <p:style>
-            <a:lnRef idx="2">
-              <a:schemeClr val="accent1">
-                <a:shade val="50000"/>
-              </a:schemeClr>
-            </a:lnRef>
-            <a:fillRef idx="1">
-              <a:schemeClr val="accent1"/>
-            </a:fillRef>
-            <a:effectRef idx="0">
-              <a:schemeClr val="accent1"/>
-            </a:effectRef>
-            <a:fontRef idx="minor">
-              <a:schemeClr val="lt1"/>
-            </a:fontRef>
-          </p:style>
-          <p:txBody>
-            <a:bodyPr rtlCol="0" anchor="ctr"/>
-            <a:lstStyle/>
-            <a:p>
-              <a:pPr algn="ctr"/>
-              <a:endParaRPr lang="en-US"/>
-            </a:p>
-          </p:txBody>
-        </p:sp>
-        <p:sp>
-          <p:nvSpPr>
-            <p:cNvPr id="69" name="TextBox 68">
-              <a:extLst>
-                <a:ext uri="{FF2B5EF4-FFF2-40B4-BE49-F238E27FC236}">
-                  <a16:creationId xmlns:a16="http://schemas.microsoft.com/office/drawing/2014/main" id="{4DF77F5D-0203-A84F-A691-8F429F37B306}"/>
-                </a:ext>
-              </a:extLst>
-            </p:cNvPr>
-            <p:cNvSpPr txBox="1"/>
-            <p:nvPr/>
-          </p:nvSpPr>
-          <p:spPr>
-            <a:xfrm>
-              <a:off x="292122" y="1490782"/>
-              <a:ext cx="2463800" cy="1384995"/>
-            </a:xfrm>
-            <a:prstGeom prst="rect">
-              <a:avLst/>
-            </a:prstGeom>
-            <a:noFill/>
-          </p:spPr>
-          <p:txBody>
-            <a:bodyPr wrap="square" rtlCol="0">
-              <a:spAutoFit/>
-            </a:bodyPr>
-            <a:lstStyle/>
-            <a:p>
-              <a:r>
-                <a:rPr lang="en-US" sz="2800" dirty="0">
-                  <a:latin typeface="Times" pitchFamily="2" charset="0"/>
-                </a:rPr>
-                <a:t>rest. 1:          no</a:t>
-              </a:r>
-            </a:p>
-            <a:p>
-              <a:r>
-                <a:rPr lang="en-US" sz="2800" dirty="0">
-                  <a:latin typeface="Times" pitchFamily="2" charset="0"/>
-                </a:rPr>
-                <a:t>rest. 2:          no</a:t>
-              </a:r>
-            </a:p>
-            <a:p>
-              <a:r>
-                <a:rPr lang="en-US" sz="2800" dirty="0">
-                  <a:latin typeface="Times" pitchFamily="2" charset="0"/>
-                </a:rPr>
-                <a:t>rest. 3:          no</a:t>
-              </a:r>
-            </a:p>
-          </p:txBody>
-        </p:sp>
-        <p:sp>
-          <p:nvSpPr>
-            <p:cNvPr id="70" name="Rounded Rectangle 69">
-              <a:extLst>
-                <a:ext uri="{FF2B5EF4-FFF2-40B4-BE49-F238E27FC236}">
-                  <a16:creationId xmlns:a16="http://schemas.microsoft.com/office/drawing/2014/main" id="{4BF4940A-C9D6-F542-B699-2B0F056A72E2}"/>
-                </a:ext>
-              </a:extLst>
-            </p:cNvPr>
-            <p:cNvSpPr/>
-            <p:nvPr/>
-          </p:nvSpPr>
-          <p:spPr>
-            <a:xfrm>
-              <a:off x="61787" y="1364087"/>
-              <a:ext cx="119627" cy="326101"/>
-            </a:xfrm>
-            <a:prstGeom prst="roundRect">
-              <a:avLst>
-                <a:gd name="adj" fmla="val 41146"/>
-              </a:avLst>
-            </a:prstGeom>
-            <a:solidFill>
-              <a:schemeClr val="tx1"/>
-            </a:solidFill>
-            <a:ln>
-              <a:solidFill>
-                <a:schemeClr val="tx1"/>
-              </a:solidFill>
-            </a:ln>
-          </p:spPr>
-          <p:style>
-            <a:lnRef idx="2">
-              <a:schemeClr val="accent1">
-                <a:shade val="50000"/>
-              </a:schemeClr>
-            </a:lnRef>
-            <a:fillRef idx="1">
-              <a:schemeClr val="accent1"/>
-            </a:fillRef>
-            <a:effectRef idx="0">
-              <a:schemeClr val="accent1"/>
-            </a:effectRef>
-            <a:fontRef idx="minor">
-              <a:schemeClr val="lt1"/>
-            </a:fontRef>
-          </p:style>
-          <p:txBody>
-            <a:bodyPr rtlCol="0" anchor="ctr"/>
-            <a:lstStyle/>
-            <a:p>
-              <a:pPr algn="ctr"/>
-              <a:endParaRPr lang="en-US"/>
-            </a:p>
-          </p:txBody>
-        </p:sp>
-        <p:sp>
-          <p:nvSpPr>
-            <p:cNvPr id="71" name="Rounded Rectangle 70">
-              <a:extLst>
-                <a:ext uri="{FF2B5EF4-FFF2-40B4-BE49-F238E27FC236}">
-                  <a16:creationId xmlns:a16="http://schemas.microsoft.com/office/drawing/2014/main" id="{E71AD13A-FA73-FD4A-A58D-B31158949583}"/>
-                </a:ext>
-              </a:extLst>
-            </p:cNvPr>
-            <p:cNvSpPr/>
-            <p:nvPr/>
-          </p:nvSpPr>
-          <p:spPr>
-            <a:xfrm>
-              <a:off x="2886202" y="1333751"/>
-              <a:ext cx="119627" cy="326101"/>
-            </a:xfrm>
-            <a:prstGeom prst="roundRect">
-              <a:avLst>
-                <a:gd name="adj" fmla="val 41146"/>
-              </a:avLst>
-            </a:prstGeom>
-            <a:solidFill>
-              <a:schemeClr val="tx1"/>
-            </a:solidFill>
-            <a:ln>
-              <a:solidFill>
-                <a:schemeClr val="tx1"/>
-              </a:solidFill>
-            </a:ln>
-          </p:spPr>
-          <p:style>
-            <a:lnRef idx="2">
-              <a:schemeClr val="accent1">
-                <a:shade val="50000"/>
-              </a:schemeClr>
-            </a:lnRef>
-            <a:fillRef idx="1">
-              <a:schemeClr val="accent1"/>
-            </a:fillRef>
-            <a:effectRef idx="0">
-              <a:schemeClr val="accent1"/>
-            </a:effectRef>
-            <a:fontRef idx="minor">
-              <a:schemeClr val="lt1"/>
-            </a:fontRef>
-          </p:style>
-          <p:txBody>
-            <a:bodyPr rtlCol="0" anchor="ctr"/>
-            <a:lstStyle/>
-            <a:p>
-              <a:pPr algn="ctr"/>
-              <a:endParaRPr lang="en-US"/>
-            </a:p>
-          </p:txBody>
-        </p:sp>
-        <p:sp>
-          <p:nvSpPr>
-            <p:cNvPr id="72" name="Rounded Rectangle 71">
-              <a:extLst>
-                <a:ext uri="{FF2B5EF4-FFF2-40B4-BE49-F238E27FC236}">
-                  <a16:creationId xmlns:a16="http://schemas.microsoft.com/office/drawing/2014/main" id="{46DA8EDB-3D0B-154B-AD53-F411017E1A46}"/>
-                </a:ext>
-              </a:extLst>
-            </p:cNvPr>
-            <p:cNvSpPr/>
-            <p:nvPr/>
-          </p:nvSpPr>
-          <p:spPr>
-            <a:xfrm>
-              <a:off x="2886202" y="1742570"/>
-              <a:ext cx="119627" cy="326101"/>
-            </a:xfrm>
-            <a:prstGeom prst="roundRect">
-              <a:avLst>
-                <a:gd name="adj" fmla="val 41146"/>
-              </a:avLst>
-            </a:prstGeom>
-            <a:solidFill>
-              <a:schemeClr val="tx1"/>
-            </a:solidFill>
-            <a:ln>
-              <a:solidFill>
-                <a:schemeClr val="tx1"/>
-              </a:solidFill>
-            </a:ln>
-          </p:spPr>
-          <p:style>
-            <a:lnRef idx="2">
-              <a:schemeClr val="accent1">
-                <a:shade val="50000"/>
-              </a:schemeClr>
-            </a:lnRef>
-            <a:fillRef idx="1">
-              <a:schemeClr val="accent1"/>
-            </a:fillRef>
-            <a:effectRef idx="0">
-              <a:schemeClr val="accent1"/>
-            </a:effectRef>
-            <a:fontRef idx="minor">
-              <a:schemeClr val="lt1"/>
-            </a:fontRef>
-          </p:style>
-          <p:txBody>
-            <a:bodyPr rtlCol="0" anchor="ctr"/>
-            <a:lstStyle/>
-            <a:p>
-              <a:pPr algn="ctr"/>
-              <a:endParaRPr lang="en-US"/>
-            </a:p>
-          </p:txBody>
-        </p:sp>
-        <p:sp>
-          <p:nvSpPr>
-            <p:cNvPr id="73" name="Rounded Rectangle 72">
-              <a:extLst>
-                <a:ext uri="{FF2B5EF4-FFF2-40B4-BE49-F238E27FC236}">
-                  <a16:creationId xmlns:a16="http://schemas.microsoft.com/office/drawing/2014/main" id="{9943351D-A035-A347-A5EA-AE2579C7E8C0}"/>
-                </a:ext>
-              </a:extLst>
-            </p:cNvPr>
-            <p:cNvSpPr/>
-            <p:nvPr/>
-          </p:nvSpPr>
-          <p:spPr>
-            <a:xfrm>
-              <a:off x="335417" y="971905"/>
-              <a:ext cx="2396779" cy="279975"/>
-            </a:xfrm>
-            <a:prstGeom prst="roundRect">
-              <a:avLst>
-                <a:gd name="adj" fmla="val 50000"/>
-              </a:avLst>
-            </a:prstGeom>
-            <a:solidFill>
-              <a:schemeClr val="tx2">
-                <a:lumMod val="20000"/>
-                <a:lumOff val="80000"/>
-              </a:schemeClr>
-            </a:solidFill>
-            <a:ln>
-              <a:solidFill>
-                <a:schemeClr val="tx1"/>
-              </a:solidFill>
-            </a:ln>
-          </p:spPr>
-          <p:style>
-            <a:lnRef idx="2">
-              <a:schemeClr val="accent1">
-                <a:shade val="50000"/>
-              </a:schemeClr>
-            </a:lnRef>
-            <a:fillRef idx="1">
-              <a:schemeClr val="accent1"/>
-            </a:fillRef>
-            <a:effectRef idx="0">
-              <a:schemeClr val="accent1"/>
-            </a:effectRef>
-            <a:fontRef idx="minor">
-              <a:schemeClr val="lt1"/>
-            </a:fontRef>
-          </p:style>
-          <p:txBody>
-            <a:bodyPr rtlCol="0" anchor="ctr"/>
-            <a:lstStyle/>
-            <a:p>
-              <a:pPr algn="ctr"/>
-              <a:endParaRPr lang="en-US"/>
-            </a:p>
-          </p:txBody>
-        </p:sp>
       </p:grpSp>
-      <p:sp>
-        <p:nvSpPr>
-          <p:cNvPr id="5" name="Rectangle 4">
-            <a:extLst>
-              <a:ext uri="{FF2B5EF4-FFF2-40B4-BE49-F238E27FC236}">
-                <a16:creationId xmlns:a16="http://schemas.microsoft.com/office/drawing/2014/main" id="{D8F5E2B0-7502-0B44-8469-DA20A4BA4E71}"/>
-              </a:ext>
-            </a:extLst>
-          </p:cNvPr>
-          <p:cNvSpPr/>
-          <p:nvPr/>
-        </p:nvSpPr>
-        <p:spPr>
-          <a:xfrm>
-            <a:off x="896112" y="436556"/>
-            <a:ext cx="2944042" cy="5693108"/>
-          </a:xfrm>
-          <a:prstGeom prst="rect">
-            <a:avLst/>
-          </a:prstGeom>
-          <a:noFill/>
-          <a:ln w="28575">
-            <a:solidFill>
-              <a:srgbClr val="C00000"/>
-            </a:solidFill>
-          </a:ln>
-        </p:spPr>
-        <p:style>
-          <a:lnRef idx="2">
-            <a:schemeClr val="accent1">
-              <a:shade val="50000"/>
-            </a:schemeClr>
-          </a:lnRef>
-          <a:fillRef idx="1">
-            <a:schemeClr val="accent1"/>
-          </a:fillRef>
-          <a:effectRef idx="0">
-            <a:schemeClr val="accent1"/>
-          </a:effectRef>
-          <a:fontRef idx="minor">
-            <a:schemeClr val="lt1"/>
-          </a:fontRef>
-        </p:style>
-        <p:txBody>
-          <a:bodyPr rtlCol="0" anchor="ctr"/>
-          <a:lstStyle/>
-          <a:p>
-            <a:pPr algn="ctr"/>
-            <a:endParaRPr lang="en-US"/>
-          </a:p>
-        </p:txBody>
-      </p:sp>
-      <p:sp>
-        <p:nvSpPr>
-          <p:cNvPr id="76" name="Rectangle 75">
-            <a:extLst>
-              <a:ext uri="{FF2B5EF4-FFF2-40B4-BE49-F238E27FC236}">
-                <a16:creationId xmlns:a16="http://schemas.microsoft.com/office/drawing/2014/main" id="{6218B3E0-14D4-BE40-AB92-FB2A78A4566E}"/>
-              </a:ext>
-            </a:extLst>
-          </p:cNvPr>
-          <p:cNvSpPr/>
-          <p:nvPr/>
-        </p:nvSpPr>
-        <p:spPr>
-          <a:xfrm>
-            <a:off x="4487863" y="463775"/>
-            <a:ext cx="2944042" cy="5693108"/>
-          </a:xfrm>
-          <a:prstGeom prst="rect">
-            <a:avLst/>
-          </a:prstGeom>
-          <a:noFill/>
-          <a:ln w="28575">
-            <a:solidFill>
-              <a:srgbClr val="C00000"/>
-            </a:solidFill>
-          </a:ln>
-        </p:spPr>
-        <p:style>
-          <a:lnRef idx="2">
-            <a:schemeClr val="accent1">
-              <a:shade val="50000"/>
-            </a:schemeClr>
-          </a:lnRef>
-          <a:fillRef idx="1">
-            <a:schemeClr val="accent1"/>
-          </a:fillRef>
-          <a:effectRef idx="0">
-            <a:schemeClr val="accent1"/>
-          </a:effectRef>
-          <a:fontRef idx="minor">
-            <a:schemeClr val="lt1"/>
-          </a:fontRef>
-        </p:style>
-        <p:txBody>
-          <a:bodyPr rtlCol="0" anchor="ctr"/>
-          <a:lstStyle/>
-          <a:p>
-            <a:pPr algn="ctr"/>
-            <a:endParaRPr lang="en-US"/>
-          </a:p>
-        </p:txBody>
-      </p:sp>
-      <p:sp>
-        <p:nvSpPr>
-          <p:cNvPr id="77" name="Rectangle 76">
-            <a:extLst>
-              <a:ext uri="{FF2B5EF4-FFF2-40B4-BE49-F238E27FC236}">
-                <a16:creationId xmlns:a16="http://schemas.microsoft.com/office/drawing/2014/main" id="{288F0292-4EFB-F74C-8EE3-99BAFF516CDD}"/>
-              </a:ext>
-            </a:extLst>
-          </p:cNvPr>
-          <p:cNvSpPr/>
-          <p:nvPr/>
-        </p:nvSpPr>
-        <p:spPr>
-          <a:xfrm>
-            <a:off x="8265285" y="436556"/>
-            <a:ext cx="2944042" cy="5693108"/>
-          </a:xfrm>
-          <a:prstGeom prst="rect">
-            <a:avLst/>
-          </a:prstGeom>
-          <a:noFill/>
-          <a:ln w="28575">
-            <a:solidFill>
-              <a:srgbClr val="C00000"/>
-            </a:solidFill>
-          </a:ln>
-        </p:spPr>
-        <p:style>
-          <a:lnRef idx="2">
-            <a:schemeClr val="accent1">
-              <a:shade val="50000"/>
-            </a:schemeClr>
-          </a:lnRef>
-          <a:fillRef idx="1">
-            <a:schemeClr val="accent1"/>
-          </a:fillRef>
-          <a:effectRef idx="0">
-            <a:schemeClr val="accent1"/>
-          </a:effectRef>
-          <a:fontRef idx="minor">
-            <a:schemeClr val="lt1"/>
-          </a:fontRef>
-        </p:style>
-        <p:txBody>
-          <a:bodyPr rtlCol="0" anchor="ctr"/>
-          <a:lstStyle/>
-          <a:p>
-            <a:pPr algn="ctr"/>
-            <a:endParaRPr lang="en-US"/>
-          </a:p>
-        </p:txBody>
-      </p:sp>
     </p:spTree>
     <p:extLst>
       <p:ext uri="{BB962C8B-B14F-4D97-AF65-F5344CB8AC3E}">
@@ -12038,10 +12101,10 @@
       </p:grpSp>
       <p:grpSp>
         <p:nvGrpSpPr>
-          <p:cNvPr id="19" name="Group 18">
+          <p:cNvPr id="6" name="Group 5">
             <a:extLst>
               <a:ext uri="{FF2B5EF4-FFF2-40B4-BE49-F238E27FC236}">
-                <a16:creationId xmlns:a16="http://schemas.microsoft.com/office/drawing/2014/main" id="{445539D6-8BFB-AF4F-B639-A1B1DEAD5660}"/>
+                <a16:creationId xmlns:a16="http://schemas.microsoft.com/office/drawing/2014/main" id="{006CBC07-5C6E-D34E-8498-42ABB713A573}"/>
               </a:ext>
             </a:extLst>
           </p:cNvPr>
@@ -12051,38 +12114,725 @@
         <p:grpSpPr>
           <a:xfrm>
             <a:off x="7606929" y="246965"/>
-            <a:ext cx="2944042" cy="5693107"/>
-            <a:chOff x="3345314" y="246966"/>
-            <a:chExt cx="2944042" cy="5693107"/>
+            <a:ext cx="2944042" cy="5693108"/>
+            <a:chOff x="7606929" y="246965"/>
+            <a:chExt cx="2944042" cy="5693108"/>
           </a:xfrm>
         </p:grpSpPr>
-        <p:sp>
-          <p:nvSpPr>
-            <p:cNvPr id="20" name="Rounded Rectangle 19">
-              <a:extLst>
-                <a:ext uri="{FF2B5EF4-FFF2-40B4-BE49-F238E27FC236}">
-                  <a16:creationId xmlns:a16="http://schemas.microsoft.com/office/drawing/2014/main" id="{9DADD19B-875E-F74D-B6E7-DDEE62ED51BE}"/>
-                </a:ext>
-              </a:extLst>
-            </p:cNvPr>
-            <p:cNvSpPr/>
-            <p:nvPr/>
-          </p:nvSpPr>
-          <p:spPr>
-            <a:xfrm>
-              <a:off x="3380135" y="246966"/>
-              <a:ext cx="2875265" cy="5693107"/>
-            </a:xfrm>
-            <a:prstGeom prst="roundRect">
-              <a:avLst/>
-            </a:prstGeom>
-            <a:solidFill>
-              <a:schemeClr val="tx1"/>
-            </a:solidFill>
-            <a:ln>
+        <p:grpSp>
+          <p:nvGrpSpPr>
+            <p:cNvPr id="19" name="Group 18">
+              <a:extLst>
+                <a:ext uri="{FF2B5EF4-FFF2-40B4-BE49-F238E27FC236}">
+                  <a16:creationId xmlns:a16="http://schemas.microsoft.com/office/drawing/2014/main" id="{445539D6-8BFB-AF4F-B639-A1B1DEAD5660}"/>
+                </a:ext>
+              </a:extLst>
+            </p:cNvPr>
+            <p:cNvGrpSpPr/>
+            <p:nvPr/>
+          </p:nvGrpSpPr>
+          <p:grpSpPr>
+            <a:xfrm>
+              <a:off x="7606929" y="246965"/>
+              <a:ext cx="2944042" cy="5693107"/>
+              <a:chOff x="3345314" y="246966"/>
+              <a:chExt cx="2944042" cy="5693107"/>
+            </a:xfrm>
+          </p:grpSpPr>
+          <p:sp>
+            <p:nvSpPr>
+              <p:cNvPr id="20" name="Rounded Rectangle 19">
+                <a:extLst>
+                  <a:ext uri="{FF2B5EF4-FFF2-40B4-BE49-F238E27FC236}">
+                    <a16:creationId xmlns:a16="http://schemas.microsoft.com/office/drawing/2014/main" id="{9DADD19B-875E-F74D-B6E7-DDEE62ED51BE}"/>
+                  </a:ext>
+                </a:extLst>
+              </p:cNvPr>
+              <p:cNvSpPr/>
+              <p:nvPr/>
+            </p:nvSpPr>
+            <p:spPr>
+              <a:xfrm>
+                <a:off x="3380135" y="246966"/>
+                <a:ext cx="2875265" cy="5693107"/>
+              </a:xfrm>
+              <a:prstGeom prst="roundRect">
+                <a:avLst/>
+              </a:prstGeom>
               <a:solidFill>
                 <a:schemeClr val="tx1"/>
               </a:solidFill>
+              <a:ln>
+                <a:solidFill>
+                  <a:schemeClr val="tx1"/>
+                </a:solidFill>
+              </a:ln>
+            </p:spPr>
+            <p:style>
+              <a:lnRef idx="2">
+                <a:schemeClr val="accent1">
+                  <a:shade val="50000"/>
+                </a:schemeClr>
+              </a:lnRef>
+              <a:fillRef idx="1">
+                <a:schemeClr val="accent1"/>
+              </a:fillRef>
+              <a:effectRef idx="0">
+                <a:schemeClr val="accent1"/>
+              </a:effectRef>
+              <a:fontRef idx="minor">
+                <a:schemeClr val="lt1"/>
+              </a:fontRef>
+            </p:style>
+            <p:txBody>
+              <a:bodyPr rtlCol="0" anchor="ctr"/>
+              <a:lstStyle/>
+              <a:p>
+                <a:pPr algn="ctr"/>
+                <a:endParaRPr lang="en-US"/>
+              </a:p>
+            </p:txBody>
+          </p:sp>
+          <p:sp>
+            <p:nvSpPr>
+              <p:cNvPr id="21" name="Rounded Rectangle 20">
+                <a:extLst>
+                  <a:ext uri="{FF2B5EF4-FFF2-40B4-BE49-F238E27FC236}">
+                    <a16:creationId xmlns:a16="http://schemas.microsoft.com/office/drawing/2014/main" id="{ABD22F0A-E2DD-4144-926F-E298BCB3BF0C}"/>
+                  </a:ext>
+                </a:extLst>
+              </p:cNvPr>
+              <p:cNvSpPr/>
+              <p:nvPr/>
+            </p:nvSpPr>
+            <p:spPr>
+              <a:xfrm>
+                <a:off x="3345314" y="1206298"/>
+                <a:ext cx="119627" cy="326101"/>
+              </a:xfrm>
+              <a:prstGeom prst="roundRect">
+                <a:avLst>
+                  <a:gd name="adj" fmla="val 41146"/>
+                </a:avLst>
+              </a:prstGeom>
+              <a:solidFill>
+                <a:schemeClr val="tx1"/>
+              </a:solidFill>
+              <a:ln>
+                <a:solidFill>
+                  <a:schemeClr val="tx1"/>
+                </a:solidFill>
+              </a:ln>
+            </p:spPr>
+            <p:style>
+              <a:lnRef idx="2">
+                <a:schemeClr val="accent1">
+                  <a:shade val="50000"/>
+                </a:schemeClr>
+              </a:lnRef>
+              <a:fillRef idx="1">
+                <a:schemeClr val="accent1"/>
+              </a:fillRef>
+              <a:effectRef idx="0">
+                <a:schemeClr val="accent1"/>
+              </a:effectRef>
+              <a:fontRef idx="minor">
+                <a:schemeClr val="lt1"/>
+              </a:fontRef>
+            </p:style>
+            <p:txBody>
+              <a:bodyPr rtlCol="0" anchor="ctr"/>
+              <a:lstStyle/>
+              <a:p>
+                <a:pPr algn="ctr"/>
+                <a:endParaRPr lang="en-US"/>
+              </a:p>
+            </p:txBody>
+          </p:sp>
+          <p:sp>
+            <p:nvSpPr>
+              <p:cNvPr id="22" name="Rounded Rectangle 21">
+                <a:extLst>
+                  <a:ext uri="{FF2B5EF4-FFF2-40B4-BE49-F238E27FC236}">
+                    <a16:creationId xmlns:a16="http://schemas.microsoft.com/office/drawing/2014/main" id="{5CC780C4-4D60-224A-97AF-D62DF8526668}"/>
+                  </a:ext>
+                </a:extLst>
+              </p:cNvPr>
+              <p:cNvSpPr/>
+              <p:nvPr/>
+            </p:nvSpPr>
+            <p:spPr>
+              <a:xfrm>
+                <a:off x="6169729" y="1175962"/>
+                <a:ext cx="119627" cy="326101"/>
+              </a:xfrm>
+              <a:prstGeom prst="roundRect">
+                <a:avLst>
+                  <a:gd name="adj" fmla="val 41146"/>
+                </a:avLst>
+              </a:prstGeom>
+              <a:solidFill>
+                <a:schemeClr val="tx1"/>
+              </a:solidFill>
+              <a:ln>
+                <a:solidFill>
+                  <a:schemeClr val="tx1"/>
+                </a:solidFill>
+              </a:ln>
+            </p:spPr>
+            <p:style>
+              <a:lnRef idx="2">
+                <a:schemeClr val="accent1">
+                  <a:shade val="50000"/>
+                </a:schemeClr>
+              </a:lnRef>
+              <a:fillRef idx="1">
+                <a:schemeClr val="accent1"/>
+              </a:fillRef>
+              <a:effectRef idx="0">
+                <a:schemeClr val="accent1"/>
+              </a:effectRef>
+              <a:fontRef idx="minor">
+                <a:schemeClr val="lt1"/>
+              </a:fontRef>
+            </p:style>
+            <p:txBody>
+              <a:bodyPr rtlCol="0" anchor="ctr"/>
+              <a:lstStyle/>
+              <a:p>
+                <a:pPr algn="ctr"/>
+                <a:endParaRPr lang="en-US"/>
+              </a:p>
+            </p:txBody>
+          </p:sp>
+          <p:sp>
+            <p:nvSpPr>
+              <p:cNvPr id="23" name="Rounded Rectangle 22">
+                <a:extLst>
+                  <a:ext uri="{FF2B5EF4-FFF2-40B4-BE49-F238E27FC236}">
+                    <a16:creationId xmlns:a16="http://schemas.microsoft.com/office/drawing/2014/main" id="{3D56FD46-835A-B949-BDDB-879C5F7BF8B2}"/>
+                  </a:ext>
+                </a:extLst>
+              </p:cNvPr>
+              <p:cNvSpPr/>
+              <p:nvPr/>
+            </p:nvSpPr>
+            <p:spPr>
+              <a:xfrm>
+                <a:off x="3345314" y="1607511"/>
+                <a:ext cx="119627" cy="326101"/>
+              </a:xfrm>
+              <a:prstGeom prst="roundRect">
+                <a:avLst>
+                  <a:gd name="adj" fmla="val 41146"/>
+                </a:avLst>
+              </a:prstGeom>
+              <a:solidFill>
+                <a:schemeClr val="tx1"/>
+              </a:solidFill>
+              <a:ln>
+                <a:solidFill>
+                  <a:schemeClr val="tx1"/>
+                </a:solidFill>
+              </a:ln>
+            </p:spPr>
+            <p:style>
+              <a:lnRef idx="2">
+                <a:schemeClr val="accent1">
+                  <a:shade val="50000"/>
+                </a:schemeClr>
+              </a:lnRef>
+              <a:fillRef idx="1">
+                <a:schemeClr val="accent1"/>
+              </a:fillRef>
+              <a:effectRef idx="0">
+                <a:schemeClr val="accent1"/>
+              </a:effectRef>
+              <a:fontRef idx="minor">
+                <a:schemeClr val="lt1"/>
+              </a:fontRef>
+            </p:style>
+            <p:txBody>
+              <a:bodyPr rtlCol="0" anchor="ctr"/>
+              <a:lstStyle/>
+              <a:p>
+                <a:pPr algn="ctr"/>
+                <a:endParaRPr lang="en-US"/>
+              </a:p>
+            </p:txBody>
+          </p:sp>
+          <p:sp>
+            <p:nvSpPr>
+              <p:cNvPr id="24" name="Oval 23">
+                <a:extLst>
+                  <a:ext uri="{FF2B5EF4-FFF2-40B4-BE49-F238E27FC236}">
+                    <a16:creationId xmlns:a16="http://schemas.microsoft.com/office/drawing/2014/main" id="{56ECD87F-21EE-394C-8C65-C1F02BF81A52}"/>
+                  </a:ext>
+                </a:extLst>
+              </p:cNvPr>
+              <p:cNvSpPr/>
+              <p:nvPr/>
+            </p:nvSpPr>
+            <p:spPr>
+              <a:xfrm>
+                <a:off x="3602640" y="476655"/>
+                <a:ext cx="356518" cy="356518"/>
+              </a:xfrm>
+              <a:prstGeom prst="ellipse">
+                <a:avLst/>
+              </a:prstGeom>
+              <a:solidFill>
+                <a:schemeClr val="bg2">
+                  <a:lumMod val="90000"/>
+                </a:schemeClr>
+              </a:solidFill>
+              <a:ln>
+                <a:solidFill>
+                  <a:schemeClr val="tx1"/>
+                </a:solidFill>
+              </a:ln>
+            </p:spPr>
+            <p:style>
+              <a:lnRef idx="2">
+                <a:schemeClr val="accent1">
+                  <a:shade val="50000"/>
+                </a:schemeClr>
+              </a:lnRef>
+              <a:fillRef idx="1">
+                <a:schemeClr val="accent1"/>
+              </a:fillRef>
+              <a:effectRef idx="0">
+                <a:schemeClr val="accent1"/>
+              </a:effectRef>
+              <a:fontRef idx="minor">
+                <a:schemeClr val="lt1"/>
+              </a:fontRef>
+            </p:style>
+            <p:txBody>
+              <a:bodyPr rtlCol="0" anchor="ctr"/>
+              <a:lstStyle/>
+              <a:p>
+                <a:pPr algn="ctr"/>
+                <a:endParaRPr lang="en-US"/>
+              </a:p>
+            </p:txBody>
+          </p:sp>
+          <p:sp>
+            <p:nvSpPr>
+              <p:cNvPr id="25" name="Oval 24">
+                <a:extLst>
+                  <a:ext uri="{FF2B5EF4-FFF2-40B4-BE49-F238E27FC236}">
+                    <a16:creationId xmlns:a16="http://schemas.microsoft.com/office/drawing/2014/main" id="{3118643E-6A03-014D-9D5D-A8CD661A1752}"/>
+                  </a:ext>
+                </a:extLst>
+              </p:cNvPr>
+              <p:cNvSpPr/>
+              <p:nvPr/>
+            </p:nvSpPr>
+            <p:spPr>
+              <a:xfrm>
+                <a:off x="4031132" y="476655"/>
+                <a:ext cx="356518" cy="356518"/>
+              </a:xfrm>
+              <a:prstGeom prst="ellipse">
+                <a:avLst/>
+              </a:prstGeom>
+              <a:solidFill>
+                <a:schemeClr val="bg2">
+                  <a:lumMod val="90000"/>
+                </a:schemeClr>
+              </a:solidFill>
+              <a:ln>
+                <a:solidFill>
+                  <a:schemeClr val="tx1"/>
+                </a:solidFill>
+              </a:ln>
+            </p:spPr>
+            <p:style>
+              <a:lnRef idx="2">
+                <a:schemeClr val="accent1">
+                  <a:shade val="50000"/>
+                </a:schemeClr>
+              </a:lnRef>
+              <a:fillRef idx="1">
+                <a:schemeClr val="accent1"/>
+              </a:fillRef>
+              <a:effectRef idx="0">
+                <a:schemeClr val="accent1"/>
+              </a:effectRef>
+              <a:fontRef idx="minor">
+                <a:schemeClr val="lt1"/>
+              </a:fontRef>
+            </p:style>
+            <p:txBody>
+              <a:bodyPr rtlCol="0" anchor="ctr"/>
+              <a:lstStyle/>
+              <a:p>
+                <a:pPr algn="ctr"/>
+                <a:endParaRPr lang="en-US"/>
+              </a:p>
+            </p:txBody>
+          </p:sp>
+          <p:sp>
+            <p:nvSpPr>
+              <p:cNvPr id="26" name="Oval 25">
+                <a:extLst>
+                  <a:ext uri="{FF2B5EF4-FFF2-40B4-BE49-F238E27FC236}">
+                    <a16:creationId xmlns:a16="http://schemas.microsoft.com/office/drawing/2014/main" id="{01D2F59C-FC5E-6543-903E-AD4ADB92792B}"/>
+                  </a:ext>
+                </a:extLst>
+              </p:cNvPr>
+              <p:cNvSpPr/>
+              <p:nvPr/>
+            </p:nvSpPr>
+            <p:spPr>
+              <a:xfrm>
+                <a:off x="3636463" y="510478"/>
+                <a:ext cx="288872" cy="288872"/>
+              </a:xfrm>
+              <a:prstGeom prst="ellipse">
+                <a:avLst/>
+              </a:prstGeom>
+              <a:solidFill>
+                <a:schemeClr val="bg2">
+                  <a:lumMod val="50000"/>
+                </a:schemeClr>
+              </a:solidFill>
+              <a:ln>
+                <a:solidFill>
+                  <a:schemeClr val="tx1"/>
+                </a:solidFill>
+              </a:ln>
+            </p:spPr>
+            <p:style>
+              <a:lnRef idx="2">
+                <a:schemeClr val="accent1">
+                  <a:shade val="50000"/>
+                </a:schemeClr>
+              </a:lnRef>
+              <a:fillRef idx="1">
+                <a:schemeClr val="accent1"/>
+              </a:fillRef>
+              <a:effectRef idx="0">
+                <a:schemeClr val="accent1"/>
+              </a:effectRef>
+              <a:fontRef idx="minor">
+                <a:schemeClr val="lt1"/>
+              </a:fontRef>
+            </p:style>
+            <p:txBody>
+              <a:bodyPr rtlCol="0" anchor="ctr"/>
+              <a:lstStyle/>
+              <a:p>
+                <a:pPr algn="ctr"/>
+                <a:endParaRPr lang="en-US"/>
+              </a:p>
+            </p:txBody>
+          </p:sp>
+          <p:sp>
+            <p:nvSpPr>
+              <p:cNvPr id="27" name="Oval 26">
+                <a:extLst>
+                  <a:ext uri="{FF2B5EF4-FFF2-40B4-BE49-F238E27FC236}">
+                    <a16:creationId xmlns:a16="http://schemas.microsoft.com/office/drawing/2014/main" id="{F9E71862-F304-4346-8222-5FEAD42B382E}"/>
+                  </a:ext>
+                </a:extLst>
+              </p:cNvPr>
+              <p:cNvSpPr/>
+              <p:nvPr/>
+            </p:nvSpPr>
+            <p:spPr>
+              <a:xfrm>
+                <a:off x="4064955" y="510478"/>
+                <a:ext cx="288872" cy="288872"/>
+              </a:xfrm>
+              <a:prstGeom prst="ellipse">
+                <a:avLst/>
+              </a:prstGeom>
+              <a:solidFill>
+                <a:schemeClr val="bg2">
+                  <a:lumMod val="50000"/>
+                </a:schemeClr>
+              </a:solidFill>
+              <a:ln>
+                <a:solidFill>
+                  <a:schemeClr val="tx1"/>
+                </a:solidFill>
+              </a:ln>
+            </p:spPr>
+            <p:style>
+              <a:lnRef idx="2">
+                <a:schemeClr val="accent1">
+                  <a:shade val="50000"/>
+                </a:schemeClr>
+              </a:lnRef>
+              <a:fillRef idx="1">
+                <a:schemeClr val="accent1"/>
+              </a:fillRef>
+              <a:effectRef idx="0">
+                <a:schemeClr val="accent1"/>
+              </a:effectRef>
+              <a:fontRef idx="minor">
+                <a:schemeClr val="lt1"/>
+              </a:fontRef>
+            </p:style>
+            <p:txBody>
+              <a:bodyPr rtlCol="0" anchor="ctr"/>
+              <a:lstStyle/>
+              <a:p>
+                <a:pPr algn="ctr"/>
+                <a:endParaRPr lang="en-US"/>
+              </a:p>
+            </p:txBody>
+          </p:sp>
+          <p:sp>
+            <p:nvSpPr>
+              <p:cNvPr id="28" name="Oval 27">
+                <a:extLst>
+                  <a:ext uri="{FF2B5EF4-FFF2-40B4-BE49-F238E27FC236}">
+                    <a16:creationId xmlns:a16="http://schemas.microsoft.com/office/drawing/2014/main" id="{430E2BEC-533B-9742-9093-A0E355CFBA2B}"/>
+                  </a:ext>
+                </a:extLst>
+              </p:cNvPr>
+              <p:cNvSpPr/>
+              <p:nvPr/>
+            </p:nvSpPr>
+            <p:spPr>
+              <a:xfrm>
+                <a:off x="3742446" y="616462"/>
+                <a:ext cx="75140" cy="75140"/>
+              </a:xfrm>
+              <a:prstGeom prst="ellipse">
+                <a:avLst/>
+              </a:prstGeom>
+              <a:solidFill>
+                <a:schemeClr val="bg2">
+                  <a:lumMod val="90000"/>
+                </a:schemeClr>
+              </a:solidFill>
+              <a:ln>
+                <a:solidFill>
+                  <a:schemeClr val="tx1"/>
+                </a:solidFill>
+              </a:ln>
+            </p:spPr>
+            <p:style>
+              <a:lnRef idx="2">
+                <a:schemeClr val="accent1">
+                  <a:shade val="50000"/>
+                </a:schemeClr>
+              </a:lnRef>
+              <a:fillRef idx="1">
+                <a:schemeClr val="accent1"/>
+              </a:fillRef>
+              <a:effectRef idx="0">
+                <a:schemeClr val="accent1"/>
+              </a:effectRef>
+              <a:fontRef idx="minor">
+                <a:schemeClr val="lt1"/>
+              </a:fontRef>
+            </p:style>
+            <p:txBody>
+              <a:bodyPr rtlCol="0" anchor="ctr"/>
+              <a:lstStyle/>
+              <a:p>
+                <a:pPr algn="ctr"/>
+                <a:endParaRPr lang="en-US"/>
+              </a:p>
+            </p:txBody>
+          </p:sp>
+          <p:sp>
+            <p:nvSpPr>
+              <p:cNvPr id="29" name="Oval 28">
+                <a:extLst>
+                  <a:ext uri="{FF2B5EF4-FFF2-40B4-BE49-F238E27FC236}">
+                    <a16:creationId xmlns:a16="http://schemas.microsoft.com/office/drawing/2014/main" id="{7D855430-FCA2-7245-93E0-8E28FACFACA2}"/>
+                  </a:ext>
+                </a:extLst>
+              </p:cNvPr>
+              <p:cNvSpPr/>
+              <p:nvPr/>
+            </p:nvSpPr>
+            <p:spPr>
+              <a:xfrm>
+                <a:off x="4171821" y="616693"/>
+                <a:ext cx="75140" cy="75140"/>
+              </a:xfrm>
+              <a:prstGeom prst="ellipse">
+                <a:avLst/>
+              </a:prstGeom>
+              <a:solidFill>
+                <a:schemeClr val="bg2">
+                  <a:lumMod val="90000"/>
+                </a:schemeClr>
+              </a:solidFill>
+              <a:ln>
+                <a:solidFill>
+                  <a:schemeClr val="tx1"/>
+                </a:solidFill>
+              </a:ln>
+            </p:spPr>
+            <p:style>
+              <a:lnRef idx="2">
+                <a:schemeClr val="accent1">
+                  <a:shade val="50000"/>
+                </a:schemeClr>
+              </a:lnRef>
+              <a:fillRef idx="1">
+                <a:schemeClr val="accent1"/>
+              </a:fillRef>
+              <a:effectRef idx="0">
+                <a:schemeClr val="accent1"/>
+              </a:effectRef>
+              <a:fontRef idx="minor">
+                <a:schemeClr val="lt1"/>
+              </a:fontRef>
+            </p:style>
+            <p:txBody>
+              <a:bodyPr rtlCol="0" anchor="ctr"/>
+              <a:lstStyle/>
+              <a:p>
+                <a:pPr algn="ctr"/>
+                <a:endParaRPr lang="en-US"/>
+              </a:p>
+            </p:txBody>
+          </p:sp>
+          <p:sp>
+            <p:nvSpPr>
+              <p:cNvPr id="30" name="Oval 29">
+                <a:extLst>
+                  <a:ext uri="{FF2B5EF4-FFF2-40B4-BE49-F238E27FC236}">
+                    <a16:creationId xmlns:a16="http://schemas.microsoft.com/office/drawing/2014/main" id="{939A6C29-BCF7-0C46-93B9-BDB4BDAC4B1B}"/>
+                  </a:ext>
+                </a:extLst>
+              </p:cNvPr>
+              <p:cNvSpPr/>
+              <p:nvPr/>
+            </p:nvSpPr>
+            <p:spPr>
+              <a:xfrm>
+                <a:off x="3757156" y="631172"/>
+                <a:ext cx="45719" cy="45719"/>
+              </a:xfrm>
+              <a:prstGeom prst="ellipse">
+                <a:avLst/>
+              </a:prstGeom>
+              <a:solidFill>
+                <a:schemeClr val="tx1">
+                  <a:lumMod val="85000"/>
+                  <a:lumOff val="15000"/>
+                </a:schemeClr>
+              </a:solidFill>
+              <a:ln>
+                <a:noFill/>
+              </a:ln>
+            </p:spPr>
+            <p:style>
+              <a:lnRef idx="2">
+                <a:schemeClr val="accent1">
+                  <a:shade val="50000"/>
+                </a:schemeClr>
+              </a:lnRef>
+              <a:fillRef idx="1">
+                <a:schemeClr val="accent1"/>
+              </a:fillRef>
+              <a:effectRef idx="0">
+                <a:schemeClr val="accent1"/>
+              </a:effectRef>
+              <a:fontRef idx="minor">
+                <a:schemeClr val="lt1"/>
+              </a:fontRef>
+            </p:style>
+            <p:txBody>
+              <a:bodyPr rtlCol="0" anchor="ctr"/>
+              <a:lstStyle/>
+              <a:p>
+                <a:pPr algn="ctr"/>
+                <a:endParaRPr lang="en-US"/>
+              </a:p>
+            </p:txBody>
+          </p:sp>
+          <p:sp>
+            <p:nvSpPr>
+              <p:cNvPr id="31" name="Oval 30">
+                <a:extLst>
+                  <a:ext uri="{FF2B5EF4-FFF2-40B4-BE49-F238E27FC236}">
+                    <a16:creationId xmlns:a16="http://schemas.microsoft.com/office/drawing/2014/main" id="{3E7CAC3B-0589-5E4E-B57B-ABA027BDA37A}"/>
+                  </a:ext>
+                </a:extLst>
+              </p:cNvPr>
+              <p:cNvSpPr/>
+              <p:nvPr/>
+            </p:nvSpPr>
+            <p:spPr>
+              <a:xfrm>
+                <a:off x="4186531" y="631153"/>
+                <a:ext cx="45719" cy="45719"/>
+              </a:xfrm>
+              <a:prstGeom prst="ellipse">
+                <a:avLst/>
+              </a:prstGeom>
+              <a:solidFill>
+                <a:schemeClr val="tx1">
+                  <a:lumMod val="85000"/>
+                  <a:lumOff val="15000"/>
+                </a:schemeClr>
+              </a:solidFill>
+              <a:ln>
+                <a:noFill/>
+              </a:ln>
+            </p:spPr>
+            <p:style>
+              <a:lnRef idx="2">
+                <a:schemeClr val="accent1">
+                  <a:shade val="50000"/>
+                </a:schemeClr>
+              </a:lnRef>
+              <a:fillRef idx="1">
+                <a:schemeClr val="accent1"/>
+              </a:fillRef>
+              <a:effectRef idx="0">
+                <a:schemeClr val="accent1"/>
+              </a:effectRef>
+              <a:fontRef idx="minor">
+                <a:schemeClr val="lt1"/>
+              </a:fontRef>
+            </p:style>
+            <p:txBody>
+              <a:bodyPr rtlCol="0" anchor="ctr"/>
+              <a:lstStyle/>
+              <a:p>
+                <a:pPr algn="ctr"/>
+                <a:endParaRPr lang="en-US"/>
+              </a:p>
+            </p:txBody>
+          </p:sp>
+        </p:grpSp>
+        <p:sp>
+          <p:nvSpPr>
+            <p:cNvPr id="32" name="Rectangle 31">
+              <a:extLst>
+                <a:ext uri="{FF2B5EF4-FFF2-40B4-BE49-F238E27FC236}">
+                  <a16:creationId xmlns:a16="http://schemas.microsoft.com/office/drawing/2014/main" id="{45420398-BCF1-5245-988F-8527399B1BA4}"/>
+                </a:ext>
+              </a:extLst>
+            </p:cNvPr>
+            <p:cNvSpPr/>
+            <p:nvPr/>
+          </p:nvSpPr>
+          <p:spPr>
+            <a:xfrm>
+              <a:off x="7606929" y="246965"/>
+              <a:ext cx="2944042" cy="5693108"/>
+            </a:xfrm>
+            <a:prstGeom prst="rect">
+              <a:avLst/>
+            </a:prstGeom>
+            <a:noFill/>
+            <a:ln w="28575">
+              <a:solidFill>
+                <a:srgbClr val="C00000"/>
+              </a:solidFill>
             </a:ln>
           </p:spPr>
           <p:style>
@@ -12110,673 +12860,7 @@
             </a:p>
           </p:txBody>
         </p:sp>
-        <p:sp>
-          <p:nvSpPr>
-            <p:cNvPr id="21" name="Rounded Rectangle 20">
-              <a:extLst>
-                <a:ext uri="{FF2B5EF4-FFF2-40B4-BE49-F238E27FC236}">
-                  <a16:creationId xmlns:a16="http://schemas.microsoft.com/office/drawing/2014/main" id="{ABD22F0A-E2DD-4144-926F-E298BCB3BF0C}"/>
-                </a:ext>
-              </a:extLst>
-            </p:cNvPr>
-            <p:cNvSpPr/>
-            <p:nvPr/>
-          </p:nvSpPr>
-          <p:spPr>
-            <a:xfrm>
-              <a:off x="3345314" y="1206298"/>
-              <a:ext cx="119627" cy="326101"/>
-            </a:xfrm>
-            <a:prstGeom prst="roundRect">
-              <a:avLst>
-                <a:gd name="adj" fmla="val 41146"/>
-              </a:avLst>
-            </a:prstGeom>
-            <a:solidFill>
-              <a:schemeClr val="tx1"/>
-            </a:solidFill>
-            <a:ln>
-              <a:solidFill>
-                <a:schemeClr val="tx1"/>
-              </a:solidFill>
-            </a:ln>
-          </p:spPr>
-          <p:style>
-            <a:lnRef idx="2">
-              <a:schemeClr val="accent1">
-                <a:shade val="50000"/>
-              </a:schemeClr>
-            </a:lnRef>
-            <a:fillRef idx="1">
-              <a:schemeClr val="accent1"/>
-            </a:fillRef>
-            <a:effectRef idx="0">
-              <a:schemeClr val="accent1"/>
-            </a:effectRef>
-            <a:fontRef idx="minor">
-              <a:schemeClr val="lt1"/>
-            </a:fontRef>
-          </p:style>
-          <p:txBody>
-            <a:bodyPr rtlCol="0" anchor="ctr"/>
-            <a:lstStyle/>
-            <a:p>
-              <a:pPr algn="ctr"/>
-              <a:endParaRPr lang="en-US"/>
-            </a:p>
-          </p:txBody>
-        </p:sp>
-        <p:sp>
-          <p:nvSpPr>
-            <p:cNvPr id="22" name="Rounded Rectangle 21">
-              <a:extLst>
-                <a:ext uri="{FF2B5EF4-FFF2-40B4-BE49-F238E27FC236}">
-                  <a16:creationId xmlns:a16="http://schemas.microsoft.com/office/drawing/2014/main" id="{5CC780C4-4D60-224A-97AF-D62DF8526668}"/>
-                </a:ext>
-              </a:extLst>
-            </p:cNvPr>
-            <p:cNvSpPr/>
-            <p:nvPr/>
-          </p:nvSpPr>
-          <p:spPr>
-            <a:xfrm>
-              <a:off x="6169729" y="1175962"/>
-              <a:ext cx="119627" cy="326101"/>
-            </a:xfrm>
-            <a:prstGeom prst="roundRect">
-              <a:avLst>
-                <a:gd name="adj" fmla="val 41146"/>
-              </a:avLst>
-            </a:prstGeom>
-            <a:solidFill>
-              <a:schemeClr val="tx1"/>
-            </a:solidFill>
-            <a:ln>
-              <a:solidFill>
-                <a:schemeClr val="tx1"/>
-              </a:solidFill>
-            </a:ln>
-          </p:spPr>
-          <p:style>
-            <a:lnRef idx="2">
-              <a:schemeClr val="accent1">
-                <a:shade val="50000"/>
-              </a:schemeClr>
-            </a:lnRef>
-            <a:fillRef idx="1">
-              <a:schemeClr val="accent1"/>
-            </a:fillRef>
-            <a:effectRef idx="0">
-              <a:schemeClr val="accent1"/>
-            </a:effectRef>
-            <a:fontRef idx="minor">
-              <a:schemeClr val="lt1"/>
-            </a:fontRef>
-          </p:style>
-          <p:txBody>
-            <a:bodyPr rtlCol="0" anchor="ctr"/>
-            <a:lstStyle/>
-            <a:p>
-              <a:pPr algn="ctr"/>
-              <a:endParaRPr lang="en-US"/>
-            </a:p>
-          </p:txBody>
-        </p:sp>
-        <p:sp>
-          <p:nvSpPr>
-            <p:cNvPr id="23" name="Rounded Rectangle 22">
-              <a:extLst>
-                <a:ext uri="{FF2B5EF4-FFF2-40B4-BE49-F238E27FC236}">
-                  <a16:creationId xmlns:a16="http://schemas.microsoft.com/office/drawing/2014/main" id="{3D56FD46-835A-B949-BDDB-879C5F7BF8B2}"/>
-                </a:ext>
-              </a:extLst>
-            </p:cNvPr>
-            <p:cNvSpPr/>
-            <p:nvPr/>
-          </p:nvSpPr>
-          <p:spPr>
-            <a:xfrm>
-              <a:off x="3345314" y="1607511"/>
-              <a:ext cx="119627" cy="326101"/>
-            </a:xfrm>
-            <a:prstGeom prst="roundRect">
-              <a:avLst>
-                <a:gd name="adj" fmla="val 41146"/>
-              </a:avLst>
-            </a:prstGeom>
-            <a:solidFill>
-              <a:schemeClr val="tx1"/>
-            </a:solidFill>
-            <a:ln>
-              <a:solidFill>
-                <a:schemeClr val="tx1"/>
-              </a:solidFill>
-            </a:ln>
-          </p:spPr>
-          <p:style>
-            <a:lnRef idx="2">
-              <a:schemeClr val="accent1">
-                <a:shade val="50000"/>
-              </a:schemeClr>
-            </a:lnRef>
-            <a:fillRef idx="1">
-              <a:schemeClr val="accent1"/>
-            </a:fillRef>
-            <a:effectRef idx="0">
-              <a:schemeClr val="accent1"/>
-            </a:effectRef>
-            <a:fontRef idx="minor">
-              <a:schemeClr val="lt1"/>
-            </a:fontRef>
-          </p:style>
-          <p:txBody>
-            <a:bodyPr rtlCol="0" anchor="ctr"/>
-            <a:lstStyle/>
-            <a:p>
-              <a:pPr algn="ctr"/>
-              <a:endParaRPr lang="en-US"/>
-            </a:p>
-          </p:txBody>
-        </p:sp>
-        <p:sp>
-          <p:nvSpPr>
-            <p:cNvPr id="24" name="Oval 23">
-              <a:extLst>
-                <a:ext uri="{FF2B5EF4-FFF2-40B4-BE49-F238E27FC236}">
-                  <a16:creationId xmlns:a16="http://schemas.microsoft.com/office/drawing/2014/main" id="{56ECD87F-21EE-394C-8C65-C1F02BF81A52}"/>
-                </a:ext>
-              </a:extLst>
-            </p:cNvPr>
-            <p:cNvSpPr/>
-            <p:nvPr/>
-          </p:nvSpPr>
-          <p:spPr>
-            <a:xfrm>
-              <a:off x="3602640" y="476655"/>
-              <a:ext cx="356518" cy="356518"/>
-            </a:xfrm>
-            <a:prstGeom prst="ellipse">
-              <a:avLst/>
-            </a:prstGeom>
-            <a:solidFill>
-              <a:schemeClr val="bg2">
-                <a:lumMod val="90000"/>
-              </a:schemeClr>
-            </a:solidFill>
-            <a:ln>
-              <a:solidFill>
-                <a:schemeClr val="tx1"/>
-              </a:solidFill>
-            </a:ln>
-          </p:spPr>
-          <p:style>
-            <a:lnRef idx="2">
-              <a:schemeClr val="accent1">
-                <a:shade val="50000"/>
-              </a:schemeClr>
-            </a:lnRef>
-            <a:fillRef idx="1">
-              <a:schemeClr val="accent1"/>
-            </a:fillRef>
-            <a:effectRef idx="0">
-              <a:schemeClr val="accent1"/>
-            </a:effectRef>
-            <a:fontRef idx="minor">
-              <a:schemeClr val="lt1"/>
-            </a:fontRef>
-          </p:style>
-          <p:txBody>
-            <a:bodyPr rtlCol="0" anchor="ctr"/>
-            <a:lstStyle/>
-            <a:p>
-              <a:pPr algn="ctr"/>
-              <a:endParaRPr lang="en-US"/>
-            </a:p>
-          </p:txBody>
-        </p:sp>
-        <p:sp>
-          <p:nvSpPr>
-            <p:cNvPr id="25" name="Oval 24">
-              <a:extLst>
-                <a:ext uri="{FF2B5EF4-FFF2-40B4-BE49-F238E27FC236}">
-                  <a16:creationId xmlns:a16="http://schemas.microsoft.com/office/drawing/2014/main" id="{3118643E-6A03-014D-9D5D-A8CD661A1752}"/>
-                </a:ext>
-              </a:extLst>
-            </p:cNvPr>
-            <p:cNvSpPr/>
-            <p:nvPr/>
-          </p:nvSpPr>
-          <p:spPr>
-            <a:xfrm>
-              <a:off x="4031132" y="476655"/>
-              <a:ext cx="356518" cy="356518"/>
-            </a:xfrm>
-            <a:prstGeom prst="ellipse">
-              <a:avLst/>
-            </a:prstGeom>
-            <a:solidFill>
-              <a:schemeClr val="bg2">
-                <a:lumMod val="90000"/>
-              </a:schemeClr>
-            </a:solidFill>
-            <a:ln>
-              <a:solidFill>
-                <a:schemeClr val="tx1"/>
-              </a:solidFill>
-            </a:ln>
-          </p:spPr>
-          <p:style>
-            <a:lnRef idx="2">
-              <a:schemeClr val="accent1">
-                <a:shade val="50000"/>
-              </a:schemeClr>
-            </a:lnRef>
-            <a:fillRef idx="1">
-              <a:schemeClr val="accent1"/>
-            </a:fillRef>
-            <a:effectRef idx="0">
-              <a:schemeClr val="accent1"/>
-            </a:effectRef>
-            <a:fontRef idx="minor">
-              <a:schemeClr val="lt1"/>
-            </a:fontRef>
-          </p:style>
-          <p:txBody>
-            <a:bodyPr rtlCol="0" anchor="ctr"/>
-            <a:lstStyle/>
-            <a:p>
-              <a:pPr algn="ctr"/>
-              <a:endParaRPr lang="en-US"/>
-            </a:p>
-          </p:txBody>
-        </p:sp>
-        <p:sp>
-          <p:nvSpPr>
-            <p:cNvPr id="26" name="Oval 25">
-              <a:extLst>
-                <a:ext uri="{FF2B5EF4-FFF2-40B4-BE49-F238E27FC236}">
-                  <a16:creationId xmlns:a16="http://schemas.microsoft.com/office/drawing/2014/main" id="{01D2F59C-FC5E-6543-903E-AD4ADB92792B}"/>
-                </a:ext>
-              </a:extLst>
-            </p:cNvPr>
-            <p:cNvSpPr/>
-            <p:nvPr/>
-          </p:nvSpPr>
-          <p:spPr>
-            <a:xfrm>
-              <a:off x="3636463" y="510478"/>
-              <a:ext cx="288872" cy="288872"/>
-            </a:xfrm>
-            <a:prstGeom prst="ellipse">
-              <a:avLst/>
-            </a:prstGeom>
-            <a:solidFill>
-              <a:schemeClr val="bg2">
-                <a:lumMod val="50000"/>
-              </a:schemeClr>
-            </a:solidFill>
-            <a:ln>
-              <a:solidFill>
-                <a:schemeClr val="tx1"/>
-              </a:solidFill>
-            </a:ln>
-          </p:spPr>
-          <p:style>
-            <a:lnRef idx="2">
-              <a:schemeClr val="accent1">
-                <a:shade val="50000"/>
-              </a:schemeClr>
-            </a:lnRef>
-            <a:fillRef idx="1">
-              <a:schemeClr val="accent1"/>
-            </a:fillRef>
-            <a:effectRef idx="0">
-              <a:schemeClr val="accent1"/>
-            </a:effectRef>
-            <a:fontRef idx="minor">
-              <a:schemeClr val="lt1"/>
-            </a:fontRef>
-          </p:style>
-          <p:txBody>
-            <a:bodyPr rtlCol="0" anchor="ctr"/>
-            <a:lstStyle/>
-            <a:p>
-              <a:pPr algn="ctr"/>
-              <a:endParaRPr lang="en-US"/>
-            </a:p>
-          </p:txBody>
-        </p:sp>
-        <p:sp>
-          <p:nvSpPr>
-            <p:cNvPr id="27" name="Oval 26">
-              <a:extLst>
-                <a:ext uri="{FF2B5EF4-FFF2-40B4-BE49-F238E27FC236}">
-                  <a16:creationId xmlns:a16="http://schemas.microsoft.com/office/drawing/2014/main" id="{F9E71862-F304-4346-8222-5FEAD42B382E}"/>
-                </a:ext>
-              </a:extLst>
-            </p:cNvPr>
-            <p:cNvSpPr/>
-            <p:nvPr/>
-          </p:nvSpPr>
-          <p:spPr>
-            <a:xfrm>
-              <a:off x="4064955" y="510478"/>
-              <a:ext cx="288872" cy="288872"/>
-            </a:xfrm>
-            <a:prstGeom prst="ellipse">
-              <a:avLst/>
-            </a:prstGeom>
-            <a:solidFill>
-              <a:schemeClr val="bg2">
-                <a:lumMod val="50000"/>
-              </a:schemeClr>
-            </a:solidFill>
-            <a:ln>
-              <a:solidFill>
-                <a:schemeClr val="tx1"/>
-              </a:solidFill>
-            </a:ln>
-          </p:spPr>
-          <p:style>
-            <a:lnRef idx="2">
-              <a:schemeClr val="accent1">
-                <a:shade val="50000"/>
-              </a:schemeClr>
-            </a:lnRef>
-            <a:fillRef idx="1">
-              <a:schemeClr val="accent1"/>
-            </a:fillRef>
-            <a:effectRef idx="0">
-              <a:schemeClr val="accent1"/>
-            </a:effectRef>
-            <a:fontRef idx="minor">
-              <a:schemeClr val="lt1"/>
-            </a:fontRef>
-          </p:style>
-          <p:txBody>
-            <a:bodyPr rtlCol="0" anchor="ctr"/>
-            <a:lstStyle/>
-            <a:p>
-              <a:pPr algn="ctr"/>
-              <a:endParaRPr lang="en-US"/>
-            </a:p>
-          </p:txBody>
-        </p:sp>
-        <p:sp>
-          <p:nvSpPr>
-            <p:cNvPr id="28" name="Oval 27">
-              <a:extLst>
-                <a:ext uri="{FF2B5EF4-FFF2-40B4-BE49-F238E27FC236}">
-                  <a16:creationId xmlns:a16="http://schemas.microsoft.com/office/drawing/2014/main" id="{430E2BEC-533B-9742-9093-A0E355CFBA2B}"/>
-                </a:ext>
-              </a:extLst>
-            </p:cNvPr>
-            <p:cNvSpPr/>
-            <p:nvPr/>
-          </p:nvSpPr>
-          <p:spPr>
-            <a:xfrm>
-              <a:off x="3742446" y="616462"/>
-              <a:ext cx="75140" cy="75140"/>
-            </a:xfrm>
-            <a:prstGeom prst="ellipse">
-              <a:avLst/>
-            </a:prstGeom>
-            <a:solidFill>
-              <a:schemeClr val="bg2">
-                <a:lumMod val="90000"/>
-              </a:schemeClr>
-            </a:solidFill>
-            <a:ln>
-              <a:solidFill>
-                <a:schemeClr val="tx1"/>
-              </a:solidFill>
-            </a:ln>
-          </p:spPr>
-          <p:style>
-            <a:lnRef idx="2">
-              <a:schemeClr val="accent1">
-                <a:shade val="50000"/>
-              </a:schemeClr>
-            </a:lnRef>
-            <a:fillRef idx="1">
-              <a:schemeClr val="accent1"/>
-            </a:fillRef>
-            <a:effectRef idx="0">
-              <a:schemeClr val="accent1"/>
-            </a:effectRef>
-            <a:fontRef idx="minor">
-              <a:schemeClr val="lt1"/>
-            </a:fontRef>
-          </p:style>
-          <p:txBody>
-            <a:bodyPr rtlCol="0" anchor="ctr"/>
-            <a:lstStyle/>
-            <a:p>
-              <a:pPr algn="ctr"/>
-              <a:endParaRPr lang="en-US"/>
-            </a:p>
-          </p:txBody>
-        </p:sp>
-        <p:sp>
-          <p:nvSpPr>
-            <p:cNvPr id="29" name="Oval 28">
-              <a:extLst>
-                <a:ext uri="{FF2B5EF4-FFF2-40B4-BE49-F238E27FC236}">
-                  <a16:creationId xmlns:a16="http://schemas.microsoft.com/office/drawing/2014/main" id="{7D855430-FCA2-7245-93E0-8E28FACFACA2}"/>
-                </a:ext>
-              </a:extLst>
-            </p:cNvPr>
-            <p:cNvSpPr/>
-            <p:nvPr/>
-          </p:nvSpPr>
-          <p:spPr>
-            <a:xfrm>
-              <a:off x="4171821" y="616693"/>
-              <a:ext cx="75140" cy="75140"/>
-            </a:xfrm>
-            <a:prstGeom prst="ellipse">
-              <a:avLst/>
-            </a:prstGeom>
-            <a:solidFill>
-              <a:schemeClr val="bg2">
-                <a:lumMod val="90000"/>
-              </a:schemeClr>
-            </a:solidFill>
-            <a:ln>
-              <a:solidFill>
-                <a:schemeClr val="tx1"/>
-              </a:solidFill>
-            </a:ln>
-          </p:spPr>
-          <p:style>
-            <a:lnRef idx="2">
-              <a:schemeClr val="accent1">
-                <a:shade val="50000"/>
-              </a:schemeClr>
-            </a:lnRef>
-            <a:fillRef idx="1">
-              <a:schemeClr val="accent1"/>
-            </a:fillRef>
-            <a:effectRef idx="0">
-              <a:schemeClr val="accent1"/>
-            </a:effectRef>
-            <a:fontRef idx="minor">
-              <a:schemeClr val="lt1"/>
-            </a:fontRef>
-          </p:style>
-          <p:txBody>
-            <a:bodyPr rtlCol="0" anchor="ctr"/>
-            <a:lstStyle/>
-            <a:p>
-              <a:pPr algn="ctr"/>
-              <a:endParaRPr lang="en-US"/>
-            </a:p>
-          </p:txBody>
-        </p:sp>
-        <p:sp>
-          <p:nvSpPr>
-            <p:cNvPr id="30" name="Oval 29">
-              <a:extLst>
-                <a:ext uri="{FF2B5EF4-FFF2-40B4-BE49-F238E27FC236}">
-                  <a16:creationId xmlns:a16="http://schemas.microsoft.com/office/drawing/2014/main" id="{939A6C29-BCF7-0C46-93B9-BDB4BDAC4B1B}"/>
-                </a:ext>
-              </a:extLst>
-            </p:cNvPr>
-            <p:cNvSpPr/>
-            <p:nvPr/>
-          </p:nvSpPr>
-          <p:spPr>
-            <a:xfrm>
-              <a:off x="3757156" y="631172"/>
-              <a:ext cx="45719" cy="45719"/>
-            </a:xfrm>
-            <a:prstGeom prst="ellipse">
-              <a:avLst/>
-            </a:prstGeom>
-            <a:solidFill>
-              <a:schemeClr val="tx1">
-                <a:lumMod val="85000"/>
-                <a:lumOff val="15000"/>
-              </a:schemeClr>
-            </a:solidFill>
-            <a:ln>
-              <a:noFill/>
-            </a:ln>
-          </p:spPr>
-          <p:style>
-            <a:lnRef idx="2">
-              <a:schemeClr val="accent1">
-                <a:shade val="50000"/>
-              </a:schemeClr>
-            </a:lnRef>
-            <a:fillRef idx="1">
-              <a:schemeClr val="accent1"/>
-            </a:fillRef>
-            <a:effectRef idx="0">
-              <a:schemeClr val="accent1"/>
-            </a:effectRef>
-            <a:fontRef idx="minor">
-              <a:schemeClr val="lt1"/>
-            </a:fontRef>
-          </p:style>
-          <p:txBody>
-            <a:bodyPr rtlCol="0" anchor="ctr"/>
-            <a:lstStyle/>
-            <a:p>
-              <a:pPr algn="ctr"/>
-              <a:endParaRPr lang="en-US"/>
-            </a:p>
-          </p:txBody>
-        </p:sp>
-        <p:sp>
-          <p:nvSpPr>
-            <p:cNvPr id="31" name="Oval 30">
-              <a:extLst>
-                <a:ext uri="{FF2B5EF4-FFF2-40B4-BE49-F238E27FC236}">
-                  <a16:creationId xmlns:a16="http://schemas.microsoft.com/office/drawing/2014/main" id="{3E7CAC3B-0589-5E4E-B57B-ABA027BDA37A}"/>
-                </a:ext>
-              </a:extLst>
-            </p:cNvPr>
-            <p:cNvSpPr/>
-            <p:nvPr/>
-          </p:nvSpPr>
-          <p:spPr>
-            <a:xfrm>
-              <a:off x="4186531" y="631153"/>
-              <a:ext cx="45719" cy="45719"/>
-            </a:xfrm>
-            <a:prstGeom prst="ellipse">
-              <a:avLst/>
-            </a:prstGeom>
-            <a:solidFill>
-              <a:schemeClr val="tx1">
-                <a:lumMod val="85000"/>
-                <a:lumOff val="15000"/>
-              </a:schemeClr>
-            </a:solidFill>
-            <a:ln>
-              <a:noFill/>
-            </a:ln>
-          </p:spPr>
-          <p:style>
-            <a:lnRef idx="2">
-              <a:schemeClr val="accent1">
-                <a:shade val="50000"/>
-              </a:schemeClr>
-            </a:lnRef>
-            <a:fillRef idx="1">
-              <a:schemeClr val="accent1"/>
-            </a:fillRef>
-            <a:effectRef idx="0">
-              <a:schemeClr val="accent1"/>
-            </a:effectRef>
-            <a:fontRef idx="minor">
-              <a:schemeClr val="lt1"/>
-            </a:fontRef>
-          </p:style>
-          <p:txBody>
-            <a:bodyPr rtlCol="0" anchor="ctr"/>
-            <a:lstStyle/>
-            <a:p>
-              <a:pPr algn="ctr"/>
-              <a:endParaRPr lang="en-US"/>
-            </a:p>
-          </p:txBody>
-        </p:sp>
       </p:grpSp>
-      <p:sp>
-        <p:nvSpPr>
-          <p:cNvPr id="32" name="Rectangle 31">
-            <a:extLst>
-              <a:ext uri="{FF2B5EF4-FFF2-40B4-BE49-F238E27FC236}">
-                <a16:creationId xmlns:a16="http://schemas.microsoft.com/office/drawing/2014/main" id="{45420398-BCF1-5245-988F-8527399B1BA4}"/>
-              </a:ext>
-            </a:extLst>
-          </p:cNvPr>
-          <p:cNvSpPr/>
-          <p:nvPr/>
-        </p:nvSpPr>
-        <p:spPr>
-          <a:xfrm>
-            <a:off x="7606929" y="246965"/>
-            <a:ext cx="2944042" cy="5693108"/>
-          </a:xfrm>
-          <a:prstGeom prst="rect">
-            <a:avLst/>
-          </a:prstGeom>
-          <a:noFill/>
-          <a:ln w="28575">
-            <a:solidFill>
-              <a:srgbClr val="C00000"/>
-            </a:solidFill>
-          </a:ln>
-        </p:spPr>
-        <p:style>
-          <a:lnRef idx="2">
-            <a:schemeClr val="accent1">
-              <a:shade val="50000"/>
-            </a:schemeClr>
-          </a:lnRef>
-          <a:fillRef idx="1">
-            <a:schemeClr val="accent1"/>
-          </a:fillRef>
-          <a:effectRef idx="0">
-            <a:schemeClr val="accent1"/>
-          </a:effectRef>
-          <a:fontRef idx="minor">
-            <a:schemeClr val="lt1"/>
-          </a:fontRef>
-        </p:style>
-        <p:txBody>
-          <a:bodyPr rtlCol="0" anchor="ctr"/>
-          <a:lstStyle/>
-          <a:p>
-            <a:pPr algn="ctr"/>
-            <a:endParaRPr lang="en-US"/>
-          </a:p>
-        </p:txBody>
-      </p:sp>
     </p:spTree>
     <p:extLst>
       <p:ext uri="{BB962C8B-B14F-4D97-AF65-F5344CB8AC3E}">
